--- a/image/0_raw_image.pptx
+++ b/image/0_raw_image.pptx
@@ -12,6 +12,7 @@
     <p:sldId id="257" r:id="rId6"/>
     <p:sldId id="258" r:id="rId7"/>
     <p:sldId id="264" r:id="rId8"/>
+    <p:sldId id="265" r:id="rId9"/>
   </p:sldIdLst>
   <p:sldSz cx="12192000" cy="6858000"/>
   <p:notesSz cx="6858000" cy="9144000"/>
@@ -138,6 +139,7 @@
           <p14:sldIdLst>
             <p14:sldId id="258"/>
             <p14:sldId id="264"/>
+            <p14:sldId id="265"/>
           </p14:sldIdLst>
         </p14:section>
       </p14:sectionLst>
@@ -296,7 +298,7 @@
           <a:p>
             <a:fld id="{DC00918D-4361-4CFD-83C0-A19C315B9995}" type="datetimeFigureOut">
               <a:rPr lang="en-US" smtClean="0"/>
-              <a:t>12/16/21</a:t>
+              <a:t>1/10/22</a:t>
             </a:fld>
             <a:endParaRPr lang="en-US"/>
           </a:p>
@@ -494,7 +496,7 @@
           <a:p>
             <a:fld id="{DC00918D-4361-4CFD-83C0-A19C315B9995}" type="datetimeFigureOut">
               <a:rPr lang="en-US" smtClean="0"/>
-              <a:t>12/16/21</a:t>
+              <a:t>1/10/22</a:t>
             </a:fld>
             <a:endParaRPr lang="en-US"/>
           </a:p>
@@ -702,7 +704,7 @@
           <a:p>
             <a:fld id="{DC00918D-4361-4CFD-83C0-A19C315B9995}" type="datetimeFigureOut">
               <a:rPr lang="en-US" smtClean="0"/>
-              <a:t>12/16/21</a:t>
+              <a:t>1/10/22</a:t>
             </a:fld>
             <a:endParaRPr lang="en-US"/>
           </a:p>
@@ -900,7 +902,7 @@
           <a:p>
             <a:fld id="{DC00918D-4361-4CFD-83C0-A19C315B9995}" type="datetimeFigureOut">
               <a:rPr lang="en-US" smtClean="0"/>
-              <a:t>12/16/21</a:t>
+              <a:t>1/10/22</a:t>
             </a:fld>
             <a:endParaRPr lang="en-US"/>
           </a:p>
@@ -1175,7 +1177,7 @@
           <a:p>
             <a:fld id="{DC00918D-4361-4CFD-83C0-A19C315B9995}" type="datetimeFigureOut">
               <a:rPr lang="en-US" smtClean="0"/>
-              <a:t>12/16/21</a:t>
+              <a:t>1/10/22</a:t>
             </a:fld>
             <a:endParaRPr lang="en-US"/>
           </a:p>
@@ -1440,7 +1442,7 @@
           <a:p>
             <a:fld id="{DC00918D-4361-4CFD-83C0-A19C315B9995}" type="datetimeFigureOut">
               <a:rPr lang="en-US" smtClean="0"/>
-              <a:t>12/16/21</a:t>
+              <a:t>1/10/22</a:t>
             </a:fld>
             <a:endParaRPr lang="en-US"/>
           </a:p>
@@ -1852,7 +1854,7 @@
           <a:p>
             <a:fld id="{DC00918D-4361-4CFD-83C0-A19C315B9995}" type="datetimeFigureOut">
               <a:rPr lang="en-US" smtClean="0"/>
-              <a:t>12/16/21</a:t>
+              <a:t>1/10/22</a:t>
             </a:fld>
             <a:endParaRPr lang="en-US"/>
           </a:p>
@@ -1993,7 +1995,7 @@
           <a:p>
             <a:fld id="{DC00918D-4361-4CFD-83C0-A19C315B9995}" type="datetimeFigureOut">
               <a:rPr lang="en-US" smtClean="0"/>
-              <a:t>12/16/21</a:t>
+              <a:t>1/10/22</a:t>
             </a:fld>
             <a:endParaRPr lang="en-US"/>
           </a:p>
@@ -2106,7 +2108,7 @@
           <a:p>
             <a:fld id="{DC00918D-4361-4CFD-83C0-A19C315B9995}" type="datetimeFigureOut">
               <a:rPr lang="en-US" smtClean="0"/>
-              <a:t>12/16/21</a:t>
+              <a:t>1/10/22</a:t>
             </a:fld>
             <a:endParaRPr lang="en-US"/>
           </a:p>
@@ -2417,7 +2419,7 @@
           <a:p>
             <a:fld id="{DC00918D-4361-4CFD-83C0-A19C315B9995}" type="datetimeFigureOut">
               <a:rPr lang="en-US" smtClean="0"/>
-              <a:t>12/16/21</a:t>
+              <a:t>1/10/22</a:t>
             </a:fld>
             <a:endParaRPr lang="en-US"/>
           </a:p>
@@ -2705,7 +2707,7 @@
           <a:p>
             <a:fld id="{DC00918D-4361-4CFD-83C0-A19C315B9995}" type="datetimeFigureOut">
               <a:rPr lang="en-US" smtClean="0"/>
-              <a:t>12/16/21</a:t>
+              <a:t>1/10/22</a:t>
             </a:fld>
             <a:endParaRPr lang="en-US"/>
           </a:p>
@@ -2946,7 +2948,7 @@
           <a:p>
             <a:fld id="{DC00918D-4361-4CFD-83C0-A19C315B9995}" type="datetimeFigureOut">
               <a:rPr lang="en-US" smtClean="0"/>
-              <a:t>12/16/21</a:t>
+              <a:t>1/10/22</a:t>
             </a:fld>
             <a:endParaRPr lang="en-US"/>
           </a:p>
@@ -14449,6 +14451,428 @@
 </p:sld>
 </file>
 
+<file path=ppt/slides/slide8.xml><?xml version="1.0" encoding="utf-8"?>
+<p:sld xmlns:a="http://schemas.openxmlformats.org/drawingml/2006/main" xmlns:r="http://schemas.openxmlformats.org/officeDocument/2006/relationships" xmlns:p="http://schemas.openxmlformats.org/presentationml/2006/main">
+  <p:cSld>
+    <p:spTree>
+      <p:nvGrpSpPr>
+        <p:cNvPr id="1" name=""/>
+        <p:cNvGrpSpPr/>
+        <p:nvPr/>
+      </p:nvGrpSpPr>
+      <p:grpSpPr>
+        <a:xfrm>
+          <a:off x="0" y="0"/>
+          <a:ext cx="0" cy="0"/>
+          <a:chOff x="0" y="0"/>
+          <a:chExt cx="0" cy="0"/>
+        </a:xfrm>
+      </p:grpSpPr>
+      <p:grpSp>
+        <p:nvGrpSpPr>
+          <p:cNvPr id="14" name="Group 13">
+            <a:extLst>
+              <a:ext uri="{FF2B5EF4-FFF2-40B4-BE49-F238E27FC236}">
+                <a16:creationId xmlns:a16="http://schemas.microsoft.com/office/drawing/2014/main" id="{8073E144-4102-0D44-BE98-E8F88EE25E23}"/>
+              </a:ext>
+            </a:extLst>
+          </p:cNvPr>
+          <p:cNvGrpSpPr/>
+          <p:nvPr/>
+        </p:nvGrpSpPr>
+        <p:grpSpPr>
+          <a:xfrm>
+            <a:off x="3553350" y="3797407"/>
+            <a:ext cx="4180490" cy="1005733"/>
+            <a:chOff x="3553350" y="3797407"/>
+            <a:chExt cx="4180490" cy="1005733"/>
+          </a:xfrm>
+        </p:grpSpPr>
+        <p:sp>
+          <p:nvSpPr>
+            <p:cNvPr id="2" name="TextBox 1">
+              <a:extLst>
+                <a:ext uri="{FF2B5EF4-FFF2-40B4-BE49-F238E27FC236}">
+                  <a16:creationId xmlns:a16="http://schemas.microsoft.com/office/drawing/2014/main" id="{3FC5E5D0-CC8A-9B47-A048-BEF5702D316F}"/>
+                </a:ext>
+              </a:extLst>
+            </p:cNvPr>
+            <p:cNvSpPr txBox="1"/>
+            <p:nvPr/>
+          </p:nvSpPr>
+          <p:spPr>
+            <a:xfrm>
+              <a:off x="4153358" y="3879810"/>
+              <a:ext cx="3580482" cy="923330"/>
+            </a:xfrm>
+            <a:prstGeom prst="rect">
+              <a:avLst/>
+            </a:prstGeom>
+            <a:noFill/>
+          </p:spPr>
+          <p:txBody>
+            <a:bodyPr wrap="square" rtlCol="0">
+              <a:spAutoFit/>
+            </a:bodyPr>
+            <a:lstStyle/>
+            <a:p>
+              <a:pPr algn="ctr"/>
+              <a:r>
+                <a:rPr lang="en-VN" sz="3600" b="1">
+                  <a:solidFill>
+                    <a:srgbClr val="1C4357"/>
+                  </a:solidFill>
+                  <a:latin typeface="Open Sans" panose="020B0606030504020204" pitchFamily="34" charset="0"/>
+                  <a:ea typeface="Open Sans" panose="020B0606030504020204" pitchFamily="34" charset="0"/>
+                  <a:cs typeface="Open Sans" panose="020B0606030504020204" pitchFamily="34" charset="0"/>
+                </a:rPr>
+                <a:t>Data</a:t>
+              </a:r>
+              <a:r>
+                <a:rPr lang="en-VN" sz="3600" b="1">
+                  <a:solidFill>
+                    <a:srgbClr val="C00000"/>
+                  </a:solidFill>
+                  <a:latin typeface="Open Sans" panose="020B0606030504020204" pitchFamily="34" charset="0"/>
+                  <a:ea typeface="Open Sans" panose="020B0606030504020204" pitchFamily="34" charset="0"/>
+                  <a:cs typeface="Open Sans" panose="020B0606030504020204" pitchFamily="34" charset="0"/>
+                </a:rPr>
+                <a:t>Chilly</a:t>
+              </a:r>
+              <a:endParaRPr lang="en-VN" sz="1400">
+                <a:latin typeface="Open Sans" panose="020B0606030504020204" pitchFamily="34" charset="0"/>
+                <a:ea typeface="Open Sans" panose="020B0606030504020204" pitchFamily="34" charset="0"/>
+                <a:cs typeface="Open Sans" panose="020B0606030504020204" pitchFamily="34" charset="0"/>
+              </a:endParaRPr>
+            </a:p>
+            <a:p>
+              <a:pPr algn="ctr"/>
+              <a:r>
+                <a:rPr lang="en-VN" spc="300">
+                  <a:solidFill>
+                    <a:srgbClr val="1C4357"/>
+                  </a:solidFill>
+                  <a:latin typeface="Open Sans" panose="020B0606030504020204" pitchFamily="34" charset="0"/>
+                  <a:ea typeface="Open Sans" panose="020B0606030504020204" pitchFamily="34" charset="0"/>
+                  <a:cs typeface="Open Sans" panose="020B0606030504020204" pitchFamily="34" charset="0"/>
+                </a:rPr>
+                <a:t>Chill with Data</a:t>
+              </a:r>
+            </a:p>
+          </p:txBody>
+        </p:sp>
+        <p:sp>
+          <p:nvSpPr>
+            <p:cNvPr id="5" name="Pie 4">
+              <a:extLst>
+                <a:ext uri="{FF2B5EF4-FFF2-40B4-BE49-F238E27FC236}">
+                  <a16:creationId xmlns:a16="http://schemas.microsoft.com/office/drawing/2014/main" id="{46995C22-1169-864C-BDA7-806376FC33F5}"/>
+                </a:ext>
+              </a:extLst>
+            </p:cNvPr>
+            <p:cNvSpPr/>
+            <p:nvPr/>
+          </p:nvSpPr>
+          <p:spPr>
+            <a:xfrm>
+              <a:off x="3553350" y="3879810"/>
+              <a:ext cx="923330" cy="923330"/>
+            </a:xfrm>
+            <a:prstGeom prst="pie">
+              <a:avLst>
+                <a:gd name="adj1" fmla="val 12413"/>
+                <a:gd name="adj2" fmla="val 16200000"/>
+              </a:avLst>
+            </a:prstGeom>
+            <a:solidFill>
+              <a:srgbClr val="1C4357"/>
+            </a:solidFill>
+            <a:ln>
+              <a:noFill/>
+            </a:ln>
+          </p:spPr>
+          <p:style>
+            <a:lnRef idx="2">
+              <a:schemeClr val="accent1">
+                <a:shade val="50000"/>
+              </a:schemeClr>
+            </a:lnRef>
+            <a:fillRef idx="1">
+              <a:schemeClr val="accent1"/>
+            </a:fillRef>
+            <a:effectRef idx="0">
+              <a:schemeClr val="accent1"/>
+            </a:effectRef>
+            <a:fontRef idx="minor">
+              <a:schemeClr val="lt1"/>
+            </a:fontRef>
+          </p:style>
+          <p:txBody>
+            <a:bodyPr rtlCol="0" anchor="ctr"/>
+            <a:lstStyle/>
+            <a:p>
+              <a:pPr algn="ctr"/>
+              <a:endParaRPr lang="en-VN">
+                <a:solidFill>
+                  <a:schemeClr val="tx1"/>
+                </a:solidFill>
+              </a:endParaRPr>
+            </a:p>
+          </p:txBody>
+        </p:sp>
+        <p:sp>
+          <p:nvSpPr>
+            <p:cNvPr id="6" name="Pie 5">
+              <a:extLst>
+                <a:ext uri="{FF2B5EF4-FFF2-40B4-BE49-F238E27FC236}">
+                  <a16:creationId xmlns:a16="http://schemas.microsoft.com/office/drawing/2014/main" id="{DC338990-83C1-9345-B7E0-96870F89898F}"/>
+                </a:ext>
+              </a:extLst>
+            </p:cNvPr>
+            <p:cNvSpPr/>
+            <p:nvPr/>
+          </p:nvSpPr>
+          <p:spPr>
+            <a:xfrm>
+              <a:off x="3637445" y="3797407"/>
+              <a:ext cx="923330" cy="923330"/>
+            </a:xfrm>
+            <a:prstGeom prst="pie">
+              <a:avLst>
+                <a:gd name="adj1" fmla="val 16190064"/>
+                <a:gd name="adj2" fmla="val 21842"/>
+              </a:avLst>
+            </a:prstGeom>
+            <a:solidFill>
+              <a:srgbClr val="C00000"/>
+            </a:solidFill>
+            <a:ln>
+              <a:noFill/>
+            </a:ln>
+          </p:spPr>
+          <p:style>
+            <a:lnRef idx="2">
+              <a:schemeClr val="accent1">
+                <a:shade val="50000"/>
+              </a:schemeClr>
+            </a:lnRef>
+            <a:fillRef idx="1">
+              <a:schemeClr val="accent1"/>
+            </a:fillRef>
+            <a:effectRef idx="0">
+              <a:schemeClr val="accent1"/>
+            </a:effectRef>
+            <a:fontRef idx="minor">
+              <a:schemeClr val="lt1"/>
+            </a:fontRef>
+          </p:style>
+          <p:txBody>
+            <a:bodyPr rtlCol="0" anchor="ctr"/>
+            <a:lstStyle/>
+            <a:p>
+              <a:pPr algn="ctr"/>
+              <a:endParaRPr lang="en-VN">
+                <a:solidFill>
+                  <a:schemeClr val="tx1"/>
+                </a:solidFill>
+              </a:endParaRPr>
+            </a:p>
+          </p:txBody>
+        </p:sp>
+      </p:grpSp>
+      <p:grpSp>
+        <p:nvGrpSpPr>
+          <p:cNvPr id="15" name="Group 14">
+            <a:extLst>
+              <a:ext uri="{FF2B5EF4-FFF2-40B4-BE49-F238E27FC236}">
+                <a16:creationId xmlns:a16="http://schemas.microsoft.com/office/drawing/2014/main" id="{A10B7A5B-494C-2342-965A-354BE4ED426C}"/>
+              </a:ext>
+            </a:extLst>
+          </p:cNvPr>
+          <p:cNvGrpSpPr/>
+          <p:nvPr/>
+        </p:nvGrpSpPr>
+        <p:grpSpPr>
+          <a:xfrm>
+            <a:off x="4872251" y="2287009"/>
+            <a:ext cx="1000836" cy="237827"/>
+            <a:chOff x="4872251" y="2287009"/>
+            <a:chExt cx="1000836" cy="237827"/>
+          </a:xfrm>
+        </p:grpSpPr>
+        <p:sp>
+          <p:nvSpPr>
+            <p:cNvPr id="9" name="Rounded Rectangle 8">
+              <a:extLst>
+                <a:ext uri="{FF2B5EF4-FFF2-40B4-BE49-F238E27FC236}">
+                  <a16:creationId xmlns:a16="http://schemas.microsoft.com/office/drawing/2014/main" id="{0F589FD1-D8E7-7749-8131-113CFF248DBF}"/>
+                </a:ext>
+              </a:extLst>
+            </p:cNvPr>
+            <p:cNvSpPr/>
+            <p:nvPr/>
+          </p:nvSpPr>
+          <p:spPr>
+            <a:xfrm>
+              <a:off x="5370451" y="2287009"/>
+              <a:ext cx="502636" cy="237827"/>
+            </a:xfrm>
+            <a:prstGeom prst="roundRect">
+              <a:avLst/>
+            </a:prstGeom>
+            <a:solidFill>
+              <a:srgbClr val="CA6665"/>
+            </a:solidFill>
+            <a:ln>
+              <a:noFill/>
+            </a:ln>
+          </p:spPr>
+          <p:style>
+            <a:lnRef idx="2">
+              <a:schemeClr val="accent1">
+                <a:shade val="50000"/>
+              </a:schemeClr>
+            </a:lnRef>
+            <a:fillRef idx="1">
+              <a:schemeClr val="accent1"/>
+            </a:fillRef>
+            <a:effectRef idx="0">
+              <a:schemeClr val="accent1"/>
+            </a:effectRef>
+            <a:fontRef idx="minor">
+              <a:schemeClr val="lt1"/>
+            </a:fontRef>
+          </p:style>
+          <p:txBody>
+            <a:bodyPr lIns="108000" tIns="0" rIns="36000" bIns="0" rtlCol="0" anchor="ctr"/>
+            <a:lstStyle/>
+            <a:p>
+              <a:r>
+                <a:rPr lang="en-VN" sz="1000">
+                  <a:latin typeface="Open Sans" panose="020B0606030504020204" pitchFamily="34" charset="0"/>
+                  <a:ea typeface="Open Sans" panose="020B0606030504020204" pitchFamily="34" charset="0"/>
+                  <a:cs typeface="Open Sans" panose="020B0606030504020204" pitchFamily="34" charset="0"/>
+                </a:rPr>
+                <a:t>Chilly</a:t>
+              </a:r>
+            </a:p>
+          </p:txBody>
+        </p:sp>
+        <p:sp>
+          <p:nvSpPr>
+            <p:cNvPr id="8" name="Rounded Rectangle 7">
+              <a:extLst>
+                <a:ext uri="{FF2B5EF4-FFF2-40B4-BE49-F238E27FC236}">
+                  <a16:creationId xmlns:a16="http://schemas.microsoft.com/office/drawing/2014/main" id="{A155D873-4206-724D-971E-2ACF773A8221}"/>
+                </a:ext>
+              </a:extLst>
+            </p:cNvPr>
+            <p:cNvSpPr/>
+            <p:nvPr/>
+          </p:nvSpPr>
+          <p:spPr>
+            <a:xfrm>
+              <a:off x="4872251" y="2287009"/>
+              <a:ext cx="582304" cy="237827"/>
+            </a:xfrm>
+            <a:prstGeom prst="roundRect">
+              <a:avLst/>
+            </a:prstGeom>
+            <a:solidFill>
+              <a:srgbClr val="1C4357"/>
+            </a:solidFill>
+            <a:ln>
+              <a:noFill/>
+            </a:ln>
+          </p:spPr>
+          <p:style>
+            <a:lnRef idx="2">
+              <a:schemeClr val="accent1">
+                <a:shade val="50000"/>
+              </a:schemeClr>
+            </a:lnRef>
+            <a:fillRef idx="1">
+              <a:schemeClr val="accent1"/>
+            </a:fillRef>
+            <a:effectRef idx="0">
+              <a:schemeClr val="accent1"/>
+            </a:effectRef>
+            <a:fontRef idx="minor">
+              <a:schemeClr val="lt1"/>
+            </a:fontRef>
+          </p:style>
+          <p:txBody>
+            <a:bodyPr lIns="0" tIns="0" rIns="36000" bIns="0" rtlCol="0" anchor="ctr"/>
+            <a:lstStyle/>
+            <a:p>
+              <a:pPr algn="r"/>
+              <a:r>
+                <a:rPr lang="en-VN" sz="1000">
+                  <a:latin typeface="Open Sans" panose="020B0606030504020204" pitchFamily="34" charset="0"/>
+                  <a:ea typeface="Open Sans" panose="020B0606030504020204" pitchFamily="34" charset="0"/>
+                  <a:cs typeface="Open Sans" panose="020B0606030504020204" pitchFamily="34" charset="0"/>
+                </a:rPr>
+                <a:t>Data</a:t>
+              </a:r>
+            </a:p>
+          </p:txBody>
+        </p:sp>
+        <p:pic>
+          <p:nvPicPr>
+            <p:cNvPr id="7" name="Picture 6">
+              <a:extLst>
+                <a:ext uri="{FF2B5EF4-FFF2-40B4-BE49-F238E27FC236}">
+                  <a16:creationId xmlns:a16="http://schemas.microsoft.com/office/drawing/2014/main" id="{0965C2DD-8D6F-AC4C-A23C-CA80E51D75DC}"/>
+                </a:ext>
+              </a:extLst>
+            </p:cNvPr>
+            <p:cNvPicPr>
+              <a:picLocks noChangeAspect="1"/>
+            </p:cNvPicPr>
+            <p:nvPr/>
+          </p:nvPicPr>
+          <p:blipFill>
+            <a:blip r:embed="rId2">
+              <a:extLst>
+                <a:ext uri="{BEBA8EAE-BF5A-486C-A8C5-ECC9F3942E4B}">
+                  <a14:imgProps xmlns:a14="http://schemas.microsoft.com/office/drawing/2010/main">
+                    <a14:imgLayer r:embed="rId3">
+                      <a14:imgEffect>
+                        <a14:artisticPencilGrayscale/>
+                      </a14:imgEffect>
+                    </a14:imgLayer>
+                  </a14:imgProps>
+                </a:ext>
+              </a:extLst>
+            </a:blip>
+            <a:stretch>
+              <a:fillRect/>
+            </a:stretch>
+          </p:blipFill>
+          <p:spPr>
+            <a:xfrm>
+              <a:off x="4914225" y="2333485"/>
+              <a:ext cx="144873" cy="144873"/>
+            </a:xfrm>
+            <a:prstGeom prst="rect">
+              <a:avLst/>
+            </a:prstGeom>
+          </p:spPr>
+        </p:pic>
+      </p:grpSp>
+    </p:spTree>
+    <p:extLst>
+      <p:ext uri="{BB962C8B-B14F-4D97-AF65-F5344CB8AC3E}">
+        <p14:creationId xmlns:p14="http://schemas.microsoft.com/office/powerpoint/2010/main" val="2160324002"/>
+      </p:ext>
+    </p:extLst>
+  </p:cSld>
+  <p:clrMapOvr>
+    <a:masterClrMapping/>
+  </p:clrMapOvr>
+</p:sld>
+</file>
+
 <file path=ppt/theme/theme1.xml><?xml version="1.0" encoding="utf-8"?>
 <a:theme xmlns:a="http://schemas.openxmlformats.org/drawingml/2006/main" name="Office Theme">
   <a:themeElements>

--- a/image/0_raw_image.pptx
+++ b/image/0_raw_image.pptx
@@ -8,11 +8,12 @@
     <p:sldId id="261" r:id="rId2"/>
     <p:sldId id="263" r:id="rId3"/>
     <p:sldId id="262" r:id="rId4"/>
-    <p:sldId id="256" r:id="rId5"/>
-    <p:sldId id="257" r:id="rId6"/>
-    <p:sldId id="258" r:id="rId7"/>
-    <p:sldId id="264" r:id="rId8"/>
-    <p:sldId id="265" r:id="rId9"/>
+    <p:sldId id="266" r:id="rId5"/>
+    <p:sldId id="256" r:id="rId6"/>
+    <p:sldId id="257" r:id="rId7"/>
+    <p:sldId id="258" r:id="rId8"/>
+    <p:sldId id="264" r:id="rId9"/>
+    <p:sldId id="265" r:id="rId10"/>
   </p:sldIdLst>
   <p:sldSz cx="12192000" cy="6858000"/>
   <p:notesSz cx="6858000" cy="9144000"/>
@@ -123,6 +124,11 @@
           <p14:sldIdLst>
             <p14:sldId id="263"/>
             <p14:sldId id="262"/>
+          </p14:sldIdLst>
+        </p14:section>
+        <p14:section name="tree_components" id="{9F728146-7686-D245-A939-AE0EBC1943C6}">
+          <p14:sldIdLst>
+            <p14:sldId id="266"/>
           </p14:sldIdLst>
         </p14:section>
         <p14:section name="svm_hard" id="{2CB418FF-EDE3-42F9-BE2D-F8FBE9335820}">
@@ -298,7 +304,7 @@
           <a:p>
             <a:fld id="{DC00918D-4361-4CFD-83C0-A19C315B9995}" type="datetimeFigureOut">
               <a:rPr lang="en-US" smtClean="0"/>
-              <a:t>1/10/22</a:t>
+              <a:t>4/13/22</a:t>
             </a:fld>
             <a:endParaRPr lang="en-US"/>
           </a:p>
@@ -496,7 +502,7 @@
           <a:p>
             <a:fld id="{DC00918D-4361-4CFD-83C0-A19C315B9995}" type="datetimeFigureOut">
               <a:rPr lang="en-US" smtClean="0"/>
-              <a:t>1/10/22</a:t>
+              <a:t>4/13/22</a:t>
             </a:fld>
             <a:endParaRPr lang="en-US"/>
           </a:p>
@@ -704,7 +710,7 @@
           <a:p>
             <a:fld id="{DC00918D-4361-4CFD-83C0-A19C315B9995}" type="datetimeFigureOut">
               <a:rPr lang="en-US" smtClean="0"/>
-              <a:t>1/10/22</a:t>
+              <a:t>4/13/22</a:t>
             </a:fld>
             <a:endParaRPr lang="en-US"/>
           </a:p>
@@ -902,7 +908,7 @@
           <a:p>
             <a:fld id="{DC00918D-4361-4CFD-83C0-A19C315B9995}" type="datetimeFigureOut">
               <a:rPr lang="en-US" smtClean="0"/>
-              <a:t>1/10/22</a:t>
+              <a:t>4/13/22</a:t>
             </a:fld>
             <a:endParaRPr lang="en-US"/>
           </a:p>
@@ -1177,7 +1183,7 @@
           <a:p>
             <a:fld id="{DC00918D-4361-4CFD-83C0-A19C315B9995}" type="datetimeFigureOut">
               <a:rPr lang="en-US" smtClean="0"/>
-              <a:t>1/10/22</a:t>
+              <a:t>4/13/22</a:t>
             </a:fld>
             <a:endParaRPr lang="en-US"/>
           </a:p>
@@ -1442,7 +1448,7 @@
           <a:p>
             <a:fld id="{DC00918D-4361-4CFD-83C0-A19C315B9995}" type="datetimeFigureOut">
               <a:rPr lang="en-US" smtClean="0"/>
-              <a:t>1/10/22</a:t>
+              <a:t>4/13/22</a:t>
             </a:fld>
             <a:endParaRPr lang="en-US"/>
           </a:p>
@@ -1854,7 +1860,7 @@
           <a:p>
             <a:fld id="{DC00918D-4361-4CFD-83C0-A19C315B9995}" type="datetimeFigureOut">
               <a:rPr lang="en-US" smtClean="0"/>
-              <a:t>1/10/22</a:t>
+              <a:t>4/13/22</a:t>
             </a:fld>
             <a:endParaRPr lang="en-US"/>
           </a:p>
@@ -1995,7 +2001,7 @@
           <a:p>
             <a:fld id="{DC00918D-4361-4CFD-83C0-A19C315B9995}" type="datetimeFigureOut">
               <a:rPr lang="en-US" smtClean="0"/>
-              <a:t>1/10/22</a:t>
+              <a:t>4/13/22</a:t>
             </a:fld>
             <a:endParaRPr lang="en-US"/>
           </a:p>
@@ -2108,7 +2114,7 @@
           <a:p>
             <a:fld id="{DC00918D-4361-4CFD-83C0-A19C315B9995}" type="datetimeFigureOut">
               <a:rPr lang="en-US" smtClean="0"/>
-              <a:t>1/10/22</a:t>
+              <a:t>4/13/22</a:t>
             </a:fld>
             <a:endParaRPr lang="en-US"/>
           </a:p>
@@ -2419,7 +2425,7 @@
           <a:p>
             <a:fld id="{DC00918D-4361-4CFD-83C0-A19C315B9995}" type="datetimeFigureOut">
               <a:rPr lang="en-US" smtClean="0"/>
-              <a:t>1/10/22</a:t>
+              <a:t>4/13/22</a:t>
             </a:fld>
             <a:endParaRPr lang="en-US"/>
           </a:p>
@@ -2707,7 +2713,7 @@
           <a:p>
             <a:fld id="{DC00918D-4361-4CFD-83C0-A19C315B9995}" type="datetimeFigureOut">
               <a:rPr lang="en-US" smtClean="0"/>
-              <a:t>1/10/22</a:t>
+              <a:t>4/13/22</a:t>
             </a:fld>
             <a:endParaRPr lang="en-US"/>
           </a:p>
@@ -2948,7 +2954,7 @@
           <a:p>
             <a:fld id="{DC00918D-4361-4CFD-83C0-A19C315B9995}" type="datetimeFigureOut">
               <a:rPr lang="en-US" smtClean="0"/>
-              <a:t>1/10/22</a:t>
+              <a:t>4/13/22</a:t>
             </a:fld>
             <a:endParaRPr lang="en-US"/>
           </a:p>
@@ -7188,6 +7194,659 @@
           <a:chExt cx="0" cy="0"/>
         </a:xfrm>
       </p:grpSpPr>
+      <p:cxnSp>
+        <p:nvCxnSpPr>
+          <p:cNvPr id="10" name="Straight Connector 9">
+            <a:extLst>
+              <a:ext uri="{FF2B5EF4-FFF2-40B4-BE49-F238E27FC236}">
+                <a16:creationId xmlns:a16="http://schemas.microsoft.com/office/drawing/2014/main" id="{D9D43E1E-924A-5F40-8A5D-F9402DD82EC9}"/>
+              </a:ext>
+            </a:extLst>
+          </p:cNvPr>
+          <p:cNvCxnSpPr>
+            <a:cxnSpLocks/>
+            <a:stCxn id="2" idx="2"/>
+            <a:endCxn id="4" idx="0"/>
+          </p:cNvCxnSpPr>
+          <p:nvPr/>
+        </p:nvCxnSpPr>
+        <p:spPr>
+          <a:xfrm flipH="1">
+            <a:off x="3764280" y="2116455"/>
+            <a:ext cx="1546860" cy="447675"/>
+          </a:xfrm>
+          <a:prstGeom prst="line">
+            <a:avLst/>
+          </a:prstGeom>
+          <a:ln w="19050">
+            <a:solidFill>
+              <a:srgbClr val="222A35"/>
+            </a:solidFill>
+          </a:ln>
+        </p:spPr>
+        <p:style>
+          <a:lnRef idx="1">
+            <a:schemeClr val="accent1"/>
+          </a:lnRef>
+          <a:fillRef idx="0">
+            <a:schemeClr val="accent1"/>
+          </a:fillRef>
+          <a:effectRef idx="0">
+            <a:schemeClr val="accent1"/>
+          </a:effectRef>
+          <a:fontRef idx="minor">
+            <a:schemeClr val="tx1"/>
+          </a:fontRef>
+        </p:style>
+      </p:cxnSp>
+      <p:cxnSp>
+        <p:nvCxnSpPr>
+          <p:cNvPr id="11" name="Straight Connector 10">
+            <a:extLst>
+              <a:ext uri="{FF2B5EF4-FFF2-40B4-BE49-F238E27FC236}">
+                <a16:creationId xmlns:a16="http://schemas.microsoft.com/office/drawing/2014/main" id="{73DCB011-0C0B-EE4E-BB0D-FE19C8ADD220}"/>
+              </a:ext>
+            </a:extLst>
+          </p:cNvPr>
+          <p:cNvCxnSpPr>
+            <a:cxnSpLocks/>
+            <a:stCxn id="2" idx="2"/>
+            <a:endCxn id="5" idx="0"/>
+          </p:cNvCxnSpPr>
+          <p:nvPr/>
+        </p:nvCxnSpPr>
+        <p:spPr>
+          <a:xfrm>
+            <a:off x="5311140" y="2116455"/>
+            <a:ext cx="1546860" cy="447675"/>
+          </a:xfrm>
+          <a:prstGeom prst="line">
+            <a:avLst/>
+          </a:prstGeom>
+          <a:ln w="19050">
+            <a:solidFill>
+              <a:srgbClr val="222A35"/>
+            </a:solidFill>
+          </a:ln>
+        </p:spPr>
+        <p:style>
+          <a:lnRef idx="1">
+            <a:schemeClr val="accent1"/>
+          </a:lnRef>
+          <a:fillRef idx="0">
+            <a:schemeClr val="accent1"/>
+          </a:fillRef>
+          <a:effectRef idx="0">
+            <a:schemeClr val="accent1"/>
+          </a:effectRef>
+          <a:fontRef idx="minor">
+            <a:schemeClr val="tx1"/>
+          </a:fontRef>
+        </p:style>
+      </p:cxnSp>
+      <p:cxnSp>
+        <p:nvCxnSpPr>
+          <p:cNvPr id="20" name="Straight Connector 19">
+            <a:extLst>
+              <a:ext uri="{FF2B5EF4-FFF2-40B4-BE49-F238E27FC236}">
+                <a16:creationId xmlns:a16="http://schemas.microsoft.com/office/drawing/2014/main" id="{F1732C35-DF96-2442-8058-6E9B9AA6DF87}"/>
+              </a:ext>
+            </a:extLst>
+          </p:cNvPr>
+          <p:cNvCxnSpPr>
+            <a:cxnSpLocks/>
+            <a:stCxn id="5" idx="2"/>
+            <a:endCxn id="7" idx="0"/>
+          </p:cNvCxnSpPr>
+          <p:nvPr/>
+        </p:nvCxnSpPr>
+        <p:spPr>
+          <a:xfrm flipH="1">
+            <a:off x="5840730" y="2952750"/>
+            <a:ext cx="1017270" cy="447675"/>
+          </a:xfrm>
+          <a:prstGeom prst="line">
+            <a:avLst/>
+          </a:prstGeom>
+          <a:ln w="19050">
+            <a:solidFill>
+              <a:srgbClr val="222A35"/>
+            </a:solidFill>
+          </a:ln>
+        </p:spPr>
+        <p:style>
+          <a:lnRef idx="1">
+            <a:schemeClr val="accent1"/>
+          </a:lnRef>
+          <a:fillRef idx="0">
+            <a:schemeClr val="accent1"/>
+          </a:fillRef>
+          <a:effectRef idx="0">
+            <a:schemeClr val="accent1"/>
+          </a:effectRef>
+          <a:fontRef idx="minor">
+            <a:schemeClr val="tx1"/>
+          </a:fontRef>
+        </p:style>
+      </p:cxnSp>
+      <p:cxnSp>
+        <p:nvCxnSpPr>
+          <p:cNvPr id="23" name="Straight Connector 22">
+            <a:extLst>
+              <a:ext uri="{FF2B5EF4-FFF2-40B4-BE49-F238E27FC236}">
+                <a16:creationId xmlns:a16="http://schemas.microsoft.com/office/drawing/2014/main" id="{A17820BA-862E-0945-AA4D-01619AD7EC6C}"/>
+              </a:ext>
+            </a:extLst>
+          </p:cNvPr>
+          <p:cNvCxnSpPr>
+            <a:cxnSpLocks/>
+            <a:stCxn id="5" idx="2"/>
+            <a:endCxn id="6" idx="0"/>
+          </p:cNvCxnSpPr>
+          <p:nvPr/>
+        </p:nvCxnSpPr>
+        <p:spPr>
+          <a:xfrm>
+            <a:off x="6858000" y="2952750"/>
+            <a:ext cx="1017270" cy="447675"/>
+          </a:xfrm>
+          <a:prstGeom prst="line">
+            <a:avLst/>
+          </a:prstGeom>
+          <a:ln w="19050">
+            <a:solidFill>
+              <a:srgbClr val="222A35"/>
+            </a:solidFill>
+          </a:ln>
+        </p:spPr>
+        <p:style>
+          <a:lnRef idx="1">
+            <a:schemeClr val="accent1"/>
+          </a:lnRef>
+          <a:fillRef idx="0">
+            <a:schemeClr val="accent1"/>
+          </a:fillRef>
+          <a:effectRef idx="0">
+            <a:schemeClr val="accent1"/>
+          </a:effectRef>
+          <a:fontRef idx="minor">
+            <a:schemeClr val="tx1"/>
+          </a:fontRef>
+        </p:style>
+      </p:cxnSp>
+      <p:sp>
+        <p:nvSpPr>
+          <p:cNvPr id="2" name="Rounded Rectangle 1">
+            <a:extLst>
+              <a:ext uri="{FF2B5EF4-FFF2-40B4-BE49-F238E27FC236}">
+                <a16:creationId xmlns:a16="http://schemas.microsoft.com/office/drawing/2014/main" id="{CEA626BA-C627-1E48-9088-3EF8D8AB007A}"/>
+              </a:ext>
+            </a:extLst>
+          </p:cNvPr>
+          <p:cNvSpPr/>
+          <p:nvPr/>
+        </p:nvSpPr>
+        <p:spPr>
+          <a:xfrm>
+            <a:off x="4716780" y="1727835"/>
+            <a:ext cx="1188720" cy="388620"/>
+          </a:xfrm>
+          <a:prstGeom prst="roundRect">
+            <a:avLst/>
+          </a:prstGeom>
+          <a:solidFill>
+            <a:srgbClr val="222A35"/>
+          </a:solidFill>
+          <a:ln>
+            <a:noFill/>
+          </a:ln>
+        </p:spPr>
+        <p:style>
+          <a:lnRef idx="2">
+            <a:schemeClr val="accent1">
+              <a:shade val="50000"/>
+            </a:schemeClr>
+          </a:lnRef>
+          <a:fillRef idx="1">
+            <a:schemeClr val="accent1"/>
+          </a:fillRef>
+          <a:effectRef idx="0">
+            <a:schemeClr val="accent1"/>
+          </a:effectRef>
+          <a:fontRef idx="minor">
+            <a:schemeClr val="lt1"/>
+          </a:fontRef>
+        </p:style>
+        <p:txBody>
+          <a:bodyPr rtlCol="0" anchor="ctr"/>
+          <a:lstStyle/>
+          <a:p>
+            <a:pPr algn="ctr"/>
+            <a:r>
+              <a:rPr lang="en-VN" sz="1200">
+                <a:latin typeface="Open Sans" panose="020B0606030504020204" pitchFamily="34" charset="0"/>
+                <a:ea typeface="Open Sans" panose="020B0606030504020204" pitchFamily="34" charset="0"/>
+                <a:cs typeface="Open Sans" panose="020B0606030504020204" pitchFamily="34" charset="0"/>
+              </a:rPr>
+              <a:t>Root node</a:t>
+            </a:r>
+          </a:p>
+        </p:txBody>
+      </p:sp>
+      <p:sp>
+        <p:nvSpPr>
+          <p:cNvPr id="4" name="Rounded Rectangle 3">
+            <a:extLst>
+              <a:ext uri="{FF2B5EF4-FFF2-40B4-BE49-F238E27FC236}">
+                <a16:creationId xmlns:a16="http://schemas.microsoft.com/office/drawing/2014/main" id="{480D6549-4A30-A748-B4E0-2C299F637930}"/>
+              </a:ext>
+            </a:extLst>
+          </p:cNvPr>
+          <p:cNvSpPr/>
+          <p:nvPr/>
+        </p:nvSpPr>
+        <p:spPr>
+          <a:xfrm>
+            <a:off x="3169920" y="2564130"/>
+            <a:ext cx="1188720" cy="388620"/>
+          </a:xfrm>
+          <a:prstGeom prst="roundRect">
+            <a:avLst/>
+          </a:prstGeom>
+          <a:solidFill>
+            <a:srgbClr val="00B050"/>
+          </a:solidFill>
+          <a:ln>
+            <a:noFill/>
+          </a:ln>
+        </p:spPr>
+        <p:style>
+          <a:lnRef idx="2">
+            <a:schemeClr val="accent1">
+              <a:shade val="50000"/>
+            </a:schemeClr>
+          </a:lnRef>
+          <a:fillRef idx="1">
+            <a:schemeClr val="accent1"/>
+          </a:fillRef>
+          <a:effectRef idx="0">
+            <a:schemeClr val="accent1"/>
+          </a:effectRef>
+          <a:fontRef idx="minor">
+            <a:schemeClr val="lt1"/>
+          </a:fontRef>
+        </p:style>
+        <p:txBody>
+          <a:bodyPr rtlCol="0" anchor="ctr"/>
+          <a:lstStyle/>
+          <a:p>
+            <a:pPr algn="ctr"/>
+            <a:r>
+              <a:rPr lang="en-VN" sz="1200">
+                <a:latin typeface="Open Sans" panose="020B0606030504020204" pitchFamily="34" charset="0"/>
+                <a:ea typeface="Open Sans" panose="020B0606030504020204" pitchFamily="34" charset="0"/>
+                <a:cs typeface="Open Sans" panose="020B0606030504020204" pitchFamily="34" charset="0"/>
+              </a:rPr>
+              <a:t>Leaf node</a:t>
+            </a:r>
+          </a:p>
+        </p:txBody>
+      </p:sp>
+      <p:sp>
+        <p:nvSpPr>
+          <p:cNvPr id="5" name="Rounded Rectangle 4">
+            <a:extLst>
+              <a:ext uri="{FF2B5EF4-FFF2-40B4-BE49-F238E27FC236}">
+                <a16:creationId xmlns:a16="http://schemas.microsoft.com/office/drawing/2014/main" id="{CABE309E-53B8-E249-9F14-681678259D4A}"/>
+              </a:ext>
+            </a:extLst>
+          </p:cNvPr>
+          <p:cNvSpPr/>
+          <p:nvPr/>
+        </p:nvSpPr>
+        <p:spPr>
+          <a:xfrm>
+            <a:off x="6263640" y="2564130"/>
+            <a:ext cx="1188720" cy="388620"/>
+          </a:xfrm>
+          <a:prstGeom prst="roundRect">
+            <a:avLst/>
+          </a:prstGeom>
+          <a:solidFill>
+            <a:srgbClr val="006082"/>
+          </a:solidFill>
+          <a:ln>
+            <a:noFill/>
+          </a:ln>
+        </p:spPr>
+        <p:style>
+          <a:lnRef idx="2">
+            <a:schemeClr val="accent1">
+              <a:shade val="50000"/>
+            </a:schemeClr>
+          </a:lnRef>
+          <a:fillRef idx="1">
+            <a:schemeClr val="accent1"/>
+          </a:fillRef>
+          <a:effectRef idx="0">
+            <a:schemeClr val="accent1"/>
+          </a:effectRef>
+          <a:fontRef idx="minor">
+            <a:schemeClr val="lt1"/>
+          </a:fontRef>
+        </p:style>
+        <p:txBody>
+          <a:bodyPr rtlCol="0" anchor="ctr"/>
+          <a:lstStyle/>
+          <a:p>
+            <a:pPr algn="ctr"/>
+            <a:r>
+              <a:rPr lang="en-VN" sz="1200">
+                <a:latin typeface="Open Sans" panose="020B0606030504020204" pitchFamily="34" charset="0"/>
+                <a:ea typeface="Open Sans" panose="020B0606030504020204" pitchFamily="34" charset="0"/>
+                <a:cs typeface="Open Sans" panose="020B0606030504020204" pitchFamily="34" charset="0"/>
+              </a:rPr>
+              <a:t>Internal node</a:t>
+            </a:r>
+          </a:p>
+        </p:txBody>
+      </p:sp>
+      <p:sp>
+        <p:nvSpPr>
+          <p:cNvPr id="6" name="Rounded Rectangle 5">
+            <a:extLst>
+              <a:ext uri="{FF2B5EF4-FFF2-40B4-BE49-F238E27FC236}">
+                <a16:creationId xmlns:a16="http://schemas.microsoft.com/office/drawing/2014/main" id="{78BEEBA2-A20C-014C-84ED-9EFDDE1E6FA6}"/>
+              </a:ext>
+            </a:extLst>
+          </p:cNvPr>
+          <p:cNvSpPr/>
+          <p:nvPr/>
+        </p:nvSpPr>
+        <p:spPr>
+          <a:xfrm>
+            <a:off x="7280910" y="3400425"/>
+            <a:ext cx="1188720" cy="388620"/>
+          </a:xfrm>
+          <a:prstGeom prst="roundRect">
+            <a:avLst/>
+          </a:prstGeom>
+          <a:solidFill>
+            <a:srgbClr val="00B050"/>
+          </a:solidFill>
+          <a:ln>
+            <a:noFill/>
+          </a:ln>
+        </p:spPr>
+        <p:style>
+          <a:lnRef idx="2">
+            <a:schemeClr val="accent1">
+              <a:shade val="50000"/>
+            </a:schemeClr>
+          </a:lnRef>
+          <a:fillRef idx="1">
+            <a:schemeClr val="accent1"/>
+          </a:fillRef>
+          <a:effectRef idx="0">
+            <a:schemeClr val="accent1"/>
+          </a:effectRef>
+          <a:fontRef idx="minor">
+            <a:schemeClr val="lt1"/>
+          </a:fontRef>
+        </p:style>
+        <p:txBody>
+          <a:bodyPr rtlCol="0" anchor="ctr"/>
+          <a:lstStyle/>
+          <a:p>
+            <a:pPr algn="ctr"/>
+            <a:r>
+              <a:rPr lang="en-VN" sz="1200">
+                <a:latin typeface="Open Sans" panose="020B0606030504020204" pitchFamily="34" charset="0"/>
+                <a:ea typeface="Open Sans" panose="020B0606030504020204" pitchFamily="34" charset="0"/>
+                <a:cs typeface="Open Sans" panose="020B0606030504020204" pitchFamily="34" charset="0"/>
+              </a:rPr>
+              <a:t>Leaf node</a:t>
+            </a:r>
+          </a:p>
+        </p:txBody>
+      </p:sp>
+      <p:sp>
+        <p:nvSpPr>
+          <p:cNvPr id="7" name="Rounded Rectangle 6">
+            <a:extLst>
+              <a:ext uri="{FF2B5EF4-FFF2-40B4-BE49-F238E27FC236}">
+                <a16:creationId xmlns:a16="http://schemas.microsoft.com/office/drawing/2014/main" id="{B27038E5-D2F0-E342-ADCF-1B80AEB2E5DD}"/>
+              </a:ext>
+            </a:extLst>
+          </p:cNvPr>
+          <p:cNvSpPr/>
+          <p:nvPr/>
+        </p:nvSpPr>
+        <p:spPr>
+          <a:xfrm>
+            <a:off x="5246370" y="3400425"/>
+            <a:ext cx="1188720" cy="388620"/>
+          </a:xfrm>
+          <a:prstGeom prst="roundRect">
+            <a:avLst/>
+          </a:prstGeom>
+          <a:solidFill>
+            <a:srgbClr val="00B050"/>
+          </a:solidFill>
+          <a:ln>
+            <a:noFill/>
+          </a:ln>
+        </p:spPr>
+        <p:style>
+          <a:lnRef idx="2">
+            <a:schemeClr val="accent1">
+              <a:shade val="50000"/>
+            </a:schemeClr>
+          </a:lnRef>
+          <a:fillRef idx="1">
+            <a:schemeClr val="accent1"/>
+          </a:fillRef>
+          <a:effectRef idx="0">
+            <a:schemeClr val="accent1"/>
+          </a:effectRef>
+          <a:fontRef idx="minor">
+            <a:schemeClr val="lt1"/>
+          </a:fontRef>
+        </p:style>
+        <p:txBody>
+          <a:bodyPr rtlCol="0" anchor="ctr"/>
+          <a:lstStyle/>
+          <a:p>
+            <a:pPr algn="ctr"/>
+            <a:r>
+              <a:rPr lang="en-VN" sz="1200">
+                <a:latin typeface="Open Sans" panose="020B0606030504020204" pitchFamily="34" charset="0"/>
+                <a:ea typeface="Open Sans" panose="020B0606030504020204" pitchFamily="34" charset="0"/>
+                <a:cs typeface="Open Sans" panose="020B0606030504020204" pitchFamily="34" charset="0"/>
+              </a:rPr>
+              <a:t>Leaf node</a:t>
+            </a:r>
+          </a:p>
+        </p:txBody>
+      </p:sp>
+      <p:sp>
+        <p:nvSpPr>
+          <p:cNvPr id="31" name="TextBox 30">
+            <a:extLst>
+              <a:ext uri="{FF2B5EF4-FFF2-40B4-BE49-F238E27FC236}">
+                <a16:creationId xmlns:a16="http://schemas.microsoft.com/office/drawing/2014/main" id="{B729AE82-9256-1345-A5ED-568875DE6CC9}"/>
+              </a:ext>
+            </a:extLst>
+          </p:cNvPr>
+          <p:cNvSpPr txBox="1"/>
+          <p:nvPr/>
+        </p:nvSpPr>
+        <p:spPr>
+          <a:xfrm>
+            <a:off x="3825240" y="2117198"/>
+            <a:ext cx="720090" cy="276999"/>
+          </a:xfrm>
+          <a:prstGeom prst="rect">
+            <a:avLst/>
+          </a:prstGeom>
+          <a:noFill/>
+        </p:spPr>
+        <p:txBody>
+          <a:bodyPr wrap="square" rtlCol="0">
+            <a:spAutoFit/>
+          </a:bodyPr>
+          <a:lstStyle/>
+          <a:p>
+            <a:pPr algn="ctr"/>
+            <a:r>
+              <a:rPr lang="en-VN" sz="1200">
+                <a:solidFill>
+                  <a:schemeClr val="tx1">
+                    <a:lumMod val="75000"/>
+                    <a:lumOff val="25000"/>
+                  </a:schemeClr>
+                </a:solidFill>
+                <a:latin typeface="Open Sans" panose="020B0606030504020204" pitchFamily="34" charset="0"/>
+                <a:ea typeface="Open Sans" panose="020B0606030504020204" pitchFamily="34" charset="0"/>
+                <a:cs typeface="Open Sans" panose="020B0606030504020204" pitchFamily="34" charset="0"/>
+              </a:rPr>
+              <a:t>Edge</a:t>
+            </a:r>
+          </a:p>
+        </p:txBody>
+      </p:sp>
+      <p:sp>
+        <p:nvSpPr>
+          <p:cNvPr id="32" name="Rounded Rectangle 31">
+            <a:extLst>
+              <a:ext uri="{FF2B5EF4-FFF2-40B4-BE49-F238E27FC236}">
+                <a16:creationId xmlns:a16="http://schemas.microsoft.com/office/drawing/2014/main" id="{B4F81A89-3463-3643-8DBC-BB6DEE67FD94}"/>
+              </a:ext>
+            </a:extLst>
+          </p:cNvPr>
+          <p:cNvSpPr/>
+          <p:nvPr/>
+        </p:nvSpPr>
+        <p:spPr>
+          <a:xfrm>
+            <a:off x="5063490" y="2466974"/>
+            <a:ext cx="3589020" cy="1419226"/>
+          </a:xfrm>
+          <a:prstGeom prst="roundRect">
+            <a:avLst/>
+          </a:prstGeom>
+          <a:noFill/>
+          <a:ln w="19050">
+            <a:solidFill>
+              <a:schemeClr val="tx1">
+                <a:lumMod val="75000"/>
+                <a:lumOff val="25000"/>
+              </a:schemeClr>
+            </a:solidFill>
+            <a:prstDash val="dash"/>
+          </a:ln>
+        </p:spPr>
+        <p:style>
+          <a:lnRef idx="2">
+            <a:schemeClr val="accent1">
+              <a:shade val="50000"/>
+            </a:schemeClr>
+          </a:lnRef>
+          <a:fillRef idx="1">
+            <a:schemeClr val="accent1"/>
+          </a:fillRef>
+          <a:effectRef idx="0">
+            <a:schemeClr val="accent1"/>
+          </a:effectRef>
+          <a:fontRef idx="minor">
+            <a:schemeClr val="lt1"/>
+          </a:fontRef>
+        </p:style>
+        <p:txBody>
+          <a:bodyPr rtlCol="0" anchor="ctr"/>
+          <a:lstStyle/>
+          <a:p>
+            <a:pPr algn="ctr"/>
+            <a:endParaRPr lang="en-VN"/>
+          </a:p>
+        </p:txBody>
+      </p:sp>
+      <p:sp>
+        <p:nvSpPr>
+          <p:cNvPr id="34" name="TextBox 33">
+            <a:extLst>
+              <a:ext uri="{FF2B5EF4-FFF2-40B4-BE49-F238E27FC236}">
+                <a16:creationId xmlns:a16="http://schemas.microsoft.com/office/drawing/2014/main" id="{6E7C6201-73E3-C44D-AC58-B9970D613459}"/>
+              </a:ext>
+            </a:extLst>
+          </p:cNvPr>
+          <p:cNvSpPr txBox="1"/>
+          <p:nvPr/>
+        </p:nvSpPr>
+        <p:spPr>
+          <a:xfrm>
+            <a:off x="7749540" y="2195124"/>
+            <a:ext cx="720090" cy="276999"/>
+          </a:xfrm>
+          <a:prstGeom prst="rect">
+            <a:avLst/>
+          </a:prstGeom>
+          <a:noFill/>
+        </p:spPr>
+        <p:txBody>
+          <a:bodyPr wrap="square" rtlCol="0">
+            <a:spAutoFit/>
+          </a:bodyPr>
+          <a:lstStyle/>
+          <a:p>
+            <a:pPr algn="ctr"/>
+            <a:r>
+              <a:rPr lang="en-VN" sz="1200">
+                <a:solidFill>
+                  <a:schemeClr val="tx1">
+                    <a:lumMod val="75000"/>
+                    <a:lumOff val="25000"/>
+                  </a:schemeClr>
+                </a:solidFill>
+                <a:latin typeface="Open Sans" panose="020B0606030504020204" pitchFamily="34" charset="0"/>
+                <a:ea typeface="Open Sans" panose="020B0606030504020204" pitchFamily="34" charset="0"/>
+                <a:cs typeface="Open Sans" panose="020B0606030504020204" pitchFamily="34" charset="0"/>
+              </a:rPr>
+              <a:t>Branch</a:t>
+            </a:r>
+          </a:p>
+        </p:txBody>
+      </p:sp>
+    </p:spTree>
+    <p:extLst>
+      <p:ext uri="{BB962C8B-B14F-4D97-AF65-F5344CB8AC3E}">
+        <p14:creationId xmlns:p14="http://schemas.microsoft.com/office/powerpoint/2010/main" val="2977642709"/>
+      </p:ext>
+    </p:extLst>
+  </p:cSld>
+  <p:clrMapOvr>
+    <a:masterClrMapping/>
+  </p:clrMapOvr>
+</p:sld>
+</file>
+
+<file path=ppt/slides/slide5.xml><?xml version="1.0" encoding="utf-8"?>
+<p:sld xmlns:a="http://schemas.openxmlformats.org/drawingml/2006/main" xmlns:r="http://schemas.openxmlformats.org/officeDocument/2006/relationships" xmlns:p="http://schemas.openxmlformats.org/presentationml/2006/main">
+  <p:cSld>
+    <p:spTree>
+      <p:nvGrpSpPr>
+        <p:cNvPr id="1" name=""/>
+        <p:cNvGrpSpPr/>
+        <p:nvPr/>
+      </p:nvGrpSpPr>
+      <p:grpSpPr>
+        <a:xfrm>
+          <a:off x="0" y="0"/>
+          <a:ext cx="0" cy="0"/>
+          <a:chOff x="0" y="0"/>
+          <a:chExt cx="0" cy="0"/>
+        </a:xfrm>
+      </p:grpSpPr>
       <p:grpSp>
         <p:nvGrpSpPr>
           <p:cNvPr id="82" name="Group 81">
@@ -8956,7 +9615,7 @@
 </p:sld>
 </file>
 
-<file path=ppt/slides/slide5.xml><?xml version="1.0" encoding="utf-8"?>
+<file path=ppt/slides/slide6.xml><?xml version="1.0" encoding="utf-8"?>
 <p:sld xmlns:a="http://schemas.openxmlformats.org/drawingml/2006/main" xmlns:r="http://schemas.openxmlformats.org/officeDocument/2006/relationships" xmlns:p="http://schemas.openxmlformats.org/presentationml/2006/main">
   <p:cSld>
     <p:spTree>
@@ -10613,7 +11272,7 @@
 </p:sld>
 </file>
 
-<file path=ppt/slides/slide6.xml><?xml version="1.0" encoding="utf-8"?>
+<file path=ppt/slides/slide7.xml><?xml version="1.0" encoding="utf-8"?>
 <p:sld xmlns:a="http://schemas.openxmlformats.org/drawingml/2006/main" xmlns:r="http://schemas.openxmlformats.org/officeDocument/2006/relationships" xmlns:p="http://schemas.openxmlformats.org/presentationml/2006/main">
   <p:cSld>
     <p:spTree>
@@ -12247,7 +12906,7 @@
 </p:sld>
 </file>
 
-<file path=ppt/slides/slide7.xml><?xml version="1.0" encoding="utf-8"?>
+<file path=ppt/slides/slide8.xml><?xml version="1.0" encoding="utf-8"?>
 <p:sld xmlns:a="http://schemas.openxmlformats.org/drawingml/2006/main" xmlns:r="http://schemas.openxmlformats.org/officeDocument/2006/relationships" xmlns:p="http://schemas.openxmlformats.org/presentationml/2006/main">
   <p:cSld>
     <p:spTree>
@@ -14451,7 +15110,7 @@
 </p:sld>
 </file>
 
-<file path=ppt/slides/slide8.xml><?xml version="1.0" encoding="utf-8"?>
+<file path=ppt/slides/slide9.xml><?xml version="1.0" encoding="utf-8"?>
 <p:sld xmlns:a="http://schemas.openxmlformats.org/drawingml/2006/main" xmlns:r="http://schemas.openxmlformats.org/officeDocument/2006/relationships" xmlns:p="http://schemas.openxmlformats.org/presentationml/2006/main">
   <p:cSld>
     <p:spTree>

--- a/image/0_raw_image.pptx
+++ b/image/0_raw_image.pptx
@@ -7194,629 +7194,650 @@
           <a:chExt cx="0" cy="0"/>
         </a:xfrm>
       </p:grpSpPr>
-      <p:cxnSp>
-        <p:nvCxnSpPr>
-          <p:cNvPr id="10" name="Straight Connector 9">
+      <p:grpSp>
+        <p:nvGrpSpPr>
+          <p:cNvPr id="46" name="Group 45">
             <a:extLst>
               <a:ext uri="{FF2B5EF4-FFF2-40B4-BE49-F238E27FC236}">
-                <a16:creationId xmlns:a16="http://schemas.microsoft.com/office/drawing/2014/main" id="{D9D43E1E-924A-5F40-8A5D-F9402DD82EC9}"/>
+                <a16:creationId xmlns:a16="http://schemas.microsoft.com/office/drawing/2014/main" id="{2A2A7D4D-64FF-4F46-9C42-CDA751595F75}"/>
               </a:ext>
             </a:extLst>
           </p:cNvPr>
-          <p:cNvCxnSpPr>
-            <a:cxnSpLocks/>
-            <a:stCxn id="2" idx="2"/>
-            <a:endCxn id="4" idx="0"/>
-          </p:cNvCxnSpPr>
+          <p:cNvGrpSpPr/>
           <p:nvPr/>
-        </p:nvCxnSpPr>
-        <p:spPr>
-          <a:xfrm flipH="1">
-            <a:off x="3764280" y="2116455"/>
-            <a:ext cx="1546860" cy="447675"/>
+        </p:nvGrpSpPr>
+        <p:grpSpPr>
+          <a:xfrm>
+            <a:off x="3169920" y="1727835"/>
+            <a:ext cx="5482590" cy="2158365"/>
+            <a:chOff x="3169920" y="1727835"/>
+            <a:chExt cx="5482590" cy="2158365"/>
           </a:xfrm>
-          <a:prstGeom prst="line">
-            <a:avLst/>
-          </a:prstGeom>
-          <a:ln w="19050">
+        </p:grpSpPr>
+        <p:cxnSp>
+          <p:nvCxnSpPr>
+            <p:cNvPr id="10" name="Straight Connector 9">
+              <a:extLst>
+                <a:ext uri="{FF2B5EF4-FFF2-40B4-BE49-F238E27FC236}">
+                  <a16:creationId xmlns:a16="http://schemas.microsoft.com/office/drawing/2014/main" id="{D9D43E1E-924A-5F40-8A5D-F9402DD82EC9}"/>
+                </a:ext>
+              </a:extLst>
+            </p:cNvPr>
+            <p:cNvCxnSpPr>
+              <a:cxnSpLocks/>
+              <a:stCxn id="2" idx="2"/>
+              <a:endCxn id="4" idx="0"/>
+            </p:cNvCxnSpPr>
+            <p:nvPr/>
+          </p:nvCxnSpPr>
+          <p:spPr>
+            <a:xfrm flipH="1">
+              <a:off x="3764280" y="2116455"/>
+              <a:ext cx="1546860" cy="447675"/>
+            </a:xfrm>
+            <a:prstGeom prst="line">
+              <a:avLst/>
+            </a:prstGeom>
+            <a:ln w="19050">
+              <a:solidFill>
+                <a:srgbClr val="222A35"/>
+              </a:solidFill>
+            </a:ln>
+          </p:spPr>
+          <p:style>
+            <a:lnRef idx="1">
+              <a:schemeClr val="accent1"/>
+            </a:lnRef>
+            <a:fillRef idx="0">
+              <a:schemeClr val="accent1"/>
+            </a:fillRef>
+            <a:effectRef idx="0">
+              <a:schemeClr val="accent1"/>
+            </a:effectRef>
+            <a:fontRef idx="minor">
+              <a:schemeClr val="tx1"/>
+            </a:fontRef>
+          </p:style>
+        </p:cxnSp>
+        <p:cxnSp>
+          <p:nvCxnSpPr>
+            <p:cNvPr id="11" name="Straight Connector 10">
+              <a:extLst>
+                <a:ext uri="{FF2B5EF4-FFF2-40B4-BE49-F238E27FC236}">
+                  <a16:creationId xmlns:a16="http://schemas.microsoft.com/office/drawing/2014/main" id="{73DCB011-0C0B-EE4E-BB0D-FE19C8ADD220}"/>
+                </a:ext>
+              </a:extLst>
+            </p:cNvPr>
+            <p:cNvCxnSpPr>
+              <a:cxnSpLocks/>
+              <a:stCxn id="2" idx="2"/>
+              <a:endCxn id="5" idx="0"/>
+            </p:cNvCxnSpPr>
+            <p:nvPr/>
+          </p:nvCxnSpPr>
+          <p:spPr>
+            <a:xfrm>
+              <a:off x="5311140" y="2116455"/>
+              <a:ext cx="1546860" cy="447675"/>
+            </a:xfrm>
+            <a:prstGeom prst="line">
+              <a:avLst/>
+            </a:prstGeom>
+            <a:ln w="19050">
+              <a:solidFill>
+                <a:srgbClr val="222A35"/>
+              </a:solidFill>
+            </a:ln>
+          </p:spPr>
+          <p:style>
+            <a:lnRef idx="1">
+              <a:schemeClr val="accent1"/>
+            </a:lnRef>
+            <a:fillRef idx="0">
+              <a:schemeClr val="accent1"/>
+            </a:fillRef>
+            <a:effectRef idx="0">
+              <a:schemeClr val="accent1"/>
+            </a:effectRef>
+            <a:fontRef idx="minor">
+              <a:schemeClr val="tx1"/>
+            </a:fontRef>
+          </p:style>
+        </p:cxnSp>
+        <p:cxnSp>
+          <p:nvCxnSpPr>
+            <p:cNvPr id="20" name="Straight Connector 19">
+              <a:extLst>
+                <a:ext uri="{FF2B5EF4-FFF2-40B4-BE49-F238E27FC236}">
+                  <a16:creationId xmlns:a16="http://schemas.microsoft.com/office/drawing/2014/main" id="{F1732C35-DF96-2442-8058-6E9B9AA6DF87}"/>
+                </a:ext>
+              </a:extLst>
+            </p:cNvPr>
+            <p:cNvCxnSpPr>
+              <a:cxnSpLocks/>
+              <a:stCxn id="5" idx="2"/>
+              <a:endCxn id="7" idx="0"/>
+            </p:cNvCxnSpPr>
+            <p:nvPr/>
+          </p:nvCxnSpPr>
+          <p:spPr>
+            <a:xfrm flipH="1">
+              <a:off x="5840730" y="2952750"/>
+              <a:ext cx="1017270" cy="447675"/>
+            </a:xfrm>
+            <a:prstGeom prst="line">
+              <a:avLst/>
+            </a:prstGeom>
+            <a:ln w="19050">
+              <a:solidFill>
+                <a:srgbClr val="222A35"/>
+              </a:solidFill>
+            </a:ln>
+          </p:spPr>
+          <p:style>
+            <a:lnRef idx="1">
+              <a:schemeClr val="accent1"/>
+            </a:lnRef>
+            <a:fillRef idx="0">
+              <a:schemeClr val="accent1"/>
+            </a:fillRef>
+            <a:effectRef idx="0">
+              <a:schemeClr val="accent1"/>
+            </a:effectRef>
+            <a:fontRef idx="minor">
+              <a:schemeClr val="tx1"/>
+            </a:fontRef>
+          </p:style>
+        </p:cxnSp>
+        <p:cxnSp>
+          <p:nvCxnSpPr>
+            <p:cNvPr id="23" name="Straight Connector 22">
+              <a:extLst>
+                <a:ext uri="{FF2B5EF4-FFF2-40B4-BE49-F238E27FC236}">
+                  <a16:creationId xmlns:a16="http://schemas.microsoft.com/office/drawing/2014/main" id="{A17820BA-862E-0945-AA4D-01619AD7EC6C}"/>
+                </a:ext>
+              </a:extLst>
+            </p:cNvPr>
+            <p:cNvCxnSpPr>
+              <a:cxnSpLocks/>
+              <a:stCxn id="5" idx="2"/>
+              <a:endCxn id="6" idx="0"/>
+            </p:cNvCxnSpPr>
+            <p:nvPr/>
+          </p:nvCxnSpPr>
+          <p:spPr>
+            <a:xfrm>
+              <a:off x="6858000" y="2952750"/>
+              <a:ext cx="1017270" cy="447675"/>
+            </a:xfrm>
+            <a:prstGeom prst="line">
+              <a:avLst/>
+            </a:prstGeom>
+            <a:ln w="19050">
+              <a:solidFill>
+                <a:srgbClr val="222A35"/>
+              </a:solidFill>
+            </a:ln>
+          </p:spPr>
+          <p:style>
+            <a:lnRef idx="1">
+              <a:schemeClr val="accent1"/>
+            </a:lnRef>
+            <a:fillRef idx="0">
+              <a:schemeClr val="accent1"/>
+            </a:fillRef>
+            <a:effectRef idx="0">
+              <a:schemeClr val="accent1"/>
+            </a:effectRef>
+            <a:fontRef idx="minor">
+              <a:schemeClr val="tx1"/>
+            </a:fontRef>
+          </p:style>
+        </p:cxnSp>
+        <p:sp>
+          <p:nvSpPr>
+            <p:cNvPr id="2" name="Rounded Rectangle 1">
+              <a:extLst>
+                <a:ext uri="{FF2B5EF4-FFF2-40B4-BE49-F238E27FC236}">
+                  <a16:creationId xmlns:a16="http://schemas.microsoft.com/office/drawing/2014/main" id="{CEA626BA-C627-1E48-9088-3EF8D8AB007A}"/>
+                </a:ext>
+              </a:extLst>
+            </p:cNvPr>
+            <p:cNvSpPr/>
+            <p:nvPr/>
+          </p:nvSpPr>
+          <p:spPr>
+            <a:xfrm>
+              <a:off x="4716780" y="1727835"/>
+              <a:ext cx="1188720" cy="388620"/>
+            </a:xfrm>
+            <a:prstGeom prst="roundRect">
+              <a:avLst/>
+            </a:prstGeom>
             <a:solidFill>
               <a:srgbClr val="222A35"/>
             </a:solidFill>
-          </a:ln>
-        </p:spPr>
-        <p:style>
-          <a:lnRef idx="1">
-            <a:schemeClr val="accent1"/>
-          </a:lnRef>
-          <a:fillRef idx="0">
-            <a:schemeClr val="accent1"/>
-          </a:fillRef>
-          <a:effectRef idx="0">
-            <a:schemeClr val="accent1"/>
-          </a:effectRef>
-          <a:fontRef idx="minor">
-            <a:schemeClr val="tx1"/>
-          </a:fontRef>
-        </p:style>
-      </p:cxnSp>
-      <p:cxnSp>
-        <p:nvCxnSpPr>
-          <p:cNvPr id="11" name="Straight Connector 10">
-            <a:extLst>
-              <a:ext uri="{FF2B5EF4-FFF2-40B4-BE49-F238E27FC236}">
-                <a16:creationId xmlns:a16="http://schemas.microsoft.com/office/drawing/2014/main" id="{73DCB011-0C0B-EE4E-BB0D-FE19C8ADD220}"/>
-              </a:ext>
-            </a:extLst>
-          </p:cNvPr>
-          <p:cNvCxnSpPr>
-            <a:cxnSpLocks/>
-            <a:stCxn id="2" idx="2"/>
-            <a:endCxn id="5" idx="0"/>
-          </p:cNvCxnSpPr>
-          <p:nvPr/>
-        </p:nvCxnSpPr>
-        <p:spPr>
-          <a:xfrm>
-            <a:off x="5311140" y="2116455"/>
-            <a:ext cx="1546860" cy="447675"/>
-          </a:xfrm>
-          <a:prstGeom prst="line">
-            <a:avLst/>
-          </a:prstGeom>
-          <a:ln w="19050">
+            <a:ln>
+              <a:noFill/>
+            </a:ln>
+          </p:spPr>
+          <p:style>
+            <a:lnRef idx="2">
+              <a:schemeClr val="accent1">
+                <a:shade val="50000"/>
+              </a:schemeClr>
+            </a:lnRef>
+            <a:fillRef idx="1">
+              <a:schemeClr val="accent1"/>
+            </a:fillRef>
+            <a:effectRef idx="0">
+              <a:schemeClr val="accent1"/>
+            </a:effectRef>
+            <a:fontRef idx="minor">
+              <a:schemeClr val="lt1"/>
+            </a:fontRef>
+          </p:style>
+          <p:txBody>
+            <a:bodyPr rtlCol="0" anchor="ctr"/>
+            <a:lstStyle/>
+            <a:p>
+              <a:pPr algn="ctr"/>
+              <a:r>
+                <a:rPr lang="en-VN" sz="1200">
+                  <a:latin typeface="Open Sans" panose="020B0606030504020204" pitchFamily="34" charset="0"/>
+                  <a:ea typeface="Open Sans" panose="020B0606030504020204" pitchFamily="34" charset="0"/>
+                  <a:cs typeface="Open Sans" panose="020B0606030504020204" pitchFamily="34" charset="0"/>
+                </a:rPr>
+                <a:t>Root node</a:t>
+              </a:r>
+            </a:p>
+          </p:txBody>
+        </p:sp>
+        <p:sp>
+          <p:nvSpPr>
+            <p:cNvPr id="4" name="Rounded Rectangle 3">
+              <a:extLst>
+                <a:ext uri="{FF2B5EF4-FFF2-40B4-BE49-F238E27FC236}">
+                  <a16:creationId xmlns:a16="http://schemas.microsoft.com/office/drawing/2014/main" id="{480D6549-4A30-A748-B4E0-2C299F637930}"/>
+                </a:ext>
+              </a:extLst>
+            </p:cNvPr>
+            <p:cNvSpPr/>
+            <p:nvPr/>
+          </p:nvSpPr>
+          <p:spPr>
+            <a:xfrm>
+              <a:off x="3169920" y="2564130"/>
+              <a:ext cx="1188720" cy="388620"/>
+            </a:xfrm>
+            <a:prstGeom prst="roundRect">
+              <a:avLst/>
+            </a:prstGeom>
             <a:solidFill>
-              <a:srgbClr val="222A35"/>
+              <a:srgbClr val="00B050"/>
             </a:solidFill>
-          </a:ln>
-        </p:spPr>
-        <p:style>
-          <a:lnRef idx="1">
-            <a:schemeClr val="accent1"/>
-          </a:lnRef>
-          <a:fillRef idx="0">
-            <a:schemeClr val="accent1"/>
-          </a:fillRef>
-          <a:effectRef idx="0">
-            <a:schemeClr val="accent1"/>
-          </a:effectRef>
-          <a:fontRef idx="minor">
-            <a:schemeClr val="tx1"/>
-          </a:fontRef>
-        </p:style>
-      </p:cxnSp>
-      <p:cxnSp>
-        <p:nvCxnSpPr>
-          <p:cNvPr id="20" name="Straight Connector 19">
-            <a:extLst>
-              <a:ext uri="{FF2B5EF4-FFF2-40B4-BE49-F238E27FC236}">
-                <a16:creationId xmlns:a16="http://schemas.microsoft.com/office/drawing/2014/main" id="{F1732C35-DF96-2442-8058-6E9B9AA6DF87}"/>
-              </a:ext>
-            </a:extLst>
-          </p:cNvPr>
-          <p:cNvCxnSpPr>
-            <a:cxnSpLocks/>
-            <a:stCxn id="5" idx="2"/>
-            <a:endCxn id="7" idx="0"/>
-          </p:cNvCxnSpPr>
-          <p:nvPr/>
-        </p:nvCxnSpPr>
-        <p:spPr>
-          <a:xfrm flipH="1">
-            <a:off x="5840730" y="2952750"/>
-            <a:ext cx="1017270" cy="447675"/>
-          </a:xfrm>
-          <a:prstGeom prst="line">
-            <a:avLst/>
-          </a:prstGeom>
-          <a:ln w="19050">
+            <a:ln>
+              <a:noFill/>
+            </a:ln>
+          </p:spPr>
+          <p:style>
+            <a:lnRef idx="2">
+              <a:schemeClr val="accent1">
+                <a:shade val="50000"/>
+              </a:schemeClr>
+            </a:lnRef>
+            <a:fillRef idx="1">
+              <a:schemeClr val="accent1"/>
+            </a:fillRef>
+            <a:effectRef idx="0">
+              <a:schemeClr val="accent1"/>
+            </a:effectRef>
+            <a:fontRef idx="minor">
+              <a:schemeClr val="lt1"/>
+            </a:fontRef>
+          </p:style>
+          <p:txBody>
+            <a:bodyPr rtlCol="0" anchor="ctr"/>
+            <a:lstStyle/>
+            <a:p>
+              <a:pPr algn="ctr"/>
+              <a:r>
+                <a:rPr lang="en-VN" sz="1200">
+                  <a:latin typeface="Open Sans" panose="020B0606030504020204" pitchFamily="34" charset="0"/>
+                  <a:ea typeface="Open Sans" panose="020B0606030504020204" pitchFamily="34" charset="0"/>
+                  <a:cs typeface="Open Sans" panose="020B0606030504020204" pitchFamily="34" charset="0"/>
+                </a:rPr>
+                <a:t>Leaf node</a:t>
+              </a:r>
+            </a:p>
+          </p:txBody>
+        </p:sp>
+        <p:sp>
+          <p:nvSpPr>
+            <p:cNvPr id="5" name="Rounded Rectangle 4">
+              <a:extLst>
+                <a:ext uri="{FF2B5EF4-FFF2-40B4-BE49-F238E27FC236}">
+                  <a16:creationId xmlns:a16="http://schemas.microsoft.com/office/drawing/2014/main" id="{CABE309E-53B8-E249-9F14-681678259D4A}"/>
+                </a:ext>
+              </a:extLst>
+            </p:cNvPr>
+            <p:cNvSpPr/>
+            <p:nvPr/>
+          </p:nvSpPr>
+          <p:spPr>
+            <a:xfrm>
+              <a:off x="6263640" y="2564130"/>
+              <a:ext cx="1188720" cy="388620"/>
+            </a:xfrm>
+            <a:prstGeom prst="roundRect">
+              <a:avLst/>
+            </a:prstGeom>
             <a:solidFill>
-              <a:srgbClr val="222A35"/>
+              <a:srgbClr val="006082"/>
             </a:solidFill>
-          </a:ln>
-        </p:spPr>
-        <p:style>
-          <a:lnRef idx="1">
-            <a:schemeClr val="accent1"/>
-          </a:lnRef>
-          <a:fillRef idx="0">
-            <a:schemeClr val="accent1"/>
-          </a:fillRef>
-          <a:effectRef idx="0">
-            <a:schemeClr val="accent1"/>
-          </a:effectRef>
-          <a:fontRef idx="minor">
-            <a:schemeClr val="tx1"/>
-          </a:fontRef>
-        </p:style>
-      </p:cxnSp>
-      <p:cxnSp>
-        <p:nvCxnSpPr>
-          <p:cNvPr id="23" name="Straight Connector 22">
-            <a:extLst>
-              <a:ext uri="{FF2B5EF4-FFF2-40B4-BE49-F238E27FC236}">
-                <a16:creationId xmlns:a16="http://schemas.microsoft.com/office/drawing/2014/main" id="{A17820BA-862E-0945-AA4D-01619AD7EC6C}"/>
-              </a:ext>
-            </a:extLst>
-          </p:cNvPr>
-          <p:cNvCxnSpPr>
-            <a:cxnSpLocks/>
-            <a:stCxn id="5" idx="2"/>
-            <a:endCxn id="6" idx="0"/>
-          </p:cNvCxnSpPr>
-          <p:nvPr/>
-        </p:nvCxnSpPr>
-        <p:spPr>
-          <a:xfrm>
-            <a:off x="6858000" y="2952750"/>
-            <a:ext cx="1017270" cy="447675"/>
-          </a:xfrm>
-          <a:prstGeom prst="line">
-            <a:avLst/>
-          </a:prstGeom>
-          <a:ln w="19050">
+            <a:ln>
+              <a:noFill/>
+            </a:ln>
+          </p:spPr>
+          <p:style>
+            <a:lnRef idx="2">
+              <a:schemeClr val="accent1">
+                <a:shade val="50000"/>
+              </a:schemeClr>
+            </a:lnRef>
+            <a:fillRef idx="1">
+              <a:schemeClr val="accent1"/>
+            </a:fillRef>
+            <a:effectRef idx="0">
+              <a:schemeClr val="accent1"/>
+            </a:effectRef>
+            <a:fontRef idx="minor">
+              <a:schemeClr val="lt1"/>
+            </a:fontRef>
+          </p:style>
+          <p:txBody>
+            <a:bodyPr rtlCol="0" anchor="ctr"/>
+            <a:lstStyle/>
+            <a:p>
+              <a:pPr algn="ctr"/>
+              <a:r>
+                <a:rPr lang="en-VN" sz="1200">
+                  <a:latin typeface="Open Sans" panose="020B0606030504020204" pitchFamily="34" charset="0"/>
+                  <a:ea typeface="Open Sans" panose="020B0606030504020204" pitchFamily="34" charset="0"/>
+                  <a:cs typeface="Open Sans" panose="020B0606030504020204" pitchFamily="34" charset="0"/>
+                </a:rPr>
+                <a:t>Internal node</a:t>
+              </a:r>
+            </a:p>
+          </p:txBody>
+        </p:sp>
+        <p:sp>
+          <p:nvSpPr>
+            <p:cNvPr id="6" name="Rounded Rectangle 5">
+              <a:extLst>
+                <a:ext uri="{FF2B5EF4-FFF2-40B4-BE49-F238E27FC236}">
+                  <a16:creationId xmlns:a16="http://schemas.microsoft.com/office/drawing/2014/main" id="{78BEEBA2-A20C-014C-84ED-9EFDDE1E6FA6}"/>
+                </a:ext>
+              </a:extLst>
+            </p:cNvPr>
+            <p:cNvSpPr/>
+            <p:nvPr/>
+          </p:nvSpPr>
+          <p:spPr>
+            <a:xfrm>
+              <a:off x="7280910" y="3400425"/>
+              <a:ext cx="1188720" cy="388620"/>
+            </a:xfrm>
+            <a:prstGeom prst="roundRect">
+              <a:avLst/>
+            </a:prstGeom>
             <a:solidFill>
-              <a:srgbClr val="222A35"/>
+              <a:srgbClr val="00B050"/>
             </a:solidFill>
-          </a:ln>
-        </p:spPr>
-        <p:style>
-          <a:lnRef idx="1">
-            <a:schemeClr val="accent1"/>
-          </a:lnRef>
-          <a:fillRef idx="0">
-            <a:schemeClr val="accent1"/>
-          </a:fillRef>
-          <a:effectRef idx="0">
-            <a:schemeClr val="accent1"/>
-          </a:effectRef>
-          <a:fontRef idx="minor">
-            <a:schemeClr val="tx1"/>
-          </a:fontRef>
-        </p:style>
-      </p:cxnSp>
-      <p:sp>
-        <p:nvSpPr>
-          <p:cNvPr id="2" name="Rounded Rectangle 1">
-            <a:extLst>
-              <a:ext uri="{FF2B5EF4-FFF2-40B4-BE49-F238E27FC236}">
-                <a16:creationId xmlns:a16="http://schemas.microsoft.com/office/drawing/2014/main" id="{CEA626BA-C627-1E48-9088-3EF8D8AB007A}"/>
-              </a:ext>
-            </a:extLst>
-          </p:cNvPr>
-          <p:cNvSpPr/>
-          <p:nvPr/>
-        </p:nvSpPr>
-        <p:spPr>
-          <a:xfrm>
-            <a:off x="4716780" y="1727835"/>
-            <a:ext cx="1188720" cy="388620"/>
-          </a:xfrm>
-          <a:prstGeom prst="roundRect">
-            <a:avLst/>
-          </a:prstGeom>
-          <a:solidFill>
-            <a:srgbClr val="222A35"/>
-          </a:solidFill>
-          <a:ln>
+            <a:ln>
+              <a:noFill/>
+            </a:ln>
+          </p:spPr>
+          <p:style>
+            <a:lnRef idx="2">
+              <a:schemeClr val="accent1">
+                <a:shade val="50000"/>
+              </a:schemeClr>
+            </a:lnRef>
+            <a:fillRef idx="1">
+              <a:schemeClr val="accent1"/>
+            </a:fillRef>
+            <a:effectRef idx="0">
+              <a:schemeClr val="accent1"/>
+            </a:effectRef>
+            <a:fontRef idx="minor">
+              <a:schemeClr val="lt1"/>
+            </a:fontRef>
+          </p:style>
+          <p:txBody>
+            <a:bodyPr rtlCol="0" anchor="ctr"/>
+            <a:lstStyle/>
+            <a:p>
+              <a:pPr algn="ctr"/>
+              <a:r>
+                <a:rPr lang="en-VN" sz="1200">
+                  <a:latin typeface="Open Sans" panose="020B0606030504020204" pitchFamily="34" charset="0"/>
+                  <a:ea typeface="Open Sans" panose="020B0606030504020204" pitchFamily="34" charset="0"/>
+                  <a:cs typeface="Open Sans" panose="020B0606030504020204" pitchFamily="34" charset="0"/>
+                </a:rPr>
+                <a:t>Leaf node</a:t>
+              </a:r>
+            </a:p>
+          </p:txBody>
+        </p:sp>
+        <p:sp>
+          <p:nvSpPr>
+            <p:cNvPr id="7" name="Rounded Rectangle 6">
+              <a:extLst>
+                <a:ext uri="{FF2B5EF4-FFF2-40B4-BE49-F238E27FC236}">
+                  <a16:creationId xmlns:a16="http://schemas.microsoft.com/office/drawing/2014/main" id="{B27038E5-D2F0-E342-ADCF-1B80AEB2E5DD}"/>
+                </a:ext>
+              </a:extLst>
+            </p:cNvPr>
+            <p:cNvSpPr/>
+            <p:nvPr/>
+          </p:nvSpPr>
+          <p:spPr>
+            <a:xfrm>
+              <a:off x="5246370" y="3400425"/>
+              <a:ext cx="1188720" cy="388620"/>
+            </a:xfrm>
+            <a:prstGeom prst="roundRect">
+              <a:avLst/>
+            </a:prstGeom>
+            <a:solidFill>
+              <a:srgbClr val="00B050"/>
+            </a:solidFill>
+            <a:ln>
+              <a:noFill/>
+            </a:ln>
+          </p:spPr>
+          <p:style>
+            <a:lnRef idx="2">
+              <a:schemeClr val="accent1">
+                <a:shade val="50000"/>
+              </a:schemeClr>
+            </a:lnRef>
+            <a:fillRef idx="1">
+              <a:schemeClr val="accent1"/>
+            </a:fillRef>
+            <a:effectRef idx="0">
+              <a:schemeClr val="accent1"/>
+            </a:effectRef>
+            <a:fontRef idx="minor">
+              <a:schemeClr val="lt1"/>
+            </a:fontRef>
+          </p:style>
+          <p:txBody>
+            <a:bodyPr rtlCol="0" anchor="ctr"/>
+            <a:lstStyle/>
+            <a:p>
+              <a:pPr algn="ctr"/>
+              <a:r>
+                <a:rPr lang="en-VN" sz="1200">
+                  <a:latin typeface="Open Sans" panose="020B0606030504020204" pitchFamily="34" charset="0"/>
+                  <a:ea typeface="Open Sans" panose="020B0606030504020204" pitchFamily="34" charset="0"/>
+                  <a:cs typeface="Open Sans" panose="020B0606030504020204" pitchFamily="34" charset="0"/>
+                </a:rPr>
+                <a:t>Leaf node</a:t>
+              </a:r>
+            </a:p>
+          </p:txBody>
+        </p:sp>
+        <p:sp>
+          <p:nvSpPr>
+            <p:cNvPr id="31" name="TextBox 30">
+              <a:extLst>
+                <a:ext uri="{FF2B5EF4-FFF2-40B4-BE49-F238E27FC236}">
+                  <a16:creationId xmlns:a16="http://schemas.microsoft.com/office/drawing/2014/main" id="{B729AE82-9256-1345-A5ED-568875DE6CC9}"/>
+                </a:ext>
+              </a:extLst>
+            </p:cNvPr>
+            <p:cNvSpPr txBox="1"/>
+            <p:nvPr/>
+          </p:nvSpPr>
+          <p:spPr>
+            <a:xfrm>
+              <a:off x="3825240" y="2117198"/>
+              <a:ext cx="720090" cy="276999"/>
+            </a:xfrm>
+            <a:prstGeom prst="rect">
+              <a:avLst/>
+            </a:prstGeom>
             <a:noFill/>
-          </a:ln>
-        </p:spPr>
-        <p:style>
-          <a:lnRef idx="2">
-            <a:schemeClr val="accent1">
-              <a:shade val="50000"/>
-            </a:schemeClr>
-          </a:lnRef>
-          <a:fillRef idx="1">
-            <a:schemeClr val="accent1"/>
-          </a:fillRef>
-          <a:effectRef idx="0">
-            <a:schemeClr val="accent1"/>
-          </a:effectRef>
-          <a:fontRef idx="minor">
-            <a:schemeClr val="lt1"/>
-          </a:fontRef>
-        </p:style>
-        <p:txBody>
-          <a:bodyPr rtlCol="0" anchor="ctr"/>
-          <a:lstStyle/>
-          <a:p>
-            <a:pPr algn="ctr"/>
-            <a:r>
-              <a:rPr lang="en-VN" sz="1200">
-                <a:latin typeface="Open Sans" panose="020B0606030504020204" pitchFamily="34" charset="0"/>
-                <a:ea typeface="Open Sans" panose="020B0606030504020204" pitchFamily="34" charset="0"/>
-                <a:cs typeface="Open Sans" panose="020B0606030504020204" pitchFamily="34" charset="0"/>
-              </a:rPr>
-              <a:t>Root node</a:t>
-            </a:r>
-          </a:p>
-        </p:txBody>
-      </p:sp>
-      <p:sp>
-        <p:nvSpPr>
-          <p:cNvPr id="4" name="Rounded Rectangle 3">
-            <a:extLst>
-              <a:ext uri="{FF2B5EF4-FFF2-40B4-BE49-F238E27FC236}">
-                <a16:creationId xmlns:a16="http://schemas.microsoft.com/office/drawing/2014/main" id="{480D6549-4A30-A748-B4E0-2C299F637930}"/>
-              </a:ext>
-            </a:extLst>
-          </p:cNvPr>
-          <p:cNvSpPr/>
-          <p:nvPr/>
-        </p:nvSpPr>
-        <p:spPr>
-          <a:xfrm>
-            <a:off x="3169920" y="2564130"/>
-            <a:ext cx="1188720" cy="388620"/>
-          </a:xfrm>
-          <a:prstGeom prst="roundRect">
-            <a:avLst/>
-          </a:prstGeom>
-          <a:solidFill>
-            <a:srgbClr val="00B050"/>
-          </a:solidFill>
-          <a:ln>
+          </p:spPr>
+          <p:txBody>
+            <a:bodyPr wrap="square" rtlCol="0">
+              <a:spAutoFit/>
+            </a:bodyPr>
+            <a:lstStyle/>
+            <a:p>
+              <a:pPr algn="ctr"/>
+              <a:r>
+                <a:rPr lang="en-VN" sz="1200">
+                  <a:solidFill>
+                    <a:schemeClr val="tx1">
+                      <a:lumMod val="75000"/>
+                      <a:lumOff val="25000"/>
+                    </a:schemeClr>
+                  </a:solidFill>
+                  <a:latin typeface="Open Sans" panose="020B0606030504020204" pitchFamily="34" charset="0"/>
+                  <a:ea typeface="Open Sans" panose="020B0606030504020204" pitchFamily="34" charset="0"/>
+                  <a:cs typeface="Open Sans" panose="020B0606030504020204" pitchFamily="34" charset="0"/>
+                </a:rPr>
+                <a:t>Edge</a:t>
+              </a:r>
+            </a:p>
+          </p:txBody>
+        </p:sp>
+        <p:sp>
+          <p:nvSpPr>
+            <p:cNvPr id="32" name="Rounded Rectangle 31">
+              <a:extLst>
+                <a:ext uri="{FF2B5EF4-FFF2-40B4-BE49-F238E27FC236}">
+                  <a16:creationId xmlns:a16="http://schemas.microsoft.com/office/drawing/2014/main" id="{B4F81A89-3463-3643-8DBC-BB6DEE67FD94}"/>
+                </a:ext>
+              </a:extLst>
+            </p:cNvPr>
+            <p:cNvSpPr/>
+            <p:nvPr/>
+          </p:nvSpPr>
+          <p:spPr>
+            <a:xfrm>
+              <a:off x="5063490" y="2466974"/>
+              <a:ext cx="3589020" cy="1419226"/>
+            </a:xfrm>
+            <a:prstGeom prst="roundRect">
+              <a:avLst/>
+            </a:prstGeom>
             <a:noFill/>
-          </a:ln>
-        </p:spPr>
-        <p:style>
-          <a:lnRef idx="2">
-            <a:schemeClr val="accent1">
-              <a:shade val="50000"/>
-            </a:schemeClr>
-          </a:lnRef>
-          <a:fillRef idx="1">
-            <a:schemeClr val="accent1"/>
-          </a:fillRef>
-          <a:effectRef idx="0">
-            <a:schemeClr val="accent1"/>
-          </a:effectRef>
-          <a:fontRef idx="minor">
-            <a:schemeClr val="lt1"/>
-          </a:fontRef>
-        </p:style>
-        <p:txBody>
-          <a:bodyPr rtlCol="0" anchor="ctr"/>
-          <a:lstStyle/>
-          <a:p>
-            <a:pPr algn="ctr"/>
-            <a:r>
-              <a:rPr lang="en-VN" sz="1200">
-                <a:latin typeface="Open Sans" panose="020B0606030504020204" pitchFamily="34" charset="0"/>
-                <a:ea typeface="Open Sans" panose="020B0606030504020204" pitchFamily="34" charset="0"/>
-                <a:cs typeface="Open Sans" panose="020B0606030504020204" pitchFamily="34" charset="0"/>
-              </a:rPr>
-              <a:t>Leaf node</a:t>
-            </a:r>
-          </a:p>
-        </p:txBody>
-      </p:sp>
-      <p:sp>
-        <p:nvSpPr>
-          <p:cNvPr id="5" name="Rounded Rectangle 4">
-            <a:extLst>
-              <a:ext uri="{FF2B5EF4-FFF2-40B4-BE49-F238E27FC236}">
-                <a16:creationId xmlns:a16="http://schemas.microsoft.com/office/drawing/2014/main" id="{CABE309E-53B8-E249-9F14-681678259D4A}"/>
-              </a:ext>
-            </a:extLst>
-          </p:cNvPr>
-          <p:cNvSpPr/>
-          <p:nvPr/>
-        </p:nvSpPr>
-        <p:spPr>
-          <a:xfrm>
-            <a:off x="6263640" y="2564130"/>
-            <a:ext cx="1188720" cy="388620"/>
-          </a:xfrm>
-          <a:prstGeom prst="roundRect">
-            <a:avLst/>
-          </a:prstGeom>
-          <a:solidFill>
-            <a:srgbClr val="006082"/>
-          </a:solidFill>
-          <a:ln>
+            <a:ln w="19050">
+              <a:solidFill>
+                <a:schemeClr val="tx1">
+                  <a:lumMod val="75000"/>
+                  <a:lumOff val="25000"/>
+                </a:schemeClr>
+              </a:solidFill>
+              <a:prstDash val="dash"/>
+            </a:ln>
+          </p:spPr>
+          <p:style>
+            <a:lnRef idx="2">
+              <a:schemeClr val="accent1">
+                <a:shade val="50000"/>
+              </a:schemeClr>
+            </a:lnRef>
+            <a:fillRef idx="1">
+              <a:schemeClr val="accent1"/>
+            </a:fillRef>
+            <a:effectRef idx="0">
+              <a:schemeClr val="accent1"/>
+            </a:effectRef>
+            <a:fontRef idx="minor">
+              <a:schemeClr val="lt1"/>
+            </a:fontRef>
+          </p:style>
+          <p:txBody>
+            <a:bodyPr rtlCol="0" anchor="ctr"/>
+            <a:lstStyle/>
+            <a:p>
+              <a:pPr algn="ctr"/>
+              <a:endParaRPr lang="en-VN"/>
+            </a:p>
+          </p:txBody>
+        </p:sp>
+        <p:sp>
+          <p:nvSpPr>
+            <p:cNvPr id="34" name="TextBox 33">
+              <a:extLst>
+                <a:ext uri="{FF2B5EF4-FFF2-40B4-BE49-F238E27FC236}">
+                  <a16:creationId xmlns:a16="http://schemas.microsoft.com/office/drawing/2014/main" id="{6E7C6201-73E3-C44D-AC58-B9970D613459}"/>
+                </a:ext>
+              </a:extLst>
+            </p:cNvPr>
+            <p:cNvSpPr txBox="1"/>
+            <p:nvPr/>
+          </p:nvSpPr>
+          <p:spPr>
+            <a:xfrm>
+              <a:off x="7749540" y="2195124"/>
+              <a:ext cx="720090" cy="276999"/>
+            </a:xfrm>
+            <a:prstGeom prst="rect">
+              <a:avLst/>
+            </a:prstGeom>
             <a:noFill/>
-          </a:ln>
-        </p:spPr>
-        <p:style>
-          <a:lnRef idx="2">
-            <a:schemeClr val="accent1">
-              <a:shade val="50000"/>
-            </a:schemeClr>
-          </a:lnRef>
-          <a:fillRef idx="1">
-            <a:schemeClr val="accent1"/>
-          </a:fillRef>
-          <a:effectRef idx="0">
-            <a:schemeClr val="accent1"/>
-          </a:effectRef>
-          <a:fontRef idx="minor">
-            <a:schemeClr val="lt1"/>
-          </a:fontRef>
-        </p:style>
-        <p:txBody>
-          <a:bodyPr rtlCol="0" anchor="ctr"/>
-          <a:lstStyle/>
-          <a:p>
-            <a:pPr algn="ctr"/>
-            <a:r>
-              <a:rPr lang="en-VN" sz="1200">
-                <a:latin typeface="Open Sans" panose="020B0606030504020204" pitchFamily="34" charset="0"/>
-                <a:ea typeface="Open Sans" panose="020B0606030504020204" pitchFamily="34" charset="0"/>
-                <a:cs typeface="Open Sans" panose="020B0606030504020204" pitchFamily="34" charset="0"/>
-              </a:rPr>
-              <a:t>Internal node</a:t>
-            </a:r>
-          </a:p>
-        </p:txBody>
-      </p:sp>
-      <p:sp>
-        <p:nvSpPr>
-          <p:cNvPr id="6" name="Rounded Rectangle 5">
-            <a:extLst>
-              <a:ext uri="{FF2B5EF4-FFF2-40B4-BE49-F238E27FC236}">
-                <a16:creationId xmlns:a16="http://schemas.microsoft.com/office/drawing/2014/main" id="{78BEEBA2-A20C-014C-84ED-9EFDDE1E6FA6}"/>
-              </a:ext>
-            </a:extLst>
-          </p:cNvPr>
-          <p:cNvSpPr/>
-          <p:nvPr/>
-        </p:nvSpPr>
-        <p:spPr>
-          <a:xfrm>
-            <a:off x="7280910" y="3400425"/>
-            <a:ext cx="1188720" cy="388620"/>
-          </a:xfrm>
-          <a:prstGeom prst="roundRect">
-            <a:avLst/>
-          </a:prstGeom>
-          <a:solidFill>
-            <a:srgbClr val="00B050"/>
-          </a:solidFill>
-          <a:ln>
-            <a:noFill/>
-          </a:ln>
-        </p:spPr>
-        <p:style>
-          <a:lnRef idx="2">
-            <a:schemeClr val="accent1">
-              <a:shade val="50000"/>
-            </a:schemeClr>
-          </a:lnRef>
-          <a:fillRef idx="1">
-            <a:schemeClr val="accent1"/>
-          </a:fillRef>
-          <a:effectRef idx="0">
-            <a:schemeClr val="accent1"/>
-          </a:effectRef>
-          <a:fontRef idx="minor">
-            <a:schemeClr val="lt1"/>
-          </a:fontRef>
-        </p:style>
-        <p:txBody>
-          <a:bodyPr rtlCol="0" anchor="ctr"/>
-          <a:lstStyle/>
-          <a:p>
-            <a:pPr algn="ctr"/>
-            <a:r>
-              <a:rPr lang="en-VN" sz="1200">
-                <a:latin typeface="Open Sans" panose="020B0606030504020204" pitchFamily="34" charset="0"/>
-                <a:ea typeface="Open Sans" panose="020B0606030504020204" pitchFamily="34" charset="0"/>
-                <a:cs typeface="Open Sans" panose="020B0606030504020204" pitchFamily="34" charset="0"/>
-              </a:rPr>
-              <a:t>Leaf node</a:t>
-            </a:r>
-          </a:p>
-        </p:txBody>
-      </p:sp>
-      <p:sp>
-        <p:nvSpPr>
-          <p:cNvPr id="7" name="Rounded Rectangle 6">
-            <a:extLst>
-              <a:ext uri="{FF2B5EF4-FFF2-40B4-BE49-F238E27FC236}">
-                <a16:creationId xmlns:a16="http://schemas.microsoft.com/office/drawing/2014/main" id="{B27038E5-D2F0-E342-ADCF-1B80AEB2E5DD}"/>
-              </a:ext>
-            </a:extLst>
-          </p:cNvPr>
-          <p:cNvSpPr/>
-          <p:nvPr/>
-        </p:nvSpPr>
-        <p:spPr>
-          <a:xfrm>
-            <a:off x="5246370" y="3400425"/>
-            <a:ext cx="1188720" cy="388620"/>
-          </a:xfrm>
-          <a:prstGeom prst="roundRect">
-            <a:avLst/>
-          </a:prstGeom>
-          <a:solidFill>
-            <a:srgbClr val="00B050"/>
-          </a:solidFill>
-          <a:ln>
-            <a:noFill/>
-          </a:ln>
-        </p:spPr>
-        <p:style>
-          <a:lnRef idx="2">
-            <a:schemeClr val="accent1">
-              <a:shade val="50000"/>
-            </a:schemeClr>
-          </a:lnRef>
-          <a:fillRef idx="1">
-            <a:schemeClr val="accent1"/>
-          </a:fillRef>
-          <a:effectRef idx="0">
-            <a:schemeClr val="accent1"/>
-          </a:effectRef>
-          <a:fontRef idx="minor">
-            <a:schemeClr val="lt1"/>
-          </a:fontRef>
-        </p:style>
-        <p:txBody>
-          <a:bodyPr rtlCol="0" anchor="ctr"/>
-          <a:lstStyle/>
-          <a:p>
-            <a:pPr algn="ctr"/>
-            <a:r>
-              <a:rPr lang="en-VN" sz="1200">
-                <a:latin typeface="Open Sans" panose="020B0606030504020204" pitchFamily="34" charset="0"/>
-                <a:ea typeface="Open Sans" panose="020B0606030504020204" pitchFamily="34" charset="0"/>
-                <a:cs typeface="Open Sans" panose="020B0606030504020204" pitchFamily="34" charset="0"/>
-              </a:rPr>
-              <a:t>Leaf node</a:t>
-            </a:r>
-          </a:p>
-        </p:txBody>
-      </p:sp>
-      <p:sp>
-        <p:nvSpPr>
-          <p:cNvPr id="31" name="TextBox 30">
-            <a:extLst>
-              <a:ext uri="{FF2B5EF4-FFF2-40B4-BE49-F238E27FC236}">
-                <a16:creationId xmlns:a16="http://schemas.microsoft.com/office/drawing/2014/main" id="{B729AE82-9256-1345-A5ED-568875DE6CC9}"/>
-              </a:ext>
-            </a:extLst>
-          </p:cNvPr>
-          <p:cNvSpPr txBox="1"/>
-          <p:nvPr/>
-        </p:nvSpPr>
-        <p:spPr>
-          <a:xfrm>
-            <a:off x="3825240" y="2117198"/>
-            <a:ext cx="720090" cy="276999"/>
-          </a:xfrm>
-          <a:prstGeom prst="rect">
-            <a:avLst/>
-          </a:prstGeom>
-          <a:noFill/>
-        </p:spPr>
-        <p:txBody>
-          <a:bodyPr wrap="square" rtlCol="0">
-            <a:spAutoFit/>
-          </a:bodyPr>
-          <a:lstStyle/>
-          <a:p>
-            <a:pPr algn="ctr"/>
-            <a:r>
-              <a:rPr lang="en-VN" sz="1200">
-                <a:solidFill>
-                  <a:schemeClr val="tx1">
-                    <a:lumMod val="75000"/>
-                    <a:lumOff val="25000"/>
-                  </a:schemeClr>
-                </a:solidFill>
-                <a:latin typeface="Open Sans" panose="020B0606030504020204" pitchFamily="34" charset="0"/>
-                <a:ea typeface="Open Sans" panose="020B0606030504020204" pitchFamily="34" charset="0"/>
-                <a:cs typeface="Open Sans" panose="020B0606030504020204" pitchFamily="34" charset="0"/>
-              </a:rPr>
-              <a:t>Edge</a:t>
-            </a:r>
-          </a:p>
-        </p:txBody>
-      </p:sp>
-      <p:sp>
-        <p:nvSpPr>
-          <p:cNvPr id="32" name="Rounded Rectangle 31">
-            <a:extLst>
-              <a:ext uri="{FF2B5EF4-FFF2-40B4-BE49-F238E27FC236}">
-                <a16:creationId xmlns:a16="http://schemas.microsoft.com/office/drawing/2014/main" id="{B4F81A89-3463-3643-8DBC-BB6DEE67FD94}"/>
-              </a:ext>
-            </a:extLst>
-          </p:cNvPr>
-          <p:cNvSpPr/>
-          <p:nvPr/>
-        </p:nvSpPr>
-        <p:spPr>
-          <a:xfrm>
-            <a:off x="5063490" y="2466974"/>
-            <a:ext cx="3589020" cy="1419226"/>
-          </a:xfrm>
-          <a:prstGeom prst="roundRect">
-            <a:avLst/>
-          </a:prstGeom>
-          <a:noFill/>
-          <a:ln w="19050">
-            <a:solidFill>
-              <a:schemeClr val="tx1">
-                <a:lumMod val="75000"/>
-                <a:lumOff val="25000"/>
-              </a:schemeClr>
-            </a:solidFill>
-            <a:prstDash val="dash"/>
-          </a:ln>
-        </p:spPr>
-        <p:style>
-          <a:lnRef idx="2">
-            <a:schemeClr val="accent1">
-              <a:shade val="50000"/>
-            </a:schemeClr>
-          </a:lnRef>
-          <a:fillRef idx="1">
-            <a:schemeClr val="accent1"/>
-          </a:fillRef>
-          <a:effectRef idx="0">
-            <a:schemeClr val="accent1"/>
-          </a:effectRef>
-          <a:fontRef idx="minor">
-            <a:schemeClr val="lt1"/>
-          </a:fontRef>
-        </p:style>
-        <p:txBody>
-          <a:bodyPr rtlCol="0" anchor="ctr"/>
-          <a:lstStyle/>
-          <a:p>
-            <a:pPr algn="ctr"/>
-            <a:endParaRPr lang="en-VN"/>
-          </a:p>
-        </p:txBody>
-      </p:sp>
-      <p:sp>
-        <p:nvSpPr>
-          <p:cNvPr id="34" name="TextBox 33">
-            <a:extLst>
-              <a:ext uri="{FF2B5EF4-FFF2-40B4-BE49-F238E27FC236}">
-                <a16:creationId xmlns:a16="http://schemas.microsoft.com/office/drawing/2014/main" id="{6E7C6201-73E3-C44D-AC58-B9970D613459}"/>
-              </a:ext>
-            </a:extLst>
-          </p:cNvPr>
-          <p:cNvSpPr txBox="1"/>
-          <p:nvPr/>
-        </p:nvSpPr>
-        <p:spPr>
-          <a:xfrm>
-            <a:off x="7749540" y="2195124"/>
-            <a:ext cx="720090" cy="276999"/>
-          </a:xfrm>
-          <a:prstGeom prst="rect">
-            <a:avLst/>
-          </a:prstGeom>
-          <a:noFill/>
-        </p:spPr>
-        <p:txBody>
-          <a:bodyPr wrap="square" rtlCol="0">
-            <a:spAutoFit/>
-          </a:bodyPr>
-          <a:lstStyle/>
-          <a:p>
-            <a:pPr algn="ctr"/>
-            <a:r>
-              <a:rPr lang="en-VN" sz="1200">
-                <a:solidFill>
-                  <a:schemeClr val="tx1">
-                    <a:lumMod val="75000"/>
-                    <a:lumOff val="25000"/>
-                  </a:schemeClr>
-                </a:solidFill>
-                <a:latin typeface="Open Sans" panose="020B0606030504020204" pitchFamily="34" charset="0"/>
-                <a:ea typeface="Open Sans" panose="020B0606030504020204" pitchFamily="34" charset="0"/>
-                <a:cs typeface="Open Sans" panose="020B0606030504020204" pitchFamily="34" charset="0"/>
-              </a:rPr>
-              <a:t>Branch</a:t>
-            </a:r>
-          </a:p>
-        </p:txBody>
-      </p:sp>
+          </p:spPr>
+          <p:txBody>
+            <a:bodyPr wrap="square" rtlCol="0">
+              <a:spAutoFit/>
+            </a:bodyPr>
+            <a:lstStyle/>
+            <a:p>
+              <a:pPr algn="ctr"/>
+              <a:r>
+                <a:rPr lang="en-VN" sz="1200">
+                  <a:solidFill>
+                    <a:schemeClr val="tx1">
+                      <a:lumMod val="75000"/>
+                      <a:lumOff val="25000"/>
+                    </a:schemeClr>
+                  </a:solidFill>
+                  <a:latin typeface="Open Sans" panose="020B0606030504020204" pitchFamily="34" charset="0"/>
+                  <a:ea typeface="Open Sans" panose="020B0606030504020204" pitchFamily="34" charset="0"/>
+                  <a:cs typeface="Open Sans" panose="020B0606030504020204" pitchFamily="34" charset="0"/>
+                </a:rPr>
+                <a:t>Branch</a:t>
+              </a:r>
+            </a:p>
+          </p:txBody>
+        </p:sp>
+      </p:grpSp>
     </p:spTree>
     <p:extLst>
       <p:ext uri="{BB962C8B-B14F-4D97-AF65-F5344CB8AC3E}">

--- a/image/0_raw_image.pptx
+++ b/image/0_raw_image.pptx
@@ -5,15 +5,16 @@
     <p:sldMasterId id="2147483648" r:id="rId1"/>
   </p:sldMasterIdLst>
   <p:sldIdLst>
-    <p:sldId id="261" r:id="rId2"/>
-    <p:sldId id="263" r:id="rId3"/>
-    <p:sldId id="262" r:id="rId4"/>
-    <p:sldId id="266" r:id="rId5"/>
-    <p:sldId id="256" r:id="rId6"/>
-    <p:sldId id="257" r:id="rId7"/>
-    <p:sldId id="258" r:id="rId8"/>
-    <p:sldId id="264" r:id="rId9"/>
-    <p:sldId id="265" r:id="rId10"/>
+    <p:sldId id="267" r:id="rId2"/>
+    <p:sldId id="261" r:id="rId3"/>
+    <p:sldId id="263" r:id="rId4"/>
+    <p:sldId id="262" r:id="rId5"/>
+    <p:sldId id="266" r:id="rId6"/>
+    <p:sldId id="256" r:id="rId7"/>
+    <p:sldId id="257" r:id="rId8"/>
+    <p:sldId id="258" r:id="rId9"/>
+    <p:sldId id="264" r:id="rId10"/>
+    <p:sldId id="265" r:id="rId11"/>
   </p:sldIdLst>
   <p:sldSz cx="12192000" cy="6858000"/>
   <p:notesSz cx="6858000" cy="9144000"/>
@@ -115,6 +116,11 @@
   <p:extLst>
     <p:ext uri="{521415D9-36F7-43E2-AB2F-B90AF26B5E84}">
       <p14:sectionLst xmlns:p14="http://schemas.microsoft.com/office/powerpoint/2010/main">
+        <p14:section name="gradient_descent" id="{3A008FA6-D6A9-A94E-8918-E3A756929DDD}">
+          <p14:sldIdLst>
+            <p14:sldId id="267"/>
+          </p14:sldIdLst>
+        </p14:section>
         <p14:section name="cross_validation" id="{1B4E0D16-3299-441A-A32E-F3253A74A981}">
           <p14:sldIdLst>
             <p14:sldId id="261"/>
@@ -144,7 +150,15 @@
         <p14:section name="svm_kernel" id="{5202002B-19F9-41BF-9117-6302B71CC383}">
           <p14:sldIdLst>
             <p14:sldId id="258"/>
+          </p14:sldIdLst>
+        </p14:section>
+        <p14:section name="matrix_factorization" id="{0DC92BB3-923E-A54B-87ED-BADEB6F45591}">
+          <p14:sldIdLst>
             <p14:sldId id="264"/>
+          </p14:sldIdLst>
+        </p14:section>
+        <p14:section name="data_chilly" id="{EFF3786B-9A0B-C648-8A0E-EB9B6F97559E}">
+          <p14:sldIdLst>
             <p14:sldId id="265"/>
           </p14:sldIdLst>
         </p14:section>
@@ -304,7 +318,7 @@
           <a:p>
             <a:fld id="{DC00918D-4361-4CFD-83C0-A19C315B9995}" type="datetimeFigureOut">
               <a:rPr lang="en-US" smtClean="0"/>
-              <a:t>4/13/22</a:t>
+              <a:t>4/25/22</a:t>
             </a:fld>
             <a:endParaRPr lang="en-US"/>
           </a:p>
@@ -502,7 +516,7 @@
           <a:p>
             <a:fld id="{DC00918D-4361-4CFD-83C0-A19C315B9995}" type="datetimeFigureOut">
               <a:rPr lang="en-US" smtClean="0"/>
-              <a:t>4/13/22</a:t>
+              <a:t>4/25/22</a:t>
             </a:fld>
             <a:endParaRPr lang="en-US"/>
           </a:p>
@@ -710,7 +724,7 @@
           <a:p>
             <a:fld id="{DC00918D-4361-4CFD-83C0-A19C315B9995}" type="datetimeFigureOut">
               <a:rPr lang="en-US" smtClean="0"/>
-              <a:t>4/13/22</a:t>
+              <a:t>4/25/22</a:t>
             </a:fld>
             <a:endParaRPr lang="en-US"/>
           </a:p>
@@ -908,7 +922,7 @@
           <a:p>
             <a:fld id="{DC00918D-4361-4CFD-83C0-A19C315B9995}" type="datetimeFigureOut">
               <a:rPr lang="en-US" smtClean="0"/>
-              <a:t>4/13/22</a:t>
+              <a:t>4/25/22</a:t>
             </a:fld>
             <a:endParaRPr lang="en-US"/>
           </a:p>
@@ -1183,7 +1197,7 @@
           <a:p>
             <a:fld id="{DC00918D-4361-4CFD-83C0-A19C315B9995}" type="datetimeFigureOut">
               <a:rPr lang="en-US" smtClean="0"/>
-              <a:t>4/13/22</a:t>
+              <a:t>4/25/22</a:t>
             </a:fld>
             <a:endParaRPr lang="en-US"/>
           </a:p>
@@ -1448,7 +1462,7 @@
           <a:p>
             <a:fld id="{DC00918D-4361-4CFD-83C0-A19C315B9995}" type="datetimeFigureOut">
               <a:rPr lang="en-US" smtClean="0"/>
-              <a:t>4/13/22</a:t>
+              <a:t>4/25/22</a:t>
             </a:fld>
             <a:endParaRPr lang="en-US"/>
           </a:p>
@@ -1860,7 +1874,7 @@
           <a:p>
             <a:fld id="{DC00918D-4361-4CFD-83C0-A19C315B9995}" type="datetimeFigureOut">
               <a:rPr lang="en-US" smtClean="0"/>
-              <a:t>4/13/22</a:t>
+              <a:t>4/25/22</a:t>
             </a:fld>
             <a:endParaRPr lang="en-US"/>
           </a:p>
@@ -2001,7 +2015,7 @@
           <a:p>
             <a:fld id="{DC00918D-4361-4CFD-83C0-A19C315B9995}" type="datetimeFigureOut">
               <a:rPr lang="en-US" smtClean="0"/>
-              <a:t>4/13/22</a:t>
+              <a:t>4/25/22</a:t>
             </a:fld>
             <a:endParaRPr lang="en-US"/>
           </a:p>
@@ -2114,7 +2128,7 @@
           <a:p>
             <a:fld id="{DC00918D-4361-4CFD-83C0-A19C315B9995}" type="datetimeFigureOut">
               <a:rPr lang="en-US" smtClean="0"/>
-              <a:t>4/13/22</a:t>
+              <a:t>4/25/22</a:t>
             </a:fld>
             <a:endParaRPr lang="en-US"/>
           </a:p>
@@ -2425,7 +2439,7 @@
           <a:p>
             <a:fld id="{DC00918D-4361-4CFD-83C0-A19C315B9995}" type="datetimeFigureOut">
               <a:rPr lang="en-US" smtClean="0"/>
-              <a:t>4/13/22</a:t>
+              <a:t>4/25/22</a:t>
             </a:fld>
             <a:endParaRPr lang="en-US"/>
           </a:p>
@@ -2713,7 +2727,7 @@
           <a:p>
             <a:fld id="{DC00918D-4361-4CFD-83C0-A19C315B9995}" type="datetimeFigureOut">
               <a:rPr lang="en-US" smtClean="0"/>
-              <a:t>4/13/22</a:t>
+              <a:t>4/25/22</a:t>
             </a:fld>
             <a:endParaRPr lang="en-US"/>
           </a:p>
@@ -2954,7 +2968,7 @@
           <a:p>
             <a:fld id="{DC00918D-4361-4CFD-83C0-A19C315B9995}" type="datetimeFigureOut">
               <a:rPr lang="en-US" smtClean="0"/>
-              <a:t>4/13/22</a:t>
+              <a:t>4/25/22</a:t>
             </a:fld>
             <a:endParaRPr lang="en-US"/>
           </a:p>
@@ -3371,6 +3385,1653 @@
           <a:chExt cx="0" cy="0"/>
         </a:xfrm>
       </p:grpSpPr>
+      <p:cxnSp>
+        <p:nvCxnSpPr>
+          <p:cNvPr id="10" name="Straight Connector 9">
+            <a:extLst>
+              <a:ext uri="{FF2B5EF4-FFF2-40B4-BE49-F238E27FC236}">
+                <a16:creationId xmlns:a16="http://schemas.microsoft.com/office/drawing/2014/main" id="{D9D43E1E-924A-5F40-8A5D-F9402DD82EC9}"/>
+              </a:ext>
+            </a:extLst>
+          </p:cNvPr>
+          <p:cNvCxnSpPr>
+            <a:cxnSpLocks/>
+            <a:stCxn id="2" idx="2"/>
+            <a:endCxn id="4" idx="0"/>
+          </p:cNvCxnSpPr>
+          <p:nvPr/>
+        </p:nvCxnSpPr>
+        <p:spPr>
+          <a:xfrm flipH="1">
+            <a:off x="5120641" y="1449094"/>
+            <a:ext cx="975359" cy="521977"/>
+          </a:xfrm>
+          <a:prstGeom prst="line">
+            <a:avLst/>
+          </a:prstGeom>
+          <a:ln w="19050">
+            <a:solidFill>
+              <a:srgbClr val="006082"/>
+            </a:solidFill>
+            <a:headEnd type="none" w="med" len="med"/>
+            <a:tailEnd type="stealth" w="med" len="lg"/>
+          </a:ln>
+        </p:spPr>
+        <p:style>
+          <a:lnRef idx="1">
+            <a:schemeClr val="accent1"/>
+          </a:lnRef>
+          <a:fillRef idx="0">
+            <a:schemeClr val="accent1"/>
+          </a:fillRef>
+          <a:effectRef idx="0">
+            <a:schemeClr val="accent1"/>
+          </a:effectRef>
+          <a:fontRef idx="minor">
+            <a:schemeClr val="tx1"/>
+          </a:fontRef>
+        </p:style>
+      </p:cxnSp>
+      <p:sp>
+        <p:nvSpPr>
+          <p:cNvPr id="2" name="Rounded Rectangle 1">
+            <a:extLst>
+              <a:ext uri="{FF2B5EF4-FFF2-40B4-BE49-F238E27FC236}">
+                <a16:creationId xmlns:a16="http://schemas.microsoft.com/office/drawing/2014/main" id="{CEA626BA-C627-1E48-9088-3EF8D8AB007A}"/>
+              </a:ext>
+            </a:extLst>
+          </p:cNvPr>
+          <p:cNvSpPr/>
+          <p:nvPr/>
+        </p:nvSpPr>
+        <p:spPr>
+          <a:xfrm>
+            <a:off x="5501640" y="1060474"/>
+            <a:ext cx="1188720" cy="388620"/>
+          </a:xfrm>
+          <a:prstGeom prst="roundRect">
+            <a:avLst/>
+          </a:prstGeom>
+          <a:solidFill>
+            <a:srgbClr val="006082"/>
+          </a:solidFill>
+          <a:ln>
+            <a:noFill/>
+          </a:ln>
+        </p:spPr>
+        <p:style>
+          <a:lnRef idx="2">
+            <a:schemeClr val="accent1">
+              <a:shade val="50000"/>
+            </a:schemeClr>
+          </a:lnRef>
+          <a:fillRef idx="1">
+            <a:schemeClr val="accent1"/>
+          </a:fillRef>
+          <a:effectRef idx="0">
+            <a:schemeClr val="accent1"/>
+          </a:effectRef>
+          <a:fontRef idx="minor">
+            <a:schemeClr val="lt1"/>
+          </a:fontRef>
+        </p:style>
+        <p:txBody>
+          <a:bodyPr rtlCol="0" anchor="ctr"/>
+          <a:lstStyle/>
+          <a:p>
+            <a:pPr algn="ctr"/>
+            <a:r>
+              <a:rPr lang="en-VN" sz="1200">
+                <a:latin typeface="Open Sans" panose="020B0606030504020204" pitchFamily="34" charset="0"/>
+                <a:ea typeface="Open Sans" panose="020B0606030504020204" pitchFamily="34" charset="0"/>
+                <a:cs typeface="Open Sans" panose="020B0606030504020204" pitchFamily="34" charset="0"/>
+              </a:rPr>
+              <a:t>SGD</a:t>
+            </a:r>
+          </a:p>
+        </p:txBody>
+      </p:sp>
+      <p:sp>
+        <p:nvSpPr>
+          <p:cNvPr id="4" name="Rounded Rectangle 3">
+            <a:extLst>
+              <a:ext uri="{FF2B5EF4-FFF2-40B4-BE49-F238E27FC236}">
+                <a16:creationId xmlns:a16="http://schemas.microsoft.com/office/drawing/2014/main" id="{480D6549-4A30-A748-B4E0-2C299F637930}"/>
+              </a:ext>
+            </a:extLst>
+          </p:cNvPr>
+          <p:cNvSpPr/>
+          <p:nvPr/>
+        </p:nvSpPr>
+        <p:spPr>
+          <a:xfrm>
+            <a:off x="4526281" y="1971071"/>
+            <a:ext cx="1188720" cy="388620"/>
+          </a:xfrm>
+          <a:prstGeom prst="roundRect">
+            <a:avLst/>
+          </a:prstGeom>
+          <a:solidFill>
+            <a:srgbClr val="006082"/>
+          </a:solidFill>
+          <a:ln>
+            <a:noFill/>
+          </a:ln>
+        </p:spPr>
+        <p:style>
+          <a:lnRef idx="2">
+            <a:schemeClr val="accent1">
+              <a:shade val="50000"/>
+            </a:schemeClr>
+          </a:lnRef>
+          <a:fillRef idx="1">
+            <a:schemeClr val="accent1"/>
+          </a:fillRef>
+          <a:effectRef idx="0">
+            <a:schemeClr val="accent1"/>
+          </a:effectRef>
+          <a:fontRef idx="minor">
+            <a:schemeClr val="lt1"/>
+          </a:fontRef>
+        </p:style>
+        <p:txBody>
+          <a:bodyPr rtlCol="0" anchor="ctr"/>
+          <a:lstStyle/>
+          <a:p>
+            <a:pPr algn="ctr"/>
+            <a:r>
+              <a:rPr lang="en-VN" sz="1200">
+                <a:latin typeface="Open Sans" panose="020B0606030504020204" pitchFamily="34" charset="0"/>
+                <a:ea typeface="Open Sans" panose="020B0606030504020204" pitchFamily="34" charset="0"/>
+                <a:cs typeface="Open Sans" panose="020B0606030504020204" pitchFamily="34" charset="0"/>
+              </a:rPr>
+              <a:t>Momentum</a:t>
+            </a:r>
+          </a:p>
+        </p:txBody>
+      </p:sp>
+      <p:sp>
+        <p:nvSpPr>
+          <p:cNvPr id="5" name="Rounded Rectangle 4">
+            <a:extLst>
+              <a:ext uri="{FF2B5EF4-FFF2-40B4-BE49-F238E27FC236}">
+                <a16:creationId xmlns:a16="http://schemas.microsoft.com/office/drawing/2014/main" id="{CABE309E-53B8-E249-9F14-681678259D4A}"/>
+              </a:ext>
+            </a:extLst>
+          </p:cNvPr>
+          <p:cNvSpPr/>
+          <p:nvPr/>
+        </p:nvSpPr>
+        <p:spPr>
+          <a:xfrm>
+            <a:off x="6477000" y="1971071"/>
+            <a:ext cx="1188720" cy="388620"/>
+          </a:xfrm>
+          <a:prstGeom prst="roundRect">
+            <a:avLst/>
+          </a:prstGeom>
+          <a:solidFill>
+            <a:srgbClr val="006082"/>
+          </a:solidFill>
+          <a:ln>
+            <a:noFill/>
+          </a:ln>
+        </p:spPr>
+        <p:style>
+          <a:lnRef idx="2">
+            <a:schemeClr val="accent1">
+              <a:shade val="50000"/>
+            </a:schemeClr>
+          </a:lnRef>
+          <a:fillRef idx="1">
+            <a:schemeClr val="accent1"/>
+          </a:fillRef>
+          <a:effectRef idx="0">
+            <a:schemeClr val="accent1"/>
+          </a:effectRef>
+          <a:fontRef idx="minor">
+            <a:schemeClr val="lt1"/>
+          </a:fontRef>
+        </p:style>
+        <p:txBody>
+          <a:bodyPr rtlCol="0" anchor="ctr"/>
+          <a:lstStyle/>
+          <a:p>
+            <a:pPr algn="ctr"/>
+            <a:r>
+              <a:rPr lang="en-VN" sz="1200">
+                <a:latin typeface="Open Sans" panose="020B0606030504020204" pitchFamily="34" charset="0"/>
+                <a:ea typeface="Open Sans" panose="020B0606030504020204" pitchFamily="34" charset="0"/>
+                <a:cs typeface="Open Sans" panose="020B0606030504020204" pitchFamily="34" charset="0"/>
+              </a:rPr>
+              <a:t>AdaGrad</a:t>
+            </a:r>
+          </a:p>
+        </p:txBody>
+      </p:sp>
+      <p:sp>
+        <p:nvSpPr>
+          <p:cNvPr id="6" name="Rounded Rectangle 5">
+            <a:extLst>
+              <a:ext uri="{FF2B5EF4-FFF2-40B4-BE49-F238E27FC236}">
+                <a16:creationId xmlns:a16="http://schemas.microsoft.com/office/drawing/2014/main" id="{78BEEBA2-A20C-014C-84ED-9EFDDE1E6FA6}"/>
+              </a:ext>
+            </a:extLst>
+          </p:cNvPr>
+          <p:cNvSpPr/>
+          <p:nvPr/>
+        </p:nvSpPr>
+        <p:spPr>
+          <a:xfrm>
+            <a:off x="7760970" y="2882296"/>
+            <a:ext cx="1188720" cy="388620"/>
+          </a:xfrm>
+          <a:prstGeom prst="roundRect">
+            <a:avLst/>
+          </a:prstGeom>
+          <a:solidFill>
+            <a:srgbClr val="006082"/>
+          </a:solidFill>
+          <a:ln>
+            <a:noFill/>
+          </a:ln>
+        </p:spPr>
+        <p:style>
+          <a:lnRef idx="2">
+            <a:schemeClr val="accent1">
+              <a:shade val="50000"/>
+            </a:schemeClr>
+          </a:lnRef>
+          <a:fillRef idx="1">
+            <a:schemeClr val="accent1"/>
+          </a:fillRef>
+          <a:effectRef idx="0">
+            <a:schemeClr val="accent1"/>
+          </a:effectRef>
+          <a:fontRef idx="minor">
+            <a:schemeClr val="lt1"/>
+          </a:fontRef>
+        </p:style>
+        <p:txBody>
+          <a:bodyPr rtlCol="0" anchor="ctr"/>
+          <a:lstStyle/>
+          <a:p>
+            <a:pPr algn="ctr"/>
+            <a:r>
+              <a:rPr lang="en-VN" sz="1200">
+                <a:latin typeface="Open Sans" panose="020B0606030504020204" pitchFamily="34" charset="0"/>
+                <a:ea typeface="Open Sans" panose="020B0606030504020204" pitchFamily="34" charset="0"/>
+                <a:cs typeface="Open Sans" panose="020B0606030504020204" pitchFamily="34" charset="0"/>
+              </a:rPr>
+              <a:t>AdaDelta</a:t>
+            </a:r>
+          </a:p>
+        </p:txBody>
+      </p:sp>
+      <p:sp>
+        <p:nvSpPr>
+          <p:cNvPr id="7" name="Rounded Rectangle 6">
+            <a:extLst>
+              <a:ext uri="{FF2B5EF4-FFF2-40B4-BE49-F238E27FC236}">
+                <a16:creationId xmlns:a16="http://schemas.microsoft.com/office/drawing/2014/main" id="{B27038E5-D2F0-E342-ADCF-1B80AEB2E5DD}"/>
+              </a:ext>
+            </a:extLst>
+          </p:cNvPr>
+          <p:cNvSpPr/>
+          <p:nvPr/>
+        </p:nvSpPr>
+        <p:spPr>
+          <a:xfrm>
+            <a:off x="6301740" y="2882296"/>
+            <a:ext cx="1188720" cy="388620"/>
+          </a:xfrm>
+          <a:prstGeom prst="roundRect">
+            <a:avLst/>
+          </a:prstGeom>
+          <a:solidFill>
+            <a:srgbClr val="006082"/>
+          </a:solidFill>
+          <a:ln>
+            <a:noFill/>
+          </a:ln>
+        </p:spPr>
+        <p:style>
+          <a:lnRef idx="2">
+            <a:schemeClr val="accent1">
+              <a:shade val="50000"/>
+            </a:schemeClr>
+          </a:lnRef>
+          <a:fillRef idx="1">
+            <a:schemeClr val="accent1"/>
+          </a:fillRef>
+          <a:effectRef idx="0">
+            <a:schemeClr val="accent1"/>
+          </a:effectRef>
+          <a:fontRef idx="minor">
+            <a:schemeClr val="lt1"/>
+          </a:fontRef>
+        </p:style>
+        <p:txBody>
+          <a:bodyPr rtlCol="0" anchor="ctr"/>
+          <a:lstStyle/>
+          <a:p>
+            <a:pPr algn="ctr"/>
+            <a:r>
+              <a:rPr lang="en-VN" sz="1200">
+                <a:latin typeface="Open Sans" panose="020B0606030504020204" pitchFamily="34" charset="0"/>
+                <a:ea typeface="Open Sans" panose="020B0606030504020204" pitchFamily="34" charset="0"/>
+                <a:cs typeface="Open Sans" panose="020B0606030504020204" pitchFamily="34" charset="0"/>
+              </a:rPr>
+              <a:t>RMSProp</a:t>
+            </a:r>
+          </a:p>
+        </p:txBody>
+      </p:sp>
+      <p:sp>
+        <p:nvSpPr>
+          <p:cNvPr id="31" name="TextBox 30">
+            <a:extLst>
+              <a:ext uri="{FF2B5EF4-FFF2-40B4-BE49-F238E27FC236}">
+                <a16:creationId xmlns:a16="http://schemas.microsoft.com/office/drawing/2014/main" id="{B729AE82-9256-1345-A5ED-568875DE6CC9}"/>
+              </a:ext>
+            </a:extLst>
+          </p:cNvPr>
+          <p:cNvSpPr txBox="1"/>
+          <p:nvPr/>
+        </p:nvSpPr>
+        <p:spPr>
+          <a:xfrm>
+            <a:off x="4461783" y="1429641"/>
+            <a:ext cx="975359" cy="461665"/>
+          </a:xfrm>
+          <a:prstGeom prst="rect">
+            <a:avLst/>
+          </a:prstGeom>
+          <a:noFill/>
+        </p:spPr>
+        <p:txBody>
+          <a:bodyPr wrap="square" rtlCol="0">
+            <a:spAutoFit/>
+          </a:bodyPr>
+          <a:lstStyle/>
+          <a:p>
+            <a:pPr algn="r"/>
+            <a:r>
+              <a:rPr lang="en-VN" sz="1200">
+                <a:solidFill>
+                  <a:schemeClr val="tx1">
+                    <a:lumMod val="75000"/>
+                    <a:lumOff val="25000"/>
+                  </a:schemeClr>
+                </a:solidFill>
+                <a:latin typeface="Open Sans" panose="020B0606030504020204" pitchFamily="34" charset="0"/>
+                <a:ea typeface="Open Sans" panose="020B0606030504020204" pitchFamily="34" charset="0"/>
+                <a:cs typeface="Open Sans" panose="020B0606030504020204" pitchFamily="34" charset="0"/>
+              </a:rPr>
+              <a:t>adaptive gradient</a:t>
+            </a:r>
+          </a:p>
+        </p:txBody>
+      </p:sp>
+      <p:sp>
+        <p:nvSpPr>
+          <p:cNvPr id="29" name="Rounded Rectangle 28">
+            <a:extLst>
+              <a:ext uri="{FF2B5EF4-FFF2-40B4-BE49-F238E27FC236}">
+                <a16:creationId xmlns:a16="http://schemas.microsoft.com/office/drawing/2014/main" id="{6AEEADF3-870A-E744-B9D2-20912898CDD0}"/>
+              </a:ext>
+            </a:extLst>
+          </p:cNvPr>
+          <p:cNvSpPr/>
+          <p:nvPr/>
+        </p:nvSpPr>
+        <p:spPr>
+          <a:xfrm>
+            <a:off x="3882390" y="2882296"/>
+            <a:ext cx="1188720" cy="388620"/>
+          </a:xfrm>
+          <a:prstGeom prst="roundRect">
+            <a:avLst/>
+          </a:prstGeom>
+          <a:solidFill>
+            <a:srgbClr val="006082"/>
+          </a:solidFill>
+          <a:ln>
+            <a:noFill/>
+          </a:ln>
+        </p:spPr>
+        <p:style>
+          <a:lnRef idx="2">
+            <a:schemeClr val="accent1">
+              <a:shade val="50000"/>
+            </a:schemeClr>
+          </a:lnRef>
+          <a:fillRef idx="1">
+            <a:schemeClr val="accent1"/>
+          </a:fillRef>
+          <a:effectRef idx="0">
+            <a:schemeClr val="accent1"/>
+          </a:effectRef>
+          <a:fontRef idx="minor">
+            <a:schemeClr val="lt1"/>
+          </a:fontRef>
+        </p:style>
+        <p:txBody>
+          <a:bodyPr rtlCol="0" anchor="ctr"/>
+          <a:lstStyle/>
+          <a:p>
+            <a:pPr algn="ctr"/>
+            <a:r>
+              <a:rPr lang="en-VN" sz="1200">
+                <a:latin typeface="Open Sans" panose="020B0606030504020204" pitchFamily="34" charset="0"/>
+                <a:ea typeface="Open Sans" panose="020B0606030504020204" pitchFamily="34" charset="0"/>
+                <a:cs typeface="Open Sans" panose="020B0606030504020204" pitchFamily="34" charset="0"/>
+              </a:rPr>
+              <a:t>Nesterov</a:t>
+            </a:r>
+          </a:p>
+        </p:txBody>
+      </p:sp>
+      <p:sp>
+        <p:nvSpPr>
+          <p:cNvPr id="39" name="Rounded Rectangle 38">
+            <a:extLst>
+              <a:ext uri="{FF2B5EF4-FFF2-40B4-BE49-F238E27FC236}">
+                <a16:creationId xmlns:a16="http://schemas.microsoft.com/office/drawing/2014/main" id="{C33CD25D-D650-114F-BE0C-4461899D527D}"/>
+              </a:ext>
+            </a:extLst>
+          </p:cNvPr>
+          <p:cNvSpPr/>
+          <p:nvPr/>
+        </p:nvSpPr>
+        <p:spPr>
+          <a:xfrm>
+            <a:off x="5501640" y="3793521"/>
+            <a:ext cx="1188720" cy="388620"/>
+          </a:xfrm>
+          <a:prstGeom prst="roundRect">
+            <a:avLst/>
+          </a:prstGeom>
+          <a:solidFill>
+            <a:srgbClr val="006082"/>
+          </a:solidFill>
+          <a:ln>
+            <a:noFill/>
+          </a:ln>
+        </p:spPr>
+        <p:style>
+          <a:lnRef idx="2">
+            <a:schemeClr val="accent1">
+              <a:shade val="50000"/>
+            </a:schemeClr>
+          </a:lnRef>
+          <a:fillRef idx="1">
+            <a:schemeClr val="accent1"/>
+          </a:fillRef>
+          <a:effectRef idx="0">
+            <a:schemeClr val="accent1"/>
+          </a:effectRef>
+          <a:fontRef idx="minor">
+            <a:schemeClr val="lt1"/>
+          </a:fontRef>
+        </p:style>
+        <p:txBody>
+          <a:bodyPr rtlCol="0" anchor="ctr"/>
+          <a:lstStyle/>
+          <a:p>
+            <a:pPr algn="ctr"/>
+            <a:r>
+              <a:rPr lang="en-VN" sz="1200">
+                <a:latin typeface="Open Sans" panose="020B0606030504020204" pitchFamily="34" charset="0"/>
+                <a:ea typeface="Open Sans" panose="020B0606030504020204" pitchFamily="34" charset="0"/>
+                <a:cs typeface="Open Sans" panose="020B0606030504020204" pitchFamily="34" charset="0"/>
+              </a:rPr>
+              <a:t>Adam</a:t>
+            </a:r>
+          </a:p>
+        </p:txBody>
+      </p:sp>
+      <p:cxnSp>
+        <p:nvCxnSpPr>
+          <p:cNvPr id="54" name="Straight Connector 53">
+            <a:extLst>
+              <a:ext uri="{FF2B5EF4-FFF2-40B4-BE49-F238E27FC236}">
+                <a16:creationId xmlns:a16="http://schemas.microsoft.com/office/drawing/2014/main" id="{421AAC8A-9664-9240-B455-F41243AEE4F6}"/>
+              </a:ext>
+            </a:extLst>
+          </p:cNvPr>
+          <p:cNvCxnSpPr>
+            <a:cxnSpLocks/>
+            <a:stCxn id="2" idx="2"/>
+            <a:endCxn id="5" idx="0"/>
+          </p:cNvCxnSpPr>
+          <p:nvPr/>
+        </p:nvCxnSpPr>
+        <p:spPr>
+          <a:xfrm>
+            <a:off x="6096000" y="1449094"/>
+            <a:ext cx="975360" cy="521977"/>
+          </a:xfrm>
+          <a:prstGeom prst="line">
+            <a:avLst/>
+          </a:prstGeom>
+          <a:ln w="19050">
+            <a:solidFill>
+              <a:srgbClr val="006082"/>
+            </a:solidFill>
+            <a:headEnd type="none" w="med" len="med"/>
+            <a:tailEnd type="stealth" w="med" len="lg"/>
+          </a:ln>
+        </p:spPr>
+        <p:style>
+          <a:lnRef idx="1">
+            <a:schemeClr val="accent1"/>
+          </a:lnRef>
+          <a:fillRef idx="0">
+            <a:schemeClr val="accent1"/>
+          </a:fillRef>
+          <a:effectRef idx="0">
+            <a:schemeClr val="accent1"/>
+          </a:effectRef>
+          <a:fontRef idx="minor">
+            <a:schemeClr val="tx1"/>
+          </a:fontRef>
+        </p:style>
+      </p:cxnSp>
+      <p:sp>
+        <p:nvSpPr>
+          <p:cNvPr id="57" name="Rounded Rectangle 56">
+            <a:extLst>
+              <a:ext uri="{FF2B5EF4-FFF2-40B4-BE49-F238E27FC236}">
+                <a16:creationId xmlns:a16="http://schemas.microsoft.com/office/drawing/2014/main" id="{84191962-36AA-CC43-8C46-07BF80F4A512}"/>
+              </a:ext>
+            </a:extLst>
+          </p:cNvPr>
+          <p:cNvSpPr/>
+          <p:nvPr/>
+        </p:nvSpPr>
+        <p:spPr>
+          <a:xfrm>
+            <a:off x="5501640" y="4704746"/>
+            <a:ext cx="1188720" cy="388620"/>
+          </a:xfrm>
+          <a:prstGeom prst="roundRect">
+            <a:avLst/>
+          </a:prstGeom>
+          <a:solidFill>
+            <a:srgbClr val="006082"/>
+          </a:solidFill>
+          <a:ln>
+            <a:noFill/>
+          </a:ln>
+        </p:spPr>
+        <p:style>
+          <a:lnRef idx="2">
+            <a:schemeClr val="accent1">
+              <a:shade val="50000"/>
+            </a:schemeClr>
+          </a:lnRef>
+          <a:fillRef idx="1">
+            <a:schemeClr val="accent1"/>
+          </a:fillRef>
+          <a:effectRef idx="0">
+            <a:schemeClr val="accent1"/>
+          </a:effectRef>
+          <a:fontRef idx="minor">
+            <a:schemeClr val="lt1"/>
+          </a:fontRef>
+        </p:style>
+        <p:txBody>
+          <a:bodyPr rtlCol="0" anchor="ctr"/>
+          <a:lstStyle/>
+          <a:p>
+            <a:pPr algn="ctr"/>
+            <a:r>
+              <a:rPr lang="en-VN" sz="1200">
+                <a:latin typeface="Open Sans" panose="020B0606030504020204" pitchFamily="34" charset="0"/>
+                <a:ea typeface="Open Sans" panose="020B0606030504020204" pitchFamily="34" charset="0"/>
+                <a:cs typeface="Open Sans" panose="020B0606030504020204" pitchFamily="34" charset="0"/>
+              </a:rPr>
+              <a:t>AMSGrad</a:t>
+            </a:r>
+          </a:p>
+        </p:txBody>
+      </p:sp>
+      <p:sp>
+        <p:nvSpPr>
+          <p:cNvPr id="58" name="Rounded Rectangle 57">
+            <a:extLst>
+              <a:ext uri="{FF2B5EF4-FFF2-40B4-BE49-F238E27FC236}">
+                <a16:creationId xmlns:a16="http://schemas.microsoft.com/office/drawing/2014/main" id="{C13E03ED-A0E8-1F4E-BED8-83B969DE5840}"/>
+              </a:ext>
+            </a:extLst>
+          </p:cNvPr>
+          <p:cNvSpPr/>
+          <p:nvPr/>
+        </p:nvSpPr>
+        <p:spPr>
+          <a:xfrm>
+            <a:off x="7120890" y="4704746"/>
+            <a:ext cx="1188720" cy="388620"/>
+          </a:xfrm>
+          <a:prstGeom prst="roundRect">
+            <a:avLst/>
+          </a:prstGeom>
+          <a:solidFill>
+            <a:srgbClr val="006082"/>
+          </a:solidFill>
+          <a:ln>
+            <a:noFill/>
+          </a:ln>
+        </p:spPr>
+        <p:style>
+          <a:lnRef idx="2">
+            <a:schemeClr val="accent1">
+              <a:shade val="50000"/>
+            </a:schemeClr>
+          </a:lnRef>
+          <a:fillRef idx="1">
+            <a:schemeClr val="accent1"/>
+          </a:fillRef>
+          <a:effectRef idx="0">
+            <a:schemeClr val="accent1"/>
+          </a:effectRef>
+          <a:fontRef idx="minor">
+            <a:schemeClr val="lt1"/>
+          </a:fontRef>
+        </p:style>
+        <p:txBody>
+          <a:bodyPr rtlCol="0" anchor="ctr"/>
+          <a:lstStyle/>
+          <a:p>
+            <a:pPr algn="ctr"/>
+            <a:r>
+              <a:rPr lang="en-VN" sz="1200">
+                <a:latin typeface="Open Sans" panose="020B0606030504020204" pitchFamily="34" charset="0"/>
+                <a:ea typeface="Open Sans" panose="020B0606030504020204" pitchFamily="34" charset="0"/>
+                <a:cs typeface="Open Sans" panose="020B0606030504020204" pitchFamily="34" charset="0"/>
+              </a:rPr>
+              <a:t>AdaMax</a:t>
+            </a:r>
+          </a:p>
+        </p:txBody>
+      </p:sp>
+      <p:sp>
+        <p:nvSpPr>
+          <p:cNvPr id="59" name="Rounded Rectangle 58">
+            <a:extLst>
+              <a:ext uri="{FF2B5EF4-FFF2-40B4-BE49-F238E27FC236}">
+                <a16:creationId xmlns:a16="http://schemas.microsoft.com/office/drawing/2014/main" id="{E7B12D64-8A3E-5E4C-8B59-01E01BC1812D}"/>
+              </a:ext>
+            </a:extLst>
+          </p:cNvPr>
+          <p:cNvSpPr/>
+          <p:nvPr/>
+        </p:nvSpPr>
+        <p:spPr>
+          <a:xfrm>
+            <a:off x="3882390" y="4704746"/>
+            <a:ext cx="1188720" cy="388620"/>
+          </a:xfrm>
+          <a:prstGeom prst="roundRect">
+            <a:avLst/>
+          </a:prstGeom>
+          <a:solidFill>
+            <a:srgbClr val="006082"/>
+          </a:solidFill>
+          <a:ln>
+            <a:noFill/>
+          </a:ln>
+        </p:spPr>
+        <p:style>
+          <a:lnRef idx="2">
+            <a:schemeClr val="accent1">
+              <a:shade val="50000"/>
+            </a:schemeClr>
+          </a:lnRef>
+          <a:fillRef idx="1">
+            <a:schemeClr val="accent1"/>
+          </a:fillRef>
+          <a:effectRef idx="0">
+            <a:schemeClr val="accent1"/>
+          </a:effectRef>
+          <a:fontRef idx="minor">
+            <a:schemeClr val="lt1"/>
+          </a:fontRef>
+        </p:style>
+        <p:txBody>
+          <a:bodyPr rtlCol="0" anchor="ctr"/>
+          <a:lstStyle/>
+          <a:p>
+            <a:pPr algn="ctr"/>
+            <a:r>
+              <a:rPr lang="en-VN" sz="1200">
+                <a:latin typeface="Open Sans" panose="020B0606030504020204" pitchFamily="34" charset="0"/>
+                <a:ea typeface="Open Sans" panose="020B0606030504020204" pitchFamily="34" charset="0"/>
+                <a:cs typeface="Open Sans" panose="020B0606030504020204" pitchFamily="34" charset="0"/>
+              </a:rPr>
+              <a:t>Nadam</a:t>
+            </a:r>
+          </a:p>
+        </p:txBody>
+      </p:sp>
+      <p:cxnSp>
+        <p:nvCxnSpPr>
+          <p:cNvPr id="60" name="Straight Connector 59">
+            <a:extLst>
+              <a:ext uri="{FF2B5EF4-FFF2-40B4-BE49-F238E27FC236}">
+                <a16:creationId xmlns:a16="http://schemas.microsoft.com/office/drawing/2014/main" id="{9649B506-9189-1049-98F3-C218BCF9E8AC}"/>
+              </a:ext>
+            </a:extLst>
+          </p:cNvPr>
+          <p:cNvCxnSpPr>
+            <a:cxnSpLocks/>
+            <a:stCxn id="4" idx="2"/>
+            <a:endCxn id="29" idx="0"/>
+          </p:cNvCxnSpPr>
+          <p:nvPr/>
+        </p:nvCxnSpPr>
+        <p:spPr>
+          <a:xfrm flipH="1">
+            <a:off x="4476750" y="2359691"/>
+            <a:ext cx="643891" cy="522605"/>
+          </a:xfrm>
+          <a:prstGeom prst="line">
+            <a:avLst/>
+          </a:prstGeom>
+          <a:ln w="19050">
+            <a:solidFill>
+              <a:srgbClr val="006082"/>
+            </a:solidFill>
+            <a:headEnd type="none" w="med" len="med"/>
+            <a:tailEnd type="stealth" w="med" len="lg"/>
+          </a:ln>
+        </p:spPr>
+        <p:style>
+          <a:lnRef idx="1">
+            <a:schemeClr val="accent1"/>
+          </a:lnRef>
+          <a:fillRef idx="0">
+            <a:schemeClr val="accent1"/>
+          </a:fillRef>
+          <a:effectRef idx="0">
+            <a:schemeClr val="accent1"/>
+          </a:effectRef>
+          <a:fontRef idx="minor">
+            <a:schemeClr val="tx1"/>
+          </a:fontRef>
+        </p:style>
+      </p:cxnSp>
+      <p:cxnSp>
+        <p:nvCxnSpPr>
+          <p:cNvPr id="63" name="Straight Connector 62">
+            <a:extLst>
+              <a:ext uri="{FF2B5EF4-FFF2-40B4-BE49-F238E27FC236}">
+                <a16:creationId xmlns:a16="http://schemas.microsoft.com/office/drawing/2014/main" id="{8CCD00C4-BFC0-FA4E-8543-FBD98674AD14}"/>
+              </a:ext>
+            </a:extLst>
+          </p:cNvPr>
+          <p:cNvCxnSpPr>
+            <a:cxnSpLocks/>
+            <a:stCxn id="4" idx="2"/>
+          </p:cNvCxnSpPr>
+          <p:nvPr/>
+        </p:nvCxnSpPr>
+        <p:spPr>
+          <a:xfrm>
+            <a:off x="5120641" y="2359691"/>
+            <a:ext cx="818197" cy="1433830"/>
+          </a:xfrm>
+          <a:prstGeom prst="line">
+            <a:avLst/>
+          </a:prstGeom>
+          <a:ln w="19050">
+            <a:solidFill>
+              <a:srgbClr val="006082"/>
+            </a:solidFill>
+            <a:headEnd type="none" w="med" len="med"/>
+            <a:tailEnd type="stealth" w="med" len="lg"/>
+          </a:ln>
+        </p:spPr>
+        <p:style>
+          <a:lnRef idx="1">
+            <a:schemeClr val="accent1"/>
+          </a:lnRef>
+          <a:fillRef idx="0">
+            <a:schemeClr val="accent1"/>
+          </a:fillRef>
+          <a:effectRef idx="0">
+            <a:schemeClr val="accent1"/>
+          </a:effectRef>
+          <a:fontRef idx="minor">
+            <a:schemeClr val="tx1"/>
+          </a:fontRef>
+        </p:style>
+      </p:cxnSp>
+      <p:cxnSp>
+        <p:nvCxnSpPr>
+          <p:cNvPr id="66" name="Straight Connector 65">
+            <a:extLst>
+              <a:ext uri="{FF2B5EF4-FFF2-40B4-BE49-F238E27FC236}">
+                <a16:creationId xmlns:a16="http://schemas.microsoft.com/office/drawing/2014/main" id="{26EFAD0F-EC12-E24F-B184-92E5CFF7AD52}"/>
+              </a:ext>
+            </a:extLst>
+          </p:cNvPr>
+          <p:cNvCxnSpPr>
+            <a:cxnSpLocks/>
+            <a:stCxn id="7" idx="2"/>
+          </p:cNvCxnSpPr>
+          <p:nvPr/>
+        </p:nvCxnSpPr>
+        <p:spPr>
+          <a:xfrm flipH="1">
+            <a:off x="6209348" y="3270916"/>
+            <a:ext cx="686752" cy="522605"/>
+          </a:xfrm>
+          <a:prstGeom prst="line">
+            <a:avLst/>
+          </a:prstGeom>
+          <a:ln w="19050">
+            <a:solidFill>
+              <a:srgbClr val="006082"/>
+            </a:solidFill>
+            <a:headEnd type="none" w="med" len="med"/>
+            <a:tailEnd type="stealth" w="med" len="lg"/>
+          </a:ln>
+        </p:spPr>
+        <p:style>
+          <a:lnRef idx="1">
+            <a:schemeClr val="accent1"/>
+          </a:lnRef>
+          <a:fillRef idx="0">
+            <a:schemeClr val="accent1"/>
+          </a:fillRef>
+          <a:effectRef idx="0">
+            <a:schemeClr val="accent1"/>
+          </a:effectRef>
+          <a:fontRef idx="minor">
+            <a:schemeClr val="tx1"/>
+          </a:fontRef>
+        </p:style>
+      </p:cxnSp>
+      <p:cxnSp>
+        <p:nvCxnSpPr>
+          <p:cNvPr id="69" name="Straight Connector 68">
+            <a:extLst>
+              <a:ext uri="{FF2B5EF4-FFF2-40B4-BE49-F238E27FC236}">
+                <a16:creationId xmlns:a16="http://schemas.microsoft.com/office/drawing/2014/main" id="{1AAF6F7E-A78A-8947-BA79-776CE3AD3303}"/>
+              </a:ext>
+            </a:extLst>
+          </p:cNvPr>
+          <p:cNvCxnSpPr>
+            <a:cxnSpLocks/>
+            <a:stCxn id="5" idx="2"/>
+            <a:endCxn id="7" idx="0"/>
+          </p:cNvCxnSpPr>
+          <p:nvPr/>
+        </p:nvCxnSpPr>
+        <p:spPr>
+          <a:xfrm flipH="1">
+            <a:off x="6896100" y="2359691"/>
+            <a:ext cx="175260" cy="522605"/>
+          </a:xfrm>
+          <a:prstGeom prst="line">
+            <a:avLst/>
+          </a:prstGeom>
+          <a:ln w="19050">
+            <a:solidFill>
+              <a:srgbClr val="006082"/>
+            </a:solidFill>
+            <a:headEnd type="none" w="med" len="med"/>
+            <a:tailEnd type="stealth" w="med" len="lg"/>
+          </a:ln>
+        </p:spPr>
+        <p:style>
+          <a:lnRef idx="1">
+            <a:schemeClr val="accent1"/>
+          </a:lnRef>
+          <a:fillRef idx="0">
+            <a:schemeClr val="accent1"/>
+          </a:fillRef>
+          <a:effectRef idx="0">
+            <a:schemeClr val="accent1"/>
+          </a:effectRef>
+          <a:fontRef idx="minor">
+            <a:schemeClr val="tx1"/>
+          </a:fontRef>
+        </p:style>
+      </p:cxnSp>
+      <p:cxnSp>
+        <p:nvCxnSpPr>
+          <p:cNvPr id="72" name="Straight Connector 71">
+            <a:extLst>
+              <a:ext uri="{FF2B5EF4-FFF2-40B4-BE49-F238E27FC236}">
+                <a16:creationId xmlns:a16="http://schemas.microsoft.com/office/drawing/2014/main" id="{C4BAF06D-03A5-D040-96D8-E2315C3B6B47}"/>
+              </a:ext>
+            </a:extLst>
+          </p:cNvPr>
+          <p:cNvCxnSpPr>
+            <a:cxnSpLocks/>
+            <a:stCxn id="5" idx="2"/>
+            <a:endCxn id="6" idx="0"/>
+          </p:cNvCxnSpPr>
+          <p:nvPr/>
+        </p:nvCxnSpPr>
+        <p:spPr>
+          <a:xfrm>
+            <a:off x="7071360" y="2359691"/>
+            <a:ext cx="1283970" cy="522605"/>
+          </a:xfrm>
+          <a:prstGeom prst="line">
+            <a:avLst/>
+          </a:prstGeom>
+          <a:ln w="19050">
+            <a:solidFill>
+              <a:srgbClr val="006082"/>
+            </a:solidFill>
+            <a:headEnd type="none" w="med" len="med"/>
+            <a:tailEnd type="stealth" w="med" len="lg"/>
+          </a:ln>
+        </p:spPr>
+        <p:style>
+          <a:lnRef idx="1">
+            <a:schemeClr val="accent1"/>
+          </a:lnRef>
+          <a:fillRef idx="0">
+            <a:schemeClr val="accent1"/>
+          </a:fillRef>
+          <a:effectRef idx="0">
+            <a:schemeClr val="accent1"/>
+          </a:effectRef>
+          <a:fontRef idx="minor">
+            <a:schemeClr val="tx1"/>
+          </a:fontRef>
+        </p:style>
+      </p:cxnSp>
+      <p:cxnSp>
+        <p:nvCxnSpPr>
+          <p:cNvPr id="79" name="Straight Connector 78">
+            <a:extLst>
+              <a:ext uri="{FF2B5EF4-FFF2-40B4-BE49-F238E27FC236}">
+                <a16:creationId xmlns:a16="http://schemas.microsoft.com/office/drawing/2014/main" id="{0A294F27-7602-F640-B299-B724D1692753}"/>
+              </a:ext>
+            </a:extLst>
+          </p:cNvPr>
+          <p:cNvCxnSpPr>
+            <a:cxnSpLocks/>
+            <a:stCxn id="39" idx="2"/>
+            <a:endCxn id="57" idx="0"/>
+          </p:cNvCxnSpPr>
+          <p:nvPr/>
+        </p:nvCxnSpPr>
+        <p:spPr>
+          <a:xfrm>
+            <a:off x="6096000" y="4182141"/>
+            <a:ext cx="0" cy="522605"/>
+          </a:xfrm>
+          <a:prstGeom prst="line">
+            <a:avLst/>
+          </a:prstGeom>
+          <a:ln w="19050">
+            <a:solidFill>
+              <a:srgbClr val="006082"/>
+            </a:solidFill>
+            <a:headEnd type="none" w="med" len="med"/>
+            <a:tailEnd type="stealth" w="med" len="lg"/>
+          </a:ln>
+        </p:spPr>
+        <p:style>
+          <a:lnRef idx="1">
+            <a:schemeClr val="accent1"/>
+          </a:lnRef>
+          <a:fillRef idx="0">
+            <a:schemeClr val="accent1"/>
+          </a:fillRef>
+          <a:effectRef idx="0">
+            <a:schemeClr val="accent1"/>
+          </a:effectRef>
+          <a:fontRef idx="minor">
+            <a:schemeClr val="tx1"/>
+          </a:fontRef>
+        </p:style>
+      </p:cxnSp>
+      <p:cxnSp>
+        <p:nvCxnSpPr>
+          <p:cNvPr id="82" name="Straight Connector 81">
+            <a:extLst>
+              <a:ext uri="{FF2B5EF4-FFF2-40B4-BE49-F238E27FC236}">
+                <a16:creationId xmlns:a16="http://schemas.microsoft.com/office/drawing/2014/main" id="{22571A50-3AAF-974A-A4FD-A71391FCFB28}"/>
+              </a:ext>
+            </a:extLst>
+          </p:cNvPr>
+          <p:cNvCxnSpPr>
+            <a:cxnSpLocks/>
+            <a:stCxn id="39" idx="2"/>
+            <a:endCxn id="58" idx="0"/>
+          </p:cNvCxnSpPr>
+          <p:nvPr/>
+        </p:nvCxnSpPr>
+        <p:spPr>
+          <a:xfrm>
+            <a:off x="6096000" y="4182141"/>
+            <a:ext cx="1619250" cy="522605"/>
+          </a:xfrm>
+          <a:prstGeom prst="line">
+            <a:avLst/>
+          </a:prstGeom>
+          <a:ln w="19050">
+            <a:solidFill>
+              <a:srgbClr val="006082"/>
+            </a:solidFill>
+            <a:headEnd type="none" w="med" len="med"/>
+            <a:tailEnd type="stealth" w="med" len="lg"/>
+          </a:ln>
+        </p:spPr>
+        <p:style>
+          <a:lnRef idx="1">
+            <a:schemeClr val="accent1"/>
+          </a:lnRef>
+          <a:fillRef idx="0">
+            <a:schemeClr val="accent1"/>
+          </a:fillRef>
+          <a:effectRef idx="0">
+            <a:schemeClr val="accent1"/>
+          </a:effectRef>
+          <a:fontRef idx="minor">
+            <a:schemeClr val="tx1"/>
+          </a:fontRef>
+        </p:style>
+      </p:cxnSp>
+      <p:cxnSp>
+        <p:nvCxnSpPr>
+          <p:cNvPr id="85" name="Straight Connector 84">
+            <a:extLst>
+              <a:ext uri="{FF2B5EF4-FFF2-40B4-BE49-F238E27FC236}">
+                <a16:creationId xmlns:a16="http://schemas.microsoft.com/office/drawing/2014/main" id="{D0DFBB62-1199-4C42-AB45-89B5C2BD2BDD}"/>
+              </a:ext>
+            </a:extLst>
+          </p:cNvPr>
+          <p:cNvCxnSpPr>
+            <a:cxnSpLocks/>
+            <a:stCxn id="29" idx="2"/>
+            <a:endCxn id="59" idx="0"/>
+          </p:cNvCxnSpPr>
+          <p:nvPr/>
+        </p:nvCxnSpPr>
+        <p:spPr>
+          <a:xfrm>
+            <a:off x="4476750" y="3270916"/>
+            <a:ext cx="0" cy="1433830"/>
+          </a:xfrm>
+          <a:prstGeom prst="line">
+            <a:avLst/>
+          </a:prstGeom>
+          <a:ln w="19050">
+            <a:solidFill>
+              <a:srgbClr val="006082"/>
+            </a:solidFill>
+            <a:headEnd type="none" w="med" len="med"/>
+            <a:tailEnd type="stealth" w="med" len="lg"/>
+          </a:ln>
+        </p:spPr>
+        <p:style>
+          <a:lnRef idx="1">
+            <a:schemeClr val="accent1"/>
+          </a:lnRef>
+          <a:fillRef idx="0">
+            <a:schemeClr val="accent1"/>
+          </a:fillRef>
+          <a:effectRef idx="0">
+            <a:schemeClr val="accent1"/>
+          </a:effectRef>
+          <a:fontRef idx="minor">
+            <a:schemeClr val="tx1"/>
+          </a:fontRef>
+        </p:style>
+      </p:cxnSp>
+      <p:cxnSp>
+        <p:nvCxnSpPr>
+          <p:cNvPr id="88" name="Straight Connector 87">
+            <a:extLst>
+              <a:ext uri="{FF2B5EF4-FFF2-40B4-BE49-F238E27FC236}">
+                <a16:creationId xmlns:a16="http://schemas.microsoft.com/office/drawing/2014/main" id="{7C89D8DE-AF90-E54D-BBEF-388641AEF45F}"/>
+              </a:ext>
+            </a:extLst>
+          </p:cNvPr>
+          <p:cNvCxnSpPr>
+            <a:cxnSpLocks/>
+            <a:stCxn id="39" idx="2"/>
+          </p:cNvCxnSpPr>
+          <p:nvPr/>
+        </p:nvCxnSpPr>
+        <p:spPr>
+          <a:xfrm flipH="1">
+            <a:off x="4615816" y="4182141"/>
+            <a:ext cx="1480184" cy="522605"/>
+          </a:xfrm>
+          <a:prstGeom prst="line">
+            <a:avLst/>
+          </a:prstGeom>
+          <a:ln w="19050">
+            <a:solidFill>
+              <a:srgbClr val="006082"/>
+            </a:solidFill>
+            <a:headEnd type="none" w="med" len="med"/>
+            <a:tailEnd type="stealth" w="med" len="lg"/>
+          </a:ln>
+        </p:spPr>
+        <p:style>
+          <a:lnRef idx="1">
+            <a:schemeClr val="accent1"/>
+          </a:lnRef>
+          <a:fillRef idx="0">
+            <a:schemeClr val="accent1"/>
+          </a:fillRef>
+          <a:effectRef idx="0">
+            <a:schemeClr val="accent1"/>
+          </a:effectRef>
+          <a:fontRef idx="minor">
+            <a:schemeClr val="tx1"/>
+          </a:fontRef>
+        </p:style>
+      </p:cxnSp>
+      <p:sp>
+        <p:nvSpPr>
+          <p:cNvPr id="91" name="TextBox 90">
+            <a:extLst>
+              <a:ext uri="{FF2B5EF4-FFF2-40B4-BE49-F238E27FC236}">
+                <a16:creationId xmlns:a16="http://schemas.microsoft.com/office/drawing/2014/main" id="{05385410-CBC9-DC4A-93DC-E6C112A66418}"/>
+              </a:ext>
+            </a:extLst>
+          </p:cNvPr>
+          <p:cNvSpPr txBox="1"/>
+          <p:nvPr/>
+        </p:nvSpPr>
+        <p:spPr>
+          <a:xfrm>
+            <a:off x="6764608" y="1429641"/>
+            <a:ext cx="1282111" cy="461665"/>
+          </a:xfrm>
+          <a:prstGeom prst="rect">
+            <a:avLst/>
+          </a:prstGeom>
+          <a:noFill/>
+        </p:spPr>
+        <p:txBody>
+          <a:bodyPr wrap="square" rtlCol="0">
+            <a:spAutoFit/>
+          </a:bodyPr>
+          <a:lstStyle/>
+          <a:p>
+            <a:r>
+              <a:rPr lang="en-VN" sz="1200">
+                <a:solidFill>
+                  <a:schemeClr val="tx1">
+                    <a:lumMod val="75000"/>
+                    <a:lumOff val="25000"/>
+                  </a:schemeClr>
+                </a:solidFill>
+                <a:latin typeface="Open Sans" panose="020B0606030504020204" pitchFamily="34" charset="0"/>
+                <a:ea typeface="Open Sans" panose="020B0606030504020204" pitchFamily="34" charset="0"/>
+                <a:cs typeface="Open Sans" panose="020B0606030504020204" pitchFamily="34" charset="0"/>
+              </a:rPr>
+              <a:t>adaptive learning rate</a:t>
+            </a:r>
+          </a:p>
+        </p:txBody>
+      </p:sp>
+    </p:spTree>
+    <p:extLst>
+      <p:ext uri="{BB962C8B-B14F-4D97-AF65-F5344CB8AC3E}">
+        <p14:creationId xmlns:p14="http://schemas.microsoft.com/office/powerpoint/2010/main" val="907644594"/>
+      </p:ext>
+    </p:extLst>
+  </p:cSld>
+  <p:clrMapOvr>
+    <a:masterClrMapping/>
+  </p:clrMapOvr>
+</p:sld>
+</file>
+
+<file path=ppt/slides/slide10.xml><?xml version="1.0" encoding="utf-8"?>
+<p:sld xmlns:a="http://schemas.openxmlformats.org/drawingml/2006/main" xmlns:r="http://schemas.openxmlformats.org/officeDocument/2006/relationships" xmlns:p="http://schemas.openxmlformats.org/presentationml/2006/main">
+  <p:cSld>
+    <p:spTree>
+      <p:nvGrpSpPr>
+        <p:cNvPr id="1" name=""/>
+        <p:cNvGrpSpPr/>
+        <p:nvPr/>
+      </p:nvGrpSpPr>
+      <p:grpSpPr>
+        <a:xfrm>
+          <a:off x="0" y="0"/>
+          <a:ext cx="0" cy="0"/>
+          <a:chOff x="0" y="0"/>
+          <a:chExt cx="0" cy="0"/>
+        </a:xfrm>
+      </p:grpSpPr>
+      <p:grpSp>
+        <p:nvGrpSpPr>
+          <p:cNvPr id="14" name="Group 13">
+            <a:extLst>
+              <a:ext uri="{FF2B5EF4-FFF2-40B4-BE49-F238E27FC236}">
+                <a16:creationId xmlns:a16="http://schemas.microsoft.com/office/drawing/2014/main" id="{8073E144-4102-0D44-BE98-E8F88EE25E23}"/>
+              </a:ext>
+            </a:extLst>
+          </p:cNvPr>
+          <p:cNvGrpSpPr/>
+          <p:nvPr/>
+        </p:nvGrpSpPr>
+        <p:grpSpPr>
+          <a:xfrm>
+            <a:off x="3553350" y="3797407"/>
+            <a:ext cx="4180490" cy="1005733"/>
+            <a:chOff x="3553350" y="3797407"/>
+            <a:chExt cx="4180490" cy="1005733"/>
+          </a:xfrm>
+        </p:grpSpPr>
+        <p:sp>
+          <p:nvSpPr>
+            <p:cNvPr id="2" name="TextBox 1">
+              <a:extLst>
+                <a:ext uri="{FF2B5EF4-FFF2-40B4-BE49-F238E27FC236}">
+                  <a16:creationId xmlns:a16="http://schemas.microsoft.com/office/drawing/2014/main" id="{3FC5E5D0-CC8A-9B47-A048-BEF5702D316F}"/>
+                </a:ext>
+              </a:extLst>
+            </p:cNvPr>
+            <p:cNvSpPr txBox="1"/>
+            <p:nvPr/>
+          </p:nvSpPr>
+          <p:spPr>
+            <a:xfrm>
+              <a:off x="4153358" y="3879810"/>
+              <a:ext cx="3580482" cy="923330"/>
+            </a:xfrm>
+            <a:prstGeom prst="rect">
+              <a:avLst/>
+            </a:prstGeom>
+            <a:noFill/>
+          </p:spPr>
+          <p:txBody>
+            <a:bodyPr wrap="square" rtlCol="0">
+              <a:spAutoFit/>
+            </a:bodyPr>
+            <a:lstStyle/>
+            <a:p>
+              <a:pPr algn="ctr"/>
+              <a:r>
+                <a:rPr lang="en-VN" sz="3600" b="1">
+                  <a:solidFill>
+                    <a:srgbClr val="1C4357"/>
+                  </a:solidFill>
+                  <a:latin typeface="Open Sans" panose="020B0606030504020204" pitchFamily="34" charset="0"/>
+                  <a:ea typeface="Open Sans" panose="020B0606030504020204" pitchFamily="34" charset="0"/>
+                  <a:cs typeface="Open Sans" panose="020B0606030504020204" pitchFamily="34" charset="0"/>
+                </a:rPr>
+                <a:t>Data</a:t>
+              </a:r>
+              <a:r>
+                <a:rPr lang="en-VN" sz="3600" b="1">
+                  <a:solidFill>
+                    <a:srgbClr val="C00000"/>
+                  </a:solidFill>
+                  <a:latin typeface="Open Sans" panose="020B0606030504020204" pitchFamily="34" charset="0"/>
+                  <a:ea typeface="Open Sans" panose="020B0606030504020204" pitchFamily="34" charset="0"/>
+                  <a:cs typeface="Open Sans" panose="020B0606030504020204" pitchFamily="34" charset="0"/>
+                </a:rPr>
+                <a:t>Chilly</a:t>
+              </a:r>
+              <a:endParaRPr lang="en-VN" sz="1400">
+                <a:latin typeface="Open Sans" panose="020B0606030504020204" pitchFamily="34" charset="0"/>
+                <a:ea typeface="Open Sans" panose="020B0606030504020204" pitchFamily="34" charset="0"/>
+                <a:cs typeface="Open Sans" panose="020B0606030504020204" pitchFamily="34" charset="0"/>
+              </a:endParaRPr>
+            </a:p>
+            <a:p>
+              <a:pPr algn="ctr"/>
+              <a:r>
+                <a:rPr lang="en-VN" spc="300">
+                  <a:solidFill>
+                    <a:srgbClr val="1C4357"/>
+                  </a:solidFill>
+                  <a:latin typeface="Open Sans" panose="020B0606030504020204" pitchFamily="34" charset="0"/>
+                  <a:ea typeface="Open Sans" panose="020B0606030504020204" pitchFamily="34" charset="0"/>
+                  <a:cs typeface="Open Sans" panose="020B0606030504020204" pitchFamily="34" charset="0"/>
+                </a:rPr>
+                <a:t>Chill with Data</a:t>
+              </a:r>
+            </a:p>
+          </p:txBody>
+        </p:sp>
+        <p:sp>
+          <p:nvSpPr>
+            <p:cNvPr id="5" name="Pie 4">
+              <a:extLst>
+                <a:ext uri="{FF2B5EF4-FFF2-40B4-BE49-F238E27FC236}">
+                  <a16:creationId xmlns:a16="http://schemas.microsoft.com/office/drawing/2014/main" id="{46995C22-1169-864C-BDA7-806376FC33F5}"/>
+                </a:ext>
+              </a:extLst>
+            </p:cNvPr>
+            <p:cNvSpPr/>
+            <p:nvPr/>
+          </p:nvSpPr>
+          <p:spPr>
+            <a:xfrm>
+              <a:off x="3553350" y="3879810"/>
+              <a:ext cx="923330" cy="923330"/>
+            </a:xfrm>
+            <a:prstGeom prst="pie">
+              <a:avLst>
+                <a:gd name="adj1" fmla="val 12413"/>
+                <a:gd name="adj2" fmla="val 16200000"/>
+              </a:avLst>
+            </a:prstGeom>
+            <a:solidFill>
+              <a:srgbClr val="1C4357"/>
+            </a:solidFill>
+            <a:ln>
+              <a:noFill/>
+            </a:ln>
+          </p:spPr>
+          <p:style>
+            <a:lnRef idx="2">
+              <a:schemeClr val="accent1">
+                <a:shade val="50000"/>
+              </a:schemeClr>
+            </a:lnRef>
+            <a:fillRef idx="1">
+              <a:schemeClr val="accent1"/>
+            </a:fillRef>
+            <a:effectRef idx="0">
+              <a:schemeClr val="accent1"/>
+            </a:effectRef>
+            <a:fontRef idx="minor">
+              <a:schemeClr val="lt1"/>
+            </a:fontRef>
+          </p:style>
+          <p:txBody>
+            <a:bodyPr rtlCol="0" anchor="ctr"/>
+            <a:lstStyle/>
+            <a:p>
+              <a:pPr algn="ctr"/>
+              <a:endParaRPr lang="en-VN">
+                <a:solidFill>
+                  <a:schemeClr val="tx1"/>
+                </a:solidFill>
+              </a:endParaRPr>
+            </a:p>
+          </p:txBody>
+        </p:sp>
+        <p:sp>
+          <p:nvSpPr>
+            <p:cNvPr id="6" name="Pie 5">
+              <a:extLst>
+                <a:ext uri="{FF2B5EF4-FFF2-40B4-BE49-F238E27FC236}">
+                  <a16:creationId xmlns:a16="http://schemas.microsoft.com/office/drawing/2014/main" id="{DC338990-83C1-9345-B7E0-96870F89898F}"/>
+                </a:ext>
+              </a:extLst>
+            </p:cNvPr>
+            <p:cNvSpPr/>
+            <p:nvPr/>
+          </p:nvSpPr>
+          <p:spPr>
+            <a:xfrm>
+              <a:off x="3637445" y="3797407"/>
+              <a:ext cx="923330" cy="923330"/>
+            </a:xfrm>
+            <a:prstGeom prst="pie">
+              <a:avLst>
+                <a:gd name="adj1" fmla="val 16190064"/>
+                <a:gd name="adj2" fmla="val 21842"/>
+              </a:avLst>
+            </a:prstGeom>
+            <a:solidFill>
+              <a:srgbClr val="C00000"/>
+            </a:solidFill>
+            <a:ln>
+              <a:noFill/>
+            </a:ln>
+          </p:spPr>
+          <p:style>
+            <a:lnRef idx="2">
+              <a:schemeClr val="accent1">
+                <a:shade val="50000"/>
+              </a:schemeClr>
+            </a:lnRef>
+            <a:fillRef idx="1">
+              <a:schemeClr val="accent1"/>
+            </a:fillRef>
+            <a:effectRef idx="0">
+              <a:schemeClr val="accent1"/>
+            </a:effectRef>
+            <a:fontRef idx="minor">
+              <a:schemeClr val="lt1"/>
+            </a:fontRef>
+          </p:style>
+          <p:txBody>
+            <a:bodyPr rtlCol="0" anchor="ctr"/>
+            <a:lstStyle/>
+            <a:p>
+              <a:pPr algn="ctr"/>
+              <a:endParaRPr lang="en-VN">
+                <a:solidFill>
+                  <a:schemeClr val="tx1"/>
+                </a:solidFill>
+              </a:endParaRPr>
+            </a:p>
+          </p:txBody>
+        </p:sp>
+      </p:grpSp>
+      <p:grpSp>
+        <p:nvGrpSpPr>
+          <p:cNvPr id="15" name="Group 14">
+            <a:extLst>
+              <a:ext uri="{FF2B5EF4-FFF2-40B4-BE49-F238E27FC236}">
+                <a16:creationId xmlns:a16="http://schemas.microsoft.com/office/drawing/2014/main" id="{A10B7A5B-494C-2342-965A-354BE4ED426C}"/>
+              </a:ext>
+            </a:extLst>
+          </p:cNvPr>
+          <p:cNvGrpSpPr/>
+          <p:nvPr/>
+        </p:nvGrpSpPr>
+        <p:grpSpPr>
+          <a:xfrm>
+            <a:off x="4872251" y="2287009"/>
+            <a:ext cx="1000836" cy="237827"/>
+            <a:chOff x="4872251" y="2287009"/>
+            <a:chExt cx="1000836" cy="237827"/>
+          </a:xfrm>
+        </p:grpSpPr>
+        <p:sp>
+          <p:nvSpPr>
+            <p:cNvPr id="9" name="Rounded Rectangle 8">
+              <a:extLst>
+                <a:ext uri="{FF2B5EF4-FFF2-40B4-BE49-F238E27FC236}">
+                  <a16:creationId xmlns:a16="http://schemas.microsoft.com/office/drawing/2014/main" id="{0F589FD1-D8E7-7749-8131-113CFF248DBF}"/>
+                </a:ext>
+              </a:extLst>
+            </p:cNvPr>
+            <p:cNvSpPr/>
+            <p:nvPr/>
+          </p:nvSpPr>
+          <p:spPr>
+            <a:xfrm>
+              <a:off x="5370451" y="2287009"/>
+              <a:ext cx="502636" cy="237827"/>
+            </a:xfrm>
+            <a:prstGeom prst="roundRect">
+              <a:avLst/>
+            </a:prstGeom>
+            <a:solidFill>
+              <a:srgbClr val="CA6665"/>
+            </a:solidFill>
+            <a:ln>
+              <a:noFill/>
+            </a:ln>
+          </p:spPr>
+          <p:style>
+            <a:lnRef idx="2">
+              <a:schemeClr val="accent1">
+                <a:shade val="50000"/>
+              </a:schemeClr>
+            </a:lnRef>
+            <a:fillRef idx="1">
+              <a:schemeClr val="accent1"/>
+            </a:fillRef>
+            <a:effectRef idx="0">
+              <a:schemeClr val="accent1"/>
+            </a:effectRef>
+            <a:fontRef idx="minor">
+              <a:schemeClr val="lt1"/>
+            </a:fontRef>
+          </p:style>
+          <p:txBody>
+            <a:bodyPr lIns="108000" tIns="0" rIns="36000" bIns="0" rtlCol="0" anchor="ctr"/>
+            <a:lstStyle/>
+            <a:p>
+              <a:r>
+                <a:rPr lang="en-VN" sz="1000">
+                  <a:latin typeface="Open Sans" panose="020B0606030504020204" pitchFamily="34" charset="0"/>
+                  <a:ea typeface="Open Sans" panose="020B0606030504020204" pitchFamily="34" charset="0"/>
+                  <a:cs typeface="Open Sans" panose="020B0606030504020204" pitchFamily="34" charset="0"/>
+                </a:rPr>
+                <a:t>Chilly</a:t>
+              </a:r>
+            </a:p>
+          </p:txBody>
+        </p:sp>
+        <p:sp>
+          <p:nvSpPr>
+            <p:cNvPr id="8" name="Rounded Rectangle 7">
+              <a:extLst>
+                <a:ext uri="{FF2B5EF4-FFF2-40B4-BE49-F238E27FC236}">
+                  <a16:creationId xmlns:a16="http://schemas.microsoft.com/office/drawing/2014/main" id="{A155D873-4206-724D-971E-2ACF773A8221}"/>
+                </a:ext>
+              </a:extLst>
+            </p:cNvPr>
+            <p:cNvSpPr/>
+            <p:nvPr/>
+          </p:nvSpPr>
+          <p:spPr>
+            <a:xfrm>
+              <a:off x="4872251" y="2287009"/>
+              <a:ext cx="582304" cy="237827"/>
+            </a:xfrm>
+            <a:prstGeom prst="roundRect">
+              <a:avLst/>
+            </a:prstGeom>
+            <a:solidFill>
+              <a:srgbClr val="1C4357"/>
+            </a:solidFill>
+            <a:ln>
+              <a:noFill/>
+            </a:ln>
+          </p:spPr>
+          <p:style>
+            <a:lnRef idx="2">
+              <a:schemeClr val="accent1">
+                <a:shade val="50000"/>
+              </a:schemeClr>
+            </a:lnRef>
+            <a:fillRef idx="1">
+              <a:schemeClr val="accent1"/>
+            </a:fillRef>
+            <a:effectRef idx="0">
+              <a:schemeClr val="accent1"/>
+            </a:effectRef>
+            <a:fontRef idx="minor">
+              <a:schemeClr val="lt1"/>
+            </a:fontRef>
+          </p:style>
+          <p:txBody>
+            <a:bodyPr lIns="0" tIns="0" rIns="36000" bIns="0" rtlCol="0" anchor="ctr"/>
+            <a:lstStyle/>
+            <a:p>
+              <a:pPr algn="r"/>
+              <a:r>
+                <a:rPr lang="en-VN" sz="1000">
+                  <a:latin typeface="Open Sans" panose="020B0606030504020204" pitchFamily="34" charset="0"/>
+                  <a:ea typeface="Open Sans" panose="020B0606030504020204" pitchFamily="34" charset="0"/>
+                  <a:cs typeface="Open Sans" panose="020B0606030504020204" pitchFamily="34" charset="0"/>
+                </a:rPr>
+                <a:t>Data</a:t>
+              </a:r>
+            </a:p>
+          </p:txBody>
+        </p:sp>
+        <p:pic>
+          <p:nvPicPr>
+            <p:cNvPr id="7" name="Picture 6">
+              <a:extLst>
+                <a:ext uri="{FF2B5EF4-FFF2-40B4-BE49-F238E27FC236}">
+                  <a16:creationId xmlns:a16="http://schemas.microsoft.com/office/drawing/2014/main" id="{0965C2DD-8D6F-AC4C-A23C-CA80E51D75DC}"/>
+                </a:ext>
+              </a:extLst>
+            </p:cNvPr>
+            <p:cNvPicPr>
+              <a:picLocks noChangeAspect="1"/>
+            </p:cNvPicPr>
+            <p:nvPr/>
+          </p:nvPicPr>
+          <p:blipFill>
+            <a:blip r:embed="rId2">
+              <a:extLst>
+                <a:ext uri="{BEBA8EAE-BF5A-486C-A8C5-ECC9F3942E4B}">
+                  <a14:imgProps xmlns:a14="http://schemas.microsoft.com/office/drawing/2010/main">
+                    <a14:imgLayer r:embed="rId3">
+                      <a14:imgEffect>
+                        <a14:artisticPencilGrayscale/>
+                      </a14:imgEffect>
+                    </a14:imgLayer>
+                  </a14:imgProps>
+                </a:ext>
+              </a:extLst>
+            </a:blip>
+            <a:stretch>
+              <a:fillRect/>
+            </a:stretch>
+          </p:blipFill>
+          <p:spPr>
+            <a:xfrm>
+              <a:off x="4914225" y="2333485"/>
+              <a:ext cx="144873" cy="144873"/>
+            </a:xfrm>
+            <a:prstGeom prst="rect">
+              <a:avLst/>
+            </a:prstGeom>
+          </p:spPr>
+        </p:pic>
+      </p:grpSp>
+    </p:spTree>
+    <p:extLst>
+      <p:ext uri="{BB962C8B-B14F-4D97-AF65-F5344CB8AC3E}">
+        <p14:creationId xmlns:p14="http://schemas.microsoft.com/office/powerpoint/2010/main" val="2160324002"/>
+      </p:ext>
+    </p:extLst>
+  </p:cSld>
+  <p:clrMapOvr>
+    <a:masterClrMapping/>
+  </p:clrMapOvr>
+</p:sld>
+</file>
+
+<file path=ppt/slides/slide2.xml><?xml version="1.0" encoding="utf-8"?>
+<p:sld xmlns:a="http://schemas.openxmlformats.org/drawingml/2006/main" xmlns:r="http://schemas.openxmlformats.org/officeDocument/2006/relationships" xmlns:p="http://schemas.openxmlformats.org/presentationml/2006/main">
+  <p:cSld>
+    <p:spTree>
+      <p:nvGrpSpPr>
+        <p:cNvPr id="1" name=""/>
+        <p:cNvGrpSpPr/>
+        <p:nvPr/>
+      </p:nvGrpSpPr>
+      <p:grpSpPr>
+        <a:xfrm>
+          <a:off x="0" y="0"/>
+          <a:ext cx="0" cy="0"/>
+          <a:chOff x="0" y="0"/>
+          <a:chExt cx="0" cy="0"/>
+        </a:xfrm>
+      </p:grpSpPr>
       <p:grpSp>
         <p:nvGrpSpPr>
           <p:cNvPr id="48" name="Group 47">
@@ -5685,7 +7346,7 @@
 </p:sld>
 </file>
 
-<file path=ppt/slides/slide2.xml><?xml version="1.0" encoding="utf-8"?>
+<file path=ppt/slides/slide3.xml><?xml version="1.0" encoding="utf-8"?>
 <p:sld xmlns:a="http://schemas.openxmlformats.org/drawingml/2006/main" xmlns:r="http://schemas.openxmlformats.org/officeDocument/2006/relationships" xmlns:p="http://schemas.openxmlformats.org/presentationml/2006/main">
   <p:cSld>
     <p:spTree>
@@ -6635,7 +8296,7 @@
 </p:sld>
 </file>
 
-<file path=ppt/slides/slide3.xml><?xml version="1.0" encoding="utf-8"?>
+<file path=ppt/slides/slide4.xml><?xml version="1.0" encoding="utf-8"?>
 <p:sld xmlns:a="http://schemas.openxmlformats.org/drawingml/2006/main" xmlns:r="http://schemas.openxmlformats.org/officeDocument/2006/relationships" xmlns:p="http://schemas.openxmlformats.org/presentationml/2006/main">
   <p:cSld>
     <p:spTree>
@@ -7177,7 +8838,7 @@
 </p:sld>
 </file>
 
-<file path=ppt/slides/slide4.xml><?xml version="1.0" encoding="utf-8"?>
+<file path=ppt/slides/slide5.xml><?xml version="1.0" encoding="utf-8"?>
 <p:sld xmlns:a="http://schemas.openxmlformats.org/drawingml/2006/main" xmlns:r="http://schemas.openxmlformats.org/officeDocument/2006/relationships" xmlns:p="http://schemas.openxmlformats.org/presentationml/2006/main">
   <p:cSld>
     <p:spTree>
@@ -7851,7 +9512,7 @@
 </p:sld>
 </file>
 
-<file path=ppt/slides/slide5.xml><?xml version="1.0" encoding="utf-8"?>
+<file path=ppt/slides/slide6.xml><?xml version="1.0" encoding="utf-8"?>
 <p:sld xmlns:a="http://schemas.openxmlformats.org/drawingml/2006/main" xmlns:r="http://schemas.openxmlformats.org/officeDocument/2006/relationships" xmlns:p="http://schemas.openxmlformats.org/presentationml/2006/main">
   <p:cSld>
     <p:spTree>
@@ -9636,7 +11297,7 @@
 </p:sld>
 </file>
 
-<file path=ppt/slides/slide6.xml><?xml version="1.0" encoding="utf-8"?>
+<file path=ppt/slides/slide7.xml><?xml version="1.0" encoding="utf-8"?>
 <p:sld xmlns:a="http://schemas.openxmlformats.org/drawingml/2006/main" xmlns:r="http://schemas.openxmlformats.org/officeDocument/2006/relationships" xmlns:p="http://schemas.openxmlformats.org/presentationml/2006/main">
   <p:cSld>
     <p:spTree>
@@ -11293,7 +12954,7 @@
 </p:sld>
 </file>
 
-<file path=ppt/slides/slide7.xml><?xml version="1.0" encoding="utf-8"?>
+<file path=ppt/slides/slide8.xml><?xml version="1.0" encoding="utf-8"?>
 <p:sld xmlns:a="http://schemas.openxmlformats.org/drawingml/2006/main" xmlns:r="http://schemas.openxmlformats.org/officeDocument/2006/relationships" xmlns:p="http://schemas.openxmlformats.org/presentationml/2006/main">
   <p:cSld>
     <p:spTree>
@@ -12927,7 +14588,7 @@
 </p:sld>
 </file>
 
-<file path=ppt/slides/slide8.xml><?xml version="1.0" encoding="utf-8"?>
+<file path=ppt/slides/slide9.xml><?xml version="1.0" encoding="utf-8"?>
 <p:sld xmlns:a="http://schemas.openxmlformats.org/drawingml/2006/main" xmlns:r="http://schemas.openxmlformats.org/officeDocument/2006/relationships" xmlns:p="http://schemas.openxmlformats.org/presentationml/2006/main">
   <p:cSld>
     <p:spTree>
@@ -12958,7 +14619,7 @@
         </p:nvGrpSpPr>
         <p:grpSpPr>
           <a:xfrm>
-            <a:off x="827492" y="1111155"/>
+            <a:off x="941792" y="1716945"/>
             <a:ext cx="2732500" cy="3228284"/>
             <a:chOff x="2071076" y="1111155"/>
             <a:chExt cx="2732500" cy="3228284"/>
@@ -13527,8 +15188,8 @@
           </p:txBody>
         </p:sp>
       </p:grpSp>
-      <mc:AlternateContent xmlns:mc="http://schemas.openxmlformats.org/markup-compatibility/2006" xmlns:a14="http://schemas.microsoft.com/office/drawing/2010/main">
-        <mc:Choice Requires="a14">
+      <mc:AlternateContent xmlns:mc="http://schemas.openxmlformats.org/markup-compatibility/2006">
+        <mc:Choice xmlns:a14="http://schemas.microsoft.com/office/drawing/2010/main" Requires="a14">
           <p:sp>
             <p:nvSpPr>
               <p:cNvPr id="7" name="TextBox 6">
@@ -13543,7 +15204,7 @@
             </p:nvSpPr>
             <p:spPr>
               <a:xfrm>
-                <a:off x="5310031" y="2654770"/>
+                <a:off x="5424331" y="3260560"/>
                 <a:ext cx="246862" cy="307777"/>
               </a:xfrm>
               <a:prstGeom prst="rect">
@@ -13581,7 +15242,7 @@
             </p:txBody>
           </p:sp>
         </mc:Choice>
-        <mc:Fallback xmlns="">
+        <mc:Fallback>
           <p:sp>
             <p:nvSpPr>
               <p:cNvPr id="7" name="TextBox 6">
@@ -13598,7 +15259,7 @@
             </p:nvSpPr>
             <p:spPr>
               <a:xfrm>
-                <a:off x="5310031" y="2654770"/>
+                <a:off x="5424331" y="3260560"/>
                 <a:ext cx="246862" cy="307777"/>
               </a:xfrm>
               <a:prstGeom prst="rect">
@@ -13626,8 +15287,8 @@
           </p:sp>
         </mc:Fallback>
       </mc:AlternateContent>
-      <mc:AlternateContent xmlns:mc="http://schemas.openxmlformats.org/markup-compatibility/2006" xmlns:a14="http://schemas.microsoft.com/office/drawing/2010/main">
-        <mc:Choice Requires="a14">
+      <mc:AlternateContent xmlns:mc="http://schemas.openxmlformats.org/markup-compatibility/2006">
+        <mc:Choice xmlns:a14="http://schemas.microsoft.com/office/drawing/2010/main" Requires="a14">
           <p:sp>
             <p:nvSpPr>
               <p:cNvPr id="33" name="TextBox 32">
@@ -13642,7 +15303,7 @@
             </p:nvSpPr>
             <p:spPr>
               <a:xfrm>
-                <a:off x="3595844" y="2649391"/>
+                <a:off x="3710144" y="3255181"/>
                 <a:ext cx="256480" cy="307777"/>
               </a:xfrm>
               <a:prstGeom prst="rect">
@@ -13680,7 +15341,7 @@
             </p:txBody>
           </p:sp>
         </mc:Choice>
-        <mc:Fallback xmlns="">
+        <mc:Fallback>
           <p:sp>
             <p:nvSpPr>
               <p:cNvPr id="33" name="TextBox 32">
@@ -13697,7 +15358,7 @@
             </p:nvSpPr>
             <p:spPr>
               <a:xfrm>
-                <a:off x="3595844" y="2649391"/>
+                <a:off x="3710144" y="3255181"/>
                 <a:ext cx="256480" cy="307777"/>
               </a:xfrm>
               <a:prstGeom prst="rect">
@@ -13739,7 +15400,7 @@
         </p:nvGrpSpPr>
         <p:grpSpPr>
           <a:xfrm>
-            <a:off x="5381400" y="1111155"/>
+            <a:off x="5495700" y="1716945"/>
             <a:ext cx="2372206" cy="1492207"/>
             <a:chOff x="6219432" y="1111155"/>
             <a:chExt cx="2372206" cy="1492207"/>
@@ -14178,7 +15839,7 @@
         </p:nvGrpSpPr>
         <p:grpSpPr>
           <a:xfrm>
-            <a:off x="4187730" y="1111155"/>
+            <a:off x="4302030" y="1716945"/>
             <a:ext cx="1046349" cy="2921019"/>
             <a:chOff x="4918450" y="1111155"/>
             <a:chExt cx="1046349" cy="2921019"/>
@@ -14509,8 +16170,8 @@
           </p:txBody>
         </p:sp>
       </p:grpSp>
-      <mc:AlternateContent xmlns:mc="http://schemas.openxmlformats.org/markup-compatibility/2006" xmlns:a14="http://schemas.microsoft.com/office/drawing/2010/main">
-        <mc:Choice Requires="a14">
+      <mc:AlternateContent xmlns:mc="http://schemas.openxmlformats.org/markup-compatibility/2006">
+        <mc:Choice xmlns:a14="http://schemas.microsoft.com/office/drawing/2010/main" Requires="a14">
           <p:sp>
             <p:nvSpPr>
               <p:cNvPr id="40" name="TextBox 39">
@@ -14525,7 +16186,7 @@
             </p:nvSpPr>
             <p:spPr>
               <a:xfrm>
-                <a:off x="8000045" y="2654770"/>
+                <a:off x="8114345" y="3260560"/>
                 <a:ext cx="256480" cy="307777"/>
               </a:xfrm>
               <a:prstGeom prst="rect">
@@ -14563,7 +16224,7 @@
             </p:txBody>
           </p:sp>
         </mc:Choice>
-        <mc:Fallback xmlns="">
+        <mc:Fallback>
           <p:sp>
             <p:nvSpPr>
               <p:cNvPr id="40" name="TextBox 39">
@@ -14580,7 +16241,7 @@
             </p:nvSpPr>
             <p:spPr>
               <a:xfrm>
-                <a:off x="8000045" y="2654770"/>
+                <a:off x="8114345" y="3260560"/>
                 <a:ext cx="256480" cy="307777"/>
               </a:xfrm>
               <a:prstGeom prst="rect">
@@ -14622,7 +16283,7 @@
         </p:nvGrpSpPr>
         <p:grpSpPr>
           <a:xfrm>
-            <a:off x="8618933" y="1111155"/>
+            <a:off x="8733233" y="1716945"/>
             <a:ext cx="2115460" cy="3228284"/>
             <a:chOff x="2688116" y="1111155"/>
             <a:chExt cx="2115460" cy="3228284"/>
@@ -15122,428 +16783,6 @@
     <p:extLst>
       <p:ext uri="{BB962C8B-B14F-4D97-AF65-F5344CB8AC3E}">
         <p14:creationId xmlns:p14="http://schemas.microsoft.com/office/powerpoint/2010/main" val="3617940449"/>
-      </p:ext>
-    </p:extLst>
-  </p:cSld>
-  <p:clrMapOvr>
-    <a:masterClrMapping/>
-  </p:clrMapOvr>
-</p:sld>
-</file>
-
-<file path=ppt/slides/slide9.xml><?xml version="1.0" encoding="utf-8"?>
-<p:sld xmlns:a="http://schemas.openxmlformats.org/drawingml/2006/main" xmlns:r="http://schemas.openxmlformats.org/officeDocument/2006/relationships" xmlns:p="http://schemas.openxmlformats.org/presentationml/2006/main">
-  <p:cSld>
-    <p:spTree>
-      <p:nvGrpSpPr>
-        <p:cNvPr id="1" name=""/>
-        <p:cNvGrpSpPr/>
-        <p:nvPr/>
-      </p:nvGrpSpPr>
-      <p:grpSpPr>
-        <a:xfrm>
-          <a:off x="0" y="0"/>
-          <a:ext cx="0" cy="0"/>
-          <a:chOff x="0" y="0"/>
-          <a:chExt cx="0" cy="0"/>
-        </a:xfrm>
-      </p:grpSpPr>
-      <p:grpSp>
-        <p:nvGrpSpPr>
-          <p:cNvPr id="14" name="Group 13">
-            <a:extLst>
-              <a:ext uri="{FF2B5EF4-FFF2-40B4-BE49-F238E27FC236}">
-                <a16:creationId xmlns:a16="http://schemas.microsoft.com/office/drawing/2014/main" id="{8073E144-4102-0D44-BE98-E8F88EE25E23}"/>
-              </a:ext>
-            </a:extLst>
-          </p:cNvPr>
-          <p:cNvGrpSpPr/>
-          <p:nvPr/>
-        </p:nvGrpSpPr>
-        <p:grpSpPr>
-          <a:xfrm>
-            <a:off x="3553350" y="3797407"/>
-            <a:ext cx="4180490" cy="1005733"/>
-            <a:chOff x="3553350" y="3797407"/>
-            <a:chExt cx="4180490" cy="1005733"/>
-          </a:xfrm>
-        </p:grpSpPr>
-        <p:sp>
-          <p:nvSpPr>
-            <p:cNvPr id="2" name="TextBox 1">
-              <a:extLst>
-                <a:ext uri="{FF2B5EF4-FFF2-40B4-BE49-F238E27FC236}">
-                  <a16:creationId xmlns:a16="http://schemas.microsoft.com/office/drawing/2014/main" id="{3FC5E5D0-CC8A-9B47-A048-BEF5702D316F}"/>
-                </a:ext>
-              </a:extLst>
-            </p:cNvPr>
-            <p:cNvSpPr txBox="1"/>
-            <p:nvPr/>
-          </p:nvSpPr>
-          <p:spPr>
-            <a:xfrm>
-              <a:off x="4153358" y="3879810"/>
-              <a:ext cx="3580482" cy="923330"/>
-            </a:xfrm>
-            <a:prstGeom prst="rect">
-              <a:avLst/>
-            </a:prstGeom>
-            <a:noFill/>
-          </p:spPr>
-          <p:txBody>
-            <a:bodyPr wrap="square" rtlCol="0">
-              <a:spAutoFit/>
-            </a:bodyPr>
-            <a:lstStyle/>
-            <a:p>
-              <a:pPr algn="ctr"/>
-              <a:r>
-                <a:rPr lang="en-VN" sz="3600" b="1">
-                  <a:solidFill>
-                    <a:srgbClr val="1C4357"/>
-                  </a:solidFill>
-                  <a:latin typeface="Open Sans" panose="020B0606030504020204" pitchFamily="34" charset="0"/>
-                  <a:ea typeface="Open Sans" panose="020B0606030504020204" pitchFamily="34" charset="0"/>
-                  <a:cs typeface="Open Sans" panose="020B0606030504020204" pitchFamily="34" charset="0"/>
-                </a:rPr>
-                <a:t>Data</a:t>
-              </a:r>
-              <a:r>
-                <a:rPr lang="en-VN" sz="3600" b="1">
-                  <a:solidFill>
-                    <a:srgbClr val="C00000"/>
-                  </a:solidFill>
-                  <a:latin typeface="Open Sans" panose="020B0606030504020204" pitchFamily="34" charset="0"/>
-                  <a:ea typeface="Open Sans" panose="020B0606030504020204" pitchFamily="34" charset="0"/>
-                  <a:cs typeface="Open Sans" panose="020B0606030504020204" pitchFamily="34" charset="0"/>
-                </a:rPr>
-                <a:t>Chilly</a:t>
-              </a:r>
-              <a:endParaRPr lang="en-VN" sz="1400">
-                <a:latin typeface="Open Sans" panose="020B0606030504020204" pitchFamily="34" charset="0"/>
-                <a:ea typeface="Open Sans" panose="020B0606030504020204" pitchFamily="34" charset="0"/>
-                <a:cs typeface="Open Sans" panose="020B0606030504020204" pitchFamily="34" charset="0"/>
-              </a:endParaRPr>
-            </a:p>
-            <a:p>
-              <a:pPr algn="ctr"/>
-              <a:r>
-                <a:rPr lang="en-VN" spc="300">
-                  <a:solidFill>
-                    <a:srgbClr val="1C4357"/>
-                  </a:solidFill>
-                  <a:latin typeface="Open Sans" panose="020B0606030504020204" pitchFamily="34" charset="0"/>
-                  <a:ea typeface="Open Sans" panose="020B0606030504020204" pitchFamily="34" charset="0"/>
-                  <a:cs typeface="Open Sans" panose="020B0606030504020204" pitchFamily="34" charset="0"/>
-                </a:rPr>
-                <a:t>Chill with Data</a:t>
-              </a:r>
-            </a:p>
-          </p:txBody>
-        </p:sp>
-        <p:sp>
-          <p:nvSpPr>
-            <p:cNvPr id="5" name="Pie 4">
-              <a:extLst>
-                <a:ext uri="{FF2B5EF4-FFF2-40B4-BE49-F238E27FC236}">
-                  <a16:creationId xmlns:a16="http://schemas.microsoft.com/office/drawing/2014/main" id="{46995C22-1169-864C-BDA7-806376FC33F5}"/>
-                </a:ext>
-              </a:extLst>
-            </p:cNvPr>
-            <p:cNvSpPr/>
-            <p:nvPr/>
-          </p:nvSpPr>
-          <p:spPr>
-            <a:xfrm>
-              <a:off x="3553350" y="3879810"/>
-              <a:ext cx="923330" cy="923330"/>
-            </a:xfrm>
-            <a:prstGeom prst="pie">
-              <a:avLst>
-                <a:gd name="adj1" fmla="val 12413"/>
-                <a:gd name="adj2" fmla="val 16200000"/>
-              </a:avLst>
-            </a:prstGeom>
-            <a:solidFill>
-              <a:srgbClr val="1C4357"/>
-            </a:solidFill>
-            <a:ln>
-              <a:noFill/>
-            </a:ln>
-          </p:spPr>
-          <p:style>
-            <a:lnRef idx="2">
-              <a:schemeClr val="accent1">
-                <a:shade val="50000"/>
-              </a:schemeClr>
-            </a:lnRef>
-            <a:fillRef idx="1">
-              <a:schemeClr val="accent1"/>
-            </a:fillRef>
-            <a:effectRef idx="0">
-              <a:schemeClr val="accent1"/>
-            </a:effectRef>
-            <a:fontRef idx="minor">
-              <a:schemeClr val="lt1"/>
-            </a:fontRef>
-          </p:style>
-          <p:txBody>
-            <a:bodyPr rtlCol="0" anchor="ctr"/>
-            <a:lstStyle/>
-            <a:p>
-              <a:pPr algn="ctr"/>
-              <a:endParaRPr lang="en-VN">
-                <a:solidFill>
-                  <a:schemeClr val="tx1"/>
-                </a:solidFill>
-              </a:endParaRPr>
-            </a:p>
-          </p:txBody>
-        </p:sp>
-        <p:sp>
-          <p:nvSpPr>
-            <p:cNvPr id="6" name="Pie 5">
-              <a:extLst>
-                <a:ext uri="{FF2B5EF4-FFF2-40B4-BE49-F238E27FC236}">
-                  <a16:creationId xmlns:a16="http://schemas.microsoft.com/office/drawing/2014/main" id="{DC338990-83C1-9345-B7E0-96870F89898F}"/>
-                </a:ext>
-              </a:extLst>
-            </p:cNvPr>
-            <p:cNvSpPr/>
-            <p:nvPr/>
-          </p:nvSpPr>
-          <p:spPr>
-            <a:xfrm>
-              <a:off x="3637445" y="3797407"/>
-              <a:ext cx="923330" cy="923330"/>
-            </a:xfrm>
-            <a:prstGeom prst="pie">
-              <a:avLst>
-                <a:gd name="adj1" fmla="val 16190064"/>
-                <a:gd name="adj2" fmla="val 21842"/>
-              </a:avLst>
-            </a:prstGeom>
-            <a:solidFill>
-              <a:srgbClr val="C00000"/>
-            </a:solidFill>
-            <a:ln>
-              <a:noFill/>
-            </a:ln>
-          </p:spPr>
-          <p:style>
-            <a:lnRef idx="2">
-              <a:schemeClr val="accent1">
-                <a:shade val="50000"/>
-              </a:schemeClr>
-            </a:lnRef>
-            <a:fillRef idx="1">
-              <a:schemeClr val="accent1"/>
-            </a:fillRef>
-            <a:effectRef idx="0">
-              <a:schemeClr val="accent1"/>
-            </a:effectRef>
-            <a:fontRef idx="minor">
-              <a:schemeClr val="lt1"/>
-            </a:fontRef>
-          </p:style>
-          <p:txBody>
-            <a:bodyPr rtlCol="0" anchor="ctr"/>
-            <a:lstStyle/>
-            <a:p>
-              <a:pPr algn="ctr"/>
-              <a:endParaRPr lang="en-VN">
-                <a:solidFill>
-                  <a:schemeClr val="tx1"/>
-                </a:solidFill>
-              </a:endParaRPr>
-            </a:p>
-          </p:txBody>
-        </p:sp>
-      </p:grpSp>
-      <p:grpSp>
-        <p:nvGrpSpPr>
-          <p:cNvPr id="15" name="Group 14">
-            <a:extLst>
-              <a:ext uri="{FF2B5EF4-FFF2-40B4-BE49-F238E27FC236}">
-                <a16:creationId xmlns:a16="http://schemas.microsoft.com/office/drawing/2014/main" id="{A10B7A5B-494C-2342-965A-354BE4ED426C}"/>
-              </a:ext>
-            </a:extLst>
-          </p:cNvPr>
-          <p:cNvGrpSpPr/>
-          <p:nvPr/>
-        </p:nvGrpSpPr>
-        <p:grpSpPr>
-          <a:xfrm>
-            <a:off x="4872251" y="2287009"/>
-            <a:ext cx="1000836" cy="237827"/>
-            <a:chOff x="4872251" y="2287009"/>
-            <a:chExt cx="1000836" cy="237827"/>
-          </a:xfrm>
-        </p:grpSpPr>
-        <p:sp>
-          <p:nvSpPr>
-            <p:cNvPr id="9" name="Rounded Rectangle 8">
-              <a:extLst>
-                <a:ext uri="{FF2B5EF4-FFF2-40B4-BE49-F238E27FC236}">
-                  <a16:creationId xmlns:a16="http://schemas.microsoft.com/office/drawing/2014/main" id="{0F589FD1-D8E7-7749-8131-113CFF248DBF}"/>
-                </a:ext>
-              </a:extLst>
-            </p:cNvPr>
-            <p:cNvSpPr/>
-            <p:nvPr/>
-          </p:nvSpPr>
-          <p:spPr>
-            <a:xfrm>
-              <a:off x="5370451" y="2287009"/>
-              <a:ext cx="502636" cy="237827"/>
-            </a:xfrm>
-            <a:prstGeom prst="roundRect">
-              <a:avLst/>
-            </a:prstGeom>
-            <a:solidFill>
-              <a:srgbClr val="CA6665"/>
-            </a:solidFill>
-            <a:ln>
-              <a:noFill/>
-            </a:ln>
-          </p:spPr>
-          <p:style>
-            <a:lnRef idx="2">
-              <a:schemeClr val="accent1">
-                <a:shade val="50000"/>
-              </a:schemeClr>
-            </a:lnRef>
-            <a:fillRef idx="1">
-              <a:schemeClr val="accent1"/>
-            </a:fillRef>
-            <a:effectRef idx="0">
-              <a:schemeClr val="accent1"/>
-            </a:effectRef>
-            <a:fontRef idx="minor">
-              <a:schemeClr val="lt1"/>
-            </a:fontRef>
-          </p:style>
-          <p:txBody>
-            <a:bodyPr lIns="108000" tIns="0" rIns="36000" bIns="0" rtlCol="0" anchor="ctr"/>
-            <a:lstStyle/>
-            <a:p>
-              <a:r>
-                <a:rPr lang="en-VN" sz="1000">
-                  <a:latin typeface="Open Sans" panose="020B0606030504020204" pitchFamily="34" charset="0"/>
-                  <a:ea typeface="Open Sans" panose="020B0606030504020204" pitchFamily="34" charset="0"/>
-                  <a:cs typeface="Open Sans" panose="020B0606030504020204" pitchFamily="34" charset="0"/>
-                </a:rPr>
-                <a:t>Chilly</a:t>
-              </a:r>
-            </a:p>
-          </p:txBody>
-        </p:sp>
-        <p:sp>
-          <p:nvSpPr>
-            <p:cNvPr id="8" name="Rounded Rectangle 7">
-              <a:extLst>
-                <a:ext uri="{FF2B5EF4-FFF2-40B4-BE49-F238E27FC236}">
-                  <a16:creationId xmlns:a16="http://schemas.microsoft.com/office/drawing/2014/main" id="{A155D873-4206-724D-971E-2ACF773A8221}"/>
-                </a:ext>
-              </a:extLst>
-            </p:cNvPr>
-            <p:cNvSpPr/>
-            <p:nvPr/>
-          </p:nvSpPr>
-          <p:spPr>
-            <a:xfrm>
-              <a:off x="4872251" y="2287009"/>
-              <a:ext cx="582304" cy="237827"/>
-            </a:xfrm>
-            <a:prstGeom prst="roundRect">
-              <a:avLst/>
-            </a:prstGeom>
-            <a:solidFill>
-              <a:srgbClr val="1C4357"/>
-            </a:solidFill>
-            <a:ln>
-              <a:noFill/>
-            </a:ln>
-          </p:spPr>
-          <p:style>
-            <a:lnRef idx="2">
-              <a:schemeClr val="accent1">
-                <a:shade val="50000"/>
-              </a:schemeClr>
-            </a:lnRef>
-            <a:fillRef idx="1">
-              <a:schemeClr val="accent1"/>
-            </a:fillRef>
-            <a:effectRef idx="0">
-              <a:schemeClr val="accent1"/>
-            </a:effectRef>
-            <a:fontRef idx="minor">
-              <a:schemeClr val="lt1"/>
-            </a:fontRef>
-          </p:style>
-          <p:txBody>
-            <a:bodyPr lIns="0" tIns="0" rIns="36000" bIns="0" rtlCol="0" anchor="ctr"/>
-            <a:lstStyle/>
-            <a:p>
-              <a:pPr algn="r"/>
-              <a:r>
-                <a:rPr lang="en-VN" sz="1000">
-                  <a:latin typeface="Open Sans" panose="020B0606030504020204" pitchFamily="34" charset="0"/>
-                  <a:ea typeface="Open Sans" panose="020B0606030504020204" pitchFamily="34" charset="0"/>
-                  <a:cs typeface="Open Sans" panose="020B0606030504020204" pitchFamily="34" charset="0"/>
-                </a:rPr>
-                <a:t>Data</a:t>
-              </a:r>
-            </a:p>
-          </p:txBody>
-        </p:sp>
-        <p:pic>
-          <p:nvPicPr>
-            <p:cNvPr id="7" name="Picture 6">
-              <a:extLst>
-                <a:ext uri="{FF2B5EF4-FFF2-40B4-BE49-F238E27FC236}">
-                  <a16:creationId xmlns:a16="http://schemas.microsoft.com/office/drawing/2014/main" id="{0965C2DD-8D6F-AC4C-A23C-CA80E51D75DC}"/>
-                </a:ext>
-              </a:extLst>
-            </p:cNvPr>
-            <p:cNvPicPr>
-              <a:picLocks noChangeAspect="1"/>
-            </p:cNvPicPr>
-            <p:nvPr/>
-          </p:nvPicPr>
-          <p:blipFill>
-            <a:blip r:embed="rId2">
-              <a:extLst>
-                <a:ext uri="{BEBA8EAE-BF5A-486C-A8C5-ECC9F3942E4B}">
-                  <a14:imgProps xmlns:a14="http://schemas.microsoft.com/office/drawing/2010/main">
-                    <a14:imgLayer r:embed="rId3">
-                      <a14:imgEffect>
-                        <a14:artisticPencilGrayscale/>
-                      </a14:imgEffect>
-                    </a14:imgLayer>
-                  </a14:imgProps>
-                </a:ext>
-              </a:extLst>
-            </a:blip>
-            <a:stretch>
-              <a:fillRect/>
-            </a:stretch>
-          </p:blipFill>
-          <p:spPr>
-            <a:xfrm>
-              <a:off x="4914225" y="2333485"/>
-              <a:ext cx="144873" cy="144873"/>
-            </a:xfrm>
-            <a:prstGeom prst="rect">
-              <a:avLst/>
-            </a:prstGeom>
-          </p:spPr>
-        </p:pic>
-      </p:grpSp>
-    </p:spTree>
-    <p:extLst>
-      <p:ext uri="{BB962C8B-B14F-4D97-AF65-F5344CB8AC3E}">
-        <p14:creationId xmlns:p14="http://schemas.microsoft.com/office/powerpoint/2010/main" val="2160324002"/>
       </p:ext>
     </p:extLst>
   </p:cSld>

--- a/image/0_raw_image.pptx
+++ b/image/0_raw_image.pptx
@@ -13,8 +13,11 @@
     <p:sldId id="256" r:id="rId7"/>
     <p:sldId id="257" r:id="rId8"/>
     <p:sldId id="258" r:id="rId9"/>
-    <p:sldId id="264" r:id="rId10"/>
-    <p:sldId id="265" r:id="rId11"/>
+    <p:sldId id="268" r:id="rId10"/>
+    <p:sldId id="269" r:id="rId11"/>
+    <p:sldId id="270" r:id="rId12"/>
+    <p:sldId id="264" r:id="rId13"/>
+    <p:sldId id="265" r:id="rId14"/>
   </p:sldIdLst>
   <p:sldSz cx="12192000" cy="6858000"/>
   <p:notesSz cx="6858000" cy="9144000"/>
@@ -144,6 +147,13 @@
             <p14:sldId id="258"/>
           </p14:sldIdLst>
         </p14:section>
+        <p14:section name="LOF" id="{2AEAD4EB-CD32-460A-B693-D557358F18F3}">
+          <p14:sldIdLst>
+            <p14:sldId id="268"/>
+            <p14:sldId id="269"/>
+            <p14:sldId id="270"/>
+          </p14:sldIdLst>
+        </p14:section>
         <p14:section name="matrix_factorization" id="{0DC92BB3-923E-A54B-87ED-BADEB6F45591}">
           <p14:sldIdLst>
             <p14:sldId id="264"/>
@@ -310,7 +320,7 @@
           <a:p>
             <a:fld id="{DC00918D-4361-4CFD-83C0-A19C315B9995}" type="datetimeFigureOut">
               <a:rPr lang="en-US" smtClean="0"/>
-              <a:t>5/15/22</a:t>
+              <a:t>11/3/2022</a:t>
             </a:fld>
             <a:endParaRPr lang="en-US"/>
           </a:p>
@@ -508,7 +518,7 @@
           <a:p>
             <a:fld id="{DC00918D-4361-4CFD-83C0-A19C315B9995}" type="datetimeFigureOut">
               <a:rPr lang="en-US" smtClean="0"/>
-              <a:t>5/15/22</a:t>
+              <a:t>11/3/2022</a:t>
             </a:fld>
             <a:endParaRPr lang="en-US"/>
           </a:p>
@@ -716,7 +726,7 @@
           <a:p>
             <a:fld id="{DC00918D-4361-4CFD-83C0-A19C315B9995}" type="datetimeFigureOut">
               <a:rPr lang="en-US" smtClean="0"/>
-              <a:t>5/15/22</a:t>
+              <a:t>11/3/2022</a:t>
             </a:fld>
             <a:endParaRPr lang="en-US"/>
           </a:p>
@@ -914,7 +924,7 @@
           <a:p>
             <a:fld id="{DC00918D-4361-4CFD-83C0-A19C315B9995}" type="datetimeFigureOut">
               <a:rPr lang="en-US" smtClean="0"/>
-              <a:t>5/15/22</a:t>
+              <a:t>11/3/2022</a:t>
             </a:fld>
             <a:endParaRPr lang="en-US"/>
           </a:p>
@@ -1189,7 +1199,7 @@
           <a:p>
             <a:fld id="{DC00918D-4361-4CFD-83C0-A19C315B9995}" type="datetimeFigureOut">
               <a:rPr lang="en-US" smtClean="0"/>
-              <a:t>5/15/22</a:t>
+              <a:t>11/3/2022</a:t>
             </a:fld>
             <a:endParaRPr lang="en-US"/>
           </a:p>
@@ -1454,7 +1464,7 @@
           <a:p>
             <a:fld id="{DC00918D-4361-4CFD-83C0-A19C315B9995}" type="datetimeFigureOut">
               <a:rPr lang="en-US" smtClean="0"/>
-              <a:t>5/15/22</a:t>
+              <a:t>11/3/2022</a:t>
             </a:fld>
             <a:endParaRPr lang="en-US"/>
           </a:p>
@@ -1866,7 +1876,7 @@
           <a:p>
             <a:fld id="{DC00918D-4361-4CFD-83C0-A19C315B9995}" type="datetimeFigureOut">
               <a:rPr lang="en-US" smtClean="0"/>
-              <a:t>5/15/22</a:t>
+              <a:t>11/3/2022</a:t>
             </a:fld>
             <a:endParaRPr lang="en-US"/>
           </a:p>
@@ -2007,7 +2017,7 @@
           <a:p>
             <a:fld id="{DC00918D-4361-4CFD-83C0-A19C315B9995}" type="datetimeFigureOut">
               <a:rPr lang="en-US" smtClean="0"/>
-              <a:t>5/15/22</a:t>
+              <a:t>11/3/2022</a:t>
             </a:fld>
             <a:endParaRPr lang="en-US"/>
           </a:p>
@@ -2120,7 +2130,7 @@
           <a:p>
             <a:fld id="{DC00918D-4361-4CFD-83C0-A19C315B9995}" type="datetimeFigureOut">
               <a:rPr lang="en-US" smtClean="0"/>
-              <a:t>5/15/22</a:t>
+              <a:t>11/3/2022</a:t>
             </a:fld>
             <a:endParaRPr lang="en-US"/>
           </a:p>
@@ -2431,7 +2441,7 @@
           <a:p>
             <a:fld id="{DC00918D-4361-4CFD-83C0-A19C315B9995}" type="datetimeFigureOut">
               <a:rPr lang="en-US" smtClean="0"/>
-              <a:t>5/15/22</a:t>
+              <a:t>11/3/2022</a:t>
             </a:fld>
             <a:endParaRPr lang="en-US"/>
           </a:p>
@@ -2719,7 +2729,7 @@
           <a:p>
             <a:fld id="{DC00918D-4361-4CFD-83C0-A19C315B9995}" type="datetimeFigureOut">
               <a:rPr lang="en-US" smtClean="0"/>
-              <a:t>5/15/22</a:t>
+              <a:t>11/3/2022</a:t>
             </a:fld>
             <a:endParaRPr lang="en-US"/>
           </a:p>
@@ -2960,7 +2970,7 @@
           <a:p>
             <a:fld id="{DC00918D-4361-4CFD-83C0-A19C315B9995}" type="datetimeFigureOut">
               <a:rPr lang="en-US" smtClean="0"/>
-              <a:t>5/15/22</a:t>
+              <a:t>11/3/2022</a:t>
             </a:fld>
             <a:endParaRPr lang="en-US"/>
           </a:p>
@@ -4586,6 +4596,3843 @@
 </file>
 
 <file path=ppt/slides/slide10.xml><?xml version="1.0" encoding="utf-8"?>
+<p:sld xmlns:a="http://schemas.openxmlformats.org/drawingml/2006/main" xmlns:r="http://schemas.openxmlformats.org/officeDocument/2006/relationships" xmlns:p="http://schemas.openxmlformats.org/presentationml/2006/main">
+  <p:cSld>
+    <p:spTree>
+      <p:nvGrpSpPr>
+        <p:cNvPr id="1" name=""/>
+        <p:cNvGrpSpPr/>
+        <p:nvPr/>
+      </p:nvGrpSpPr>
+      <p:grpSpPr>
+        <a:xfrm>
+          <a:off x="0" y="0"/>
+          <a:ext cx="0" cy="0"/>
+          <a:chOff x="0" y="0"/>
+          <a:chExt cx="0" cy="0"/>
+        </a:xfrm>
+      </p:grpSpPr>
+      <p:sp>
+        <p:nvSpPr>
+          <p:cNvPr id="2" name="Flowchart: Connector 1">
+            <a:extLst>
+              <a:ext uri="{FF2B5EF4-FFF2-40B4-BE49-F238E27FC236}">
+                <a16:creationId xmlns:a16="http://schemas.microsoft.com/office/drawing/2014/main" id="{C5BE3978-8C76-18A8-9536-0440D2FED837}"/>
+              </a:ext>
+            </a:extLst>
+          </p:cNvPr>
+          <p:cNvSpPr/>
+          <p:nvPr/>
+        </p:nvSpPr>
+        <p:spPr>
+          <a:xfrm>
+            <a:off x="5992678" y="938334"/>
+            <a:ext cx="206644" cy="206644"/>
+          </a:xfrm>
+          <a:prstGeom prst="flowChartConnector">
+            <a:avLst/>
+          </a:prstGeom>
+          <a:solidFill>
+            <a:schemeClr val="accent1">
+              <a:lumMod val="75000"/>
+            </a:schemeClr>
+          </a:solidFill>
+          <a:ln>
+            <a:noFill/>
+          </a:ln>
+        </p:spPr>
+        <p:style>
+          <a:lnRef idx="2">
+            <a:schemeClr val="accent1">
+              <a:shade val="50000"/>
+            </a:schemeClr>
+          </a:lnRef>
+          <a:fillRef idx="1">
+            <a:schemeClr val="accent1"/>
+          </a:fillRef>
+          <a:effectRef idx="0">
+            <a:schemeClr val="accent1"/>
+          </a:effectRef>
+          <a:fontRef idx="minor">
+            <a:schemeClr val="lt1"/>
+          </a:fontRef>
+        </p:style>
+        <p:txBody>
+          <a:bodyPr rtlCol="0" anchor="ctr"/>
+          <a:lstStyle/>
+          <a:p>
+            <a:pPr algn="ctr"/>
+            <a:endParaRPr lang="en-US"/>
+          </a:p>
+        </p:txBody>
+      </p:sp>
+      <p:sp>
+        <p:nvSpPr>
+          <p:cNvPr id="3" name="Flowchart: Connector 2">
+            <a:extLst>
+              <a:ext uri="{FF2B5EF4-FFF2-40B4-BE49-F238E27FC236}">
+                <a16:creationId xmlns:a16="http://schemas.microsoft.com/office/drawing/2014/main" id="{8C920299-3AB6-C83B-5484-22FD42F98776}"/>
+              </a:ext>
+            </a:extLst>
+          </p:cNvPr>
+          <p:cNvSpPr/>
+          <p:nvPr/>
+        </p:nvSpPr>
+        <p:spPr>
+          <a:xfrm>
+            <a:off x="4992553" y="1871784"/>
+            <a:ext cx="206644" cy="206644"/>
+          </a:xfrm>
+          <a:prstGeom prst="flowChartConnector">
+            <a:avLst/>
+          </a:prstGeom>
+          <a:solidFill>
+            <a:schemeClr val="accent1">
+              <a:lumMod val="75000"/>
+            </a:schemeClr>
+          </a:solidFill>
+          <a:ln>
+            <a:noFill/>
+          </a:ln>
+        </p:spPr>
+        <p:style>
+          <a:lnRef idx="2">
+            <a:schemeClr val="accent1">
+              <a:shade val="50000"/>
+            </a:schemeClr>
+          </a:lnRef>
+          <a:fillRef idx="1">
+            <a:schemeClr val="accent1"/>
+          </a:fillRef>
+          <a:effectRef idx="0">
+            <a:schemeClr val="accent1"/>
+          </a:effectRef>
+          <a:fontRef idx="minor">
+            <a:schemeClr val="lt1"/>
+          </a:fontRef>
+        </p:style>
+        <p:txBody>
+          <a:bodyPr rtlCol="0" anchor="ctr"/>
+          <a:lstStyle/>
+          <a:p>
+            <a:pPr algn="ctr"/>
+            <a:endParaRPr lang="en-US"/>
+          </a:p>
+        </p:txBody>
+      </p:sp>
+      <p:sp>
+        <p:nvSpPr>
+          <p:cNvPr id="4" name="Flowchart: Connector 3">
+            <a:extLst>
+              <a:ext uri="{FF2B5EF4-FFF2-40B4-BE49-F238E27FC236}">
+                <a16:creationId xmlns:a16="http://schemas.microsoft.com/office/drawing/2014/main" id="{5B71FA88-5E29-A5F6-778D-4B54BEB0EDCF}"/>
+              </a:ext>
+            </a:extLst>
+          </p:cNvPr>
+          <p:cNvSpPr/>
+          <p:nvPr/>
+        </p:nvSpPr>
+        <p:spPr>
+          <a:xfrm>
+            <a:off x="6992805" y="1871784"/>
+            <a:ext cx="206644" cy="206644"/>
+          </a:xfrm>
+          <a:prstGeom prst="flowChartConnector">
+            <a:avLst/>
+          </a:prstGeom>
+          <a:solidFill>
+            <a:srgbClr val="C00000"/>
+          </a:solidFill>
+          <a:ln>
+            <a:noFill/>
+          </a:ln>
+        </p:spPr>
+        <p:style>
+          <a:lnRef idx="2">
+            <a:schemeClr val="accent1">
+              <a:shade val="50000"/>
+            </a:schemeClr>
+          </a:lnRef>
+          <a:fillRef idx="1">
+            <a:schemeClr val="accent1"/>
+          </a:fillRef>
+          <a:effectRef idx="0">
+            <a:schemeClr val="accent1"/>
+          </a:effectRef>
+          <a:fontRef idx="minor">
+            <a:schemeClr val="lt1"/>
+          </a:fontRef>
+        </p:style>
+        <p:txBody>
+          <a:bodyPr rtlCol="0" anchor="ctr"/>
+          <a:lstStyle/>
+          <a:p>
+            <a:pPr algn="ctr"/>
+            <a:endParaRPr lang="en-US"/>
+          </a:p>
+        </p:txBody>
+      </p:sp>
+      <p:sp>
+        <p:nvSpPr>
+          <p:cNvPr id="5" name="Flowchart: Connector 4">
+            <a:extLst>
+              <a:ext uri="{FF2B5EF4-FFF2-40B4-BE49-F238E27FC236}">
+                <a16:creationId xmlns:a16="http://schemas.microsoft.com/office/drawing/2014/main" id="{6719CCAF-248F-011A-083E-167FE7CECEBF}"/>
+              </a:ext>
+            </a:extLst>
+          </p:cNvPr>
+          <p:cNvSpPr/>
+          <p:nvPr/>
+        </p:nvSpPr>
+        <p:spPr>
+          <a:xfrm>
+            <a:off x="4445035" y="2509959"/>
+            <a:ext cx="206644" cy="206644"/>
+          </a:xfrm>
+          <a:prstGeom prst="flowChartConnector">
+            <a:avLst/>
+          </a:prstGeom>
+          <a:solidFill>
+            <a:schemeClr val="accent1">
+              <a:lumMod val="75000"/>
+            </a:schemeClr>
+          </a:solidFill>
+          <a:ln>
+            <a:noFill/>
+          </a:ln>
+        </p:spPr>
+        <p:style>
+          <a:lnRef idx="2">
+            <a:schemeClr val="accent1">
+              <a:shade val="50000"/>
+            </a:schemeClr>
+          </a:lnRef>
+          <a:fillRef idx="1">
+            <a:schemeClr val="accent1"/>
+          </a:fillRef>
+          <a:effectRef idx="0">
+            <a:schemeClr val="accent1"/>
+          </a:effectRef>
+          <a:fontRef idx="minor">
+            <a:schemeClr val="lt1"/>
+          </a:fontRef>
+        </p:style>
+        <p:txBody>
+          <a:bodyPr rtlCol="0" anchor="ctr"/>
+          <a:lstStyle/>
+          <a:p>
+            <a:pPr algn="ctr"/>
+            <a:endParaRPr lang="en-US"/>
+          </a:p>
+        </p:txBody>
+      </p:sp>
+      <p:sp>
+        <p:nvSpPr>
+          <p:cNvPr id="6" name="Flowchart: Connector 5">
+            <a:extLst>
+              <a:ext uri="{FF2B5EF4-FFF2-40B4-BE49-F238E27FC236}">
+                <a16:creationId xmlns:a16="http://schemas.microsoft.com/office/drawing/2014/main" id="{316E624C-090D-CF37-DD80-30C96DE11D65}"/>
+              </a:ext>
+            </a:extLst>
+          </p:cNvPr>
+          <p:cNvSpPr/>
+          <p:nvPr/>
+        </p:nvSpPr>
+        <p:spPr>
+          <a:xfrm>
+            <a:off x="5496483" y="2511646"/>
+            <a:ext cx="206644" cy="206644"/>
+          </a:xfrm>
+          <a:prstGeom prst="flowChartConnector">
+            <a:avLst/>
+          </a:prstGeom>
+          <a:solidFill>
+            <a:srgbClr val="C00000"/>
+          </a:solidFill>
+          <a:ln>
+            <a:noFill/>
+          </a:ln>
+        </p:spPr>
+        <p:style>
+          <a:lnRef idx="2">
+            <a:schemeClr val="accent1">
+              <a:shade val="50000"/>
+            </a:schemeClr>
+          </a:lnRef>
+          <a:fillRef idx="1">
+            <a:schemeClr val="accent1"/>
+          </a:fillRef>
+          <a:effectRef idx="0">
+            <a:schemeClr val="accent1"/>
+          </a:effectRef>
+          <a:fontRef idx="minor">
+            <a:schemeClr val="lt1"/>
+          </a:fontRef>
+        </p:style>
+        <p:txBody>
+          <a:bodyPr rtlCol="0" anchor="ctr"/>
+          <a:lstStyle/>
+          <a:p>
+            <a:pPr algn="ctr"/>
+            <a:endParaRPr lang="en-US"/>
+          </a:p>
+        </p:txBody>
+      </p:sp>
+      <p:sp>
+        <p:nvSpPr>
+          <p:cNvPr id="7" name="Flowchart: Connector 6">
+            <a:extLst>
+              <a:ext uri="{FF2B5EF4-FFF2-40B4-BE49-F238E27FC236}">
+                <a16:creationId xmlns:a16="http://schemas.microsoft.com/office/drawing/2014/main" id="{1AF7857C-33FD-7462-9669-405959536EBF}"/>
+              </a:ext>
+            </a:extLst>
+          </p:cNvPr>
+          <p:cNvSpPr/>
+          <p:nvPr/>
+        </p:nvSpPr>
+        <p:spPr>
+          <a:xfrm>
+            <a:off x="4028841" y="3222356"/>
+            <a:ext cx="206644" cy="206644"/>
+          </a:xfrm>
+          <a:prstGeom prst="flowChartConnector">
+            <a:avLst/>
+          </a:prstGeom>
+          <a:solidFill>
+            <a:schemeClr val="accent1">
+              <a:lumMod val="75000"/>
+            </a:schemeClr>
+          </a:solidFill>
+          <a:ln>
+            <a:noFill/>
+          </a:ln>
+        </p:spPr>
+        <p:style>
+          <a:lnRef idx="2">
+            <a:schemeClr val="accent1">
+              <a:shade val="50000"/>
+            </a:schemeClr>
+          </a:lnRef>
+          <a:fillRef idx="1">
+            <a:schemeClr val="accent1"/>
+          </a:fillRef>
+          <a:effectRef idx="0">
+            <a:schemeClr val="accent1"/>
+          </a:effectRef>
+          <a:fontRef idx="minor">
+            <a:schemeClr val="lt1"/>
+          </a:fontRef>
+        </p:style>
+        <p:txBody>
+          <a:bodyPr rtlCol="0" anchor="ctr"/>
+          <a:lstStyle/>
+          <a:p>
+            <a:pPr algn="ctr"/>
+            <a:endParaRPr lang="en-US"/>
+          </a:p>
+        </p:txBody>
+      </p:sp>
+      <p:sp>
+        <p:nvSpPr>
+          <p:cNvPr id="8" name="Flowchart: Connector 7">
+            <a:extLst>
+              <a:ext uri="{FF2B5EF4-FFF2-40B4-BE49-F238E27FC236}">
+                <a16:creationId xmlns:a16="http://schemas.microsoft.com/office/drawing/2014/main" id="{704C0908-9096-E630-67C1-A61D0F4DF7C3}"/>
+              </a:ext>
+            </a:extLst>
+          </p:cNvPr>
+          <p:cNvSpPr/>
+          <p:nvPr/>
+        </p:nvSpPr>
+        <p:spPr>
+          <a:xfrm>
+            <a:off x="4889231" y="3222356"/>
+            <a:ext cx="206644" cy="206644"/>
+          </a:xfrm>
+          <a:prstGeom prst="flowChartConnector">
+            <a:avLst/>
+          </a:prstGeom>
+          <a:solidFill>
+            <a:schemeClr val="accent1">
+              <a:lumMod val="75000"/>
+            </a:schemeClr>
+          </a:solidFill>
+          <a:ln>
+            <a:noFill/>
+          </a:ln>
+        </p:spPr>
+        <p:style>
+          <a:lnRef idx="2">
+            <a:schemeClr val="accent1">
+              <a:shade val="50000"/>
+            </a:schemeClr>
+          </a:lnRef>
+          <a:fillRef idx="1">
+            <a:schemeClr val="accent1"/>
+          </a:fillRef>
+          <a:effectRef idx="0">
+            <a:schemeClr val="accent1"/>
+          </a:effectRef>
+          <a:fontRef idx="minor">
+            <a:schemeClr val="lt1"/>
+          </a:fontRef>
+        </p:style>
+        <p:txBody>
+          <a:bodyPr rtlCol="0" anchor="ctr"/>
+          <a:lstStyle/>
+          <a:p>
+            <a:pPr algn="ctr"/>
+            <a:endParaRPr lang="en-US"/>
+          </a:p>
+        </p:txBody>
+      </p:sp>
+      <p:cxnSp>
+        <p:nvCxnSpPr>
+          <p:cNvPr id="10" name="Straight Arrow Connector 9">
+            <a:extLst>
+              <a:ext uri="{FF2B5EF4-FFF2-40B4-BE49-F238E27FC236}">
+                <a16:creationId xmlns:a16="http://schemas.microsoft.com/office/drawing/2014/main" id="{0FD6D683-EE57-9D4C-EA42-CD62A933B35B}"/>
+              </a:ext>
+            </a:extLst>
+          </p:cNvPr>
+          <p:cNvCxnSpPr>
+            <a:cxnSpLocks/>
+            <a:stCxn id="2" idx="4"/>
+            <a:endCxn id="3" idx="7"/>
+          </p:cNvCxnSpPr>
+          <p:nvPr/>
+        </p:nvCxnSpPr>
+        <p:spPr>
+          <a:xfrm flipH="1">
+            <a:off x="5168935" y="1144978"/>
+            <a:ext cx="927065" cy="757068"/>
+          </a:xfrm>
+          <a:prstGeom prst="straightConnector1">
+            <a:avLst/>
+          </a:prstGeom>
+          <a:ln w="12700">
+            <a:solidFill>
+              <a:schemeClr val="accent1">
+                <a:lumMod val="50000"/>
+              </a:schemeClr>
+            </a:solidFill>
+            <a:tailEnd type="triangle"/>
+          </a:ln>
+        </p:spPr>
+        <p:style>
+          <a:lnRef idx="1">
+            <a:schemeClr val="accent1"/>
+          </a:lnRef>
+          <a:fillRef idx="0">
+            <a:schemeClr val="accent1"/>
+          </a:fillRef>
+          <a:effectRef idx="0">
+            <a:schemeClr val="accent1"/>
+          </a:effectRef>
+          <a:fontRef idx="minor">
+            <a:schemeClr val="tx1"/>
+          </a:fontRef>
+        </p:style>
+      </p:cxnSp>
+      <p:cxnSp>
+        <p:nvCxnSpPr>
+          <p:cNvPr id="13" name="Straight Arrow Connector 12">
+            <a:extLst>
+              <a:ext uri="{FF2B5EF4-FFF2-40B4-BE49-F238E27FC236}">
+                <a16:creationId xmlns:a16="http://schemas.microsoft.com/office/drawing/2014/main" id="{2E35B61F-8841-AFCA-CF7D-969F0DF26F4E}"/>
+              </a:ext>
+            </a:extLst>
+          </p:cNvPr>
+          <p:cNvCxnSpPr>
+            <a:cxnSpLocks/>
+            <a:stCxn id="2" idx="4"/>
+            <a:endCxn id="4" idx="1"/>
+          </p:cNvCxnSpPr>
+          <p:nvPr/>
+        </p:nvCxnSpPr>
+        <p:spPr>
+          <a:xfrm>
+            <a:off x="6096000" y="1144978"/>
+            <a:ext cx="927067" cy="757068"/>
+          </a:xfrm>
+          <a:prstGeom prst="straightConnector1">
+            <a:avLst/>
+          </a:prstGeom>
+          <a:ln w="12700">
+            <a:solidFill>
+              <a:schemeClr val="accent1">
+                <a:lumMod val="50000"/>
+              </a:schemeClr>
+            </a:solidFill>
+            <a:tailEnd type="triangle"/>
+          </a:ln>
+        </p:spPr>
+        <p:style>
+          <a:lnRef idx="1">
+            <a:schemeClr val="accent1"/>
+          </a:lnRef>
+          <a:fillRef idx="0">
+            <a:schemeClr val="accent1"/>
+          </a:fillRef>
+          <a:effectRef idx="0">
+            <a:schemeClr val="accent1"/>
+          </a:effectRef>
+          <a:fontRef idx="minor">
+            <a:schemeClr val="tx1"/>
+          </a:fontRef>
+        </p:style>
+      </p:cxnSp>
+      <p:cxnSp>
+        <p:nvCxnSpPr>
+          <p:cNvPr id="17" name="Straight Arrow Connector 16">
+            <a:extLst>
+              <a:ext uri="{FF2B5EF4-FFF2-40B4-BE49-F238E27FC236}">
+                <a16:creationId xmlns:a16="http://schemas.microsoft.com/office/drawing/2014/main" id="{8737816E-4E71-F64E-891B-A4A5781E88E2}"/>
+              </a:ext>
+            </a:extLst>
+          </p:cNvPr>
+          <p:cNvCxnSpPr>
+            <a:cxnSpLocks/>
+            <a:stCxn id="3" idx="4"/>
+            <a:endCxn id="5" idx="7"/>
+          </p:cNvCxnSpPr>
+          <p:nvPr/>
+        </p:nvCxnSpPr>
+        <p:spPr>
+          <a:xfrm flipH="1">
+            <a:off x="4621417" y="2078428"/>
+            <a:ext cx="474458" cy="461793"/>
+          </a:xfrm>
+          <a:prstGeom prst="straightConnector1">
+            <a:avLst/>
+          </a:prstGeom>
+          <a:ln w="12700">
+            <a:solidFill>
+              <a:schemeClr val="accent1">
+                <a:lumMod val="50000"/>
+              </a:schemeClr>
+            </a:solidFill>
+            <a:tailEnd type="triangle"/>
+          </a:ln>
+        </p:spPr>
+        <p:style>
+          <a:lnRef idx="1">
+            <a:schemeClr val="accent1"/>
+          </a:lnRef>
+          <a:fillRef idx="0">
+            <a:schemeClr val="accent1"/>
+          </a:fillRef>
+          <a:effectRef idx="0">
+            <a:schemeClr val="accent1"/>
+          </a:effectRef>
+          <a:fontRef idx="minor">
+            <a:schemeClr val="tx1"/>
+          </a:fontRef>
+        </p:style>
+      </p:cxnSp>
+      <p:cxnSp>
+        <p:nvCxnSpPr>
+          <p:cNvPr id="20" name="Straight Arrow Connector 19">
+            <a:extLst>
+              <a:ext uri="{FF2B5EF4-FFF2-40B4-BE49-F238E27FC236}">
+                <a16:creationId xmlns:a16="http://schemas.microsoft.com/office/drawing/2014/main" id="{29C16551-68D3-CF76-2A1B-1EB72FAEF743}"/>
+              </a:ext>
+            </a:extLst>
+          </p:cNvPr>
+          <p:cNvCxnSpPr>
+            <a:cxnSpLocks/>
+            <a:stCxn id="3" idx="4"/>
+            <a:endCxn id="6" idx="1"/>
+          </p:cNvCxnSpPr>
+          <p:nvPr/>
+        </p:nvCxnSpPr>
+        <p:spPr>
+          <a:xfrm>
+            <a:off x="5095875" y="2078428"/>
+            <a:ext cx="430870" cy="463480"/>
+          </a:xfrm>
+          <a:prstGeom prst="straightConnector1">
+            <a:avLst/>
+          </a:prstGeom>
+          <a:ln w="12700">
+            <a:solidFill>
+              <a:schemeClr val="accent1">
+                <a:lumMod val="50000"/>
+              </a:schemeClr>
+            </a:solidFill>
+            <a:tailEnd type="triangle"/>
+          </a:ln>
+        </p:spPr>
+        <p:style>
+          <a:lnRef idx="1">
+            <a:schemeClr val="accent1"/>
+          </a:lnRef>
+          <a:fillRef idx="0">
+            <a:schemeClr val="accent1"/>
+          </a:fillRef>
+          <a:effectRef idx="0">
+            <a:schemeClr val="accent1"/>
+          </a:effectRef>
+          <a:fontRef idx="minor">
+            <a:schemeClr val="tx1"/>
+          </a:fontRef>
+        </p:style>
+      </p:cxnSp>
+      <p:cxnSp>
+        <p:nvCxnSpPr>
+          <p:cNvPr id="24" name="Straight Arrow Connector 23">
+            <a:extLst>
+              <a:ext uri="{FF2B5EF4-FFF2-40B4-BE49-F238E27FC236}">
+                <a16:creationId xmlns:a16="http://schemas.microsoft.com/office/drawing/2014/main" id="{9BED8791-42D2-8CDB-18AA-D4B44FE8A84D}"/>
+              </a:ext>
+            </a:extLst>
+          </p:cNvPr>
+          <p:cNvCxnSpPr>
+            <a:cxnSpLocks/>
+            <a:stCxn id="5" idx="4"/>
+            <a:endCxn id="7" idx="7"/>
+          </p:cNvCxnSpPr>
+          <p:nvPr/>
+        </p:nvCxnSpPr>
+        <p:spPr>
+          <a:xfrm flipH="1">
+            <a:off x="4205223" y="2716603"/>
+            <a:ext cx="343134" cy="536015"/>
+          </a:xfrm>
+          <a:prstGeom prst="straightConnector1">
+            <a:avLst/>
+          </a:prstGeom>
+          <a:ln w="12700">
+            <a:solidFill>
+              <a:schemeClr val="accent1">
+                <a:lumMod val="50000"/>
+              </a:schemeClr>
+            </a:solidFill>
+            <a:tailEnd type="triangle"/>
+          </a:ln>
+        </p:spPr>
+        <p:style>
+          <a:lnRef idx="1">
+            <a:schemeClr val="accent1"/>
+          </a:lnRef>
+          <a:fillRef idx="0">
+            <a:schemeClr val="accent1"/>
+          </a:fillRef>
+          <a:effectRef idx="0">
+            <a:schemeClr val="accent1"/>
+          </a:effectRef>
+          <a:fontRef idx="minor">
+            <a:schemeClr val="tx1"/>
+          </a:fontRef>
+        </p:style>
+      </p:cxnSp>
+      <p:cxnSp>
+        <p:nvCxnSpPr>
+          <p:cNvPr id="28" name="Straight Arrow Connector 27">
+            <a:extLst>
+              <a:ext uri="{FF2B5EF4-FFF2-40B4-BE49-F238E27FC236}">
+                <a16:creationId xmlns:a16="http://schemas.microsoft.com/office/drawing/2014/main" id="{2B32BF11-2FFE-15C2-570A-BBC555258B80}"/>
+              </a:ext>
+            </a:extLst>
+          </p:cNvPr>
+          <p:cNvCxnSpPr>
+            <a:cxnSpLocks/>
+            <a:stCxn id="5" idx="4"/>
+            <a:endCxn id="8" idx="1"/>
+          </p:cNvCxnSpPr>
+          <p:nvPr/>
+        </p:nvCxnSpPr>
+        <p:spPr>
+          <a:xfrm>
+            <a:off x="4548357" y="2716603"/>
+            <a:ext cx="371136" cy="536015"/>
+          </a:xfrm>
+          <a:prstGeom prst="straightConnector1">
+            <a:avLst/>
+          </a:prstGeom>
+          <a:ln w="12700">
+            <a:solidFill>
+              <a:schemeClr val="accent1">
+                <a:lumMod val="50000"/>
+              </a:schemeClr>
+            </a:solidFill>
+            <a:tailEnd type="triangle"/>
+          </a:ln>
+        </p:spPr>
+        <p:style>
+          <a:lnRef idx="1">
+            <a:schemeClr val="accent1"/>
+          </a:lnRef>
+          <a:fillRef idx="0">
+            <a:schemeClr val="accent1"/>
+          </a:fillRef>
+          <a:effectRef idx="0">
+            <a:schemeClr val="accent1"/>
+          </a:effectRef>
+          <a:fontRef idx="minor">
+            <a:schemeClr val="tx1"/>
+          </a:fontRef>
+        </p:style>
+      </p:cxnSp>
+      <p:sp>
+        <p:nvSpPr>
+          <p:cNvPr id="38" name="TextBox 37">
+            <a:extLst>
+              <a:ext uri="{FF2B5EF4-FFF2-40B4-BE49-F238E27FC236}">
+                <a16:creationId xmlns:a16="http://schemas.microsoft.com/office/drawing/2014/main" id="{BE86B9C7-838F-5456-1CB6-9CDD9A17D763}"/>
+              </a:ext>
+            </a:extLst>
+          </p:cNvPr>
+          <p:cNvSpPr txBox="1"/>
+          <p:nvPr/>
+        </p:nvSpPr>
+        <p:spPr>
+          <a:xfrm>
+            <a:off x="6549957" y="2108690"/>
+            <a:ext cx="1104898" cy="276999"/>
+          </a:xfrm>
+          <a:prstGeom prst="rect">
+            <a:avLst/>
+          </a:prstGeom>
+          <a:noFill/>
+        </p:spPr>
+        <p:txBody>
+          <a:bodyPr wrap="square" rtlCol="0">
+            <a:spAutoFit/>
+          </a:bodyPr>
+          <a:lstStyle/>
+          <a:p>
+            <a:r>
+              <a:rPr lang="en-US" sz="1200" dirty="0"/>
+              <a:t>External-node</a:t>
+            </a:r>
+          </a:p>
+        </p:txBody>
+      </p:sp>
+      <p:sp>
+        <p:nvSpPr>
+          <p:cNvPr id="39" name="TextBox 38">
+            <a:extLst>
+              <a:ext uri="{FF2B5EF4-FFF2-40B4-BE49-F238E27FC236}">
+                <a16:creationId xmlns:a16="http://schemas.microsoft.com/office/drawing/2014/main" id="{A8E07F77-A645-62A8-1F41-0627F0D403DB}"/>
+              </a:ext>
+            </a:extLst>
+          </p:cNvPr>
+          <p:cNvSpPr txBox="1"/>
+          <p:nvPr/>
+        </p:nvSpPr>
+        <p:spPr>
+          <a:xfrm>
+            <a:off x="3917917" y="1763546"/>
+            <a:ext cx="1104898" cy="276999"/>
+          </a:xfrm>
+          <a:prstGeom prst="rect">
+            <a:avLst/>
+          </a:prstGeom>
+          <a:noFill/>
+        </p:spPr>
+        <p:txBody>
+          <a:bodyPr wrap="square" rtlCol="0">
+            <a:spAutoFit/>
+          </a:bodyPr>
+          <a:lstStyle/>
+          <a:p>
+            <a:r>
+              <a:rPr lang="en-US" sz="1200" dirty="0"/>
+              <a:t>Internal-node</a:t>
+            </a:r>
+          </a:p>
+        </p:txBody>
+      </p:sp>
+    </p:spTree>
+    <p:extLst>
+      <p:ext uri="{BB962C8B-B14F-4D97-AF65-F5344CB8AC3E}">
+        <p14:creationId xmlns:p14="http://schemas.microsoft.com/office/powerpoint/2010/main" val="4190431706"/>
+      </p:ext>
+    </p:extLst>
+  </p:cSld>
+  <p:clrMapOvr>
+    <a:masterClrMapping/>
+  </p:clrMapOvr>
+</p:sld>
+</file>
+
+<file path=ppt/slides/slide11.xml><?xml version="1.0" encoding="utf-8"?>
+<p:sld xmlns:a="http://schemas.openxmlformats.org/drawingml/2006/main" xmlns:r="http://schemas.openxmlformats.org/officeDocument/2006/relationships" xmlns:p="http://schemas.openxmlformats.org/presentationml/2006/main">
+  <p:cSld>
+    <p:spTree>
+      <p:nvGrpSpPr>
+        <p:cNvPr id="1" name=""/>
+        <p:cNvGrpSpPr/>
+        <p:nvPr/>
+      </p:nvGrpSpPr>
+      <p:grpSpPr>
+        <a:xfrm>
+          <a:off x="0" y="0"/>
+          <a:ext cx="0" cy="0"/>
+          <a:chOff x="0" y="0"/>
+          <a:chExt cx="0" cy="0"/>
+        </a:xfrm>
+      </p:grpSpPr>
+      <p:sp>
+        <p:nvSpPr>
+          <p:cNvPr id="2" name="Flowchart: Connector 1">
+            <a:extLst>
+              <a:ext uri="{FF2B5EF4-FFF2-40B4-BE49-F238E27FC236}">
+                <a16:creationId xmlns:a16="http://schemas.microsoft.com/office/drawing/2014/main" id="{BA90CBCD-79B7-AD19-F139-00463A3FD542}"/>
+              </a:ext>
+            </a:extLst>
+          </p:cNvPr>
+          <p:cNvSpPr/>
+          <p:nvPr/>
+        </p:nvSpPr>
+        <p:spPr>
+          <a:xfrm>
+            <a:off x="4771218" y="1831706"/>
+            <a:ext cx="206644" cy="206644"/>
+          </a:xfrm>
+          <a:prstGeom prst="flowChartConnector">
+            <a:avLst/>
+          </a:prstGeom>
+          <a:solidFill>
+            <a:schemeClr val="accent1">
+              <a:lumMod val="75000"/>
+            </a:schemeClr>
+          </a:solidFill>
+          <a:ln>
+            <a:noFill/>
+          </a:ln>
+        </p:spPr>
+        <p:style>
+          <a:lnRef idx="2">
+            <a:schemeClr val="accent1">
+              <a:shade val="50000"/>
+            </a:schemeClr>
+          </a:lnRef>
+          <a:fillRef idx="1">
+            <a:schemeClr val="accent1"/>
+          </a:fillRef>
+          <a:effectRef idx="0">
+            <a:schemeClr val="accent1"/>
+          </a:effectRef>
+          <a:fontRef idx="minor">
+            <a:schemeClr val="lt1"/>
+          </a:fontRef>
+        </p:style>
+        <p:txBody>
+          <a:bodyPr rtlCol="0" anchor="ctr"/>
+          <a:lstStyle/>
+          <a:p>
+            <a:pPr algn="ctr"/>
+            <a:endParaRPr lang="en-US"/>
+          </a:p>
+        </p:txBody>
+      </p:sp>
+      <p:sp>
+        <p:nvSpPr>
+          <p:cNvPr id="3" name="Flowchart: Connector 2">
+            <a:extLst>
+              <a:ext uri="{FF2B5EF4-FFF2-40B4-BE49-F238E27FC236}">
+                <a16:creationId xmlns:a16="http://schemas.microsoft.com/office/drawing/2014/main" id="{C9437FFD-FC9F-5375-39E6-D88AD2BE2F3D}"/>
+              </a:ext>
+            </a:extLst>
+          </p:cNvPr>
+          <p:cNvSpPr/>
+          <p:nvPr/>
+        </p:nvSpPr>
+        <p:spPr>
+          <a:xfrm>
+            <a:off x="5900980" y="1831706"/>
+            <a:ext cx="206644" cy="206644"/>
+          </a:xfrm>
+          <a:prstGeom prst="flowChartConnector">
+            <a:avLst/>
+          </a:prstGeom>
+          <a:solidFill>
+            <a:schemeClr val="accent1">
+              <a:lumMod val="75000"/>
+            </a:schemeClr>
+          </a:solidFill>
+          <a:ln>
+            <a:noFill/>
+          </a:ln>
+        </p:spPr>
+        <p:style>
+          <a:lnRef idx="2">
+            <a:schemeClr val="accent1">
+              <a:shade val="50000"/>
+            </a:schemeClr>
+          </a:lnRef>
+          <a:fillRef idx="1">
+            <a:schemeClr val="accent1"/>
+          </a:fillRef>
+          <a:effectRef idx="0">
+            <a:schemeClr val="accent1"/>
+          </a:effectRef>
+          <a:fontRef idx="minor">
+            <a:schemeClr val="lt1"/>
+          </a:fontRef>
+        </p:style>
+        <p:txBody>
+          <a:bodyPr rtlCol="0" anchor="ctr"/>
+          <a:lstStyle/>
+          <a:p>
+            <a:pPr algn="ctr"/>
+            <a:endParaRPr lang="en-US"/>
+          </a:p>
+        </p:txBody>
+      </p:sp>
+      <p:sp>
+        <p:nvSpPr>
+          <p:cNvPr id="4" name="Flowchart: Connector 3">
+            <a:extLst>
+              <a:ext uri="{FF2B5EF4-FFF2-40B4-BE49-F238E27FC236}">
+                <a16:creationId xmlns:a16="http://schemas.microsoft.com/office/drawing/2014/main" id="{A22D562B-062A-CD5F-B8DA-5903E56D36C1}"/>
+              </a:ext>
+            </a:extLst>
+          </p:cNvPr>
+          <p:cNvSpPr/>
+          <p:nvPr/>
+        </p:nvSpPr>
+        <p:spPr>
+          <a:xfrm>
+            <a:off x="7000877" y="1831706"/>
+            <a:ext cx="206644" cy="206644"/>
+          </a:xfrm>
+          <a:prstGeom prst="flowChartConnector">
+            <a:avLst/>
+          </a:prstGeom>
+          <a:solidFill>
+            <a:schemeClr val="accent1">
+              <a:lumMod val="75000"/>
+            </a:schemeClr>
+          </a:solidFill>
+          <a:ln>
+            <a:noFill/>
+          </a:ln>
+        </p:spPr>
+        <p:style>
+          <a:lnRef idx="2">
+            <a:schemeClr val="accent1">
+              <a:shade val="50000"/>
+            </a:schemeClr>
+          </a:lnRef>
+          <a:fillRef idx="1">
+            <a:schemeClr val="accent1"/>
+          </a:fillRef>
+          <a:effectRef idx="0">
+            <a:schemeClr val="accent1"/>
+          </a:effectRef>
+          <a:fontRef idx="minor">
+            <a:schemeClr val="lt1"/>
+          </a:fontRef>
+        </p:style>
+        <p:txBody>
+          <a:bodyPr rtlCol="0" anchor="ctr"/>
+          <a:lstStyle/>
+          <a:p>
+            <a:pPr algn="ctr"/>
+            <a:endParaRPr lang="en-US"/>
+          </a:p>
+        </p:txBody>
+      </p:sp>
+      <p:sp>
+        <p:nvSpPr>
+          <p:cNvPr id="5" name="Flowchart: Connector 4">
+            <a:extLst>
+              <a:ext uri="{FF2B5EF4-FFF2-40B4-BE49-F238E27FC236}">
+                <a16:creationId xmlns:a16="http://schemas.microsoft.com/office/drawing/2014/main" id="{74D39E05-C8C1-E68A-B29C-0CD8C1233958}"/>
+              </a:ext>
+            </a:extLst>
+          </p:cNvPr>
+          <p:cNvSpPr/>
+          <p:nvPr/>
+        </p:nvSpPr>
+        <p:spPr>
+          <a:xfrm>
+            <a:off x="5422631" y="2765156"/>
+            <a:ext cx="206644" cy="206644"/>
+          </a:xfrm>
+          <a:prstGeom prst="flowChartConnector">
+            <a:avLst/>
+          </a:prstGeom>
+          <a:solidFill>
+            <a:schemeClr val="accent1">
+              <a:lumMod val="75000"/>
+            </a:schemeClr>
+          </a:solidFill>
+          <a:ln>
+            <a:noFill/>
+          </a:ln>
+        </p:spPr>
+        <p:style>
+          <a:lnRef idx="2">
+            <a:schemeClr val="accent1">
+              <a:shade val="50000"/>
+            </a:schemeClr>
+          </a:lnRef>
+          <a:fillRef idx="1">
+            <a:schemeClr val="accent1"/>
+          </a:fillRef>
+          <a:effectRef idx="0">
+            <a:schemeClr val="accent1"/>
+          </a:effectRef>
+          <a:fontRef idx="minor">
+            <a:schemeClr val="lt1"/>
+          </a:fontRef>
+        </p:style>
+        <p:txBody>
+          <a:bodyPr rtlCol="0" anchor="ctr"/>
+          <a:lstStyle/>
+          <a:p>
+            <a:pPr algn="ctr"/>
+            <a:endParaRPr lang="en-US"/>
+          </a:p>
+        </p:txBody>
+      </p:sp>
+      <p:sp>
+        <p:nvSpPr>
+          <p:cNvPr id="6" name="Flowchart: Connector 5">
+            <a:extLst>
+              <a:ext uri="{FF2B5EF4-FFF2-40B4-BE49-F238E27FC236}">
+                <a16:creationId xmlns:a16="http://schemas.microsoft.com/office/drawing/2014/main" id="{29BA1CCF-8568-637A-5608-D084A6B8AF2B}"/>
+              </a:ext>
+            </a:extLst>
+          </p:cNvPr>
+          <p:cNvSpPr/>
+          <p:nvPr/>
+        </p:nvSpPr>
+        <p:spPr>
+          <a:xfrm>
+            <a:off x="3641456" y="1831706"/>
+            <a:ext cx="206644" cy="206644"/>
+          </a:xfrm>
+          <a:prstGeom prst="flowChartConnector">
+            <a:avLst/>
+          </a:prstGeom>
+          <a:solidFill>
+            <a:schemeClr val="accent1">
+              <a:lumMod val="75000"/>
+            </a:schemeClr>
+          </a:solidFill>
+          <a:ln>
+            <a:noFill/>
+          </a:ln>
+        </p:spPr>
+        <p:style>
+          <a:lnRef idx="2">
+            <a:schemeClr val="accent1">
+              <a:shade val="50000"/>
+            </a:schemeClr>
+          </a:lnRef>
+          <a:fillRef idx="1">
+            <a:schemeClr val="accent1"/>
+          </a:fillRef>
+          <a:effectRef idx="0">
+            <a:schemeClr val="accent1"/>
+          </a:effectRef>
+          <a:fontRef idx="minor">
+            <a:schemeClr val="lt1"/>
+          </a:fontRef>
+        </p:style>
+        <p:txBody>
+          <a:bodyPr rtlCol="0" anchor="ctr"/>
+          <a:lstStyle/>
+          <a:p>
+            <a:pPr algn="ctr"/>
+            <a:endParaRPr lang="en-US"/>
+          </a:p>
+        </p:txBody>
+      </p:sp>
+      <p:sp>
+        <p:nvSpPr>
+          <p:cNvPr id="7" name="Flowchart: Connector 6">
+            <a:extLst>
+              <a:ext uri="{FF2B5EF4-FFF2-40B4-BE49-F238E27FC236}">
+                <a16:creationId xmlns:a16="http://schemas.microsoft.com/office/drawing/2014/main" id="{BA7C2E02-1483-B689-5588-2276A5BD9BAB}"/>
+              </a:ext>
+            </a:extLst>
+          </p:cNvPr>
+          <p:cNvSpPr/>
+          <p:nvPr/>
+        </p:nvSpPr>
+        <p:spPr>
+          <a:xfrm>
+            <a:off x="6594206" y="4031981"/>
+            <a:ext cx="206644" cy="206644"/>
+          </a:xfrm>
+          <a:prstGeom prst="flowChartConnector">
+            <a:avLst/>
+          </a:prstGeom>
+          <a:solidFill>
+            <a:srgbClr val="C00000"/>
+          </a:solidFill>
+          <a:ln>
+            <a:noFill/>
+          </a:ln>
+        </p:spPr>
+        <p:style>
+          <a:lnRef idx="2">
+            <a:schemeClr val="accent1">
+              <a:shade val="50000"/>
+            </a:schemeClr>
+          </a:lnRef>
+          <a:fillRef idx="1">
+            <a:schemeClr val="accent1"/>
+          </a:fillRef>
+          <a:effectRef idx="0">
+            <a:schemeClr val="accent1"/>
+          </a:effectRef>
+          <a:fontRef idx="minor">
+            <a:schemeClr val="lt1"/>
+          </a:fontRef>
+        </p:style>
+        <p:txBody>
+          <a:bodyPr rtlCol="0" anchor="ctr"/>
+          <a:lstStyle/>
+          <a:p>
+            <a:pPr algn="ctr"/>
+            <a:endParaRPr lang="en-US"/>
+          </a:p>
+        </p:txBody>
+      </p:sp>
+      <p:sp>
+        <p:nvSpPr>
+          <p:cNvPr id="8" name="Flowchart: Connector 7">
+            <a:extLst>
+              <a:ext uri="{FF2B5EF4-FFF2-40B4-BE49-F238E27FC236}">
+                <a16:creationId xmlns:a16="http://schemas.microsoft.com/office/drawing/2014/main" id="{41A193A3-828A-F242-D1C6-601A09AD4064}"/>
+              </a:ext>
+            </a:extLst>
+          </p:cNvPr>
+          <p:cNvSpPr/>
+          <p:nvPr/>
+        </p:nvSpPr>
+        <p:spPr>
+          <a:xfrm>
+            <a:off x="8210549" y="1831706"/>
+            <a:ext cx="206644" cy="206644"/>
+          </a:xfrm>
+          <a:prstGeom prst="flowChartConnector">
+            <a:avLst/>
+          </a:prstGeom>
+          <a:solidFill>
+            <a:schemeClr val="accent1">
+              <a:lumMod val="75000"/>
+            </a:schemeClr>
+          </a:solidFill>
+          <a:ln>
+            <a:noFill/>
+          </a:ln>
+        </p:spPr>
+        <p:style>
+          <a:lnRef idx="2">
+            <a:schemeClr val="accent1">
+              <a:shade val="50000"/>
+            </a:schemeClr>
+          </a:lnRef>
+          <a:fillRef idx="1">
+            <a:schemeClr val="accent1"/>
+          </a:fillRef>
+          <a:effectRef idx="0">
+            <a:schemeClr val="accent1"/>
+          </a:effectRef>
+          <a:fontRef idx="minor">
+            <a:schemeClr val="lt1"/>
+          </a:fontRef>
+        </p:style>
+        <p:txBody>
+          <a:bodyPr rtlCol="0" anchor="ctr"/>
+          <a:lstStyle/>
+          <a:p>
+            <a:pPr algn="ctr"/>
+            <a:endParaRPr lang="en-US"/>
+          </a:p>
+        </p:txBody>
+      </p:sp>
+      <p:cxnSp>
+        <p:nvCxnSpPr>
+          <p:cNvPr id="10" name="Straight Connector 9">
+            <a:extLst>
+              <a:ext uri="{FF2B5EF4-FFF2-40B4-BE49-F238E27FC236}">
+                <a16:creationId xmlns:a16="http://schemas.microsoft.com/office/drawing/2014/main" id="{63F1FB18-1915-4868-7EEF-A1AC532CD59E}"/>
+              </a:ext>
+            </a:extLst>
+          </p:cNvPr>
+          <p:cNvCxnSpPr>
+            <a:cxnSpLocks/>
+            <a:stCxn id="7" idx="1"/>
+            <a:endCxn id="5" idx="5"/>
+          </p:cNvCxnSpPr>
+          <p:nvPr/>
+        </p:nvCxnSpPr>
+        <p:spPr>
+          <a:xfrm flipH="1" flipV="1">
+            <a:off x="5599013" y="2941538"/>
+            <a:ext cx="1025455" cy="1120705"/>
+          </a:xfrm>
+          <a:prstGeom prst="line">
+            <a:avLst/>
+          </a:prstGeom>
+          <a:ln w="19050"/>
+        </p:spPr>
+        <p:style>
+          <a:lnRef idx="1">
+            <a:schemeClr val="accent1"/>
+          </a:lnRef>
+          <a:fillRef idx="0">
+            <a:schemeClr val="accent1"/>
+          </a:fillRef>
+          <a:effectRef idx="0">
+            <a:schemeClr val="accent1"/>
+          </a:effectRef>
+          <a:fontRef idx="minor">
+            <a:schemeClr val="tx1"/>
+          </a:fontRef>
+        </p:style>
+      </p:cxnSp>
+      <p:cxnSp>
+        <p:nvCxnSpPr>
+          <p:cNvPr id="11" name="Straight Connector 10">
+            <a:extLst>
+              <a:ext uri="{FF2B5EF4-FFF2-40B4-BE49-F238E27FC236}">
+                <a16:creationId xmlns:a16="http://schemas.microsoft.com/office/drawing/2014/main" id="{63359752-9C8F-AFFC-B505-F46B4FC3E8E5}"/>
+              </a:ext>
+            </a:extLst>
+          </p:cNvPr>
+          <p:cNvCxnSpPr>
+            <a:cxnSpLocks/>
+            <a:stCxn id="3" idx="3"/>
+            <a:endCxn id="5" idx="0"/>
+          </p:cNvCxnSpPr>
+          <p:nvPr/>
+        </p:nvCxnSpPr>
+        <p:spPr>
+          <a:xfrm flipH="1">
+            <a:off x="5525953" y="2008088"/>
+            <a:ext cx="405289" cy="757068"/>
+          </a:xfrm>
+          <a:prstGeom prst="line">
+            <a:avLst/>
+          </a:prstGeom>
+          <a:ln w="19050"/>
+        </p:spPr>
+        <p:style>
+          <a:lnRef idx="1">
+            <a:schemeClr val="accent1"/>
+          </a:lnRef>
+          <a:fillRef idx="0">
+            <a:schemeClr val="accent1"/>
+          </a:fillRef>
+          <a:effectRef idx="0">
+            <a:schemeClr val="accent1"/>
+          </a:effectRef>
+          <a:fontRef idx="minor">
+            <a:schemeClr val="tx1"/>
+          </a:fontRef>
+        </p:style>
+      </p:cxnSp>
+      <mc:AlternateContent xmlns:mc="http://schemas.openxmlformats.org/markup-compatibility/2006">
+        <mc:Choice xmlns:a14="http://schemas.microsoft.com/office/drawing/2010/main" Requires="a14">
+          <p:sp>
+            <p:nvSpPr>
+              <p:cNvPr id="21" name="TextBox 20">
+                <a:extLst>
+                  <a:ext uri="{FF2B5EF4-FFF2-40B4-BE49-F238E27FC236}">
+                    <a16:creationId xmlns:a16="http://schemas.microsoft.com/office/drawing/2014/main" id="{4244E70A-D9D7-F2DF-F138-A67949CD4C5A}"/>
+                  </a:ext>
+                </a:extLst>
+              </p:cNvPr>
+              <p:cNvSpPr txBox="1"/>
+              <p:nvPr/>
+            </p:nvSpPr>
+            <p:spPr>
+              <a:xfrm>
+                <a:off x="5931242" y="3132558"/>
+                <a:ext cx="558425" cy="369332"/>
+              </a:xfrm>
+              <a:prstGeom prst="rect">
+                <a:avLst/>
+              </a:prstGeom>
+              <a:noFill/>
+            </p:spPr>
+            <p:txBody>
+              <a:bodyPr wrap="square" rtlCol="0">
+                <a:spAutoFit/>
+              </a:bodyPr>
+              <a:lstStyle/>
+              <a:p>
+                <a14:m>
+                  <m:oMathPara xmlns:m="http://schemas.openxmlformats.org/officeDocument/2006/math">
+                    <m:oMathParaPr>
+                      <m:jc m:val="centerGroup"/>
+                    </m:oMathParaPr>
+                    <m:oMath xmlns:m="http://schemas.openxmlformats.org/officeDocument/2006/math">
+                      <m:sSub>
+                        <m:sSubPr>
+                          <m:ctrlPr>
+                            <a:rPr lang="en-US" i="1" smtClean="0">
+                              <a:latin typeface="Cambria Math" panose="02040503050406030204" pitchFamily="18" charset="0"/>
+                            </a:rPr>
+                          </m:ctrlPr>
+                        </m:sSubPr>
+                        <m:e>
+                          <m:r>
+                            <a:rPr lang="en-US" b="0" i="1" smtClean="0">
+                              <a:latin typeface="Cambria Math" panose="02040503050406030204" pitchFamily="18" charset="0"/>
+                            </a:rPr>
+                            <m:t>𝑒</m:t>
+                          </m:r>
+                        </m:e>
+                        <m:sub>
+                          <m:r>
+                            <a:rPr lang="en-US" b="0" i="1" smtClean="0">
+                              <a:latin typeface="Cambria Math" panose="02040503050406030204" pitchFamily="18" charset="0"/>
+                            </a:rPr>
+                            <m:t>1</m:t>
+                          </m:r>
+                        </m:sub>
+                      </m:sSub>
+                    </m:oMath>
+                  </m:oMathPara>
+                </a14:m>
+                <a:endParaRPr lang="en-US" dirty="0"/>
+              </a:p>
+            </p:txBody>
+          </p:sp>
+        </mc:Choice>
+        <mc:Fallback>
+          <p:sp>
+            <p:nvSpPr>
+              <p:cNvPr id="21" name="TextBox 20">
+                <a:extLst>
+                  <a:ext uri="{FF2B5EF4-FFF2-40B4-BE49-F238E27FC236}">
+                    <a16:creationId xmlns:a16="http://schemas.microsoft.com/office/drawing/2014/main" id="{4244E70A-D9D7-F2DF-F138-A67949CD4C5A}"/>
+                  </a:ext>
+                </a:extLst>
+              </p:cNvPr>
+              <p:cNvSpPr txBox="1">
+                <a:spLocks noRot="1" noChangeAspect="1" noMove="1" noResize="1" noEditPoints="1" noAdjustHandles="1" noChangeArrowheads="1" noChangeShapeType="1" noTextEdit="1"/>
+              </p:cNvSpPr>
+              <p:nvPr/>
+            </p:nvSpPr>
+            <p:spPr>
+              <a:xfrm>
+                <a:off x="5931242" y="3132558"/>
+                <a:ext cx="558425" cy="369332"/>
+              </a:xfrm>
+              <a:prstGeom prst="rect">
+                <a:avLst/>
+              </a:prstGeom>
+              <a:blipFill>
+                <a:blip r:embed="rId2"/>
+                <a:stretch>
+                  <a:fillRect/>
+                </a:stretch>
+              </a:blipFill>
+            </p:spPr>
+            <p:txBody>
+              <a:bodyPr/>
+              <a:lstStyle/>
+              <a:p>
+                <a:r>
+                  <a:rPr lang="en-US">
+                    <a:noFill/>
+                  </a:rPr>
+                  <a:t> </a:t>
+                </a:r>
+              </a:p>
+            </p:txBody>
+          </p:sp>
+        </mc:Fallback>
+      </mc:AlternateContent>
+      <mc:AlternateContent xmlns:mc="http://schemas.openxmlformats.org/markup-compatibility/2006">
+        <mc:Choice xmlns:a14="http://schemas.microsoft.com/office/drawing/2010/main" Requires="a14">
+          <p:sp>
+            <p:nvSpPr>
+              <p:cNvPr id="22" name="TextBox 21">
+                <a:extLst>
+                  <a:ext uri="{FF2B5EF4-FFF2-40B4-BE49-F238E27FC236}">
+                    <a16:creationId xmlns:a16="http://schemas.microsoft.com/office/drawing/2014/main" id="{1C6D323F-50D5-B4B4-E263-9982E2FFD83E}"/>
+                  </a:ext>
+                </a:extLst>
+              </p:cNvPr>
+              <p:cNvSpPr txBox="1"/>
+              <p:nvPr/>
+            </p:nvSpPr>
+            <p:spPr>
+              <a:xfrm>
+                <a:off x="5290894" y="2056901"/>
+                <a:ext cx="558425" cy="369332"/>
+              </a:xfrm>
+              <a:prstGeom prst="rect">
+                <a:avLst/>
+              </a:prstGeom>
+              <a:noFill/>
+            </p:spPr>
+            <p:txBody>
+              <a:bodyPr wrap="square" rtlCol="0">
+                <a:spAutoFit/>
+              </a:bodyPr>
+              <a:lstStyle/>
+              <a:p>
+                <a14:m>
+                  <m:oMathPara xmlns:m="http://schemas.openxmlformats.org/officeDocument/2006/math">
+                    <m:oMathParaPr>
+                      <m:jc m:val="centerGroup"/>
+                    </m:oMathParaPr>
+                    <m:oMath xmlns:m="http://schemas.openxmlformats.org/officeDocument/2006/math">
+                      <m:sSub>
+                        <m:sSubPr>
+                          <m:ctrlPr>
+                            <a:rPr lang="en-US" i="1" smtClean="0">
+                              <a:latin typeface="Cambria Math" panose="02040503050406030204" pitchFamily="18" charset="0"/>
+                            </a:rPr>
+                          </m:ctrlPr>
+                        </m:sSubPr>
+                        <m:e>
+                          <m:r>
+                            <a:rPr lang="en-US" b="0" i="1" smtClean="0">
+                              <a:latin typeface="Cambria Math" panose="02040503050406030204" pitchFamily="18" charset="0"/>
+                            </a:rPr>
+                            <m:t>𝑒</m:t>
+                          </m:r>
+                        </m:e>
+                        <m:sub>
+                          <m:r>
+                            <a:rPr lang="en-US" b="0" i="1" smtClean="0">
+                              <a:latin typeface="Cambria Math" panose="02040503050406030204" pitchFamily="18" charset="0"/>
+                            </a:rPr>
+                            <m:t>2</m:t>
+                          </m:r>
+                        </m:sub>
+                      </m:sSub>
+                    </m:oMath>
+                  </m:oMathPara>
+                </a14:m>
+                <a:endParaRPr lang="en-US" dirty="0"/>
+              </a:p>
+            </p:txBody>
+          </p:sp>
+        </mc:Choice>
+        <mc:Fallback>
+          <p:sp>
+            <p:nvSpPr>
+              <p:cNvPr id="22" name="TextBox 21">
+                <a:extLst>
+                  <a:ext uri="{FF2B5EF4-FFF2-40B4-BE49-F238E27FC236}">
+                    <a16:creationId xmlns:a16="http://schemas.microsoft.com/office/drawing/2014/main" id="{1C6D323F-50D5-B4B4-E263-9982E2FFD83E}"/>
+                  </a:ext>
+                </a:extLst>
+              </p:cNvPr>
+              <p:cNvSpPr txBox="1">
+                <a:spLocks noRot="1" noChangeAspect="1" noMove="1" noResize="1" noEditPoints="1" noAdjustHandles="1" noChangeArrowheads="1" noChangeShapeType="1" noTextEdit="1"/>
+              </p:cNvSpPr>
+              <p:nvPr/>
+            </p:nvSpPr>
+            <p:spPr>
+              <a:xfrm>
+                <a:off x="5290894" y="2056901"/>
+                <a:ext cx="558425" cy="369332"/>
+              </a:xfrm>
+              <a:prstGeom prst="rect">
+                <a:avLst/>
+              </a:prstGeom>
+              <a:blipFill>
+                <a:blip r:embed="rId3"/>
+                <a:stretch>
+                  <a:fillRect/>
+                </a:stretch>
+              </a:blipFill>
+            </p:spPr>
+            <p:txBody>
+              <a:bodyPr/>
+              <a:lstStyle/>
+              <a:p>
+                <a:r>
+                  <a:rPr lang="en-US">
+                    <a:noFill/>
+                  </a:rPr>
+                  <a:t> </a:t>
+                </a:r>
+              </a:p>
+            </p:txBody>
+          </p:sp>
+        </mc:Fallback>
+      </mc:AlternateContent>
+      <p:cxnSp>
+        <p:nvCxnSpPr>
+          <p:cNvPr id="23" name="Straight Connector 22">
+            <a:extLst>
+              <a:ext uri="{FF2B5EF4-FFF2-40B4-BE49-F238E27FC236}">
+                <a16:creationId xmlns:a16="http://schemas.microsoft.com/office/drawing/2014/main" id="{6EECE3F9-26E5-ACB2-2057-40DD9958701D}"/>
+              </a:ext>
+            </a:extLst>
+          </p:cNvPr>
+          <p:cNvCxnSpPr>
+            <a:cxnSpLocks/>
+            <a:stCxn id="4" idx="2"/>
+            <a:endCxn id="3" idx="6"/>
+          </p:cNvCxnSpPr>
+          <p:nvPr/>
+        </p:nvCxnSpPr>
+        <p:spPr>
+          <a:xfrm flipH="1">
+            <a:off x="6107624" y="1935028"/>
+            <a:ext cx="893253" cy="0"/>
+          </a:xfrm>
+          <a:prstGeom prst="line">
+            <a:avLst/>
+          </a:prstGeom>
+          <a:ln w="19050"/>
+        </p:spPr>
+        <p:style>
+          <a:lnRef idx="1">
+            <a:schemeClr val="accent1"/>
+          </a:lnRef>
+          <a:fillRef idx="0">
+            <a:schemeClr val="accent1"/>
+          </a:fillRef>
+          <a:effectRef idx="0">
+            <a:schemeClr val="accent1"/>
+          </a:effectRef>
+          <a:fontRef idx="minor">
+            <a:schemeClr val="tx1"/>
+          </a:fontRef>
+        </p:style>
+      </p:cxnSp>
+      <mc:AlternateContent xmlns:mc="http://schemas.openxmlformats.org/markup-compatibility/2006">
+        <mc:Choice xmlns:a14="http://schemas.microsoft.com/office/drawing/2010/main" Requires="a14">
+          <p:sp>
+            <p:nvSpPr>
+              <p:cNvPr id="26" name="TextBox 25">
+                <a:extLst>
+                  <a:ext uri="{FF2B5EF4-FFF2-40B4-BE49-F238E27FC236}">
+                    <a16:creationId xmlns:a16="http://schemas.microsoft.com/office/drawing/2014/main" id="{0131DFB3-7897-F77B-4DA5-323F182F5EB1}"/>
+                  </a:ext>
+                </a:extLst>
+              </p:cNvPr>
+              <p:cNvSpPr txBox="1"/>
+              <p:nvPr/>
+            </p:nvSpPr>
+            <p:spPr>
+              <a:xfrm>
+                <a:off x="6314993" y="1514035"/>
+                <a:ext cx="558425" cy="369332"/>
+              </a:xfrm>
+              <a:prstGeom prst="rect">
+                <a:avLst/>
+              </a:prstGeom>
+              <a:noFill/>
+            </p:spPr>
+            <p:txBody>
+              <a:bodyPr wrap="square" rtlCol="0">
+                <a:spAutoFit/>
+              </a:bodyPr>
+              <a:lstStyle/>
+              <a:p>
+                <a14:m>
+                  <m:oMathPara xmlns:m="http://schemas.openxmlformats.org/officeDocument/2006/math">
+                    <m:oMathParaPr>
+                      <m:jc m:val="centerGroup"/>
+                    </m:oMathParaPr>
+                    <m:oMath xmlns:m="http://schemas.openxmlformats.org/officeDocument/2006/math">
+                      <m:sSub>
+                        <m:sSubPr>
+                          <m:ctrlPr>
+                            <a:rPr lang="en-US" i="1" smtClean="0">
+                              <a:latin typeface="Cambria Math" panose="02040503050406030204" pitchFamily="18" charset="0"/>
+                            </a:rPr>
+                          </m:ctrlPr>
+                        </m:sSubPr>
+                        <m:e>
+                          <m:r>
+                            <a:rPr lang="en-US" b="0" i="1" smtClean="0">
+                              <a:latin typeface="Cambria Math" panose="02040503050406030204" pitchFamily="18" charset="0"/>
+                            </a:rPr>
+                            <m:t>𝑒</m:t>
+                          </m:r>
+                        </m:e>
+                        <m:sub>
+                          <m:r>
+                            <a:rPr lang="en-US" b="0" i="1" smtClean="0">
+                              <a:latin typeface="Cambria Math" panose="02040503050406030204" pitchFamily="18" charset="0"/>
+                            </a:rPr>
+                            <m:t>3</m:t>
+                          </m:r>
+                        </m:sub>
+                      </m:sSub>
+                    </m:oMath>
+                  </m:oMathPara>
+                </a14:m>
+                <a:endParaRPr lang="en-US" dirty="0"/>
+              </a:p>
+            </p:txBody>
+          </p:sp>
+        </mc:Choice>
+        <mc:Fallback>
+          <p:sp>
+            <p:nvSpPr>
+              <p:cNvPr id="26" name="TextBox 25">
+                <a:extLst>
+                  <a:ext uri="{FF2B5EF4-FFF2-40B4-BE49-F238E27FC236}">
+                    <a16:creationId xmlns:a16="http://schemas.microsoft.com/office/drawing/2014/main" id="{0131DFB3-7897-F77B-4DA5-323F182F5EB1}"/>
+                  </a:ext>
+                </a:extLst>
+              </p:cNvPr>
+              <p:cNvSpPr txBox="1">
+                <a:spLocks noRot="1" noChangeAspect="1" noMove="1" noResize="1" noEditPoints="1" noAdjustHandles="1" noChangeArrowheads="1" noChangeShapeType="1" noTextEdit="1"/>
+              </p:cNvSpPr>
+              <p:nvPr/>
+            </p:nvSpPr>
+            <p:spPr>
+              <a:xfrm>
+                <a:off x="6314993" y="1514035"/>
+                <a:ext cx="558425" cy="369332"/>
+              </a:xfrm>
+              <a:prstGeom prst="rect">
+                <a:avLst/>
+              </a:prstGeom>
+              <a:blipFill>
+                <a:blip r:embed="rId4"/>
+                <a:stretch>
+                  <a:fillRect/>
+                </a:stretch>
+              </a:blipFill>
+            </p:spPr>
+            <p:txBody>
+              <a:bodyPr/>
+              <a:lstStyle/>
+              <a:p>
+                <a:r>
+                  <a:rPr lang="en-US">
+                    <a:noFill/>
+                  </a:rPr>
+                  <a:t> </a:t>
+                </a:r>
+              </a:p>
+            </p:txBody>
+          </p:sp>
+        </mc:Fallback>
+      </mc:AlternateContent>
+    </p:spTree>
+    <p:extLst>
+      <p:ext uri="{BB962C8B-B14F-4D97-AF65-F5344CB8AC3E}">
+        <p14:creationId xmlns:p14="http://schemas.microsoft.com/office/powerpoint/2010/main" val="3207991652"/>
+      </p:ext>
+    </p:extLst>
+  </p:cSld>
+  <p:clrMapOvr>
+    <a:masterClrMapping/>
+  </p:clrMapOvr>
+</p:sld>
+</file>
+
+<file path=ppt/slides/slide12.xml><?xml version="1.0" encoding="utf-8"?>
+<p:sld xmlns:a="http://schemas.openxmlformats.org/drawingml/2006/main" xmlns:r="http://schemas.openxmlformats.org/officeDocument/2006/relationships" xmlns:p="http://schemas.openxmlformats.org/presentationml/2006/main">
+  <p:cSld>
+    <p:spTree>
+      <p:nvGrpSpPr>
+        <p:cNvPr id="1" name=""/>
+        <p:cNvGrpSpPr/>
+        <p:nvPr/>
+      </p:nvGrpSpPr>
+      <p:grpSpPr>
+        <a:xfrm>
+          <a:off x="0" y="0"/>
+          <a:ext cx="0" cy="0"/>
+          <a:chOff x="0" y="0"/>
+          <a:chExt cx="0" cy="0"/>
+        </a:xfrm>
+      </p:grpSpPr>
+      <p:grpSp>
+        <p:nvGrpSpPr>
+          <p:cNvPr id="6" name="Group 5">
+            <a:extLst>
+              <a:ext uri="{FF2B5EF4-FFF2-40B4-BE49-F238E27FC236}">
+                <a16:creationId xmlns:a16="http://schemas.microsoft.com/office/drawing/2014/main" id="{4E37D98F-19CF-9B44-B568-3D9ADEE2B547}"/>
+              </a:ext>
+            </a:extLst>
+          </p:cNvPr>
+          <p:cNvGrpSpPr/>
+          <p:nvPr/>
+        </p:nvGrpSpPr>
+        <p:grpSpPr>
+          <a:xfrm>
+            <a:off x="941792" y="1716945"/>
+            <a:ext cx="2732500" cy="3228284"/>
+            <a:chOff x="2071076" y="1111155"/>
+            <a:chExt cx="2732500" cy="3228284"/>
+          </a:xfrm>
+        </p:grpSpPr>
+        <p:sp>
+          <p:nvSpPr>
+            <p:cNvPr id="2" name="Rectangle 1">
+              <a:extLst>
+                <a:ext uri="{FF2B5EF4-FFF2-40B4-BE49-F238E27FC236}">
+                  <a16:creationId xmlns:a16="http://schemas.microsoft.com/office/drawing/2014/main" id="{8C9D33C7-C50A-1E4D-8A7D-64F9949D8D24}"/>
+                </a:ext>
+              </a:extLst>
+            </p:cNvPr>
+            <p:cNvSpPr/>
+            <p:nvPr/>
+          </p:nvSpPr>
+          <p:spPr>
+            <a:xfrm>
+              <a:off x="2688116" y="1575413"/>
+              <a:ext cx="1806766" cy="2456761"/>
+            </a:xfrm>
+            <a:prstGeom prst="rect">
+              <a:avLst/>
+            </a:prstGeom>
+            <a:noFill/>
+            <a:ln w="19050">
+              <a:solidFill>
+                <a:schemeClr val="tx1">
+                  <a:lumMod val="75000"/>
+                  <a:lumOff val="25000"/>
+                </a:schemeClr>
+              </a:solidFill>
+            </a:ln>
+          </p:spPr>
+          <p:style>
+            <a:lnRef idx="2">
+              <a:schemeClr val="accent1">
+                <a:shade val="50000"/>
+              </a:schemeClr>
+            </a:lnRef>
+            <a:fillRef idx="1">
+              <a:schemeClr val="accent1"/>
+            </a:fillRef>
+            <a:effectRef idx="0">
+              <a:schemeClr val="accent1"/>
+            </a:effectRef>
+            <a:fontRef idx="minor">
+              <a:schemeClr val="lt1"/>
+            </a:fontRef>
+          </p:style>
+          <p:txBody>
+            <a:bodyPr rtlCol="0" anchor="ctr"/>
+            <a:lstStyle/>
+            <a:p>
+              <a:pPr algn="ctr"/>
+              <a:endParaRPr lang="en-VN">
+                <a:latin typeface="Times New Roman" panose="02020603050405020304" pitchFamily="18" charset="0"/>
+                <a:cs typeface="Times New Roman" panose="02020603050405020304" pitchFamily="18" charset="0"/>
+              </a:endParaRPr>
+            </a:p>
+          </p:txBody>
+        </p:sp>
+        <p:sp>
+          <p:nvSpPr>
+            <p:cNvPr id="3" name="TextBox 2">
+              <a:extLst>
+                <a:ext uri="{FF2B5EF4-FFF2-40B4-BE49-F238E27FC236}">
+                  <a16:creationId xmlns:a16="http://schemas.microsoft.com/office/drawing/2014/main" id="{7EB7399B-CEB8-6844-9C59-DFA9062DF8D1}"/>
+                </a:ext>
+              </a:extLst>
+            </p:cNvPr>
+            <p:cNvSpPr txBox="1"/>
+            <p:nvPr/>
+          </p:nvSpPr>
+          <p:spPr>
+            <a:xfrm>
+              <a:off x="2688116" y="1575413"/>
+              <a:ext cx="429658" cy="338554"/>
+            </a:xfrm>
+            <a:prstGeom prst="rect">
+              <a:avLst/>
+            </a:prstGeom>
+            <a:noFill/>
+          </p:spPr>
+          <p:txBody>
+            <a:bodyPr wrap="square" rtlCol="0">
+              <a:spAutoFit/>
+            </a:bodyPr>
+            <a:lstStyle/>
+            <a:p>
+              <a:r>
+                <a:rPr lang="en-VN" sz="1600" b="1">
+                  <a:latin typeface="Times New Roman" panose="02020603050405020304" pitchFamily="18" charset="0"/>
+                  <a:cs typeface="Times New Roman" panose="02020603050405020304" pitchFamily="18" charset="0"/>
+                </a:rPr>
+                <a:t>R</a:t>
+              </a:r>
+            </a:p>
+          </p:txBody>
+        </p:sp>
+        <p:cxnSp>
+          <p:nvCxnSpPr>
+            <p:cNvPr id="5" name="Straight Arrow Connector 4">
+              <a:extLst>
+                <a:ext uri="{FF2B5EF4-FFF2-40B4-BE49-F238E27FC236}">
+                  <a16:creationId xmlns:a16="http://schemas.microsoft.com/office/drawing/2014/main" id="{D3A2D082-17B0-304C-9A95-A01EC0E1190B}"/>
+                </a:ext>
+              </a:extLst>
+            </p:cNvPr>
+            <p:cNvCxnSpPr>
+              <a:cxnSpLocks/>
+            </p:cNvCxnSpPr>
+            <p:nvPr/>
+          </p:nvCxnSpPr>
+          <p:spPr>
+            <a:xfrm>
+              <a:off x="2688116" y="1377109"/>
+              <a:ext cx="1806766" cy="0"/>
+            </a:xfrm>
+            <a:prstGeom prst="straightConnector1">
+              <a:avLst/>
+            </a:prstGeom>
+            <a:ln w="6350">
+              <a:solidFill>
+                <a:schemeClr val="tx1">
+                  <a:lumMod val="75000"/>
+                  <a:lumOff val="25000"/>
+                </a:schemeClr>
+              </a:solidFill>
+              <a:headEnd type="stealth"/>
+              <a:tailEnd type="stealth"/>
+            </a:ln>
+          </p:spPr>
+          <p:style>
+            <a:lnRef idx="1">
+              <a:schemeClr val="accent1"/>
+            </a:lnRef>
+            <a:fillRef idx="0">
+              <a:schemeClr val="accent1"/>
+            </a:fillRef>
+            <a:effectRef idx="0">
+              <a:schemeClr val="accent1"/>
+            </a:effectRef>
+            <a:fontRef idx="minor">
+              <a:schemeClr val="tx1"/>
+            </a:fontRef>
+          </p:style>
+        </p:cxnSp>
+        <p:sp>
+          <p:nvSpPr>
+            <p:cNvPr id="9" name="TextBox 8">
+              <a:extLst>
+                <a:ext uri="{FF2B5EF4-FFF2-40B4-BE49-F238E27FC236}">
+                  <a16:creationId xmlns:a16="http://schemas.microsoft.com/office/drawing/2014/main" id="{05D769BE-2FC6-6346-8A59-FFBAC3108A0B}"/>
+                </a:ext>
+              </a:extLst>
+            </p:cNvPr>
+            <p:cNvSpPr txBox="1"/>
+            <p:nvPr/>
+          </p:nvSpPr>
+          <p:spPr>
+            <a:xfrm>
+              <a:off x="3376670" y="1111155"/>
+              <a:ext cx="429658" cy="307777"/>
+            </a:xfrm>
+            <a:prstGeom prst="rect">
+              <a:avLst/>
+            </a:prstGeom>
+            <a:noFill/>
+          </p:spPr>
+          <p:txBody>
+            <a:bodyPr wrap="square" rtlCol="0">
+              <a:spAutoFit/>
+            </a:bodyPr>
+            <a:lstStyle/>
+            <a:p>
+              <a:pPr algn="ctr"/>
+              <a:r>
+                <a:rPr lang="en-VN" sz="1400" i="1">
+                  <a:latin typeface="Times New Roman" panose="02020603050405020304" pitchFamily="18" charset="0"/>
+                  <a:cs typeface="Times New Roman" panose="02020603050405020304" pitchFamily="18" charset="0"/>
+                </a:rPr>
+                <a:t>I</a:t>
+              </a:r>
+            </a:p>
+          </p:txBody>
+        </p:sp>
+        <p:cxnSp>
+          <p:nvCxnSpPr>
+            <p:cNvPr id="10" name="Straight Arrow Connector 9">
+              <a:extLst>
+                <a:ext uri="{FF2B5EF4-FFF2-40B4-BE49-F238E27FC236}">
+                  <a16:creationId xmlns:a16="http://schemas.microsoft.com/office/drawing/2014/main" id="{92A92E9C-D10C-C749-B70B-FBE2BF01782F}"/>
+                </a:ext>
+              </a:extLst>
+            </p:cNvPr>
+            <p:cNvCxnSpPr>
+              <a:cxnSpLocks/>
+            </p:cNvCxnSpPr>
+            <p:nvPr/>
+          </p:nvCxnSpPr>
+          <p:spPr>
+            <a:xfrm>
+              <a:off x="2497440" y="1575413"/>
+              <a:ext cx="0" cy="2456761"/>
+            </a:xfrm>
+            <a:prstGeom prst="straightConnector1">
+              <a:avLst/>
+            </a:prstGeom>
+            <a:ln w="6350">
+              <a:solidFill>
+                <a:schemeClr val="tx1">
+                  <a:lumMod val="75000"/>
+                  <a:lumOff val="25000"/>
+                </a:schemeClr>
+              </a:solidFill>
+              <a:headEnd type="stealth"/>
+              <a:tailEnd type="stealth"/>
+            </a:ln>
+          </p:spPr>
+          <p:style>
+            <a:lnRef idx="1">
+              <a:schemeClr val="accent1"/>
+            </a:lnRef>
+            <a:fillRef idx="0">
+              <a:schemeClr val="accent1"/>
+            </a:fillRef>
+            <a:effectRef idx="0">
+              <a:schemeClr val="accent1"/>
+            </a:effectRef>
+            <a:fontRef idx="minor">
+              <a:schemeClr val="tx1"/>
+            </a:fontRef>
+          </p:style>
+        </p:cxnSp>
+        <p:sp>
+          <p:nvSpPr>
+            <p:cNvPr id="15" name="TextBox 14">
+              <a:extLst>
+                <a:ext uri="{FF2B5EF4-FFF2-40B4-BE49-F238E27FC236}">
+                  <a16:creationId xmlns:a16="http://schemas.microsoft.com/office/drawing/2014/main" id="{B94FAF4F-2998-214F-BE58-6FA61D133575}"/>
+                </a:ext>
+              </a:extLst>
+            </p:cNvPr>
+            <p:cNvSpPr txBox="1"/>
+            <p:nvPr/>
+          </p:nvSpPr>
+          <p:spPr>
+            <a:xfrm>
+              <a:off x="2071076" y="2649392"/>
+              <a:ext cx="429658" cy="307777"/>
+            </a:xfrm>
+            <a:prstGeom prst="rect">
+              <a:avLst/>
+            </a:prstGeom>
+            <a:noFill/>
+          </p:spPr>
+          <p:txBody>
+            <a:bodyPr wrap="square" rtlCol="0">
+              <a:spAutoFit/>
+            </a:bodyPr>
+            <a:lstStyle/>
+            <a:p>
+              <a:pPr algn="r"/>
+              <a:r>
+                <a:rPr lang="en-VN" sz="1400" i="1">
+                  <a:latin typeface="Times New Roman" panose="02020603050405020304" pitchFamily="18" charset="0"/>
+                  <a:cs typeface="Times New Roman" panose="02020603050405020304" pitchFamily="18" charset="0"/>
+                </a:rPr>
+                <a:t>U</a:t>
+              </a:r>
+            </a:p>
+          </p:txBody>
+        </p:sp>
+        <p:sp>
+          <p:nvSpPr>
+            <p:cNvPr id="16" name="Rectangle 15">
+              <a:extLst>
+                <a:ext uri="{FF2B5EF4-FFF2-40B4-BE49-F238E27FC236}">
+                  <a16:creationId xmlns:a16="http://schemas.microsoft.com/office/drawing/2014/main" id="{9B737F44-4594-1247-8359-3954FEABC021}"/>
+                </a:ext>
+              </a:extLst>
+            </p:cNvPr>
+            <p:cNvSpPr/>
+            <p:nvPr/>
+          </p:nvSpPr>
+          <p:spPr>
+            <a:xfrm>
+              <a:off x="2688116" y="3317358"/>
+              <a:ext cx="1806766" cy="233916"/>
+            </a:xfrm>
+            <a:prstGeom prst="rect">
+              <a:avLst/>
+            </a:prstGeom>
+            <a:noFill/>
+            <a:ln>
+              <a:solidFill>
+                <a:schemeClr val="tx1"/>
+              </a:solidFill>
+              <a:prstDash val="dash"/>
+            </a:ln>
+          </p:spPr>
+          <p:style>
+            <a:lnRef idx="2">
+              <a:schemeClr val="accent1">
+                <a:shade val="50000"/>
+              </a:schemeClr>
+            </a:lnRef>
+            <a:fillRef idx="1">
+              <a:schemeClr val="accent1"/>
+            </a:fillRef>
+            <a:effectRef idx="0">
+              <a:schemeClr val="accent1"/>
+            </a:effectRef>
+            <a:fontRef idx="minor">
+              <a:schemeClr val="lt1"/>
+            </a:fontRef>
+          </p:style>
+          <p:txBody>
+            <a:bodyPr rtlCol="0" anchor="ctr"/>
+            <a:lstStyle/>
+            <a:p>
+              <a:pPr algn="ctr"/>
+              <a:endParaRPr lang="en-VN">
+                <a:latin typeface="Times New Roman" panose="02020603050405020304" pitchFamily="18" charset="0"/>
+                <a:cs typeface="Times New Roman" panose="02020603050405020304" pitchFamily="18" charset="0"/>
+              </a:endParaRPr>
+            </a:p>
+          </p:txBody>
+        </p:sp>
+        <p:sp>
+          <p:nvSpPr>
+            <p:cNvPr id="17" name="Rectangle 16">
+              <a:extLst>
+                <a:ext uri="{FF2B5EF4-FFF2-40B4-BE49-F238E27FC236}">
+                  <a16:creationId xmlns:a16="http://schemas.microsoft.com/office/drawing/2014/main" id="{5399A126-37CE-0749-90C3-65E57189E372}"/>
+                </a:ext>
+              </a:extLst>
+            </p:cNvPr>
+            <p:cNvSpPr/>
+            <p:nvPr/>
+          </p:nvSpPr>
+          <p:spPr>
+            <a:xfrm rot="5400000">
+              <a:off x="2521280" y="2686323"/>
+              <a:ext cx="2456761" cy="233916"/>
+            </a:xfrm>
+            <a:prstGeom prst="rect">
+              <a:avLst/>
+            </a:prstGeom>
+            <a:noFill/>
+            <a:ln>
+              <a:solidFill>
+                <a:schemeClr val="tx1"/>
+              </a:solidFill>
+              <a:prstDash val="dash"/>
+            </a:ln>
+          </p:spPr>
+          <p:style>
+            <a:lnRef idx="2">
+              <a:schemeClr val="accent1">
+                <a:shade val="50000"/>
+              </a:schemeClr>
+            </a:lnRef>
+            <a:fillRef idx="1">
+              <a:schemeClr val="accent1"/>
+            </a:fillRef>
+            <a:effectRef idx="0">
+              <a:schemeClr val="accent1"/>
+            </a:effectRef>
+            <a:fontRef idx="minor">
+              <a:schemeClr val="lt1"/>
+            </a:fontRef>
+          </p:style>
+          <p:txBody>
+            <a:bodyPr rtlCol="0" anchor="ctr"/>
+            <a:lstStyle/>
+            <a:p>
+              <a:pPr algn="ctr"/>
+              <a:endParaRPr lang="en-VN">
+                <a:latin typeface="Times New Roman" panose="02020603050405020304" pitchFamily="18" charset="0"/>
+                <a:cs typeface="Times New Roman" panose="02020603050405020304" pitchFamily="18" charset="0"/>
+              </a:endParaRPr>
+            </a:p>
+          </p:txBody>
+        </p:sp>
+        <p:sp>
+          <p:nvSpPr>
+            <p:cNvPr id="18" name="TextBox 17">
+              <a:extLst>
+                <a:ext uri="{FF2B5EF4-FFF2-40B4-BE49-F238E27FC236}">
+                  <a16:creationId xmlns:a16="http://schemas.microsoft.com/office/drawing/2014/main" id="{A56AE0CB-805C-4941-84DF-5903C173856D}"/>
+                </a:ext>
+              </a:extLst>
+            </p:cNvPr>
+            <p:cNvSpPr txBox="1"/>
+            <p:nvPr/>
+          </p:nvSpPr>
+          <p:spPr>
+            <a:xfrm>
+              <a:off x="4494882" y="3292302"/>
+              <a:ext cx="308694" cy="307777"/>
+            </a:xfrm>
+            <a:prstGeom prst="rect">
+              <a:avLst/>
+            </a:prstGeom>
+            <a:noFill/>
+          </p:spPr>
+          <p:txBody>
+            <a:bodyPr wrap="square" rtlCol="0">
+              <a:spAutoFit/>
+            </a:bodyPr>
+            <a:lstStyle/>
+            <a:p>
+              <a:r>
+                <a:rPr lang="en-VN" sz="1400" i="1">
+                  <a:latin typeface="Times New Roman" panose="02020603050405020304" pitchFamily="18" charset="0"/>
+                  <a:cs typeface="Times New Roman" panose="02020603050405020304" pitchFamily="18" charset="0"/>
+                </a:rPr>
+                <a:t>u</a:t>
+              </a:r>
+            </a:p>
+          </p:txBody>
+        </p:sp>
+        <p:sp>
+          <p:nvSpPr>
+            <p:cNvPr id="19" name="TextBox 18">
+              <a:extLst>
+                <a:ext uri="{FF2B5EF4-FFF2-40B4-BE49-F238E27FC236}">
+                  <a16:creationId xmlns:a16="http://schemas.microsoft.com/office/drawing/2014/main" id="{ADC86287-140D-D74C-BF69-4C360625DFDF}"/>
+                </a:ext>
+              </a:extLst>
+            </p:cNvPr>
+            <p:cNvSpPr txBox="1"/>
+            <p:nvPr/>
+          </p:nvSpPr>
+          <p:spPr>
+            <a:xfrm>
+              <a:off x="3534831" y="4031662"/>
+              <a:ext cx="429658" cy="307777"/>
+            </a:xfrm>
+            <a:prstGeom prst="rect">
+              <a:avLst/>
+            </a:prstGeom>
+            <a:noFill/>
+          </p:spPr>
+          <p:txBody>
+            <a:bodyPr wrap="square" rtlCol="0">
+              <a:spAutoFit/>
+            </a:bodyPr>
+            <a:lstStyle/>
+            <a:p>
+              <a:pPr algn="ctr"/>
+              <a:r>
+                <a:rPr lang="en-VN" sz="1400" i="1">
+                  <a:latin typeface="Times New Roman" panose="02020603050405020304" pitchFamily="18" charset="0"/>
+                  <a:cs typeface="Times New Roman" panose="02020603050405020304" pitchFamily="18" charset="0"/>
+                </a:rPr>
+                <a:t>i</a:t>
+              </a:r>
+            </a:p>
+          </p:txBody>
+        </p:sp>
+        <p:sp>
+          <p:nvSpPr>
+            <p:cNvPr id="26" name="Rectangle 25">
+              <a:extLst>
+                <a:ext uri="{FF2B5EF4-FFF2-40B4-BE49-F238E27FC236}">
+                  <a16:creationId xmlns:a16="http://schemas.microsoft.com/office/drawing/2014/main" id="{FD6F610C-301A-7048-906B-A4842E67FF49}"/>
+                </a:ext>
+              </a:extLst>
+            </p:cNvPr>
+            <p:cNvSpPr/>
+            <p:nvPr/>
+          </p:nvSpPr>
+          <p:spPr>
+            <a:xfrm>
+              <a:off x="3632702" y="3316845"/>
+              <a:ext cx="233917" cy="233916"/>
+            </a:xfrm>
+            <a:prstGeom prst="rect">
+              <a:avLst/>
+            </a:prstGeom>
+            <a:solidFill>
+              <a:srgbClr val="C00000">
+                <a:alpha val="40000"/>
+              </a:srgbClr>
+            </a:solidFill>
+            <a:ln>
+              <a:noFill/>
+            </a:ln>
+          </p:spPr>
+          <p:style>
+            <a:lnRef idx="2">
+              <a:schemeClr val="accent1">
+                <a:shade val="50000"/>
+              </a:schemeClr>
+            </a:lnRef>
+            <a:fillRef idx="1">
+              <a:schemeClr val="accent1"/>
+            </a:fillRef>
+            <a:effectRef idx="0">
+              <a:schemeClr val="accent1"/>
+            </a:effectRef>
+            <a:fontRef idx="minor">
+              <a:schemeClr val="lt1"/>
+            </a:fontRef>
+          </p:style>
+          <p:txBody>
+            <a:bodyPr rtlCol="0" anchor="ctr"/>
+            <a:lstStyle/>
+            <a:p>
+              <a:pPr algn="ctr"/>
+              <a:endParaRPr lang="en-VN">
+                <a:latin typeface="Times New Roman" panose="02020603050405020304" pitchFamily="18" charset="0"/>
+                <a:cs typeface="Times New Roman" panose="02020603050405020304" pitchFamily="18" charset="0"/>
+              </a:endParaRPr>
+            </a:p>
+          </p:txBody>
+        </p:sp>
+        <p:sp>
+          <p:nvSpPr>
+            <p:cNvPr id="58" name="TextBox 57">
+              <a:extLst>
+                <a:ext uri="{FF2B5EF4-FFF2-40B4-BE49-F238E27FC236}">
+                  <a16:creationId xmlns:a16="http://schemas.microsoft.com/office/drawing/2014/main" id="{290B44AB-89F5-B44C-A6AD-F38FD8E8E5A0}"/>
+                </a:ext>
+              </a:extLst>
+            </p:cNvPr>
+            <p:cNvSpPr txBox="1"/>
+            <p:nvPr/>
+          </p:nvSpPr>
+          <p:spPr>
+            <a:xfrm>
+              <a:off x="3205289" y="2978291"/>
+              <a:ext cx="429658" cy="338554"/>
+            </a:xfrm>
+            <a:prstGeom prst="rect">
+              <a:avLst/>
+            </a:prstGeom>
+            <a:noFill/>
+          </p:spPr>
+          <p:txBody>
+            <a:bodyPr wrap="square" rtlCol="0">
+              <a:spAutoFit/>
+            </a:bodyPr>
+            <a:lstStyle/>
+            <a:p>
+              <a:pPr algn="r"/>
+              <a:r>
+                <a:rPr lang="en-VN" sz="1600" i="1">
+                  <a:latin typeface="Times New Roman" panose="02020603050405020304" pitchFamily="18" charset="0"/>
+                  <a:cs typeface="Times New Roman" panose="02020603050405020304" pitchFamily="18" charset="0"/>
+                </a:rPr>
+                <a:t>r</a:t>
+              </a:r>
+              <a:r>
+                <a:rPr lang="en-VN" sz="1600" i="1" baseline="-25000">
+                  <a:latin typeface="Times New Roman" panose="02020603050405020304" pitchFamily="18" charset="0"/>
+                  <a:cs typeface="Times New Roman" panose="02020603050405020304" pitchFamily="18" charset="0"/>
+                </a:rPr>
+                <a:t>ui</a:t>
+              </a:r>
+            </a:p>
+          </p:txBody>
+        </p:sp>
+      </p:grpSp>
+      <mc:AlternateContent xmlns:mc="http://schemas.openxmlformats.org/markup-compatibility/2006" xmlns:a14="http://schemas.microsoft.com/office/drawing/2010/main">
+        <mc:Choice Requires="a14">
+          <p:sp>
+            <p:nvSpPr>
+              <p:cNvPr id="7" name="TextBox 6">
+                <a:extLst>
+                  <a:ext uri="{FF2B5EF4-FFF2-40B4-BE49-F238E27FC236}">
+                    <a16:creationId xmlns:a16="http://schemas.microsoft.com/office/drawing/2014/main" id="{BE45DAAA-ADC9-1247-9576-A41F4FF7937D}"/>
+                  </a:ext>
+                </a:extLst>
+              </p:cNvPr>
+              <p:cNvSpPr txBox="1"/>
+              <p:nvPr/>
+            </p:nvSpPr>
+            <p:spPr>
+              <a:xfrm>
+                <a:off x="5424331" y="3260560"/>
+                <a:ext cx="246862" cy="307777"/>
+              </a:xfrm>
+              <a:prstGeom prst="rect">
+                <a:avLst/>
+              </a:prstGeom>
+              <a:noFill/>
+            </p:spPr>
+            <p:txBody>
+              <a:bodyPr wrap="none" lIns="0" tIns="0" rIns="0" bIns="0" rtlCol="0">
+                <a:spAutoFit/>
+              </a:bodyPr>
+              <a:lstStyle/>
+              <a:p>
+                <a:pPr/>
+                <a14:m>
+                  <m:oMathPara xmlns:m="http://schemas.openxmlformats.org/officeDocument/2006/math">
+                    <m:oMathParaPr>
+                      <m:jc m:val="centerGroup"/>
+                    </m:oMathParaPr>
+                    <m:oMath xmlns:m="http://schemas.openxmlformats.org/officeDocument/2006/math">
+                      <m:r>
+                        <a:rPr lang="en-US" sz="2000" b="0" i="1">
+                          <a:latin typeface="Cambria Math" panose="02040503050406030204" pitchFamily="18" charset="0"/>
+                        </a:rPr>
+                        <m:t>×</m:t>
+                      </m:r>
+                    </m:oMath>
+                  </m:oMathPara>
+                </a14:m>
+                <a:endParaRPr lang="en-US" sz="2000" b="0">
+                  <a:latin typeface="Times New Roman" panose="02020603050405020304" pitchFamily="18" charset="0"/>
+                  <a:cs typeface="Times New Roman" panose="02020603050405020304" pitchFamily="18" charset="0"/>
+                </a:endParaRPr>
+              </a:p>
+            </p:txBody>
+          </p:sp>
+        </mc:Choice>
+        <mc:Fallback xmlns="">
+          <p:sp>
+            <p:nvSpPr>
+              <p:cNvPr id="7" name="TextBox 6">
+                <a:extLst>
+                  <a:ext uri="{FF2B5EF4-FFF2-40B4-BE49-F238E27FC236}">
+                    <a16:creationId xmlns:a16="http://schemas.microsoft.com/office/drawing/2014/main" id="{BE45DAAA-ADC9-1247-9576-A41F4FF7937D}"/>
+                  </a:ext>
+                </a:extLst>
+              </p:cNvPr>
+              <p:cNvSpPr txBox="1">
+                <a:spLocks noRot="1" noChangeAspect="1" noMove="1" noResize="1" noEditPoints="1" noAdjustHandles="1" noChangeArrowheads="1" noChangeShapeType="1" noTextEdit="1"/>
+              </p:cNvSpPr>
+              <p:nvPr/>
+            </p:nvSpPr>
+            <p:spPr>
+              <a:xfrm>
+                <a:off x="5424331" y="3260560"/>
+                <a:ext cx="246862" cy="307777"/>
+              </a:xfrm>
+              <a:prstGeom prst="rect">
+                <a:avLst/>
+              </a:prstGeom>
+              <a:blipFill>
+                <a:blip r:embed="rId2"/>
+                <a:stretch>
+                  <a:fillRect l="-14286" r="-9524"/>
+                </a:stretch>
+              </a:blipFill>
+            </p:spPr>
+            <p:txBody>
+              <a:bodyPr/>
+              <a:lstStyle/>
+              <a:p>
+                <a:r>
+                  <a:rPr lang="en-VN">
+                    <a:noFill/>
+                  </a:rPr>
+                  <a:t> </a:t>
+                </a:r>
+              </a:p>
+            </p:txBody>
+          </p:sp>
+        </mc:Fallback>
+      </mc:AlternateContent>
+      <mc:AlternateContent xmlns:mc="http://schemas.openxmlformats.org/markup-compatibility/2006" xmlns:a14="http://schemas.microsoft.com/office/drawing/2010/main">
+        <mc:Choice Requires="a14">
+          <p:sp>
+            <p:nvSpPr>
+              <p:cNvPr id="33" name="TextBox 32">
+                <a:extLst>
+                  <a:ext uri="{FF2B5EF4-FFF2-40B4-BE49-F238E27FC236}">
+                    <a16:creationId xmlns:a16="http://schemas.microsoft.com/office/drawing/2014/main" id="{C0D59E45-A1D2-C348-946B-C70A4BFB9E40}"/>
+                  </a:ext>
+                </a:extLst>
+              </p:cNvPr>
+              <p:cNvSpPr txBox="1"/>
+              <p:nvPr/>
+            </p:nvSpPr>
+            <p:spPr>
+              <a:xfrm>
+                <a:off x="3710144" y="3255181"/>
+                <a:ext cx="256480" cy="307777"/>
+              </a:xfrm>
+              <a:prstGeom prst="rect">
+                <a:avLst/>
+              </a:prstGeom>
+              <a:noFill/>
+            </p:spPr>
+            <p:txBody>
+              <a:bodyPr wrap="none" lIns="0" tIns="0" rIns="0" bIns="0" rtlCol="0">
+                <a:spAutoFit/>
+              </a:bodyPr>
+              <a:lstStyle/>
+              <a:p>
+                <a:pPr/>
+                <a14:m>
+                  <m:oMathPara xmlns:m="http://schemas.openxmlformats.org/officeDocument/2006/math">
+                    <m:oMathParaPr>
+                      <m:jc m:val="centerGroup"/>
+                    </m:oMathParaPr>
+                    <m:oMath xmlns:m="http://schemas.openxmlformats.org/officeDocument/2006/math">
+                      <m:r>
+                        <a:rPr lang="en-US" sz="2000" b="0" i="1">
+                          <a:latin typeface="Cambria Math" panose="02040503050406030204" pitchFamily="18" charset="0"/>
+                        </a:rPr>
+                        <m:t>=</m:t>
+                      </m:r>
+                    </m:oMath>
+                  </m:oMathPara>
+                </a14:m>
+                <a:endParaRPr lang="en-US" sz="2000" b="0">
+                  <a:latin typeface="Times New Roman" panose="02020603050405020304" pitchFamily="18" charset="0"/>
+                  <a:cs typeface="Times New Roman" panose="02020603050405020304" pitchFamily="18" charset="0"/>
+                </a:endParaRPr>
+              </a:p>
+            </p:txBody>
+          </p:sp>
+        </mc:Choice>
+        <mc:Fallback xmlns="">
+          <p:sp>
+            <p:nvSpPr>
+              <p:cNvPr id="33" name="TextBox 32">
+                <a:extLst>
+                  <a:ext uri="{FF2B5EF4-FFF2-40B4-BE49-F238E27FC236}">
+                    <a16:creationId xmlns:a16="http://schemas.microsoft.com/office/drawing/2014/main" id="{C0D59E45-A1D2-C348-946B-C70A4BFB9E40}"/>
+                  </a:ext>
+                </a:extLst>
+              </p:cNvPr>
+              <p:cNvSpPr txBox="1">
+                <a:spLocks noRot="1" noChangeAspect="1" noMove="1" noResize="1" noEditPoints="1" noAdjustHandles="1" noChangeArrowheads="1" noChangeShapeType="1" noTextEdit="1"/>
+              </p:cNvSpPr>
+              <p:nvPr/>
+            </p:nvSpPr>
+            <p:spPr>
+              <a:xfrm>
+                <a:off x="3710144" y="3255181"/>
+                <a:ext cx="256480" cy="307777"/>
+              </a:xfrm>
+              <a:prstGeom prst="rect">
+                <a:avLst/>
+              </a:prstGeom>
+              <a:blipFill>
+                <a:blip r:embed="rId3"/>
+                <a:stretch>
+                  <a:fillRect l="-4762" r="-4762"/>
+                </a:stretch>
+              </a:blipFill>
+            </p:spPr>
+            <p:txBody>
+              <a:bodyPr/>
+              <a:lstStyle/>
+              <a:p>
+                <a:r>
+                  <a:rPr lang="en-VN">
+                    <a:noFill/>
+                  </a:rPr>
+                  <a:t> </a:t>
+                </a:r>
+              </a:p>
+            </p:txBody>
+          </p:sp>
+        </mc:Fallback>
+      </mc:AlternateContent>
+      <p:grpSp>
+        <p:nvGrpSpPr>
+          <p:cNvPr id="13" name="Group 12">
+            <a:extLst>
+              <a:ext uri="{FF2B5EF4-FFF2-40B4-BE49-F238E27FC236}">
+                <a16:creationId xmlns:a16="http://schemas.microsoft.com/office/drawing/2014/main" id="{D86A5241-5249-0B42-A502-EB9BCA6729AD}"/>
+              </a:ext>
+            </a:extLst>
+          </p:cNvPr>
+          <p:cNvGrpSpPr/>
+          <p:nvPr/>
+        </p:nvGrpSpPr>
+        <p:grpSpPr>
+          <a:xfrm>
+            <a:off x="5495700" y="1716945"/>
+            <a:ext cx="2372206" cy="1492207"/>
+            <a:chOff x="6219432" y="1111155"/>
+            <a:chExt cx="2372206" cy="1492207"/>
+          </a:xfrm>
+        </p:grpSpPr>
+        <p:sp>
+          <p:nvSpPr>
+            <p:cNvPr id="31" name="TextBox 30">
+              <a:extLst>
+                <a:ext uri="{FF2B5EF4-FFF2-40B4-BE49-F238E27FC236}">
+                  <a16:creationId xmlns:a16="http://schemas.microsoft.com/office/drawing/2014/main" id="{D141D259-FF80-034C-8A2F-2DBA684832C9}"/>
+                </a:ext>
+              </a:extLst>
+            </p:cNvPr>
+            <p:cNvSpPr txBox="1"/>
+            <p:nvPr/>
+          </p:nvSpPr>
+          <p:spPr>
+            <a:xfrm>
+              <a:off x="7470785" y="1111155"/>
+              <a:ext cx="429658" cy="307777"/>
+            </a:xfrm>
+            <a:prstGeom prst="rect">
+              <a:avLst/>
+            </a:prstGeom>
+            <a:noFill/>
+          </p:spPr>
+          <p:txBody>
+            <a:bodyPr wrap="square" rtlCol="0">
+              <a:spAutoFit/>
+            </a:bodyPr>
+            <a:lstStyle/>
+            <a:p>
+              <a:pPr algn="ctr"/>
+              <a:r>
+                <a:rPr lang="en-VN" sz="1400" i="1">
+                  <a:latin typeface="Times New Roman" panose="02020603050405020304" pitchFamily="18" charset="0"/>
+                  <a:cs typeface="Times New Roman" panose="02020603050405020304" pitchFamily="18" charset="0"/>
+                </a:rPr>
+                <a:t>I</a:t>
+              </a:r>
+            </a:p>
+          </p:txBody>
+        </p:sp>
+        <p:sp>
+          <p:nvSpPr>
+            <p:cNvPr id="46" name="Rectangle 45">
+              <a:extLst>
+                <a:ext uri="{FF2B5EF4-FFF2-40B4-BE49-F238E27FC236}">
+                  <a16:creationId xmlns:a16="http://schemas.microsoft.com/office/drawing/2014/main" id="{25B59045-26FB-4341-9A0E-4F749AEB40FF}"/>
+                </a:ext>
+              </a:extLst>
+            </p:cNvPr>
+            <p:cNvSpPr/>
+            <p:nvPr/>
+          </p:nvSpPr>
+          <p:spPr>
+            <a:xfrm>
+              <a:off x="6784872" y="1575585"/>
+              <a:ext cx="1806766" cy="720000"/>
+            </a:xfrm>
+            <a:prstGeom prst="rect">
+              <a:avLst/>
+            </a:prstGeom>
+            <a:noFill/>
+            <a:ln w="19050">
+              <a:solidFill>
+                <a:schemeClr val="tx1">
+                  <a:lumMod val="75000"/>
+                  <a:lumOff val="25000"/>
+                </a:schemeClr>
+              </a:solidFill>
+            </a:ln>
+          </p:spPr>
+          <p:style>
+            <a:lnRef idx="2">
+              <a:schemeClr val="accent1">
+                <a:shade val="50000"/>
+              </a:schemeClr>
+            </a:lnRef>
+            <a:fillRef idx="1">
+              <a:schemeClr val="accent1"/>
+            </a:fillRef>
+            <a:effectRef idx="0">
+              <a:schemeClr val="accent1"/>
+            </a:effectRef>
+            <a:fontRef idx="minor">
+              <a:schemeClr val="lt1"/>
+            </a:fontRef>
+          </p:style>
+          <p:txBody>
+            <a:bodyPr rtlCol="0" anchor="ctr"/>
+            <a:lstStyle/>
+            <a:p>
+              <a:pPr algn="ctr"/>
+              <a:endParaRPr lang="en-VN">
+                <a:latin typeface="Times New Roman" panose="02020603050405020304" pitchFamily="18" charset="0"/>
+                <a:cs typeface="Times New Roman" panose="02020603050405020304" pitchFamily="18" charset="0"/>
+              </a:endParaRPr>
+            </a:p>
+          </p:txBody>
+        </p:sp>
+        <p:sp>
+          <p:nvSpPr>
+            <p:cNvPr id="47" name="TextBox 46">
+              <a:extLst>
+                <a:ext uri="{FF2B5EF4-FFF2-40B4-BE49-F238E27FC236}">
+                  <a16:creationId xmlns:a16="http://schemas.microsoft.com/office/drawing/2014/main" id="{7FE96235-C51F-714D-AC2B-4D29B2D2EA04}"/>
+                </a:ext>
+              </a:extLst>
+            </p:cNvPr>
+            <p:cNvSpPr txBox="1"/>
+            <p:nvPr/>
+          </p:nvSpPr>
+          <p:spPr>
+            <a:xfrm>
+              <a:off x="6784872" y="1574900"/>
+              <a:ext cx="470636" cy="338554"/>
+            </a:xfrm>
+            <a:prstGeom prst="rect">
+              <a:avLst/>
+            </a:prstGeom>
+            <a:noFill/>
+          </p:spPr>
+          <p:txBody>
+            <a:bodyPr wrap="square" rtlCol="0">
+              <a:spAutoFit/>
+            </a:bodyPr>
+            <a:lstStyle/>
+            <a:p>
+              <a:r>
+                <a:rPr lang="en-VN" sz="1600" b="1">
+                  <a:latin typeface="Times New Roman" panose="02020603050405020304" pitchFamily="18" charset="0"/>
+                  <a:cs typeface="Times New Roman" panose="02020603050405020304" pitchFamily="18" charset="0"/>
+                </a:rPr>
+                <a:t>Q</a:t>
+              </a:r>
+              <a:r>
+                <a:rPr lang="en-VN" sz="1600" b="1" baseline="30000">
+                  <a:latin typeface="Times New Roman" panose="02020603050405020304" pitchFamily="18" charset="0"/>
+                  <a:cs typeface="Times New Roman" panose="02020603050405020304" pitchFamily="18" charset="0"/>
+                </a:rPr>
+                <a:t>T</a:t>
+              </a:r>
+            </a:p>
+          </p:txBody>
+        </p:sp>
+        <p:cxnSp>
+          <p:nvCxnSpPr>
+            <p:cNvPr id="50" name="Straight Arrow Connector 49">
+              <a:extLst>
+                <a:ext uri="{FF2B5EF4-FFF2-40B4-BE49-F238E27FC236}">
+                  <a16:creationId xmlns:a16="http://schemas.microsoft.com/office/drawing/2014/main" id="{56C3E713-234C-0B45-AA56-1F6E262B1A76}"/>
+                </a:ext>
+              </a:extLst>
+            </p:cNvPr>
+            <p:cNvCxnSpPr>
+              <a:cxnSpLocks/>
+            </p:cNvCxnSpPr>
+            <p:nvPr/>
+          </p:nvCxnSpPr>
+          <p:spPr>
+            <a:xfrm>
+              <a:off x="6594196" y="1574900"/>
+              <a:ext cx="0" cy="720685"/>
+            </a:xfrm>
+            <a:prstGeom prst="straightConnector1">
+              <a:avLst/>
+            </a:prstGeom>
+            <a:ln w="6350">
+              <a:solidFill>
+                <a:schemeClr val="tx1">
+                  <a:lumMod val="75000"/>
+                  <a:lumOff val="25000"/>
+                </a:schemeClr>
+              </a:solidFill>
+              <a:headEnd type="stealth"/>
+              <a:tailEnd type="stealth"/>
+            </a:ln>
+          </p:spPr>
+          <p:style>
+            <a:lnRef idx="1">
+              <a:schemeClr val="accent1"/>
+            </a:lnRef>
+            <a:fillRef idx="0">
+              <a:schemeClr val="accent1"/>
+            </a:fillRef>
+            <a:effectRef idx="0">
+              <a:schemeClr val="accent1"/>
+            </a:effectRef>
+            <a:fontRef idx="minor">
+              <a:schemeClr val="tx1"/>
+            </a:fontRef>
+          </p:style>
+        </p:cxnSp>
+        <p:sp>
+          <p:nvSpPr>
+            <p:cNvPr id="51" name="TextBox 50">
+              <a:extLst>
+                <a:ext uri="{FF2B5EF4-FFF2-40B4-BE49-F238E27FC236}">
+                  <a16:creationId xmlns:a16="http://schemas.microsoft.com/office/drawing/2014/main" id="{433A42B3-6FAD-5348-9775-50D76A3DAC33}"/>
+                </a:ext>
+              </a:extLst>
+            </p:cNvPr>
+            <p:cNvSpPr txBox="1"/>
+            <p:nvPr/>
+          </p:nvSpPr>
+          <p:spPr>
+            <a:xfrm>
+              <a:off x="6219432" y="1759565"/>
+              <a:ext cx="429658" cy="307777"/>
+            </a:xfrm>
+            <a:prstGeom prst="rect">
+              <a:avLst/>
+            </a:prstGeom>
+            <a:noFill/>
+          </p:spPr>
+          <p:txBody>
+            <a:bodyPr wrap="square" rtlCol="0">
+              <a:spAutoFit/>
+            </a:bodyPr>
+            <a:lstStyle/>
+            <a:p>
+              <a:pPr algn="ctr"/>
+              <a:r>
+                <a:rPr lang="en-VN" sz="1400" i="1">
+                  <a:latin typeface="Times New Roman" panose="02020603050405020304" pitchFamily="18" charset="0"/>
+                  <a:cs typeface="Times New Roman" panose="02020603050405020304" pitchFamily="18" charset="0"/>
+                </a:rPr>
+                <a:t>K</a:t>
+              </a:r>
+            </a:p>
+          </p:txBody>
+        </p:sp>
+        <p:sp>
+          <p:nvSpPr>
+            <p:cNvPr id="53" name="Rectangle 52">
+              <a:extLst>
+                <a:ext uri="{FF2B5EF4-FFF2-40B4-BE49-F238E27FC236}">
+                  <a16:creationId xmlns:a16="http://schemas.microsoft.com/office/drawing/2014/main" id="{8EA2F7AC-4145-F244-A6B3-8556D38878B1}"/>
+                </a:ext>
+              </a:extLst>
+            </p:cNvPr>
+            <p:cNvSpPr/>
+            <p:nvPr/>
+          </p:nvSpPr>
+          <p:spPr>
+            <a:xfrm rot="5400000">
+              <a:off x="7486374" y="1818585"/>
+              <a:ext cx="720000" cy="234000"/>
+            </a:xfrm>
+            <a:prstGeom prst="rect">
+              <a:avLst/>
+            </a:prstGeom>
+            <a:solidFill>
+              <a:srgbClr val="0070C0">
+                <a:alpha val="40000"/>
+              </a:srgbClr>
+            </a:solidFill>
+            <a:ln>
+              <a:noFill/>
+            </a:ln>
+          </p:spPr>
+          <p:style>
+            <a:lnRef idx="2">
+              <a:schemeClr val="accent1">
+                <a:shade val="50000"/>
+              </a:schemeClr>
+            </a:lnRef>
+            <a:fillRef idx="1">
+              <a:schemeClr val="accent1"/>
+            </a:fillRef>
+            <a:effectRef idx="0">
+              <a:schemeClr val="accent1"/>
+            </a:effectRef>
+            <a:fontRef idx="minor">
+              <a:schemeClr val="lt1"/>
+            </a:fontRef>
+          </p:style>
+          <p:txBody>
+            <a:bodyPr rtlCol="0" anchor="ctr"/>
+            <a:lstStyle/>
+            <a:p>
+              <a:pPr algn="ctr"/>
+              <a:endParaRPr lang="en-VN">
+                <a:latin typeface="Times New Roman" panose="02020603050405020304" pitchFamily="18" charset="0"/>
+                <a:cs typeface="Times New Roman" panose="02020603050405020304" pitchFamily="18" charset="0"/>
+              </a:endParaRPr>
+            </a:p>
+          </p:txBody>
+        </p:sp>
+        <p:cxnSp>
+          <p:nvCxnSpPr>
+            <p:cNvPr id="32" name="Straight Arrow Connector 31">
+              <a:extLst>
+                <a:ext uri="{FF2B5EF4-FFF2-40B4-BE49-F238E27FC236}">
+                  <a16:creationId xmlns:a16="http://schemas.microsoft.com/office/drawing/2014/main" id="{3BE91044-8EA2-EE40-BC97-6EEAE1F7D191}"/>
+                </a:ext>
+              </a:extLst>
+            </p:cNvPr>
+            <p:cNvCxnSpPr>
+              <a:cxnSpLocks/>
+            </p:cNvCxnSpPr>
+            <p:nvPr/>
+          </p:nvCxnSpPr>
+          <p:spPr>
+            <a:xfrm>
+              <a:off x="6784872" y="1377109"/>
+              <a:ext cx="1806766" cy="0"/>
+            </a:xfrm>
+            <a:prstGeom prst="straightConnector1">
+              <a:avLst/>
+            </a:prstGeom>
+            <a:ln w="6350">
+              <a:solidFill>
+                <a:schemeClr val="tx1">
+                  <a:lumMod val="75000"/>
+                  <a:lumOff val="25000"/>
+                </a:schemeClr>
+              </a:solidFill>
+              <a:headEnd type="stealth"/>
+              <a:tailEnd type="stealth"/>
+            </a:ln>
+          </p:spPr>
+          <p:style>
+            <a:lnRef idx="1">
+              <a:schemeClr val="accent1"/>
+            </a:lnRef>
+            <a:fillRef idx="0">
+              <a:schemeClr val="accent1"/>
+            </a:fillRef>
+            <a:effectRef idx="0">
+              <a:schemeClr val="accent1"/>
+            </a:effectRef>
+            <a:fontRef idx="minor">
+              <a:schemeClr val="tx1"/>
+            </a:fontRef>
+          </p:style>
+        </p:cxnSp>
+        <p:sp>
+          <p:nvSpPr>
+            <p:cNvPr id="34" name="TextBox 33">
+              <a:extLst>
+                <a:ext uri="{FF2B5EF4-FFF2-40B4-BE49-F238E27FC236}">
+                  <a16:creationId xmlns:a16="http://schemas.microsoft.com/office/drawing/2014/main" id="{72C0BE59-E8F6-7947-9220-1F0DCC56F992}"/>
+                </a:ext>
+              </a:extLst>
+            </p:cNvPr>
+            <p:cNvSpPr txBox="1"/>
+            <p:nvPr/>
+          </p:nvSpPr>
+          <p:spPr>
+            <a:xfrm>
+              <a:off x="7634590" y="2295585"/>
+              <a:ext cx="423568" cy="307777"/>
+            </a:xfrm>
+            <a:prstGeom prst="rect">
+              <a:avLst/>
+            </a:prstGeom>
+            <a:noFill/>
+          </p:spPr>
+          <p:txBody>
+            <a:bodyPr wrap="square" rtlCol="0">
+              <a:spAutoFit/>
+            </a:bodyPr>
+            <a:lstStyle/>
+            <a:p>
+              <a:pPr algn="ctr"/>
+              <a:r>
+                <a:rPr lang="en-VN" sz="1400" i="1">
+                  <a:latin typeface="Times New Roman" panose="02020603050405020304" pitchFamily="18" charset="0"/>
+                  <a:cs typeface="Times New Roman" panose="02020603050405020304" pitchFamily="18" charset="0"/>
+                </a:rPr>
+                <a:t>i</a:t>
+              </a:r>
+            </a:p>
+          </p:txBody>
+        </p:sp>
+        <p:sp>
+          <p:nvSpPr>
+            <p:cNvPr id="61" name="TextBox 60">
+              <a:extLst>
+                <a:ext uri="{FF2B5EF4-FFF2-40B4-BE49-F238E27FC236}">
+                  <a16:creationId xmlns:a16="http://schemas.microsoft.com/office/drawing/2014/main" id="{25E7AA06-4EC1-E94D-955B-455A2FC45AFA}"/>
+                </a:ext>
+              </a:extLst>
+            </p:cNvPr>
+            <p:cNvSpPr txBox="1"/>
+            <p:nvPr/>
+          </p:nvSpPr>
+          <p:spPr>
+            <a:xfrm>
+              <a:off x="7941542" y="1771170"/>
+              <a:ext cx="470636" cy="338554"/>
+            </a:xfrm>
+            <a:prstGeom prst="rect">
+              <a:avLst/>
+            </a:prstGeom>
+            <a:noFill/>
+          </p:spPr>
+          <p:txBody>
+            <a:bodyPr wrap="square" rtlCol="0">
+              <a:spAutoFit/>
+            </a:bodyPr>
+            <a:lstStyle/>
+            <a:p>
+              <a:r>
+                <a:rPr lang="en-VN" sz="1600" b="1">
+                  <a:latin typeface="Times New Roman" panose="02020603050405020304" pitchFamily="18" charset="0"/>
+                  <a:cs typeface="Times New Roman" panose="02020603050405020304" pitchFamily="18" charset="0"/>
+                </a:rPr>
+                <a:t>q</a:t>
+              </a:r>
+              <a:r>
+                <a:rPr lang="en-VN" sz="1600" i="1" baseline="-25000">
+                  <a:latin typeface="Times New Roman" panose="02020603050405020304" pitchFamily="18" charset="0"/>
+                  <a:cs typeface="Times New Roman" panose="02020603050405020304" pitchFamily="18" charset="0"/>
+                </a:rPr>
+                <a:t>i</a:t>
+              </a:r>
+            </a:p>
+          </p:txBody>
+        </p:sp>
+      </p:grpSp>
+      <p:grpSp>
+        <p:nvGrpSpPr>
+          <p:cNvPr id="14" name="Group 13">
+            <a:extLst>
+              <a:ext uri="{FF2B5EF4-FFF2-40B4-BE49-F238E27FC236}">
+                <a16:creationId xmlns:a16="http://schemas.microsoft.com/office/drawing/2014/main" id="{699E8032-7635-5246-8B79-D091DB9CC94A}"/>
+              </a:ext>
+            </a:extLst>
+          </p:cNvPr>
+          <p:cNvGrpSpPr/>
+          <p:nvPr/>
+        </p:nvGrpSpPr>
+        <p:grpSpPr>
+          <a:xfrm>
+            <a:off x="4302030" y="1716945"/>
+            <a:ext cx="1046349" cy="2921019"/>
+            <a:chOff x="4918450" y="1111155"/>
+            <a:chExt cx="1046349" cy="2921019"/>
+          </a:xfrm>
+        </p:grpSpPr>
+        <p:sp>
+          <p:nvSpPr>
+            <p:cNvPr id="22" name="Rectangle 21">
+              <a:extLst>
+                <a:ext uri="{FF2B5EF4-FFF2-40B4-BE49-F238E27FC236}">
+                  <a16:creationId xmlns:a16="http://schemas.microsoft.com/office/drawing/2014/main" id="{B44FFC4A-0345-6C43-9223-D696AF31F160}"/>
+                </a:ext>
+              </a:extLst>
+            </p:cNvPr>
+            <p:cNvSpPr/>
+            <p:nvPr/>
+          </p:nvSpPr>
+          <p:spPr>
+            <a:xfrm>
+              <a:off x="4918450" y="1575413"/>
+              <a:ext cx="720000" cy="2456761"/>
+            </a:xfrm>
+            <a:prstGeom prst="rect">
+              <a:avLst/>
+            </a:prstGeom>
+            <a:noFill/>
+            <a:ln w="19050">
+              <a:solidFill>
+                <a:schemeClr val="tx1">
+                  <a:lumMod val="75000"/>
+                  <a:lumOff val="25000"/>
+                </a:schemeClr>
+              </a:solidFill>
+            </a:ln>
+          </p:spPr>
+          <p:style>
+            <a:lnRef idx="2">
+              <a:schemeClr val="accent1">
+                <a:shade val="50000"/>
+              </a:schemeClr>
+            </a:lnRef>
+            <a:fillRef idx="1">
+              <a:schemeClr val="accent1"/>
+            </a:fillRef>
+            <a:effectRef idx="0">
+              <a:schemeClr val="accent1"/>
+            </a:effectRef>
+            <a:fontRef idx="minor">
+              <a:schemeClr val="lt1"/>
+            </a:fontRef>
+          </p:style>
+          <p:txBody>
+            <a:bodyPr rtlCol="0" anchor="ctr"/>
+            <a:lstStyle/>
+            <a:p>
+              <a:pPr algn="ctr"/>
+              <a:endParaRPr lang="en-VN">
+                <a:latin typeface="Times New Roman" panose="02020603050405020304" pitchFamily="18" charset="0"/>
+                <a:cs typeface="Times New Roman" panose="02020603050405020304" pitchFamily="18" charset="0"/>
+              </a:endParaRPr>
+            </a:p>
+          </p:txBody>
+        </p:sp>
+        <p:sp>
+          <p:nvSpPr>
+            <p:cNvPr id="23" name="TextBox 22">
+              <a:extLst>
+                <a:ext uri="{FF2B5EF4-FFF2-40B4-BE49-F238E27FC236}">
+                  <a16:creationId xmlns:a16="http://schemas.microsoft.com/office/drawing/2014/main" id="{E034EB12-2FFD-924A-8319-060F96DDA0FF}"/>
+                </a:ext>
+              </a:extLst>
+            </p:cNvPr>
+            <p:cNvSpPr txBox="1"/>
+            <p:nvPr/>
+          </p:nvSpPr>
+          <p:spPr>
+            <a:xfrm>
+              <a:off x="4918450" y="1575413"/>
+              <a:ext cx="449280" cy="338554"/>
+            </a:xfrm>
+            <a:prstGeom prst="rect">
+              <a:avLst/>
+            </a:prstGeom>
+            <a:noFill/>
+          </p:spPr>
+          <p:txBody>
+            <a:bodyPr wrap="square" rtlCol="0">
+              <a:spAutoFit/>
+            </a:bodyPr>
+            <a:lstStyle/>
+            <a:p>
+              <a:r>
+                <a:rPr lang="en-VN" sz="1600" b="1">
+                  <a:latin typeface="Times New Roman" panose="02020603050405020304" pitchFamily="18" charset="0"/>
+                  <a:cs typeface="Times New Roman" panose="02020603050405020304" pitchFamily="18" charset="0"/>
+                </a:rPr>
+                <a:t>P</a:t>
+              </a:r>
+            </a:p>
+          </p:txBody>
+        </p:sp>
+        <p:cxnSp>
+          <p:nvCxnSpPr>
+            <p:cNvPr id="24" name="Straight Arrow Connector 23">
+              <a:extLst>
+                <a:ext uri="{FF2B5EF4-FFF2-40B4-BE49-F238E27FC236}">
+                  <a16:creationId xmlns:a16="http://schemas.microsoft.com/office/drawing/2014/main" id="{42CD9930-0C90-1449-B8A3-7E04437A63B6}"/>
+                </a:ext>
+              </a:extLst>
+            </p:cNvPr>
+            <p:cNvCxnSpPr>
+              <a:cxnSpLocks/>
+            </p:cNvCxnSpPr>
+            <p:nvPr/>
+          </p:nvCxnSpPr>
+          <p:spPr>
+            <a:xfrm>
+              <a:off x="4918450" y="1377109"/>
+              <a:ext cx="720000" cy="0"/>
+            </a:xfrm>
+            <a:prstGeom prst="straightConnector1">
+              <a:avLst/>
+            </a:prstGeom>
+            <a:ln w="6350">
+              <a:solidFill>
+                <a:schemeClr val="tx1">
+                  <a:lumMod val="75000"/>
+                  <a:lumOff val="25000"/>
+                </a:schemeClr>
+              </a:solidFill>
+              <a:headEnd type="stealth"/>
+              <a:tailEnd type="stealth"/>
+            </a:ln>
+          </p:spPr>
+          <p:style>
+            <a:lnRef idx="1">
+              <a:schemeClr val="accent1"/>
+            </a:lnRef>
+            <a:fillRef idx="0">
+              <a:schemeClr val="accent1"/>
+            </a:fillRef>
+            <a:effectRef idx="0">
+              <a:schemeClr val="accent1"/>
+            </a:effectRef>
+            <a:fontRef idx="minor">
+              <a:schemeClr val="tx1"/>
+            </a:fontRef>
+          </p:style>
+        </p:cxnSp>
+        <p:sp>
+          <p:nvSpPr>
+            <p:cNvPr id="28" name="Rectangle 27">
+              <a:extLst>
+                <a:ext uri="{FF2B5EF4-FFF2-40B4-BE49-F238E27FC236}">
+                  <a16:creationId xmlns:a16="http://schemas.microsoft.com/office/drawing/2014/main" id="{F8A53722-650B-3148-9527-328369C1059E}"/>
+                </a:ext>
+              </a:extLst>
+            </p:cNvPr>
+            <p:cNvSpPr/>
+            <p:nvPr/>
+          </p:nvSpPr>
+          <p:spPr>
+            <a:xfrm>
+              <a:off x="4918450" y="3317358"/>
+              <a:ext cx="720000" cy="233916"/>
+            </a:xfrm>
+            <a:prstGeom prst="rect">
+              <a:avLst/>
+            </a:prstGeom>
+            <a:solidFill>
+              <a:srgbClr val="0070C0">
+                <a:alpha val="40000"/>
+              </a:srgbClr>
+            </a:solidFill>
+            <a:ln>
+              <a:noFill/>
+            </a:ln>
+          </p:spPr>
+          <p:style>
+            <a:lnRef idx="2">
+              <a:schemeClr val="accent1">
+                <a:shade val="50000"/>
+              </a:schemeClr>
+            </a:lnRef>
+            <a:fillRef idx="1">
+              <a:schemeClr val="accent1"/>
+            </a:fillRef>
+            <a:effectRef idx="0">
+              <a:schemeClr val="accent1"/>
+            </a:effectRef>
+            <a:fontRef idx="minor">
+              <a:schemeClr val="lt1"/>
+            </a:fontRef>
+          </p:style>
+          <p:txBody>
+            <a:bodyPr rtlCol="0" anchor="ctr"/>
+            <a:lstStyle/>
+            <a:p>
+              <a:pPr algn="ctr"/>
+              <a:endParaRPr lang="en-VN">
+                <a:latin typeface="Times New Roman" panose="02020603050405020304" pitchFamily="18" charset="0"/>
+                <a:cs typeface="Times New Roman" panose="02020603050405020304" pitchFamily="18" charset="0"/>
+              </a:endParaRPr>
+            </a:p>
+          </p:txBody>
+        </p:sp>
+        <p:sp>
+          <p:nvSpPr>
+            <p:cNvPr id="30" name="TextBox 29">
+              <a:extLst>
+                <a:ext uri="{FF2B5EF4-FFF2-40B4-BE49-F238E27FC236}">
+                  <a16:creationId xmlns:a16="http://schemas.microsoft.com/office/drawing/2014/main" id="{03BCD34D-69BA-714F-8DBA-20B85C00E4D4}"/>
+                </a:ext>
+              </a:extLst>
+            </p:cNvPr>
+            <p:cNvSpPr txBox="1"/>
+            <p:nvPr/>
+          </p:nvSpPr>
+          <p:spPr>
+            <a:xfrm>
+              <a:off x="5063621" y="1111155"/>
+              <a:ext cx="429658" cy="307777"/>
+            </a:xfrm>
+            <a:prstGeom prst="rect">
+              <a:avLst/>
+            </a:prstGeom>
+            <a:noFill/>
+          </p:spPr>
+          <p:txBody>
+            <a:bodyPr wrap="square" rtlCol="0">
+              <a:spAutoFit/>
+            </a:bodyPr>
+            <a:lstStyle/>
+            <a:p>
+              <a:pPr algn="ctr"/>
+              <a:r>
+                <a:rPr lang="en-VN" sz="1400" i="1">
+                  <a:latin typeface="Times New Roman" panose="02020603050405020304" pitchFamily="18" charset="0"/>
+                  <a:cs typeface="Times New Roman" panose="02020603050405020304" pitchFamily="18" charset="0"/>
+                </a:rPr>
+                <a:t>K</a:t>
+              </a:r>
+            </a:p>
+          </p:txBody>
+        </p:sp>
+        <p:sp>
+          <p:nvSpPr>
+            <p:cNvPr id="36" name="TextBox 35">
+              <a:extLst>
+                <a:ext uri="{FF2B5EF4-FFF2-40B4-BE49-F238E27FC236}">
+                  <a16:creationId xmlns:a16="http://schemas.microsoft.com/office/drawing/2014/main" id="{170E9CF7-28B6-644C-B871-97A91A81F26E}"/>
+                </a:ext>
+              </a:extLst>
+            </p:cNvPr>
+            <p:cNvSpPr txBox="1"/>
+            <p:nvPr/>
+          </p:nvSpPr>
+          <p:spPr>
+            <a:xfrm>
+              <a:off x="5642515" y="3275111"/>
+              <a:ext cx="322284" cy="307777"/>
+            </a:xfrm>
+            <a:prstGeom prst="rect">
+              <a:avLst/>
+            </a:prstGeom>
+            <a:noFill/>
+          </p:spPr>
+          <p:txBody>
+            <a:bodyPr wrap="square" rtlCol="0">
+              <a:spAutoFit/>
+            </a:bodyPr>
+            <a:lstStyle/>
+            <a:p>
+              <a:r>
+                <a:rPr lang="en-VN" sz="1400" i="1">
+                  <a:latin typeface="Times New Roman" panose="02020603050405020304" pitchFamily="18" charset="0"/>
+                  <a:cs typeface="Times New Roman" panose="02020603050405020304" pitchFamily="18" charset="0"/>
+                </a:rPr>
+                <a:t>u</a:t>
+              </a:r>
+            </a:p>
+          </p:txBody>
+        </p:sp>
+        <p:sp>
+          <p:nvSpPr>
+            <p:cNvPr id="60" name="TextBox 59">
+              <a:extLst>
+                <a:ext uri="{FF2B5EF4-FFF2-40B4-BE49-F238E27FC236}">
+                  <a16:creationId xmlns:a16="http://schemas.microsoft.com/office/drawing/2014/main" id="{54EC10D2-74C4-E249-8608-24DF6A6FA037}"/>
+                </a:ext>
+              </a:extLst>
+            </p:cNvPr>
+            <p:cNvSpPr txBox="1"/>
+            <p:nvPr/>
+          </p:nvSpPr>
+          <p:spPr>
+            <a:xfrm>
+              <a:off x="5053810" y="2991600"/>
+              <a:ext cx="449280" cy="338554"/>
+            </a:xfrm>
+            <a:prstGeom prst="rect">
+              <a:avLst/>
+            </a:prstGeom>
+            <a:noFill/>
+          </p:spPr>
+          <p:txBody>
+            <a:bodyPr wrap="square" rtlCol="0">
+              <a:spAutoFit/>
+            </a:bodyPr>
+            <a:lstStyle/>
+            <a:p>
+              <a:pPr algn="ctr"/>
+              <a:r>
+                <a:rPr lang="en-VN" sz="1600" b="1">
+                  <a:latin typeface="Times New Roman" panose="02020603050405020304" pitchFamily="18" charset="0"/>
+                  <a:cs typeface="Times New Roman" panose="02020603050405020304" pitchFamily="18" charset="0"/>
+                </a:rPr>
+                <a:t>p</a:t>
+              </a:r>
+              <a:r>
+                <a:rPr lang="en-VN" sz="1600" i="1" baseline="-25000">
+                  <a:latin typeface="Times New Roman" panose="02020603050405020304" pitchFamily="18" charset="0"/>
+                  <a:cs typeface="Times New Roman" panose="02020603050405020304" pitchFamily="18" charset="0"/>
+                </a:rPr>
+                <a:t>u</a:t>
+              </a:r>
+            </a:p>
+          </p:txBody>
+        </p:sp>
+      </p:grpSp>
+      <mc:AlternateContent xmlns:mc="http://schemas.openxmlformats.org/markup-compatibility/2006" xmlns:a14="http://schemas.microsoft.com/office/drawing/2010/main">
+        <mc:Choice Requires="a14">
+          <p:sp>
+            <p:nvSpPr>
+              <p:cNvPr id="40" name="TextBox 39">
+                <a:extLst>
+                  <a:ext uri="{FF2B5EF4-FFF2-40B4-BE49-F238E27FC236}">
+                    <a16:creationId xmlns:a16="http://schemas.microsoft.com/office/drawing/2014/main" id="{290C76F3-DB96-1641-8B2D-E32BD483BDF1}"/>
+                  </a:ext>
+                </a:extLst>
+              </p:cNvPr>
+              <p:cNvSpPr txBox="1"/>
+              <p:nvPr/>
+            </p:nvSpPr>
+            <p:spPr>
+              <a:xfrm>
+                <a:off x="8114345" y="3260560"/>
+                <a:ext cx="256480" cy="307777"/>
+              </a:xfrm>
+              <a:prstGeom prst="rect">
+                <a:avLst/>
+              </a:prstGeom>
+              <a:noFill/>
+            </p:spPr>
+            <p:txBody>
+              <a:bodyPr wrap="none" lIns="0" tIns="0" rIns="0" bIns="0" rtlCol="0">
+                <a:spAutoFit/>
+              </a:bodyPr>
+              <a:lstStyle/>
+              <a:p>
+                <a:pPr/>
+                <a14:m>
+                  <m:oMathPara xmlns:m="http://schemas.openxmlformats.org/officeDocument/2006/math">
+                    <m:oMathParaPr>
+                      <m:jc m:val="centerGroup"/>
+                    </m:oMathParaPr>
+                    <m:oMath xmlns:m="http://schemas.openxmlformats.org/officeDocument/2006/math">
+                      <m:r>
+                        <a:rPr lang="en-US" sz="2000" b="0" i="1">
+                          <a:latin typeface="Cambria Math" panose="02040503050406030204" pitchFamily="18" charset="0"/>
+                        </a:rPr>
+                        <m:t>+</m:t>
+                      </m:r>
+                    </m:oMath>
+                  </m:oMathPara>
+                </a14:m>
+                <a:endParaRPr lang="en-US" sz="2000" b="0">
+                  <a:latin typeface="Times New Roman" panose="02020603050405020304" pitchFamily="18" charset="0"/>
+                  <a:cs typeface="Times New Roman" panose="02020603050405020304" pitchFamily="18" charset="0"/>
+                </a:endParaRPr>
+              </a:p>
+            </p:txBody>
+          </p:sp>
+        </mc:Choice>
+        <mc:Fallback xmlns="">
+          <p:sp>
+            <p:nvSpPr>
+              <p:cNvPr id="40" name="TextBox 39">
+                <a:extLst>
+                  <a:ext uri="{FF2B5EF4-FFF2-40B4-BE49-F238E27FC236}">
+                    <a16:creationId xmlns:a16="http://schemas.microsoft.com/office/drawing/2014/main" id="{290C76F3-DB96-1641-8B2D-E32BD483BDF1}"/>
+                  </a:ext>
+                </a:extLst>
+              </p:cNvPr>
+              <p:cNvSpPr txBox="1">
+                <a:spLocks noRot="1" noChangeAspect="1" noMove="1" noResize="1" noEditPoints="1" noAdjustHandles="1" noChangeArrowheads="1" noChangeShapeType="1" noTextEdit="1"/>
+              </p:cNvSpPr>
+              <p:nvPr/>
+            </p:nvSpPr>
+            <p:spPr>
+              <a:xfrm>
+                <a:off x="8114345" y="3260560"/>
+                <a:ext cx="256480" cy="307777"/>
+              </a:xfrm>
+              <a:prstGeom prst="rect">
+                <a:avLst/>
+              </a:prstGeom>
+              <a:blipFill>
+                <a:blip r:embed="rId4"/>
+                <a:stretch>
+                  <a:fillRect l="-19048" r="-19048" b="-8000"/>
+                </a:stretch>
+              </a:blipFill>
+            </p:spPr>
+            <p:txBody>
+              <a:bodyPr/>
+              <a:lstStyle/>
+              <a:p>
+                <a:r>
+                  <a:rPr lang="en-VN">
+                    <a:noFill/>
+                  </a:rPr>
+                  <a:t> </a:t>
+                </a:r>
+              </a:p>
+            </p:txBody>
+          </p:sp>
+        </mc:Fallback>
+      </mc:AlternateContent>
+      <p:grpSp>
+        <p:nvGrpSpPr>
+          <p:cNvPr id="41" name="Group 40">
+            <a:extLst>
+              <a:ext uri="{FF2B5EF4-FFF2-40B4-BE49-F238E27FC236}">
+                <a16:creationId xmlns:a16="http://schemas.microsoft.com/office/drawing/2014/main" id="{1DE8B069-B4B7-0949-AD00-F4A31ED4EBC9}"/>
+              </a:ext>
+            </a:extLst>
+          </p:cNvPr>
+          <p:cNvGrpSpPr/>
+          <p:nvPr/>
+        </p:nvGrpSpPr>
+        <p:grpSpPr>
+          <a:xfrm>
+            <a:off x="8733233" y="1716945"/>
+            <a:ext cx="2115460" cy="3228284"/>
+            <a:chOff x="2688116" y="1111155"/>
+            <a:chExt cx="2115460" cy="3228284"/>
+          </a:xfrm>
+        </p:grpSpPr>
+        <p:sp>
+          <p:nvSpPr>
+            <p:cNvPr id="42" name="Rectangle 41">
+              <a:extLst>
+                <a:ext uri="{FF2B5EF4-FFF2-40B4-BE49-F238E27FC236}">
+                  <a16:creationId xmlns:a16="http://schemas.microsoft.com/office/drawing/2014/main" id="{0725481F-483D-AE47-A1C2-92B2AF3395D4}"/>
+                </a:ext>
+              </a:extLst>
+            </p:cNvPr>
+            <p:cNvSpPr/>
+            <p:nvPr/>
+          </p:nvSpPr>
+          <p:spPr>
+            <a:xfrm>
+              <a:off x="2688116" y="1575413"/>
+              <a:ext cx="1806766" cy="2456761"/>
+            </a:xfrm>
+            <a:prstGeom prst="rect">
+              <a:avLst/>
+            </a:prstGeom>
+            <a:noFill/>
+            <a:ln w="19050">
+              <a:solidFill>
+                <a:schemeClr val="tx1">
+                  <a:lumMod val="75000"/>
+                  <a:lumOff val="25000"/>
+                </a:schemeClr>
+              </a:solidFill>
+            </a:ln>
+          </p:spPr>
+          <p:style>
+            <a:lnRef idx="2">
+              <a:schemeClr val="accent1">
+                <a:shade val="50000"/>
+              </a:schemeClr>
+            </a:lnRef>
+            <a:fillRef idx="1">
+              <a:schemeClr val="accent1"/>
+            </a:fillRef>
+            <a:effectRef idx="0">
+              <a:schemeClr val="accent1"/>
+            </a:effectRef>
+            <a:fontRef idx="minor">
+              <a:schemeClr val="lt1"/>
+            </a:fontRef>
+          </p:style>
+          <p:txBody>
+            <a:bodyPr rtlCol="0" anchor="ctr"/>
+            <a:lstStyle/>
+            <a:p>
+              <a:pPr algn="ctr"/>
+              <a:endParaRPr lang="en-VN">
+                <a:latin typeface="Times New Roman" panose="02020603050405020304" pitchFamily="18" charset="0"/>
+                <a:cs typeface="Times New Roman" panose="02020603050405020304" pitchFamily="18" charset="0"/>
+              </a:endParaRPr>
+            </a:p>
+          </p:txBody>
+        </p:sp>
+        <p:sp>
+          <p:nvSpPr>
+            <p:cNvPr id="43" name="TextBox 42">
+              <a:extLst>
+                <a:ext uri="{FF2B5EF4-FFF2-40B4-BE49-F238E27FC236}">
+                  <a16:creationId xmlns:a16="http://schemas.microsoft.com/office/drawing/2014/main" id="{C57B193D-A6F4-284C-B4E7-69FAF22ECB97}"/>
+                </a:ext>
+              </a:extLst>
+            </p:cNvPr>
+            <p:cNvSpPr txBox="1"/>
+            <p:nvPr/>
+          </p:nvSpPr>
+          <p:spPr>
+            <a:xfrm>
+              <a:off x="2688116" y="1575413"/>
+              <a:ext cx="429658" cy="338554"/>
+            </a:xfrm>
+            <a:prstGeom prst="rect">
+              <a:avLst/>
+            </a:prstGeom>
+            <a:noFill/>
+          </p:spPr>
+          <p:txBody>
+            <a:bodyPr wrap="square" rtlCol="0">
+              <a:spAutoFit/>
+            </a:bodyPr>
+            <a:lstStyle/>
+            <a:p>
+              <a:r>
+                <a:rPr lang="en-VN" sz="1600" b="1">
+                  <a:latin typeface="Times New Roman" panose="02020603050405020304" pitchFamily="18" charset="0"/>
+                  <a:cs typeface="Times New Roman" panose="02020603050405020304" pitchFamily="18" charset="0"/>
+                </a:rPr>
+                <a:t>B</a:t>
+              </a:r>
+            </a:p>
+          </p:txBody>
+        </p:sp>
+        <p:cxnSp>
+          <p:nvCxnSpPr>
+            <p:cNvPr id="44" name="Straight Arrow Connector 43">
+              <a:extLst>
+                <a:ext uri="{FF2B5EF4-FFF2-40B4-BE49-F238E27FC236}">
+                  <a16:creationId xmlns:a16="http://schemas.microsoft.com/office/drawing/2014/main" id="{952C83AF-8959-CB4D-95BA-6FD40A0C4479}"/>
+                </a:ext>
+              </a:extLst>
+            </p:cNvPr>
+            <p:cNvCxnSpPr>
+              <a:cxnSpLocks/>
+            </p:cNvCxnSpPr>
+            <p:nvPr/>
+          </p:nvCxnSpPr>
+          <p:spPr>
+            <a:xfrm>
+              <a:off x="2688116" y="1377109"/>
+              <a:ext cx="1806766" cy="0"/>
+            </a:xfrm>
+            <a:prstGeom prst="straightConnector1">
+              <a:avLst/>
+            </a:prstGeom>
+            <a:ln w="6350">
+              <a:solidFill>
+                <a:schemeClr val="tx1">
+                  <a:lumMod val="75000"/>
+                  <a:lumOff val="25000"/>
+                </a:schemeClr>
+              </a:solidFill>
+              <a:headEnd type="stealth"/>
+              <a:tailEnd type="stealth"/>
+            </a:ln>
+          </p:spPr>
+          <p:style>
+            <a:lnRef idx="1">
+              <a:schemeClr val="accent1"/>
+            </a:lnRef>
+            <a:fillRef idx="0">
+              <a:schemeClr val="accent1"/>
+            </a:fillRef>
+            <a:effectRef idx="0">
+              <a:schemeClr val="accent1"/>
+            </a:effectRef>
+            <a:fontRef idx="minor">
+              <a:schemeClr val="tx1"/>
+            </a:fontRef>
+          </p:style>
+        </p:cxnSp>
+        <p:sp>
+          <p:nvSpPr>
+            <p:cNvPr id="45" name="TextBox 44">
+              <a:extLst>
+                <a:ext uri="{FF2B5EF4-FFF2-40B4-BE49-F238E27FC236}">
+                  <a16:creationId xmlns:a16="http://schemas.microsoft.com/office/drawing/2014/main" id="{95F3A49F-E7A8-264F-8985-0319F530E5A2}"/>
+                </a:ext>
+              </a:extLst>
+            </p:cNvPr>
+            <p:cNvSpPr txBox="1"/>
+            <p:nvPr/>
+          </p:nvSpPr>
+          <p:spPr>
+            <a:xfrm>
+              <a:off x="3376670" y="1111155"/>
+              <a:ext cx="429658" cy="307777"/>
+            </a:xfrm>
+            <a:prstGeom prst="rect">
+              <a:avLst/>
+            </a:prstGeom>
+            <a:noFill/>
+          </p:spPr>
+          <p:txBody>
+            <a:bodyPr wrap="square" rtlCol="0">
+              <a:spAutoFit/>
+            </a:bodyPr>
+            <a:lstStyle/>
+            <a:p>
+              <a:pPr algn="ctr"/>
+              <a:r>
+                <a:rPr lang="en-VN" sz="1400" i="1">
+                  <a:latin typeface="Times New Roman" panose="02020603050405020304" pitchFamily="18" charset="0"/>
+                  <a:cs typeface="Times New Roman" panose="02020603050405020304" pitchFamily="18" charset="0"/>
+                </a:rPr>
+                <a:t>I</a:t>
+              </a:r>
+            </a:p>
+          </p:txBody>
+        </p:sp>
+        <p:sp>
+          <p:nvSpPr>
+            <p:cNvPr id="52" name="Rectangle 51">
+              <a:extLst>
+                <a:ext uri="{FF2B5EF4-FFF2-40B4-BE49-F238E27FC236}">
+                  <a16:creationId xmlns:a16="http://schemas.microsoft.com/office/drawing/2014/main" id="{D022EEEE-9BC8-4440-A52A-CD9A3D3D6A31}"/>
+                </a:ext>
+              </a:extLst>
+            </p:cNvPr>
+            <p:cNvSpPr/>
+            <p:nvPr/>
+          </p:nvSpPr>
+          <p:spPr>
+            <a:xfrm>
+              <a:off x="2688116" y="3317358"/>
+              <a:ext cx="1806766" cy="233916"/>
+            </a:xfrm>
+            <a:prstGeom prst="rect">
+              <a:avLst/>
+            </a:prstGeom>
+            <a:noFill/>
+            <a:ln>
+              <a:solidFill>
+                <a:schemeClr val="tx1"/>
+              </a:solidFill>
+              <a:prstDash val="dash"/>
+            </a:ln>
+          </p:spPr>
+          <p:style>
+            <a:lnRef idx="2">
+              <a:schemeClr val="accent1">
+                <a:shade val="50000"/>
+              </a:schemeClr>
+            </a:lnRef>
+            <a:fillRef idx="1">
+              <a:schemeClr val="accent1"/>
+            </a:fillRef>
+            <a:effectRef idx="0">
+              <a:schemeClr val="accent1"/>
+            </a:effectRef>
+            <a:fontRef idx="minor">
+              <a:schemeClr val="lt1"/>
+            </a:fontRef>
+          </p:style>
+          <p:txBody>
+            <a:bodyPr rtlCol="0" anchor="ctr"/>
+            <a:lstStyle/>
+            <a:p>
+              <a:pPr algn="ctr"/>
+              <a:endParaRPr lang="en-VN">
+                <a:latin typeface="Times New Roman" panose="02020603050405020304" pitchFamily="18" charset="0"/>
+                <a:cs typeface="Times New Roman" panose="02020603050405020304" pitchFamily="18" charset="0"/>
+              </a:endParaRPr>
+            </a:p>
+          </p:txBody>
+        </p:sp>
+        <p:sp>
+          <p:nvSpPr>
+            <p:cNvPr id="54" name="Rectangle 53">
+              <a:extLst>
+                <a:ext uri="{FF2B5EF4-FFF2-40B4-BE49-F238E27FC236}">
+                  <a16:creationId xmlns:a16="http://schemas.microsoft.com/office/drawing/2014/main" id="{74A6E59C-C244-A340-A6DF-D87D66CE2678}"/>
+                </a:ext>
+              </a:extLst>
+            </p:cNvPr>
+            <p:cNvSpPr/>
+            <p:nvPr/>
+          </p:nvSpPr>
+          <p:spPr>
+            <a:xfrm rot="5400000">
+              <a:off x="2529650" y="2686323"/>
+              <a:ext cx="2456761" cy="233916"/>
+            </a:xfrm>
+            <a:prstGeom prst="rect">
+              <a:avLst/>
+            </a:prstGeom>
+            <a:noFill/>
+            <a:ln>
+              <a:solidFill>
+                <a:schemeClr val="tx1"/>
+              </a:solidFill>
+              <a:prstDash val="dash"/>
+            </a:ln>
+          </p:spPr>
+          <p:style>
+            <a:lnRef idx="2">
+              <a:schemeClr val="accent1">
+                <a:shade val="50000"/>
+              </a:schemeClr>
+            </a:lnRef>
+            <a:fillRef idx="1">
+              <a:schemeClr val="accent1"/>
+            </a:fillRef>
+            <a:effectRef idx="0">
+              <a:schemeClr val="accent1"/>
+            </a:effectRef>
+            <a:fontRef idx="minor">
+              <a:schemeClr val="lt1"/>
+            </a:fontRef>
+          </p:style>
+          <p:txBody>
+            <a:bodyPr rtlCol="0" anchor="ctr"/>
+            <a:lstStyle/>
+            <a:p>
+              <a:pPr algn="ctr"/>
+              <a:endParaRPr lang="en-VN">
+                <a:latin typeface="Times New Roman" panose="02020603050405020304" pitchFamily="18" charset="0"/>
+                <a:cs typeface="Times New Roman" panose="02020603050405020304" pitchFamily="18" charset="0"/>
+              </a:endParaRPr>
+            </a:p>
+          </p:txBody>
+        </p:sp>
+        <p:sp>
+          <p:nvSpPr>
+            <p:cNvPr id="55" name="TextBox 54">
+              <a:extLst>
+                <a:ext uri="{FF2B5EF4-FFF2-40B4-BE49-F238E27FC236}">
+                  <a16:creationId xmlns:a16="http://schemas.microsoft.com/office/drawing/2014/main" id="{B522BA9B-2FFC-EA45-B877-0A3F29CDD007}"/>
+                </a:ext>
+              </a:extLst>
+            </p:cNvPr>
+            <p:cNvSpPr txBox="1"/>
+            <p:nvPr/>
+          </p:nvSpPr>
+          <p:spPr>
+            <a:xfrm>
+              <a:off x="4494882" y="3292302"/>
+              <a:ext cx="308694" cy="307777"/>
+            </a:xfrm>
+            <a:prstGeom prst="rect">
+              <a:avLst/>
+            </a:prstGeom>
+            <a:noFill/>
+          </p:spPr>
+          <p:txBody>
+            <a:bodyPr wrap="square" rtlCol="0">
+              <a:spAutoFit/>
+            </a:bodyPr>
+            <a:lstStyle/>
+            <a:p>
+              <a:r>
+                <a:rPr lang="en-VN" sz="1400" i="1">
+                  <a:latin typeface="Times New Roman" panose="02020603050405020304" pitchFamily="18" charset="0"/>
+                  <a:cs typeface="Times New Roman" panose="02020603050405020304" pitchFamily="18" charset="0"/>
+                </a:rPr>
+                <a:t>u</a:t>
+              </a:r>
+            </a:p>
+          </p:txBody>
+        </p:sp>
+        <p:sp>
+          <p:nvSpPr>
+            <p:cNvPr id="56" name="TextBox 55">
+              <a:extLst>
+                <a:ext uri="{FF2B5EF4-FFF2-40B4-BE49-F238E27FC236}">
+                  <a16:creationId xmlns:a16="http://schemas.microsoft.com/office/drawing/2014/main" id="{B3A014BD-3D94-7941-A494-8AEA01CC1804}"/>
+                </a:ext>
+              </a:extLst>
+            </p:cNvPr>
+            <p:cNvSpPr txBox="1"/>
+            <p:nvPr/>
+          </p:nvSpPr>
+          <p:spPr>
+            <a:xfrm>
+              <a:off x="3543201" y="4031662"/>
+              <a:ext cx="429658" cy="307777"/>
+            </a:xfrm>
+            <a:prstGeom prst="rect">
+              <a:avLst/>
+            </a:prstGeom>
+            <a:noFill/>
+          </p:spPr>
+          <p:txBody>
+            <a:bodyPr wrap="square" rtlCol="0">
+              <a:spAutoFit/>
+            </a:bodyPr>
+            <a:lstStyle/>
+            <a:p>
+              <a:pPr algn="ctr"/>
+              <a:r>
+                <a:rPr lang="en-VN" sz="1400" i="1">
+                  <a:latin typeface="Times New Roman" panose="02020603050405020304" pitchFamily="18" charset="0"/>
+                  <a:cs typeface="Times New Roman" panose="02020603050405020304" pitchFamily="18" charset="0"/>
+                </a:rPr>
+                <a:t>i</a:t>
+              </a:r>
+            </a:p>
+          </p:txBody>
+        </p:sp>
+        <p:sp>
+          <p:nvSpPr>
+            <p:cNvPr id="57" name="Rectangle 56">
+              <a:extLst>
+                <a:ext uri="{FF2B5EF4-FFF2-40B4-BE49-F238E27FC236}">
+                  <a16:creationId xmlns:a16="http://schemas.microsoft.com/office/drawing/2014/main" id="{1F17C0D4-B38F-E742-A4F1-5B3ABE6A3D25}"/>
+                </a:ext>
+              </a:extLst>
+            </p:cNvPr>
+            <p:cNvSpPr/>
+            <p:nvPr/>
+          </p:nvSpPr>
+          <p:spPr>
+            <a:xfrm>
+              <a:off x="3641072" y="3316845"/>
+              <a:ext cx="233917" cy="233916"/>
+            </a:xfrm>
+            <a:prstGeom prst="rect">
+              <a:avLst/>
+            </a:prstGeom>
+            <a:solidFill>
+              <a:srgbClr val="0070C0">
+                <a:alpha val="40000"/>
+              </a:srgbClr>
+            </a:solidFill>
+            <a:ln>
+              <a:noFill/>
+            </a:ln>
+          </p:spPr>
+          <p:style>
+            <a:lnRef idx="2">
+              <a:schemeClr val="accent1">
+                <a:shade val="50000"/>
+              </a:schemeClr>
+            </a:lnRef>
+            <a:fillRef idx="1">
+              <a:schemeClr val="accent1"/>
+            </a:fillRef>
+            <a:effectRef idx="0">
+              <a:schemeClr val="accent1"/>
+            </a:effectRef>
+            <a:fontRef idx="minor">
+              <a:schemeClr val="lt1"/>
+            </a:fontRef>
+          </p:style>
+          <p:txBody>
+            <a:bodyPr rtlCol="0" anchor="ctr"/>
+            <a:lstStyle/>
+            <a:p>
+              <a:pPr algn="ctr"/>
+              <a:endParaRPr lang="en-VN">
+                <a:latin typeface="Times New Roman" panose="02020603050405020304" pitchFamily="18" charset="0"/>
+                <a:cs typeface="Times New Roman" panose="02020603050405020304" pitchFamily="18" charset="0"/>
+              </a:endParaRPr>
+            </a:p>
+          </p:txBody>
+        </p:sp>
+        <p:sp>
+          <p:nvSpPr>
+            <p:cNvPr id="62" name="TextBox 61">
+              <a:extLst>
+                <a:ext uri="{FF2B5EF4-FFF2-40B4-BE49-F238E27FC236}">
+                  <a16:creationId xmlns:a16="http://schemas.microsoft.com/office/drawing/2014/main" id="{31623053-CD37-1B47-98A9-EE988C847488}"/>
+                </a:ext>
+              </a:extLst>
+            </p:cNvPr>
+            <p:cNvSpPr txBox="1"/>
+            <p:nvPr/>
+          </p:nvSpPr>
+          <p:spPr>
+            <a:xfrm>
+              <a:off x="2743128" y="2974230"/>
+              <a:ext cx="897945" cy="338554"/>
+            </a:xfrm>
+            <a:prstGeom prst="rect">
+              <a:avLst/>
+            </a:prstGeom>
+            <a:noFill/>
+          </p:spPr>
+          <p:txBody>
+            <a:bodyPr wrap="square" rtlCol="0">
+              <a:spAutoFit/>
+            </a:bodyPr>
+            <a:lstStyle/>
+            <a:p>
+              <a:pPr algn="r"/>
+              <a:r>
+                <a:rPr lang="en-VN" sz="1600" i="1">
+                  <a:latin typeface="Times New Roman" panose="02020603050405020304" pitchFamily="18" charset="0"/>
+                  <a:cs typeface="Times New Roman" panose="02020603050405020304" pitchFamily="18" charset="0"/>
+                </a:rPr>
+                <a:t>b</a:t>
+              </a:r>
+              <a:r>
+                <a:rPr lang="en-VN" sz="1600" i="1" baseline="-25000">
+                  <a:latin typeface="Times New Roman" panose="02020603050405020304" pitchFamily="18" charset="0"/>
+                  <a:cs typeface="Times New Roman" panose="02020603050405020304" pitchFamily="18" charset="0"/>
+                </a:rPr>
+                <a:t>u</a:t>
+              </a:r>
+              <a:r>
+                <a:rPr lang="en-VN" sz="1600" i="1">
+                  <a:latin typeface="Times New Roman" panose="02020603050405020304" pitchFamily="18" charset="0"/>
+                  <a:cs typeface="Times New Roman" panose="02020603050405020304" pitchFamily="18" charset="0"/>
+                </a:rPr>
+                <a:t> + b</a:t>
+              </a:r>
+              <a:r>
+                <a:rPr lang="en-VN" sz="1600" i="1" baseline="-25000">
+                  <a:latin typeface="Times New Roman" panose="02020603050405020304" pitchFamily="18" charset="0"/>
+                  <a:cs typeface="Times New Roman" panose="02020603050405020304" pitchFamily="18" charset="0"/>
+                </a:rPr>
+                <a:t>i</a:t>
+              </a:r>
+            </a:p>
+          </p:txBody>
+        </p:sp>
+      </p:grpSp>
+    </p:spTree>
+    <p:extLst>
+      <p:ext uri="{BB962C8B-B14F-4D97-AF65-F5344CB8AC3E}">
+        <p14:creationId xmlns:p14="http://schemas.microsoft.com/office/powerpoint/2010/main" val="3617940449"/>
+      </p:ext>
+    </p:extLst>
+  </p:cSld>
+  <p:clrMapOvr>
+    <a:masterClrMapping/>
+  </p:clrMapOvr>
+</p:sld>
+</file>
+
+<file path=ppt/slides/slide13.xml><?xml version="1.0" encoding="utf-8"?>
 <p:sld xmlns:a="http://schemas.openxmlformats.org/drawingml/2006/main" xmlns:r="http://schemas.openxmlformats.org/officeDocument/2006/relationships" xmlns:p="http://schemas.openxmlformats.org/presentationml/2006/main">
   <p:cSld>
     <p:spTree>
@@ -14522,597 +18369,516 @@
           <a:chExt cx="0" cy="0"/>
         </a:xfrm>
       </p:grpSpPr>
-      <p:grpSp>
-        <p:nvGrpSpPr>
-          <p:cNvPr id="6" name="Group 5">
-            <a:extLst>
-              <a:ext uri="{FF2B5EF4-FFF2-40B4-BE49-F238E27FC236}">
-                <a16:creationId xmlns:a16="http://schemas.microsoft.com/office/drawing/2014/main" id="{4E37D98F-19CF-9B44-B568-3D9ADEE2B547}"/>
-              </a:ext>
-            </a:extLst>
-          </p:cNvPr>
-          <p:cNvGrpSpPr/>
+      <p:cxnSp>
+        <p:nvCxnSpPr>
+          <p:cNvPr id="5" name="Straight Arrow Connector 4">
+            <a:extLst>
+              <a:ext uri="{FF2B5EF4-FFF2-40B4-BE49-F238E27FC236}">
+                <a16:creationId xmlns:a16="http://schemas.microsoft.com/office/drawing/2014/main" id="{2CB89DDB-E639-7C58-F0E4-0868C62DFF57}"/>
+              </a:ext>
+            </a:extLst>
+          </p:cNvPr>
+          <p:cNvCxnSpPr>
+            <a:cxnSpLocks/>
+            <a:stCxn id="14" idx="7"/>
+          </p:cNvCxnSpPr>
           <p:nvPr/>
-        </p:nvGrpSpPr>
-        <p:grpSpPr>
+        </p:nvCxnSpPr>
+        <p:spPr>
+          <a:xfrm flipV="1">
+            <a:off x="5994663" y="1901987"/>
+            <a:ext cx="1277186" cy="1508074"/>
+          </a:xfrm>
+          <a:prstGeom prst="straightConnector1">
+            <a:avLst/>
+          </a:prstGeom>
+          <a:ln w="28575">
+            <a:solidFill>
+              <a:srgbClr val="C00000"/>
+            </a:solidFill>
+            <a:tailEnd type="triangle"/>
+          </a:ln>
+        </p:spPr>
+        <p:style>
+          <a:lnRef idx="1">
+            <a:schemeClr val="accent1"/>
+          </a:lnRef>
+          <a:fillRef idx="0">
+            <a:schemeClr val="accent1"/>
+          </a:fillRef>
+          <a:effectRef idx="0">
+            <a:schemeClr val="accent1"/>
+          </a:effectRef>
+          <a:fontRef idx="minor">
+            <a:schemeClr val="tx1"/>
+          </a:fontRef>
+        </p:style>
+      </p:cxnSp>
+      <p:sp>
+        <p:nvSpPr>
+          <p:cNvPr id="14" name="Flowchart: Connector 13">
+            <a:extLst>
+              <a:ext uri="{FF2B5EF4-FFF2-40B4-BE49-F238E27FC236}">
+                <a16:creationId xmlns:a16="http://schemas.microsoft.com/office/drawing/2014/main" id="{2A41672E-BFF7-A89D-3A40-3F9D75630226}"/>
+              </a:ext>
+            </a:extLst>
+          </p:cNvPr>
+          <p:cNvSpPr/>
+          <p:nvPr/>
+        </p:nvSpPr>
+        <p:spPr>
           <a:xfrm>
-            <a:off x="941792" y="1716945"/>
-            <a:ext cx="2732500" cy="3228284"/>
-            <a:chOff x="2071076" y="1111155"/>
-            <a:chExt cx="2732500" cy="3228284"/>
+            <a:off x="5818281" y="3379799"/>
+            <a:ext cx="206644" cy="206644"/>
           </a:xfrm>
-        </p:grpSpPr>
-        <p:sp>
-          <p:nvSpPr>
-            <p:cNvPr id="2" name="Rectangle 1">
-              <a:extLst>
-                <a:ext uri="{FF2B5EF4-FFF2-40B4-BE49-F238E27FC236}">
-                  <a16:creationId xmlns:a16="http://schemas.microsoft.com/office/drawing/2014/main" id="{8C9D33C7-C50A-1E4D-8A7D-64F9949D8D24}"/>
-                </a:ext>
-              </a:extLst>
-            </p:cNvPr>
-            <p:cNvSpPr/>
-            <p:nvPr/>
-          </p:nvSpPr>
-          <p:spPr>
-            <a:xfrm>
-              <a:off x="2688116" y="1575413"/>
-              <a:ext cx="1806766" cy="2456761"/>
-            </a:xfrm>
-            <a:prstGeom prst="rect">
-              <a:avLst/>
-            </a:prstGeom>
+          <a:prstGeom prst="flowChartConnector">
+            <a:avLst/>
+          </a:prstGeom>
+          <a:solidFill>
+            <a:schemeClr val="accent1">
+              <a:lumMod val="75000"/>
+            </a:schemeClr>
+          </a:solidFill>
+          <a:ln>
             <a:noFill/>
-            <a:ln w="19050">
-              <a:solidFill>
-                <a:schemeClr val="tx1">
-                  <a:lumMod val="75000"/>
-                  <a:lumOff val="25000"/>
-                </a:schemeClr>
-              </a:solidFill>
-            </a:ln>
-          </p:spPr>
-          <p:style>
-            <a:lnRef idx="2">
-              <a:schemeClr val="accent1">
-                <a:shade val="50000"/>
+          </a:ln>
+        </p:spPr>
+        <p:style>
+          <a:lnRef idx="2">
+            <a:schemeClr val="accent1">
+              <a:shade val="50000"/>
+            </a:schemeClr>
+          </a:lnRef>
+          <a:fillRef idx="1">
+            <a:schemeClr val="accent1"/>
+          </a:fillRef>
+          <a:effectRef idx="0">
+            <a:schemeClr val="accent1"/>
+          </a:effectRef>
+          <a:fontRef idx="minor">
+            <a:schemeClr val="lt1"/>
+          </a:fontRef>
+        </p:style>
+        <p:txBody>
+          <a:bodyPr rtlCol="0" anchor="ctr"/>
+          <a:lstStyle/>
+          <a:p>
+            <a:pPr algn="ctr"/>
+            <a:endParaRPr lang="en-US"/>
+          </a:p>
+        </p:txBody>
+      </p:sp>
+      <p:sp>
+        <p:nvSpPr>
+          <p:cNvPr id="17" name="Oval 16">
+            <a:extLst>
+              <a:ext uri="{FF2B5EF4-FFF2-40B4-BE49-F238E27FC236}">
+                <a16:creationId xmlns:a16="http://schemas.microsoft.com/office/drawing/2014/main" id="{E96B0337-1AEC-06B1-FE9D-F75332D03F14}"/>
+              </a:ext>
+            </a:extLst>
+          </p:cNvPr>
+          <p:cNvSpPr/>
+          <p:nvPr/>
+        </p:nvSpPr>
+        <p:spPr>
+          <a:xfrm>
+            <a:off x="4309503" y="1797008"/>
+            <a:ext cx="3284236" cy="3284236"/>
+          </a:xfrm>
+          <a:prstGeom prst="ellipse">
+            <a:avLst/>
+          </a:prstGeom>
+          <a:noFill/>
+          <a:ln w="28575">
+            <a:solidFill>
+              <a:schemeClr val="tx1">
+                <a:lumMod val="75000"/>
+                <a:lumOff val="25000"/>
               </a:schemeClr>
-            </a:lnRef>
-            <a:fillRef idx="1">
+            </a:solidFill>
+          </a:ln>
+        </p:spPr>
+        <p:style>
+          <a:lnRef idx="2">
+            <a:schemeClr val="accent1">
+              <a:shade val="50000"/>
+            </a:schemeClr>
+          </a:lnRef>
+          <a:fillRef idx="1">
+            <a:schemeClr val="accent1"/>
+          </a:fillRef>
+          <a:effectRef idx="0">
+            <a:schemeClr val="accent1"/>
+          </a:effectRef>
+          <a:fontRef idx="minor">
+            <a:schemeClr val="lt1"/>
+          </a:fontRef>
+        </p:style>
+        <p:txBody>
+          <a:bodyPr rtlCol="0" anchor="ctr"/>
+          <a:lstStyle/>
+          <a:p>
+            <a:pPr algn="ctr"/>
+            <a:endParaRPr lang="en-US"/>
+          </a:p>
+        </p:txBody>
+      </p:sp>
+      <p:sp>
+        <p:nvSpPr>
+          <p:cNvPr id="18" name="Flowchart: Connector 17">
+            <a:extLst>
+              <a:ext uri="{FF2B5EF4-FFF2-40B4-BE49-F238E27FC236}">
+                <a16:creationId xmlns:a16="http://schemas.microsoft.com/office/drawing/2014/main" id="{A8602923-6EC0-17BA-0AAA-99F8F6E3954E}"/>
+              </a:ext>
+            </a:extLst>
+          </p:cNvPr>
+          <p:cNvSpPr/>
+          <p:nvPr/>
+        </p:nvSpPr>
+        <p:spPr>
+          <a:xfrm>
+            <a:off x="7239602" y="1700367"/>
+            <a:ext cx="206644" cy="206644"/>
+          </a:xfrm>
+          <a:prstGeom prst="flowChartConnector">
+            <a:avLst/>
+          </a:prstGeom>
+          <a:solidFill>
+            <a:srgbClr val="C00000"/>
+          </a:solidFill>
+          <a:ln>
+            <a:noFill/>
+          </a:ln>
+        </p:spPr>
+        <p:style>
+          <a:lnRef idx="2">
+            <a:schemeClr val="accent1">
+              <a:shade val="50000"/>
+            </a:schemeClr>
+          </a:lnRef>
+          <a:fillRef idx="1">
+            <a:schemeClr val="accent1"/>
+          </a:fillRef>
+          <a:effectRef idx="0">
+            <a:schemeClr val="accent1"/>
+          </a:effectRef>
+          <a:fontRef idx="minor">
+            <a:schemeClr val="lt1"/>
+          </a:fontRef>
+        </p:style>
+        <p:txBody>
+          <a:bodyPr rtlCol="0" anchor="ctr"/>
+          <a:lstStyle/>
+          <a:p>
+            <a:pPr algn="ctr"/>
+            <a:endParaRPr lang="en-US"/>
+          </a:p>
+        </p:txBody>
+      </p:sp>
+      <p:sp>
+        <p:nvSpPr>
+          <p:cNvPr id="20" name="Flowchart: Connector 19">
+            <a:extLst>
+              <a:ext uri="{FF2B5EF4-FFF2-40B4-BE49-F238E27FC236}">
+                <a16:creationId xmlns:a16="http://schemas.microsoft.com/office/drawing/2014/main" id="{25E22713-05D1-47EE-4B93-0A236167A561}"/>
+              </a:ext>
+            </a:extLst>
+          </p:cNvPr>
+          <p:cNvSpPr/>
+          <p:nvPr/>
+        </p:nvSpPr>
+        <p:spPr>
+          <a:xfrm>
+            <a:off x="4973268" y="1968086"/>
+            <a:ext cx="206644" cy="206644"/>
+          </a:xfrm>
+          <a:prstGeom prst="flowChartConnector">
+            <a:avLst/>
+          </a:prstGeom>
+          <a:solidFill>
+            <a:schemeClr val="accent1">
+              <a:lumMod val="75000"/>
+            </a:schemeClr>
+          </a:solidFill>
+          <a:ln>
+            <a:noFill/>
+          </a:ln>
+        </p:spPr>
+        <p:style>
+          <a:lnRef idx="2">
+            <a:schemeClr val="accent1">
+              <a:shade val="50000"/>
+            </a:schemeClr>
+          </a:lnRef>
+          <a:fillRef idx="1">
+            <a:schemeClr val="accent1"/>
+          </a:fillRef>
+          <a:effectRef idx="0">
+            <a:schemeClr val="accent1"/>
+          </a:effectRef>
+          <a:fontRef idx="minor">
+            <a:schemeClr val="lt1"/>
+          </a:fontRef>
+        </p:style>
+        <p:txBody>
+          <a:bodyPr rtlCol="0" anchor="ctr"/>
+          <a:lstStyle/>
+          <a:p>
+            <a:pPr algn="ctr"/>
+            <a:endParaRPr lang="en-US"/>
+          </a:p>
+        </p:txBody>
+      </p:sp>
+      <p:sp>
+        <p:nvSpPr>
+          <p:cNvPr id="28" name="Flowchart: Connector 27">
+            <a:extLst>
+              <a:ext uri="{FF2B5EF4-FFF2-40B4-BE49-F238E27FC236}">
+                <a16:creationId xmlns:a16="http://schemas.microsoft.com/office/drawing/2014/main" id="{EE189A6E-066F-C1D5-41D0-DDED569CDF25}"/>
+              </a:ext>
+            </a:extLst>
+          </p:cNvPr>
+          <p:cNvSpPr/>
+          <p:nvPr/>
+        </p:nvSpPr>
+        <p:spPr>
+          <a:xfrm>
+            <a:off x="7387095" y="2820774"/>
+            <a:ext cx="206644" cy="206644"/>
+          </a:xfrm>
+          <a:prstGeom prst="flowChartConnector">
+            <a:avLst/>
+          </a:prstGeom>
+          <a:solidFill>
+            <a:schemeClr val="accent1">
+              <a:lumMod val="75000"/>
+            </a:schemeClr>
+          </a:solidFill>
+          <a:ln>
+            <a:noFill/>
+          </a:ln>
+        </p:spPr>
+        <p:style>
+          <a:lnRef idx="2">
+            <a:schemeClr val="accent1">
+              <a:shade val="50000"/>
+            </a:schemeClr>
+          </a:lnRef>
+          <a:fillRef idx="1">
+            <a:schemeClr val="accent1"/>
+          </a:fillRef>
+          <a:effectRef idx="0">
+            <a:schemeClr val="accent1"/>
+          </a:effectRef>
+          <a:fontRef idx="minor">
+            <a:schemeClr val="lt1"/>
+          </a:fontRef>
+        </p:style>
+        <p:txBody>
+          <a:bodyPr rtlCol="0" anchor="ctr"/>
+          <a:lstStyle/>
+          <a:p>
+            <a:pPr algn="ctr"/>
+            <a:endParaRPr lang="en-US"/>
+          </a:p>
+        </p:txBody>
+      </p:sp>
+      <p:sp>
+        <p:nvSpPr>
+          <p:cNvPr id="30" name="Flowchart: Connector 29">
+            <a:extLst>
+              <a:ext uri="{FF2B5EF4-FFF2-40B4-BE49-F238E27FC236}">
+                <a16:creationId xmlns:a16="http://schemas.microsoft.com/office/drawing/2014/main" id="{F742FC09-DBAE-217F-5B21-EF37F89A4396}"/>
+              </a:ext>
+            </a:extLst>
+          </p:cNvPr>
+          <p:cNvSpPr/>
+          <p:nvPr/>
+        </p:nvSpPr>
+        <p:spPr>
+          <a:xfrm>
+            <a:off x="4848995" y="3306739"/>
+            <a:ext cx="206644" cy="206644"/>
+          </a:xfrm>
+          <a:prstGeom prst="flowChartConnector">
+            <a:avLst/>
+          </a:prstGeom>
+          <a:solidFill>
+            <a:schemeClr val="accent1">
+              <a:lumMod val="75000"/>
+            </a:schemeClr>
+          </a:solidFill>
+          <a:ln>
+            <a:noFill/>
+          </a:ln>
+        </p:spPr>
+        <p:style>
+          <a:lnRef idx="2">
+            <a:schemeClr val="accent1">
+              <a:shade val="50000"/>
+            </a:schemeClr>
+          </a:lnRef>
+          <a:fillRef idx="1">
+            <a:schemeClr val="accent1"/>
+          </a:fillRef>
+          <a:effectRef idx="0">
+            <a:schemeClr val="accent1"/>
+          </a:effectRef>
+          <a:fontRef idx="minor">
+            <a:schemeClr val="lt1"/>
+          </a:fontRef>
+        </p:style>
+        <p:txBody>
+          <a:bodyPr rtlCol="0" anchor="ctr"/>
+          <a:lstStyle/>
+          <a:p>
+            <a:pPr algn="ctr"/>
+            <a:endParaRPr lang="en-US"/>
+          </a:p>
+        </p:txBody>
+      </p:sp>
+      <p:sp>
+        <p:nvSpPr>
+          <p:cNvPr id="31" name="Flowchart: Connector 30">
+            <a:extLst>
+              <a:ext uri="{FF2B5EF4-FFF2-40B4-BE49-F238E27FC236}">
+                <a16:creationId xmlns:a16="http://schemas.microsoft.com/office/drawing/2014/main" id="{8B2FB4E6-D624-900B-061C-264FE4A41446}"/>
+              </a:ext>
+            </a:extLst>
+          </p:cNvPr>
+          <p:cNvSpPr/>
+          <p:nvPr/>
+        </p:nvSpPr>
+        <p:spPr>
+          <a:xfrm>
+            <a:off x="6784651" y="3712814"/>
+            <a:ext cx="206644" cy="206644"/>
+          </a:xfrm>
+          <a:prstGeom prst="flowChartConnector">
+            <a:avLst/>
+          </a:prstGeom>
+          <a:solidFill>
+            <a:schemeClr val="accent1">
+              <a:lumMod val="75000"/>
+            </a:schemeClr>
+          </a:solidFill>
+          <a:ln>
+            <a:noFill/>
+          </a:ln>
+        </p:spPr>
+        <p:style>
+          <a:lnRef idx="2">
+            <a:schemeClr val="accent1">
+              <a:shade val="50000"/>
+            </a:schemeClr>
+          </a:lnRef>
+          <a:fillRef idx="1">
+            <a:schemeClr val="accent1"/>
+          </a:fillRef>
+          <a:effectRef idx="0">
+            <a:schemeClr val="accent1"/>
+          </a:effectRef>
+          <a:fontRef idx="minor">
+            <a:schemeClr val="lt1"/>
+          </a:fontRef>
+        </p:style>
+        <p:txBody>
+          <a:bodyPr rtlCol="0" anchor="ctr"/>
+          <a:lstStyle/>
+          <a:p>
+            <a:pPr algn="ctr"/>
+            <a:endParaRPr lang="en-US"/>
+          </a:p>
+        </p:txBody>
+      </p:sp>
+      <p:cxnSp>
+        <p:nvCxnSpPr>
+          <p:cNvPr id="37" name="Straight Arrow Connector 36">
+            <a:extLst>
+              <a:ext uri="{FF2B5EF4-FFF2-40B4-BE49-F238E27FC236}">
+                <a16:creationId xmlns:a16="http://schemas.microsoft.com/office/drawing/2014/main" id="{20E19175-B51C-F1C4-D4E2-AC08BDD0BC8A}"/>
+              </a:ext>
+            </a:extLst>
+          </p:cNvPr>
+          <p:cNvCxnSpPr>
+            <a:cxnSpLocks/>
+            <a:stCxn id="14" idx="1"/>
+          </p:cNvCxnSpPr>
+          <p:nvPr/>
+        </p:nvCxnSpPr>
+        <p:spPr>
+          <a:xfrm flipH="1" flipV="1">
+            <a:off x="5164835" y="2174730"/>
+            <a:ext cx="683708" cy="1235331"/>
+          </a:xfrm>
+          <a:prstGeom prst="straightConnector1">
+            <a:avLst/>
+          </a:prstGeom>
+          <a:ln w="28575">
+            <a:solidFill>
               <a:schemeClr val="accent1"/>
-            </a:fillRef>
-            <a:effectRef idx="0">
-              <a:schemeClr val="accent1"/>
-            </a:effectRef>
-            <a:fontRef idx="minor">
-              <a:schemeClr val="lt1"/>
-            </a:fontRef>
-          </p:style>
-          <p:txBody>
-            <a:bodyPr rtlCol="0" anchor="ctr"/>
-            <a:lstStyle/>
-            <a:p>
-              <a:pPr algn="ctr"/>
-              <a:endParaRPr lang="en-VN">
-                <a:latin typeface="Times New Roman" panose="02020603050405020304" pitchFamily="18" charset="0"/>
-                <a:cs typeface="Times New Roman" panose="02020603050405020304" pitchFamily="18" charset="0"/>
-              </a:endParaRPr>
-            </a:p>
-          </p:txBody>
-        </p:sp>
-        <p:sp>
-          <p:nvSpPr>
-            <p:cNvPr id="3" name="TextBox 2">
-              <a:extLst>
-                <a:ext uri="{FF2B5EF4-FFF2-40B4-BE49-F238E27FC236}">
-                  <a16:creationId xmlns:a16="http://schemas.microsoft.com/office/drawing/2014/main" id="{7EB7399B-CEB8-6844-9C59-DFA9062DF8D1}"/>
-                </a:ext>
-              </a:extLst>
-            </p:cNvPr>
-            <p:cNvSpPr txBox="1"/>
-            <p:nvPr/>
-          </p:nvSpPr>
-          <p:spPr>
-            <a:xfrm>
-              <a:off x="2688116" y="1575413"/>
-              <a:ext cx="429658" cy="338554"/>
-            </a:xfrm>
-            <a:prstGeom prst="rect">
-              <a:avLst/>
-            </a:prstGeom>
-            <a:noFill/>
-          </p:spPr>
-          <p:txBody>
-            <a:bodyPr wrap="square" rtlCol="0">
-              <a:spAutoFit/>
-            </a:bodyPr>
-            <a:lstStyle/>
-            <a:p>
-              <a:r>
-                <a:rPr lang="en-VN" sz="1600" b="1">
-                  <a:latin typeface="Times New Roman" panose="02020603050405020304" pitchFamily="18" charset="0"/>
-                  <a:cs typeface="Times New Roman" panose="02020603050405020304" pitchFamily="18" charset="0"/>
-                </a:rPr>
-                <a:t>R</a:t>
-              </a:r>
-            </a:p>
-          </p:txBody>
-        </p:sp>
-        <p:cxnSp>
-          <p:nvCxnSpPr>
-            <p:cNvPr id="5" name="Straight Arrow Connector 4">
-              <a:extLst>
-                <a:ext uri="{FF2B5EF4-FFF2-40B4-BE49-F238E27FC236}">
-                  <a16:creationId xmlns:a16="http://schemas.microsoft.com/office/drawing/2014/main" id="{D3A2D082-17B0-304C-9A95-A01EC0E1190B}"/>
-                </a:ext>
-              </a:extLst>
-            </p:cNvPr>
-            <p:cNvCxnSpPr>
-              <a:cxnSpLocks/>
-            </p:cNvCxnSpPr>
-            <p:nvPr/>
-          </p:nvCxnSpPr>
-          <p:spPr>
-            <a:xfrm>
-              <a:off x="2688116" y="1377109"/>
-              <a:ext cx="1806766" cy="0"/>
-            </a:xfrm>
-            <a:prstGeom prst="straightConnector1">
-              <a:avLst/>
-            </a:prstGeom>
-            <a:ln w="6350">
-              <a:solidFill>
-                <a:schemeClr val="tx1">
-                  <a:lumMod val="75000"/>
-                  <a:lumOff val="25000"/>
-                </a:schemeClr>
-              </a:solidFill>
-              <a:headEnd type="stealth"/>
-              <a:tailEnd type="stealth"/>
-            </a:ln>
-          </p:spPr>
-          <p:style>
-            <a:lnRef idx="1">
-              <a:schemeClr val="accent1"/>
-            </a:lnRef>
-            <a:fillRef idx="0">
-              <a:schemeClr val="accent1"/>
-            </a:fillRef>
-            <a:effectRef idx="0">
-              <a:schemeClr val="accent1"/>
-            </a:effectRef>
-            <a:fontRef idx="minor">
-              <a:schemeClr val="tx1"/>
-            </a:fontRef>
-          </p:style>
-        </p:cxnSp>
-        <p:sp>
-          <p:nvSpPr>
-            <p:cNvPr id="9" name="TextBox 8">
-              <a:extLst>
-                <a:ext uri="{FF2B5EF4-FFF2-40B4-BE49-F238E27FC236}">
-                  <a16:creationId xmlns:a16="http://schemas.microsoft.com/office/drawing/2014/main" id="{05D769BE-2FC6-6346-8A59-FFBAC3108A0B}"/>
-                </a:ext>
-              </a:extLst>
-            </p:cNvPr>
-            <p:cNvSpPr txBox="1"/>
-            <p:nvPr/>
-          </p:nvSpPr>
-          <p:spPr>
-            <a:xfrm>
-              <a:off x="3376670" y="1111155"/>
-              <a:ext cx="429658" cy="307777"/>
-            </a:xfrm>
-            <a:prstGeom prst="rect">
-              <a:avLst/>
-            </a:prstGeom>
-            <a:noFill/>
-          </p:spPr>
-          <p:txBody>
-            <a:bodyPr wrap="square" rtlCol="0">
-              <a:spAutoFit/>
-            </a:bodyPr>
-            <a:lstStyle/>
-            <a:p>
-              <a:pPr algn="ctr"/>
-              <a:r>
-                <a:rPr lang="en-VN" sz="1400" i="1">
-                  <a:latin typeface="Times New Roman" panose="02020603050405020304" pitchFamily="18" charset="0"/>
-                  <a:cs typeface="Times New Roman" panose="02020603050405020304" pitchFamily="18" charset="0"/>
-                </a:rPr>
-                <a:t>I</a:t>
-              </a:r>
-            </a:p>
-          </p:txBody>
-        </p:sp>
-        <p:cxnSp>
-          <p:nvCxnSpPr>
-            <p:cNvPr id="10" name="Straight Arrow Connector 9">
-              <a:extLst>
-                <a:ext uri="{FF2B5EF4-FFF2-40B4-BE49-F238E27FC236}">
-                  <a16:creationId xmlns:a16="http://schemas.microsoft.com/office/drawing/2014/main" id="{92A92E9C-D10C-C749-B70B-FBE2BF01782F}"/>
-                </a:ext>
-              </a:extLst>
-            </p:cNvPr>
-            <p:cNvCxnSpPr>
-              <a:cxnSpLocks/>
-            </p:cNvCxnSpPr>
-            <p:nvPr/>
-          </p:nvCxnSpPr>
-          <p:spPr>
-            <a:xfrm>
-              <a:off x="2497440" y="1575413"/>
-              <a:ext cx="0" cy="2456761"/>
-            </a:xfrm>
-            <a:prstGeom prst="straightConnector1">
-              <a:avLst/>
-            </a:prstGeom>
-            <a:ln w="6350">
-              <a:solidFill>
-                <a:schemeClr val="tx1">
-                  <a:lumMod val="75000"/>
-                  <a:lumOff val="25000"/>
-                </a:schemeClr>
-              </a:solidFill>
-              <a:headEnd type="stealth"/>
-              <a:tailEnd type="stealth"/>
-            </a:ln>
-          </p:spPr>
-          <p:style>
-            <a:lnRef idx="1">
-              <a:schemeClr val="accent1"/>
-            </a:lnRef>
-            <a:fillRef idx="0">
-              <a:schemeClr val="accent1"/>
-            </a:fillRef>
-            <a:effectRef idx="0">
-              <a:schemeClr val="accent1"/>
-            </a:effectRef>
-            <a:fontRef idx="minor">
-              <a:schemeClr val="tx1"/>
-            </a:fontRef>
-          </p:style>
-        </p:cxnSp>
-        <p:sp>
-          <p:nvSpPr>
-            <p:cNvPr id="15" name="TextBox 14">
-              <a:extLst>
-                <a:ext uri="{FF2B5EF4-FFF2-40B4-BE49-F238E27FC236}">
-                  <a16:creationId xmlns:a16="http://schemas.microsoft.com/office/drawing/2014/main" id="{B94FAF4F-2998-214F-BE58-6FA61D133575}"/>
-                </a:ext>
-              </a:extLst>
-            </p:cNvPr>
-            <p:cNvSpPr txBox="1"/>
-            <p:nvPr/>
-          </p:nvSpPr>
-          <p:spPr>
-            <a:xfrm>
-              <a:off x="2071076" y="2649392"/>
-              <a:ext cx="429658" cy="307777"/>
-            </a:xfrm>
-            <a:prstGeom prst="rect">
-              <a:avLst/>
-            </a:prstGeom>
-            <a:noFill/>
-          </p:spPr>
-          <p:txBody>
-            <a:bodyPr wrap="square" rtlCol="0">
-              <a:spAutoFit/>
-            </a:bodyPr>
-            <a:lstStyle/>
-            <a:p>
-              <a:pPr algn="r"/>
-              <a:r>
-                <a:rPr lang="en-VN" sz="1400" i="1">
-                  <a:latin typeface="Times New Roman" panose="02020603050405020304" pitchFamily="18" charset="0"/>
-                  <a:cs typeface="Times New Roman" panose="02020603050405020304" pitchFamily="18" charset="0"/>
-                </a:rPr>
-                <a:t>U</a:t>
-              </a:r>
-            </a:p>
-          </p:txBody>
-        </p:sp>
-        <p:sp>
-          <p:nvSpPr>
-            <p:cNvPr id="16" name="Rectangle 15">
-              <a:extLst>
-                <a:ext uri="{FF2B5EF4-FFF2-40B4-BE49-F238E27FC236}">
-                  <a16:creationId xmlns:a16="http://schemas.microsoft.com/office/drawing/2014/main" id="{9B737F44-4594-1247-8359-3954FEABC021}"/>
-                </a:ext>
-              </a:extLst>
-            </p:cNvPr>
-            <p:cNvSpPr/>
-            <p:nvPr/>
-          </p:nvSpPr>
-          <p:spPr>
-            <a:xfrm>
-              <a:off x="2688116" y="3317358"/>
-              <a:ext cx="1806766" cy="233916"/>
-            </a:xfrm>
-            <a:prstGeom prst="rect">
-              <a:avLst/>
-            </a:prstGeom>
-            <a:noFill/>
-            <a:ln>
-              <a:solidFill>
-                <a:schemeClr val="tx1"/>
-              </a:solidFill>
-              <a:prstDash val="dash"/>
-            </a:ln>
-          </p:spPr>
-          <p:style>
-            <a:lnRef idx="2">
-              <a:schemeClr val="accent1">
-                <a:shade val="50000"/>
-              </a:schemeClr>
-            </a:lnRef>
-            <a:fillRef idx="1">
-              <a:schemeClr val="accent1"/>
-            </a:fillRef>
-            <a:effectRef idx="0">
-              <a:schemeClr val="accent1"/>
-            </a:effectRef>
-            <a:fontRef idx="minor">
-              <a:schemeClr val="lt1"/>
-            </a:fontRef>
-          </p:style>
-          <p:txBody>
-            <a:bodyPr rtlCol="0" anchor="ctr"/>
-            <a:lstStyle/>
-            <a:p>
-              <a:pPr algn="ctr"/>
-              <a:endParaRPr lang="en-VN">
-                <a:latin typeface="Times New Roman" panose="02020603050405020304" pitchFamily="18" charset="0"/>
-                <a:cs typeface="Times New Roman" panose="02020603050405020304" pitchFamily="18" charset="0"/>
-              </a:endParaRPr>
-            </a:p>
-          </p:txBody>
-        </p:sp>
-        <p:sp>
-          <p:nvSpPr>
-            <p:cNvPr id="17" name="Rectangle 16">
-              <a:extLst>
-                <a:ext uri="{FF2B5EF4-FFF2-40B4-BE49-F238E27FC236}">
-                  <a16:creationId xmlns:a16="http://schemas.microsoft.com/office/drawing/2014/main" id="{5399A126-37CE-0749-90C3-65E57189E372}"/>
-                </a:ext>
-              </a:extLst>
-            </p:cNvPr>
-            <p:cNvSpPr/>
-            <p:nvPr/>
-          </p:nvSpPr>
-          <p:spPr>
-            <a:xfrm rot="5400000">
-              <a:off x="2521280" y="2686323"/>
-              <a:ext cx="2456761" cy="233916"/>
-            </a:xfrm>
-            <a:prstGeom prst="rect">
-              <a:avLst/>
-            </a:prstGeom>
-            <a:noFill/>
-            <a:ln>
-              <a:solidFill>
-                <a:schemeClr val="tx1"/>
-              </a:solidFill>
-              <a:prstDash val="dash"/>
-            </a:ln>
-          </p:spPr>
-          <p:style>
-            <a:lnRef idx="2">
-              <a:schemeClr val="accent1">
-                <a:shade val="50000"/>
-              </a:schemeClr>
-            </a:lnRef>
-            <a:fillRef idx="1">
-              <a:schemeClr val="accent1"/>
-            </a:fillRef>
-            <a:effectRef idx="0">
-              <a:schemeClr val="accent1"/>
-            </a:effectRef>
-            <a:fontRef idx="minor">
-              <a:schemeClr val="lt1"/>
-            </a:fontRef>
-          </p:style>
-          <p:txBody>
-            <a:bodyPr rtlCol="0" anchor="ctr"/>
-            <a:lstStyle/>
-            <a:p>
-              <a:pPr algn="ctr"/>
-              <a:endParaRPr lang="en-VN">
-                <a:latin typeface="Times New Roman" panose="02020603050405020304" pitchFamily="18" charset="0"/>
-                <a:cs typeface="Times New Roman" panose="02020603050405020304" pitchFamily="18" charset="0"/>
-              </a:endParaRPr>
-            </a:p>
-          </p:txBody>
-        </p:sp>
-        <p:sp>
-          <p:nvSpPr>
-            <p:cNvPr id="18" name="TextBox 17">
-              <a:extLst>
-                <a:ext uri="{FF2B5EF4-FFF2-40B4-BE49-F238E27FC236}">
-                  <a16:creationId xmlns:a16="http://schemas.microsoft.com/office/drawing/2014/main" id="{A56AE0CB-805C-4941-84DF-5903C173856D}"/>
-                </a:ext>
-              </a:extLst>
-            </p:cNvPr>
-            <p:cNvSpPr txBox="1"/>
-            <p:nvPr/>
-          </p:nvSpPr>
-          <p:spPr>
-            <a:xfrm>
-              <a:off x="4494882" y="3292302"/>
-              <a:ext cx="308694" cy="307777"/>
-            </a:xfrm>
-            <a:prstGeom prst="rect">
-              <a:avLst/>
-            </a:prstGeom>
-            <a:noFill/>
-          </p:spPr>
-          <p:txBody>
-            <a:bodyPr wrap="square" rtlCol="0">
-              <a:spAutoFit/>
-            </a:bodyPr>
-            <a:lstStyle/>
-            <a:p>
-              <a:r>
-                <a:rPr lang="en-VN" sz="1400" i="1">
-                  <a:latin typeface="Times New Roman" panose="02020603050405020304" pitchFamily="18" charset="0"/>
-                  <a:cs typeface="Times New Roman" panose="02020603050405020304" pitchFamily="18" charset="0"/>
-                </a:rPr>
-                <a:t>u</a:t>
-              </a:r>
-            </a:p>
-          </p:txBody>
-        </p:sp>
-        <p:sp>
-          <p:nvSpPr>
-            <p:cNvPr id="19" name="TextBox 18">
-              <a:extLst>
-                <a:ext uri="{FF2B5EF4-FFF2-40B4-BE49-F238E27FC236}">
-                  <a16:creationId xmlns:a16="http://schemas.microsoft.com/office/drawing/2014/main" id="{ADC86287-140D-D74C-BF69-4C360625DFDF}"/>
-                </a:ext>
-              </a:extLst>
-            </p:cNvPr>
-            <p:cNvSpPr txBox="1"/>
-            <p:nvPr/>
-          </p:nvSpPr>
-          <p:spPr>
-            <a:xfrm>
-              <a:off x="3534831" y="4031662"/>
-              <a:ext cx="429658" cy="307777"/>
-            </a:xfrm>
-            <a:prstGeom prst="rect">
-              <a:avLst/>
-            </a:prstGeom>
-            <a:noFill/>
-          </p:spPr>
-          <p:txBody>
-            <a:bodyPr wrap="square" rtlCol="0">
-              <a:spAutoFit/>
-            </a:bodyPr>
-            <a:lstStyle/>
-            <a:p>
-              <a:pPr algn="ctr"/>
-              <a:r>
-                <a:rPr lang="en-VN" sz="1400" i="1">
-                  <a:latin typeface="Times New Roman" panose="02020603050405020304" pitchFamily="18" charset="0"/>
-                  <a:cs typeface="Times New Roman" panose="02020603050405020304" pitchFamily="18" charset="0"/>
-                </a:rPr>
-                <a:t>i</a:t>
-              </a:r>
-            </a:p>
-          </p:txBody>
-        </p:sp>
-        <p:sp>
-          <p:nvSpPr>
-            <p:cNvPr id="26" name="Rectangle 25">
-              <a:extLst>
-                <a:ext uri="{FF2B5EF4-FFF2-40B4-BE49-F238E27FC236}">
-                  <a16:creationId xmlns:a16="http://schemas.microsoft.com/office/drawing/2014/main" id="{FD6F610C-301A-7048-906B-A4842E67FF49}"/>
-                </a:ext>
-              </a:extLst>
-            </p:cNvPr>
-            <p:cNvSpPr/>
-            <p:nvPr/>
-          </p:nvSpPr>
-          <p:spPr>
-            <a:xfrm>
-              <a:off x="3632702" y="3316845"/>
-              <a:ext cx="233917" cy="233916"/>
-            </a:xfrm>
-            <a:prstGeom prst="rect">
-              <a:avLst/>
-            </a:prstGeom>
-            <a:solidFill>
-              <a:srgbClr val="C00000">
-                <a:alpha val="40000"/>
-              </a:srgbClr>
             </a:solidFill>
-            <a:ln>
-              <a:noFill/>
-            </a:ln>
-          </p:spPr>
-          <p:style>
-            <a:lnRef idx="2">
-              <a:schemeClr val="accent1">
-                <a:shade val="50000"/>
-              </a:schemeClr>
-            </a:lnRef>
-            <a:fillRef idx="1">
-              <a:schemeClr val="accent1"/>
-            </a:fillRef>
-            <a:effectRef idx="0">
-              <a:schemeClr val="accent1"/>
-            </a:effectRef>
-            <a:fontRef idx="minor">
-              <a:schemeClr val="lt1"/>
-            </a:fontRef>
-          </p:style>
-          <p:txBody>
-            <a:bodyPr rtlCol="0" anchor="ctr"/>
-            <a:lstStyle/>
-            <a:p>
-              <a:pPr algn="ctr"/>
-              <a:endParaRPr lang="en-VN">
-                <a:latin typeface="Times New Roman" panose="02020603050405020304" pitchFamily="18" charset="0"/>
-                <a:cs typeface="Times New Roman" panose="02020603050405020304" pitchFamily="18" charset="0"/>
-              </a:endParaRPr>
-            </a:p>
-          </p:txBody>
-        </p:sp>
-        <p:sp>
-          <p:nvSpPr>
-            <p:cNvPr id="58" name="TextBox 57">
-              <a:extLst>
-                <a:ext uri="{FF2B5EF4-FFF2-40B4-BE49-F238E27FC236}">
-                  <a16:creationId xmlns:a16="http://schemas.microsoft.com/office/drawing/2014/main" id="{290B44AB-89F5-B44C-A6AD-F38FD8E8E5A0}"/>
-                </a:ext>
-              </a:extLst>
-            </p:cNvPr>
-            <p:cNvSpPr txBox="1"/>
-            <p:nvPr/>
-          </p:nvSpPr>
-          <p:spPr>
-            <a:xfrm>
-              <a:off x="3205289" y="2978291"/>
-              <a:ext cx="429658" cy="338554"/>
-            </a:xfrm>
-            <a:prstGeom prst="rect">
-              <a:avLst/>
-            </a:prstGeom>
-            <a:noFill/>
-          </p:spPr>
-          <p:txBody>
-            <a:bodyPr wrap="square" rtlCol="0">
-              <a:spAutoFit/>
-            </a:bodyPr>
-            <a:lstStyle/>
-            <a:p>
-              <a:pPr algn="r"/>
-              <a:r>
-                <a:rPr lang="en-VN" sz="1600" i="1">
-                  <a:latin typeface="Times New Roman" panose="02020603050405020304" pitchFamily="18" charset="0"/>
-                  <a:cs typeface="Times New Roman" panose="02020603050405020304" pitchFamily="18" charset="0"/>
-                </a:rPr>
-                <a:t>r</a:t>
-              </a:r>
-              <a:r>
-                <a:rPr lang="en-VN" sz="1600" i="1" baseline="-25000">
-                  <a:latin typeface="Times New Roman" panose="02020603050405020304" pitchFamily="18" charset="0"/>
-                  <a:cs typeface="Times New Roman" panose="02020603050405020304" pitchFamily="18" charset="0"/>
-                </a:rPr>
-                <a:t>ui</a:t>
-              </a:r>
-            </a:p>
-          </p:txBody>
-        </p:sp>
-      </p:grpSp>
+            <a:tailEnd type="triangle"/>
+          </a:ln>
+        </p:spPr>
+        <p:style>
+          <a:lnRef idx="1">
+            <a:schemeClr val="accent1"/>
+          </a:lnRef>
+          <a:fillRef idx="0">
+            <a:schemeClr val="accent1"/>
+          </a:fillRef>
+          <a:effectRef idx="0">
+            <a:schemeClr val="accent1"/>
+          </a:effectRef>
+          <a:fontRef idx="minor">
+            <a:schemeClr val="tx1"/>
+          </a:fontRef>
+        </p:style>
+      </p:cxnSp>
+      <p:sp>
+        <p:nvSpPr>
+          <p:cNvPr id="46" name="TextBox 45">
+            <a:extLst>
+              <a:ext uri="{FF2B5EF4-FFF2-40B4-BE49-F238E27FC236}">
+                <a16:creationId xmlns:a16="http://schemas.microsoft.com/office/drawing/2014/main" id="{FCFA1159-2DBC-D7A9-B669-D3D3CE02DC64}"/>
+              </a:ext>
+            </a:extLst>
+          </p:cNvPr>
+          <p:cNvSpPr txBox="1"/>
+          <p:nvPr/>
+        </p:nvSpPr>
+        <p:spPr>
+          <a:xfrm rot="3846944">
+            <a:off x="5088667" y="2666885"/>
+            <a:ext cx="1209675" cy="307777"/>
+          </a:xfrm>
+          <a:prstGeom prst="rect">
+            <a:avLst/>
+          </a:prstGeom>
+          <a:noFill/>
+        </p:spPr>
+        <p:txBody>
+          <a:bodyPr wrap="square" rtlCol="0">
+            <a:spAutoFit/>
+          </a:bodyPr>
+          <a:lstStyle/>
+          <a:p>
+            <a:r>
+              <a:rPr lang="en-US" sz="1400" dirty="0"/>
+              <a:t>K-distance</a:t>
+            </a:r>
+          </a:p>
+        </p:txBody>
+      </p:sp>
       <mc:AlternateContent xmlns:mc="http://schemas.openxmlformats.org/markup-compatibility/2006" xmlns:a14="http://schemas.microsoft.com/office/drawing/2010/main">
         <mc:Choice Requires="a14">
           <p:sp>
             <p:nvSpPr>
-              <p:cNvPr id="7" name="TextBox 6">
+              <p:cNvPr id="47" name="TextBox 46">
                 <a:extLst>
                   <a:ext uri="{FF2B5EF4-FFF2-40B4-BE49-F238E27FC236}">
-                    <a16:creationId xmlns:a16="http://schemas.microsoft.com/office/drawing/2014/main" id="{BE45DAAA-ADC9-1247-9576-A41F4FF7937D}"/>
+                    <a16:creationId xmlns:a16="http://schemas.microsoft.com/office/drawing/2014/main" id="{44CF99E8-9381-31BA-61F9-2F05573AB83F}"/>
                   </a:ext>
                 </a:extLst>
               </p:cNvPr>
@@ -15121,8 +18887,8 @@
             </p:nvSpPr>
             <p:spPr>
               <a:xfrm>
-                <a:off x="5424331" y="3260560"/>
-                <a:ext cx="246862" cy="307777"/>
+                <a:off x="5479765" y="4338202"/>
+                <a:ext cx="1029796" cy="555217"/>
               </a:xfrm>
               <a:prstGeom prst="rect">
                 <a:avLst/>
@@ -15130,7 +18896,7 @@
               <a:noFill/>
             </p:spPr>
             <p:txBody>
-              <a:bodyPr wrap="none" lIns="0" tIns="0" rIns="0" bIns="0" rtlCol="0">
+              <a:bodyPr wrap="square" rtlCol="0">
                 <a:spAutoFit/>
               </a:bodyPr>
               <a:lstStyle/>
@@ -15143,18 +18909,78 @@
                     </m:oMathParaPr>
                     <m:oMath xmlns:m="http://schemas.openxmlformats.org/officeDocument/2006/math">
                       <m:r>
-                        <a:rPr lang="en-US" sz="2000" b="0" i="1">
+                        <a:rPr lang="en-US" sz="1400" b="0" i="1" smtClean="0">
                           <a:latin typeface="Cambria Math" panose="02040503050406030204" pitchFamily="18" charset="0"/>
                         </a:rPr>
-                        <m:t>×</m:t>
+                        <m:t>𝐾</m:t>
+                      </m:r>
+                      <m:r>
+                        <a:rPr lang="en-US" sz="1400" b="0" i="1" smtClean="0">
+                          <a:latin typeface="Cambria Math" panose="02040503050406030204" pitchFamily="18" charset="0"/>
+                        </a:rPr>
+                        <m:t>=3</m:t>
                       </m:r>
                     </m:oMath>
                   </m:oMathPara>
                 </a14:m>
-                <a:endParaRPr lang="en-US" sz="2000" b="0">
-                  <a:latin typeface="Times New Roman" panose="02020603050405020304" pitchFamily="18" charset="0"/>
-                  <a:cs typeface="Times New Roman" panose="02020603050405020304" pitchFamily="18" charset="0"/>
-                </a:endParaRPr>
+                <a:endParaRPr lang="en-US" sz="1400" b="0" dirty="0"/>
+              </a:p>
+              <a:p>
+                <a:pPr/>
+                <a14:m>
+                  <m:oMathPara xmlns:m="http://schemas.openxmlformats.org/officeDocument/2006/math">
+                    <m:oMathParaPr>
+                      <m:jc m:val="centerGroup"/>
+                    </m:oMathParaPr>
+                    <m:oMath xmlns:m="http://schemas.openxmlformats.org/officeDocument/2006/math">
+                      <m:d>
+                        <m:dPr>
+                          <m:begChr m:val="|"/>
+                          <m:endChr m:val="|"/>
+                          <m:ctrlPr>
+                            <a:rPr lang="en-US" sz="1400" i="1" smtClean="0">
+                              <a:latin typeface="Cambria Math" panose="02040503050406030204" pitchFamily="18" charset="0"/>
+                            </a:rPr>
+                          </m:ctrlPr>
+                        </m:dPr>
+                        <m:e>
+                          <m:sSub>
+                            <m:sSubPr>
+                              <m:ctrlPr>
+                                <a:rPr lang="en-US" sz="1400" i="1" smtClean="0">
+                                  <a:latin typeface="Cambria Math" panose="02040503050406030204" pitchFamily="18" charset="0"/>
+                                </a:rPr>
+                              </m:ctrlPr>
+                            </m:sSubPr>
+                            <m:e>
+                              <m:r>
+                                <a:rPr lang="en-US" sz="1400" b="0" i="1" smtClean="0">
+                                  <a:latin typeface="Cambria Math" panose="02040503050406030204" pitchFamily="18" charset="0"/>
+                                </a:rPr>
+                                <m:t>𝑁</m:t>
+                              </m:r>
+                            </m:e>
+                            <m:sub>
+                              <m:r>
+                                <a:rPr lang="en-US" sz="1400" b="0" i="1" smtClean="0">
+                                  <a:latin typeface="Cambria Math" panose="02040503050406030204" pitchFamily="18" charset="0"/>
+                                </a:rPr>
+                                <m:t>𝑝</m:t>
+                              </m:r>
+                            </m:sub>
+                          </m:sSub>
+                        </m:e>
+                      </m:d>
+                      <m:r>
+                        <a:rPr lang="en-US" sz="1400" b="0" i="1" smtClean="0">
+                          <a:latin typeface="Cambria Math" panose="02040503050406030204" pitchFamily="18" charset="0"/>
+                        </a:rPr>
+                        <m:t>=4</m:t>
+                      </m:r>
+                    </m:oMath>
+                  </m:oMathPara>
+                </a14:m>
+                <a:endParaRPr lang="en-US" sz="1400" dirty="0"/>
               </a:p>
             </p:txBody>
           </p:sp>
@@ -15162,10 +18988,10 @@
         <mc:Fallback xmlns="">
           <p:sp>
             <p:nvSpPr>
-              <p:cNvPr id="7" name="TextBox 6">
+              <p:cNvPr id="47" name="TextBox 46">
                 <a:extLst>
                   <a:ext uri="{FF2B5EF4-FFF2-40B4-BE49-F238E27FC236}">
-                    <a16:creationId xmlns:a16="http://schemas.microsoft.com/office/drawing/2014/main" id="{BE45DAAA-ADC9-1247-9576-A41F4FF7937D}"/>
+                    <a16:creationId xmlns:a16="http://schemas.microsoft.com/office/drawing/2014/main" id="{44CF99E8-9381-31BA-61F9-2F05573AB83F}"/>
                   </a:ext>
                 </a:extLst>
               </p:cNvPr>
@@ -15176,8 +19002,8 @@
             </p:nvSpPr>
             <p:spPr>
               <a:xfrm>
-                <a:off x="5424331" y="3260560"/>
-                <a:ext cx="246862" cy="307777"/>
+                <a:off x="5479765" y="4338202"/>
+                <a:ext cx="1029796" cy="555217"/>
               </a:xfrm>
               <a:prstGeom prst="rect">
                 <a:avLst/>
@@ -15185,7 +19011,7 @@
               <a:blipFill>
                 <a:blip r:embed="rId2"/>
                 <a:stretch>
-                  <a:fillRect l="-14286" r="-9524"/>
+                  <a:fillRect/>
                 </a:stretch>
               </a:blipFill>
             </p:spPr>
@@ -15194,7 +19020,7 @@
               <a:lstStyle/>
               <a:p>
                 <a:r>
-                  <a:rPr lang="en-VN">
+                  <a:rPr lang="en-US">
                     <a:noFill/>
                   </a:rPr>
                   <a:t> </a:t>
@@ -15208,10 +19034,10 @@
         <mc:Choice Requires="a14">
           <p:sp>
             <p:nvSpPr>
-              <p:cNvPr id="33" name="TextBox 32">
+              <p:cNvPr id="48" name="TextBox 47">
                 <a:extLst>
                   <a:ext uri="{FF2B5EF4-FFF2-40B4-BE49-F238E27FC236}">
-                    <a16:creationId xmlns:a16="http://schemas.microsoft.com/office/drawing/2014/main" id="{C0D59E45-A1D2-C348-946B-C70A4BFB9E40}"/>
+                    <a16:creationId xmlns:a16="http://schemas.microsoft.com/office/drawing/2014/main" id="{F5B11CAA-ECFF-EA2C-5785-7E9096866688}"/>
                   </a:ext>
                 </a:extLst>
               </p:cNvPr>
@@ -15220,8 +19046,8 @@
             </p:nvSpPr>
             <p:spPr>
               <a:xfrm>
-                <a:off x="3710144" y="3255181"/>
-                <a:ext cx="256480" cy="307777"/>
+                <a:off x="5578703" y="3611681"/>
+                <a:ext cx="685800" cy="307777"/>
               </a:xfrm>
               <a:prstGeom prst="rect">
                 <a:avLst/>
@@ -15229,7 +19055,7 @@
               <a:noFill/>
             </p:spPr>
             <p:txBody>
-              <a:bodyPr wrap="none" lIns="0" tIns="0" rIns="0" bIns="0" rtlCol="0">
+              <a:bodyPr wrap="square" rtlCol="0">
                 <a:spAutoFit/>
               </a:bodyPr>
               <a:lstStyle/>
@@ -15242,18 +19068,40 @@
                     </m:oMathParaPr>
                     <m:oMath xmlns:m="http://schemas.openxmlformats.org/officeDocument/2006/math">
                       <m:r>
-                        <a:rPr lang="en-US" sz="2000" b="0" i="1">
+                        <a:rPr lang="en-US" sz="1400" b="0" i="1" smtClean="0">
                           <a:latin typeface="Cambria Math" panose="02040503050406030204" pitchFamily="18" charset="0"/>
                         </a:rPr>
-                        <m:t>=</m:t>
+                        <m:t> </m:t>
                       </m:r>
+                      <m:sSub>
+                        <m:sSubPr>
+                          <m:ctrlPr>
+                            <a:rPr lang="en-US" sz="1400" b="0" i="1" smtClean="0">
+                              <a:latin typeface="Cambria Math" panose="02040503050406030204" pitchFamily="18" charset="0"/>
+                            </a:rPr>
+                          </m:ctrlPr>
+                        </m:sSubPr>
+                        <m:e>
+                          <m:r>
+                            <a:rPr lang="en-US" sz="1400" b="0" i="1" smtClean="0">
+                              <a:latin typeface="Cambria Math" panose="02040503050406030204" pitchFamily="18" charset="0"/>
+                            </a:rPr>
+                            <m:t>𝑝</m:t>
+                          </m:r>
+                        </m:e>
+                        <m:sub>
+                          <m:r>
+                            <a:rPr lang="en-US" sz="1400" b="0" i="1" smtClean="0">
+                              <a:latin typeface="Cambria Math" panose="02040503050406030204" pitchFamily="18" charset="0"/>
+                            </a:rPr>
+                            <m:t>𝑖</m:t>
+                          </m:r>
+                        </m:sub>
+                      </m:sSub>
                     </m:oMath>
                   </m:oMathPara>
                 </a14:m>
-                <a:endParaRPr lang="en-US" sz="2000" b="0">
-                  <a:latin typeface="Times New Roman" panose="02020603050405020304" pitchFamily="18" charset="0"/>
-                  <a:cs typeface="Times New Roman" panose="02020603050405020304" pitchFamily="18" charset="0"/>
-                </a:endParaRPr>
+                <a:endParaRPr lang="en-US" sz="1400" dirty="0"/>
               </a:p>
             </p:txBody>
           </p:sp>
@@ -15261,10 +19109,10 @@
         <mc:Fallback xmlns="">
           <p:sp>
             <p:nvSpPr>
-              <p:cNvPr id="33" name="TextBox 32">
+              <p:cNvPr id="48" name="TextBox 47">
                 <a:extLst>
                   <a:ext uri="{FF2B5EF4-FFF2-40B4-BE49-F238E27FC236}">
-                    <a16:creationId xmlns:a16="http://schemas.microsoft.com/office/drawing/2014/main" id="{C0D59E45-A1D2-C348-946B-C70A4BFB9E40}"/>
+                    <a16:creationId xmlns:a16="http://schemas.microsoft.com/office/drawing/2014/main" id="{F5B11CAA-ECFF-EA2C-5785-7E9096866688}"/>
                   </a:ext>
                 </a:extLst>
               </p:cNvPr>
@@ -15275,8 +19123,8 @@
             </p:nvSpPr>
             <p:spPr>
               <a:xfrm>
-                <a:off x="3710144" y="3255181"/>
-                <a:ext cx="256480" cy="307777"/>
+                <a:off x="5578703" y="3611681"/>
+                <a:ext cx="685800" cy="307777"/>
               </a:xfrm>
               <a:prstGeom prst="rect">
                 <a:avLst/>
@@ -15284,7 +19132,7 @@
               <a:blipFill>
                 <a:blip r:embed="rId3"/>
                 <a:stretch>
-                  <a:fillRect l="-4762" r="-4762"/>
+                  <a:fillRect/>
                 </a:stretch>
               </a:blipFill>
             </p:spPr>
@@ -15293,7 +19141,7 @@
               <a:lstStyle/>
               <a:p>
                 <a:r>
-                  <a:rPr lang="en-VN">
+                  <a:rPr lang="en-US">
                     <a:noFill/>
                   </a:rPr>
                   <a:t> </a:t>
@@ -15303,798 +19151,14 @@
           </p:sp>
         </mc:Fallback>
       </mc:AlternateContent>
-      <p:grpSp>
-        <p:nvGrpSpPr>
-          <p:cNvPr id="13" name="Group 12">
-            <a:extLst>
-              <a:ext uri="{FF2B5EF4-FFF2-40B4-BE49-F238E27FC236}">
-                <a16:creationId xmlns:a16="http://schemas.microsoft.com/office/drawing/2014/main" id="{D86A5241-5249-0B42-A502-EB9BCA6729AD}"/>
-              </a:ext>
-            </a:extLst>
-          </p:cNvPr>
-          <p:cNvGrpSpPr/>
-          <p:nvPr/>
-        </p:nvGrpSpPr>
-        <p:grpSpPr>
-          <a:xfrm>
-            <a:off x="5495700" y="1716945"/>
-            <a:ext cx="2372206" cy="1492207"/>
-            <a:chOff x="6219432" y="1111155"/>
-            <a:chExt cx="2372206" cy="1492207"/>
-          </a:xfrm>
-        </p:grpSpPr>
-        <p:sp>
-          <p:nvSpPr>
-            <p:cNvPr id="31" name="TextBox 30">
-              <a:extLst>
-                <a:ext uri="{FF2B5EF4-FFF2-40B4-BE49-F238E27FC236}">
-                  <a16:creationId xmlns:a16="http://schemas.microsoft.com/office/drawing/2014/main" id="{D141D259-FF80-034C-8A2F-2DBA684832C9}"/>
-                </a:ext>
-              </a:extLst>
-            </p:cNvPr>
-            <p:cNvSpPr txBox="1"/>
-            <p:nvPr/>
-          </p:nvSpPr>
-          <p:spPr>
-            <a:xfrm>
-              <a:off x="7470785" y="1111155"/>
-              <a:ext cx="429658" cy="307777"/>
-            </a:xfrm>
-            <a:prstGeom prst="rect">
-              <a:avLst/>
-            </a:prstGeom>
-            <a:noFill/>
-          </p:spPr>
-          <p:txBody>
-            <a:bodyPr wrap="square" rtlCol="0">
-              <a:spAutoFit/>
-            </a:bodyPr>
-            <a:lstStyle/>
-            <a:p>
-              <a:pPr algn="ctr"/>
-              <a:r>
-                <a:rPr lang="en-VN" sz="1400" i="1">
-                  <a:latin typeface="Times New Roman" panose="02020603050405020304" pitchFamily="18" charset="0"/>
-                  <a:cs typeface="Times New Roman" panose="02020603050405020304" pitchFamily="18" charset="0"/>
-                </a:rPr>
-                <a:t>I</a:t>
-              </a:r>
-            </a:p>
-          </p:txBody>
-        </p:sp>
-        <p:sp>
-          <p:nvSpPr>
-            <p:cNvPr id="46" name="Rectangle 45">
-              <a:extLst>
-                <a:ext uri="{FF2B5EF4-FFF2-40B4-BE49-F238E27FC236}">
-                  <a16:creationId xmlns:a16="http://schemas.microsoft.com/office/drawing/2014/main" id="{25B59045-26FB-4341-9A0E-4F749AEB40FF}"/>
-                </a:ext>
-              </a:extLst>
-            </p:cNvPr>
-            <p:cNvSpPr/>
-            <p:nvPr/>
-          </p:nvSpPr>
-          <p:spPr>
-            <a:xfrm>
-              <a:off x="6784872" y="1575585"/>
-              <a:ext cx="1806766" cy="720000"/>
-            </a:xfrm>
-            <a:prstGeom prst="rect">
-              <a:avLst/>
-            </a:prstGeom>
-            <a:noFill/>
-            <a:ln w="19050">
-              <a:solidFill>
-                <a:schemeClr val="tx1">
-                  <a:lumMod val="75000"/>
-                  <a:lumOff val="25000"/>
-                </a:schemeClr>
-              </a:solidFill>
-            </a:ln>
-          </p:spPr>
-          <p:style>
-            <a:lnRef idx="2">
-              <a:schemeClr val="accent1">
-                <a:shade val="50000"/>
-              </a:schemeClr>
-            </a:lnRef>
-            <a:fillRef idx="1">
-              <a:schemeClr val="accent1"/>
-            </a:fillRef>
-            <a:effectRef idx="0">
-              <a:schemeClr val="accent1"/>
-            </a:effectRef>
-            <a:fontRef idx="minor">
-              <a:schemeClr val="lt1"/>
-            </a:fontRef>
-          </p:style>
-          <p:txBody>
-            <a:bodyPr rtlCol="0" anchor="ctr"/>
-            <a:lstStyle/>
-            <a:p>
-              <a:pPr algn="ctr"/>
-              <a:endParaRPr lang="en-VN">
-                <a:latin typeface="Times New Roman" panose="02020603050405020304" pitchFamily="18" charset="0"/>
-                <a:cs typeface="Times New Roman" panose="02020603050405020304" pitchFamily="18" charset="0"/>
-              </a:endParaRPr>
-            </a:p>
-          </p:txBody>
-        </p:sp>
-        <p:sp>
-          <p:nvSpPr>
-            <p:cNvPr id="47" name="TextBox 46">
-              <a:extLst>
-                <a:ext uri="{FF2B5EF4-FFF2-40B4-BE49-F238E27FC236}">
-                  <a16:creationId xmlns:a16="http://schemas.microsoft.com/office/drawing/2014/main" id="{7FE96235-C51F-714D-AC2B-4D29B2D2EA04}"/>
-                </a:ext>
-              </a:extLst>
-            </p:cNvPr>
-            <p:cNvSpPr txBox="1"/>
-            <p:nvPr/>
-          </p:nvSpPr>
-          <p:spPr>
-            <a:xfrm>
-              <a:off x="6784872" y="1574900"/>
-              <a:ext cx="470636" cy="338554"/>
-            </a:xfrm>
-            <a:prstGeom prst="rect">
-              <a:avLst/>
-            </a:prstGeom>
-            <a:noFill/>
-          </p:spPr>
-          <p:txBody>
-            <a:bodyPr wrap="square" rtlCol="0">
-              <a:spAutoFit/>
-            </a:bodyPr>
-            <a:lstStyle/>
-            <a:p>
-              <a:r>
-                <a:rPr lang="en-VN" sz="1600" b="1">
-                  <a:latin typeface="Times New Roman" panose="02020603050405020304" pitchFamily="18" charset="0"/>
-                  <a:cs typeface="Times New Roman" panose="02020603050405020304" pitchFamily="18" charset="0"/>
-                </a:rPr>
-                <a:t>Q</a:t>
-              </a:r>
-              <a:r>
-                <a:rPr lang="en-VN" sz="1600" b="1" baseline="30000">
-                  <a:latin typeface="Times New Roman" panose="02020603050405020304" pitchFamily="18" charset="0"/>
-                  <a:cs typeface="Times New Roman" panose="02020603050405020304" pitchFamily="18" charset="0"/>
-                </a:rPr>
-                <a:t>T</a:t>
-              </a:r>
-            </a:p>
-          </p:txBody>
-        </p:sp>
-        <p:cxnSp>
-          <p:nvCxnSpPr>
-            <p:cNvPr id="50" name="Straight Arrow Connector 49">
-              <a:extLst>
-                <a:ext uri="{FF2B5EF4-FFF2-40B4-BE49-F238E27FC236}">
-                  <a16:creationId xmlns:a16="http://schemas.microsoft.com/office/drawing/2014/main" id="{56C3E713-234C-0B45-AA56-1F6E262B1A76}"/>
-                </a:ext>
-              </a:extLst>
-            </p:cNvPr>
-            <p:cNvCxnSpPr>
-              <a:cxnSpLocks/>
-            </p:cNvCxnSpPr>
-            <p:nvPr/>
-          </p:nvCxnSpPr>
-          <p:spPr>
-            <a:xfrm>
-              <a:off x="6594196" y="1574900"/>
-              <a:ext cx="0" cy="720685"/>
-            </a:xfrm>
-            <a:prstGeom prst="straightConnector1">
-              <a:avLst/>
-            </a:prstGeom>
-            <a:ln w="6350">
-              <a:solidFill>
-                <a:schemeClr val="tx1">
-                  <a:lumMod val="75000"/>
-                  <a:lumOff val="25000"/>
-                </a:schemeClr>
-              </a:solidFill>
-              <a:headEnd type="stealth"/>
-              <a:tailEnd type="stealth"/>
-            </a:ln>
-          </p:spPr>
-          <p:style>
-            <a:lnRef idx="1">
-              <a:schemeClr val="accent1"/>
-            </a:lnRef>
-            <a:fillRef idx="0">
-              <a:schemeClr val="accent1"/>
-            </a:fillRef>
-            <a:effectRef idx="0">
-              <a:schemeClr val="accent1"/>
-            </a:effectRef>
-            <a:fontRef idx="minor">
-              <a:schemeClr val="tx1"/>
-            </a:fontRef>
-          </p:style>
-        </p:cxnSp>
-        <p:sp>
-          <p:nvSpPr>
-            <p:cNvPr id="51" name="TextBox 50">
-              <a:extLst>
-                <a:ext uri="{FF2B5EF4-FFF2-40B4-BE49-F238E27FC236}">
-                  <a16:creationId xmlns:a16="http://schemas.microsoft.com/office/drawing/2014/main" id="{433A42B3-6FAD-5348-9775-50D76A3DAC33}"/>
-                </a:ext>
-              </a:extLst>
-            </p:cNvPr>
-            <p:cNvSpPr txBox="1"/>
-            <p:nvPr/>
-          </p:nvSpPr>
-          <p:spPr>
-            <a:xfrm>
-              <a:off x="6219432" y="1759565"/>
-              <a:ext cx="429658" cy="307777"/>
-            </a:xfrm>
-            <a:prstGeom prst="rect">
-              <a:avLst/>
-            </a:prstGeom>
-            <a:noFill/>
-          </p:spPr>
-          <p:txBody>
-            <a:bodyPr wrap="square" rtlCol="0">
-              <a:spAutoFit/>
-            </a:bodyPr>
-            <a:lstStyle/>
-            <a:p>
-              <a:pPr algn="ctr"/>
-              <a:r>
-                <a:rPr lang="en-VN" sz="1400" i="1">
-                  <a:latin typeface="Times New Roman" panose="02020603050405020304" pitchFamily="18" charset="0"/>
-                  <a:cs typeface="Times New Roman" panose="02020603050405020304" pitchFamily="18" charset="0"/>
-                </a:rPr>
-                <a:t>K</a:t>
-              </a:r>
-            </a:p>
-          </p:txBody>
-        </p:sp>
-        <p:sp>
-          <p:nvSpPr>
-            <p:cNvPr id="53" name="Rectangle 52">
-              <a:extLst>
-                <a:ext uri="{FF2B5EF4-FFF2-40B4-BE49-F238E27FC236}">
-                  <a16:creationId xmlns:a16="http://schemas.microsoft.com/office/drawing/2014/main" id="{8EA2F7AC-4145-F244-A6B3-8556D38878B1}"/>
-                </a:ext>
-              </a:extLst>
-            </p:cNvPr>
-            <p:cNvSpPr/>
-            <p:nvPr/>
-          </p:nvSpPr>
-          <p:spPr>
-            <a:xfrm rot="5400000">
-              <a:off x="7486374" y="1818585"/>
-              <a:ext cx="720000" cy="234000"/>
-            </a:xfrm>
-            <a:prstGeom prst="rect">
-              <a:avLst/>
-            </a:prstGeom>
-            <a:solidFill>
-              <a:srgbClr val="0070C0">
-                <a:alpha val="40000"/>
-              </a:srgbClr>
-            </a:solidFill>
-            <a:ln>
-              <a:noFill/>
-            </a:ln>
-          </p:spPr>
-          <p:style>
-            <a:lnRef idx="2">
-              <a:schemeClr val="accent1">
-                <a:shade val="50000"/>
-              </a:schemeClr>
-            </a:lnRef>
-            <a:fillRef idx="1">
-              <a:schemeClr val="accent1"/>
-            </a:fillRef>
-            <a:effectRef idx="0">
-              <a:schemeClr val="accent1"/>
-            </a:effectRef>
-            <a:fontRef idx="minor">
-              <a:schemeClr val="lt1"/>
-            </a:fontRef>
-          </p:style>
-          <p:txBody>
-            <a:bodyPr rtlCol="0" anchor="ctr"/>
-            <a:lstStyle/>
-            <a:p>
-              <a:pPr algn="ctr"/>
-              <a:endParaRPr lang="en-VN">
-                <a:latin typeface="Times New Roman" panose="02020603050405020304" pitchFamily="18" charset="0"/>
-                <a:cs typeface="Times New Roman" panose="02020603050405020304" pitchFamily="18" charset="0"/>
-              </a:endParaRPr>
-            </a:p>
-          </p:txBody>
-        </p:sp>
-        <p:cxnSp>
-          <p:nvCxnSpPr>
-            <p:cNvPr id="32" name="Straight Arrow Connector 31">
-              <a:extLst>
-                <a:ext uri="{FF2B5EF4-FFF2-40B4-BE49-F238E27FC236}">
-                  <a16:creationId xmlns:a16="http://schemas.microsoft.com/office/drawing/2014/main" id="{3BE91044-8EA2-EE40-BC97-6EEAE1F7D191}"/>
-                </a:ext>
-              </a:extLst>
-            </p:cNvPr>
-            <p:cNvCxnSpPr>
-              <a:cxnSpLocks/>
-            </p:cNvCxnSpPr>
-            <p:nvPr/>
-          </p:nvCxnSpPr>
-          <p:spPr>
-            <a:xfrm>
-              <a:off x="6784872" y="1377109"/>
-              <a:ext cx="1806766" cy="0"/>
-            </a:xfrm>
-            <a:prstGeom prst="straightConnector1">
-              <a:avLst/>
-            </a:prstGeom>
-            <a:ln w="6350">
-              <a:solidFill>
-                <a:schemeClr val="tx1">
-                  <a:lumMod val="75000"/>
-                  <a:lumOff val="25000"/>
-                </a:schemeClr>
-              </a:solidFill>
-              <a:headEnd type="stealth"/>
-              <a:tailEnd type="stealth"/>
-            </a:ln>
-          </p:spPr>
-          <p:style>
-            <a:lnRef idx="1">
-              <a:schemeClr val="accent1"/>
-            </a:lnRef>
-            <a:fillRef idx="0">
-              <a:schemeClr val="accent1"/>
-            </a:fillRef>
-            <a:effectRef idx="0">
-              <a:schemeClr val="accent1"/>
-            </a:effectRef>
-            <a:fontRef idx="minor">
-              <a:schemeClr val="tx1"/>
-            </a:fontRef>
-          </p:style>
-        </p:cxnSp>
-        <p:sp>
-          <p:nvSpPr>
-            <p:cNvPr id="34" name="TextBox 33">
-              <a:extLst>
-                <a:ext uri="{FF2B5EF4-FFF2-40B4-BE49-F238E27FC236}">
-                  <a16:creationId xmlns:a16="http://schemas.microsoft.com/office/drawing/2014/main" id="{72C0BE59-E8F6-7947-9220-1F0DCC56F992}"/>
-                </a:ext>
-              </a:extLst>
-            </p:cNvPr>
-            <p:cNvSpPr txBox="1"/>
-            <p:nvPr/>
-          </p:nvSpPr>
-          <p:spPr>
-            <a:xfrm>
-              <a:off x="7634590" y="2295585"/>
-              <a:ext cx="423568" cy="307777"/>
-            </a:xfrm>
-            <a:prstGeom prst="rect">
-              <a:avLst/>
-            </a:prstGeom>
-            <a:noFill/>
-          </p:spPr>
-          <p:txBody>
-            <a:bodyPr wrap="square" rtlCol="0">
-              <a:spAutoFit/>
-            </a:bodyPr>
-            <a:lstStyle/>
-            <a:p>
-              <a:pPr algn="ctr"/>
-              <a:r>
-                <a:rPr lang="en-VN" sz="1400" i="1">
-                  <a:latin typeface="Times New Roman" panose="02020603050405020304" pitchFamily="18" charset="0"/>
-                  <a:cs typeface="Times New Roman" panose="02020603050405020304" pitchFamily="18" charset="0"/>
-                </a:rPr>
-                <a:t>i</a:t>
-              </a:r>
-            </a:p>
-          </p:txBody>
-        </p:sp>
-        <p:sp>
-          <p:nvSpPr>
-            <p:cNvPr id="61" name="TextBox 60">
-              <a:extLst>
-                <a:ext uri="{FF2B5EF4-FFF2-40B4-BE49-F238E27FC236}">
-                  <a16:creationId xmlns:a16="http://schemas.microsoft.com/office/drawing/2014/main" id="{25E7AA06-4EC1-E94D-955B-455A2FC45AFA}"/>
-                </a:ext>
-              </a:extLst>
-            </p:cNvPr>
-            <p:cNvSpPr txBox="1"/>
-            <p:nvPr/>
-          </p:nvSpPr>
-          <p:spPr>
-            <a:xfrm>
-              <a:off x="7941542" y="1771170"/>
-              <a:ext cx="470636" cy="338554"/>
-            </a:xfrm>
-            <a:prstGeom prst="rect">
-              <a:avLst/>
-            </a:prstGeom>
-            <a:noFill/>
-          </p:spPr>
-          <p:txBody>
-            <a:bodyPr wrap="square" rtlCol="0">
-              <a:spAutoFit/>
-            </a:bodyPr>
-            <a:lstStyle/>
-            <a:p>
-              <a:r>
-                <a:rPr lang="en-VN" sz="1600" b="1">
-                  <a:latin typeface="Times New Roman" panose="02020603050405020304" pitchFamily="18" charset="0"/>
-                  <a:cs typeface="Times New Roman" panose="02020603050405020304" pitchFamily="18" charset="0"/>
-                </a:rPr>
-                <a:t>q</a:t>
-              </a:r>
-              <a:r>
-                <a:rPr lang="en-VN" sz="1600" i="1" baseline="-25000">
-                  <a:latin typeface="Times New Roman" panose="02020603050405020304" pitchFamily="18" charset="0"/>
-                  <a:cs typeface="Times New Roman" panose="02020603050405020304" pitchFamily="18" charset="0"/>
-                </a:rPr>
-                <a:t>i</a:t>
-              </a:r>
-            </a:p>
-          </p:txBody>
-        </p:sp>
-      </p:grpSp>
-      <p:grpSp>
-        <p:nvGrpSpPr>
-          <p:cNvPr id="14" name="Group 13">
-            <a:extLst>
-              <a:ext uri="{FF2B5EF4-FFF2-40B4-BE49-F238E27FC236}">
-                <a16:creationId xmlns:a16="http://schemas.microsoft.com/office/drawing/2014/main" id="{699E8032-7635-5246-8B79-D091DB9CC94A}"/>
-              </a:ext>
-            </a:extLst>
-          </p:cNvPr>
-          <p:cNvGrpSpPr/>
-          <p:nvPr/>
-        </p:nvGrpSpPr>
-        <p:grpSpPr>
-          <a:xfrm>
-            <a:off x="4302030" y="1716945"/>
-            <a:ext cx="1046349" cy="2921019"/>
-            <a:chOff x="4918450" y="1111155"/>
-            <a:chExt cx="1046349" cy="2921019"/>
-          </a:xfrm>
-        </p:grpSpPr>
-        <p:sp>
-          <p:nvSpPr>
-            <p:cNvPr id="22" name="Rectangle 21">
-              <a:extLst>
-                <a:ext uri="{FF2B5EF4-FFF2-40B4-BE49-F238E27FC236}">
-                  <a16:creationId xmlns:a16="http://schemas.microsoft.com/office/drawing/2014/main" id="{B44FFC4A-0345-6C43-9223-D696AF31F160}"/>
-                </a:ext>
-              </a:extLst>
-            </p:cNvPr>
-            <p:cNvSpPr/>
-            <p:nvPr/>
-          </p:nvSpPr>
-          <p:spPr>
-            <a:xfrm>
-              <a:off x="4918450" y="1575413"/>
-              <a:ext cx="720000" cy="2456761"/>
-            </a:xfrm>
-            <a:prstGeom prst="rect">
-              <a:avLst/>
-            </a:prstGeom>
-            <a:noFill/>
-            <a:ln w="19050">
-              <a:solidFill>
-                <a:schemeClr val="tx1">
-                  <a:lumMod val="75000"/>
-                  <a:lumOff val="25000"/>
-                </a:schemeClr>
-              </a:solidFill>
-            </a:ln>
-          </p:spPr>
-          <p:style>
-            <a:lnRef idx="2">
-              <a:schemeClr val="accent1">
-                <a:shade val="50000"/>
-              </a:schemeClr>
-            </a:lnRef>
-            <a:fillRef idx="1">
-              <a:schemeClr val="accent1"/>
-            </a:fillRef>
-            <a:effectRef idx="0">
-              <a:schemeClr val="accent1"/>
-            </a:effectRef>
-            <a:fontRef idx="minor">
-              <a:schemeClr val="lt1"/>
-            </a:fontRef>
-          </p:style>
-          <p:txBody>
-            <a:bodyPr rtlCol="0" anchor="ctr"/>
-            <a:lstStyle/>
-            <a:p>
-              <a:pPr algn="ctr"/>
-              <a:endParaRPr lang="en-VN">
-                <a:latin typeface="Times New Roman" panose="02020603050405020304" pitchFamily="18" charset="0"/>
-                <a:cs typeface="Times New Roman" panose="02020603050405020304" pitchFamily="18" charset="0"/>
-              </a:endParaRPr>
-            </a:p>
-          </p:txBody>
-        </p:sp>
-        <p:sp>
-          <p:nvSpPr>
-            <p:cNvPr id="23" name="TextBox 22">
-              <a:extLst>
-                <a:ext uri="{FF2B5EF4-FFF2-40B4-BE49-F238E27FC236}">
-                  <a16:creationId xmlns:a16="http://schemas.microsoft.com/office/drawing/2014/main" id="{E034EB12-2FFD-924A-8319-060F96DDA0FF}"/>
-                </a:ext>
-              </a:extLst>
-            </p:cNvPr>
-            <p:cNvSpPr txBox="1"/>
-            <p:nvPr/>
-          </p:nvSpPr>
-          <p:spPr>
-            <a:xfrm>
-              <a:off x="4918450" y="1575413"/>
-              <a:ext cx="449280" cy="338554"/>
-            </a:xfrm>
-            <a:prstGeom prst="rect">
-              <a:avLst/>
-            </a:prstGeom>
-            <a:noFill/>
-          </p:spPr>
-          <p:txBody>
-            <a:bodyPr wrap="square" rtlCol="0">
-              <a:spAutoFit/>
-            </a:bodyPr>
-            <a:lstStyle/>
-            <a:p>
-              <a:r>
-                <a:rPr lang="en-VN" sz="1600" b="1">
-                  <a:latin typeface="Times New Roman" panose="02020603050405020304" pitchFamily="18" charset="0"/>
-                  <a:cs typeface="Times New Roman" panose="02020603050405020304" pitchFamily="18" charset="0"/>
-                </a:rPr>
-                <a:t>P</a:t>
-              </a:r>
-            </a:p>
-          </p:txBody>
-        </p:sp>
-        <p:cxnSp>
-          <p:nvCxnSpPr>
-            <p:cNvPr id="24" name="Straight Arrow Connector 23">
-              <a:extLst>
-                <a:ext uri="{FF2B5EF4-FFF2-40B4-BE49-F238E27FC236}">
-                  <a16:creationId xmlns:a16="http://schemas.microsoft.com/office/drawing/2014/main" id="{42CD9930-0C90-1449-B8A3-7E04437A63B6}"/>
-                </a:ext>
-              </a:extLst>
-            </p:cNvPr>
-            <p:cNvCxnSpPr>
-              <a:cxnSpLocks/>
-            </p:cNvCxnSpPr>
-            <p:nvPr/>
-          </p:nvCxnSpPr>
-          <p:spPr>
-            <a:xfrm>
-              <a:off x="4918450" y="1377109"/>
-              <a:ext cx="720000" cy="0"/>
-            </a:xfrm>
-            <a:prstGeom prst="straightConnector1">
-              <a:avLst/>
-            </a:prstGeom>
-            <a:ln w="6350">
-              <a:solidFill>
-                <a:schemeClr val="tx1">
-                  <a:lumMod val="75000"/>
-                  <a:lumOff val="25000"/>
-                </a:schemeClr>
-              </a:solidFill>
-              <a:headEnd type="stealth"/>
-              <a:tailEnd type="stealth"/>
-            </a:ln>
-          </p:spPr>
-          <p:style>
-            <a:lnRef idx="1">
-              <a:schemeClr val="accent1"/>
-            </a:lnRef>
-            <a:fillRef idx="0">
-              <a:schemeClr val="accent1"/>
-            </a:fillRef>
-            <a:effectRef idx="0">
-              <a:schemeClr val="accent1"/>
-            </a:effectRef>
-            <a:fontRef idx="minor">
-              <a:schemeClr val="tx1"/>
-            </a:fontRef>
-          </p:style>
-        </p:cxnSp>
-        <p:sp>
-          <p:nvSpPr>
-            <p:cNvPr id="28" name="Rectangle 27">
-              <a:extLst>
-                <a:ext uri="{FF2B5EF4-FFF2-40B4-BE49-F238E27FC236}">
-                  <a16:creationId xmlns:a16="http://schemas.microsoft.com/office/drawing/2014/main" id="{F8A53722-650B-3148-9527-328369C1059E}"/>
-                </a:ext>
-              </a:extLst>
-            </p:cNvPr>
-            <p:cNvSpPr/>
-            <p:nvPr/>
-          </p:nvSpPr>
-          <p:spPr>
-            <a:xfrm>
-              <a:off x="4918450" y="3317358"/>
-              <a:ext cx="720000" cy="233916"/>
-            </a:xfrm>
-            <a:prstGeom prst="rect">
-              <a:avLst/>
-            </a:prstGeom>
-            <a:solidFill>
-              <a:srgbClr val="0070C0">
-                <a:alpha val="40000"/>
-              </a:srgbClr>
-            </a:solidFill>
-            <a:ln>
-              <a:noFill/>
-            </a:ln>
-          </p:spPr>
-          <p:style>
-            <a:lnRef idx="2">
-              <a:schemeClr val="accent1">
-                <a:shade val="50000"/>
-              </a:schemeClr>
-            </a:lnRef>
-            <a:fillRef idx="1">
-              <a:schemeClr val="accent1"/>
-            </a:fillRef>
-            <a:effectRef idx="0">
-              <a:schemeClr val="accent1"/>
-            </a:effectRef>
-            <a:fontRef idx="minor">
-              <a:schemeClr val="lt1"/>
-            </a:fontRef>
-          </p:style>
-          <p:txBody>
-            <a:bodyPr rtlCol="0" anchor="ctr"/>
-            <a:lstStyle/>
-            <a:p>
-              <a:pPr algn="ctr"/>
-              <a:endParaRPr lang="en-VN">
-                <a:latin typeface="Times New Roman" panose="02020603050405020304" pitchFamily="18" charset="0"/>
-                <a:cs typeface="Times New Roman" panose="02020603050405020304" pitchFamily="18" charset="0"/>
-              </a:endParaRPr>
-            </a:p>
-          </p:txBody>
-        </p:sp>
-        <p:sp>
-          <p:nvSpPr>
-            <p:cNvPr id="30" name="TextBox 29">
-              <a:extLst>
-                <a:ext uri="{FF2B5EF4-FFF2-40B4-BE49-F238E27FC236}">
-                  <a16:creationId xmlns:a16="http://schemas.microsoft.com/office/drawing/2014/main" id="{03BCD34D-69BA-714F-8DBA-20B85C00E4D4}"/>
-                </a:ext>
-              </a:extLst>
-            </p:cNvPr>
-            <p:cNvSpPr txBox="1"/>
-            <p:nvPr/>
-          </p:nvSpPr>
-          <p:spPr>
-            <a:xfrm>
-              <a:off x="5063621" y="1111155"/>
-              <a:ext cx="429658" cy="307777"/>
-            </a:xfrm>
-            <a:prstGeom prst="rect">
-              <a:avLst/>
-            </a:prstGeom>
-            <a:noFill/>
-          </p:spPr>
-          <p:txBody>
-            <a:bodyPr wrap="square" rtlCol="0">
-              <a:spAutoFit/>
-            </a:bodyPr>
-            <a:lstStyle/>
-            <a:p>
-              <a:pPr algn="ctr"/>
-              <a:r>
-                <a:rPr lang="en-VN" sz="1400" i="1">
-                  <a:latin typeface="Times New Roman" panose="02020603050405020304" pitchFamily="18" charset="0"/>
-                  <a:cs typeface="Times New Roman" panose="02020603050405020304" pitchFamily="18" charset="0"/>
-                </a:rPr>
-                <a:t>K</a:t>
-              </a:r>
-            </a:p>
-          </p:txBody>
-        </p:sp>
-        <p:sp>
-          <p:nvSpPr>
-            <p:cNvPr id="36" name="TextBox 35">
-              <a:extLst>
-                <a:ext uri="{FF2B5EF4-FFF2-40B4-BE49-F238E27FC236}">
-                  <a16:creationId xmlns:a16="http://schemas.microsoft.com/office/drawing/2014/main" id="{170E9CF7-28B6-644C-B871-97A91A81F26E}"/>
-                </a:ext>
-              </a:extLst>
-            </p:cNvPr>
-            <p:cNvSpPr txBox="1"/>
-            <p:nvPr/>
-          </p:nvSpPr>
-          <p:spPr>
-            <a:xfrm>
-              <a:off x="5642515" y="3275111"/>
-              <a:ext cx="322284" cy="307777"/>
-            </a:xfrm>
-            <a:prstGeom prst="rect">
-              <a:avLst/>
-            </a:prstGeom>
-            <a:noFill/>
-          </p:spPr>
-          <p:txBody>
-            <a:bodyPr wrap="square" rtlCol="0">
-              <a:spAutoFit/>
-            </a:bodyPr>
-            <a:lstStyle/>
-            <a:p>
-              <a:r>
-                <a:rPr lang="en-VN" sz="1400" i="1">
-                  <a:latin typeface="Times New Roman" panose="02020603050405020304" pitchFamily="18" charset="0"/>
-                  <a:cs typeface="Times New Roman" panose="02020603050405020304" pitchFamily="18" charset="0"/>
-                </a:rPr>
-                <a:t>u</a:t>
-              </a:r>
-            </a:p>
-          </p:txBody>
-        </p:sp>
-        <p:sp>
-          <p:nvSpPr>
-            <p:cNvPr id="60" name="TextBox 59">
-              <a:extLst>
-                <a:ext uri="{FF2B5EF4-FFF2-40B4-BE49-F238E27FC236}">
-                  <a16:creationId xmlns:a16="http://schemas.microsoft.com/office/drawing/2014/main" id="{54EC10D2-74C4-E249-8608-24DF6A6FA037}"/>
-                </a:ext>
-              </a:extLst>
-            </p:cNvPr>
-            <p:cNvSpPr txBox="1"/>
-            <p:nvPr/>
-          </p:nvSpPr>
-          <p:spPr>
-            <a:xfrm>
-              <a:off x="5053810" y="2991600"/>
-              <a:ext cx="449280" cy="338554"/>
-            </a:xfrm>
-            <a:prstGeom prst="rect">
-              <a:avLst/>
-            </a:prstGeom>
-            <a:noFill/>
-          </p:spPr>
-          <p:txBody>
-            <a:bodyPr wrap="square" rtlCol="0">
-              <a:spAutoFit/>
-            </a:bodyPr>
-            <a:lstStyle/>
-            <a:p>
-              <a:pPr algn="ctr"/>
-              <a:r>
-                <a:rPr lang="en-VN" sz="1600" b="1">
-                  <a:latin typeface="Times New Roman" panose="02020603050405020304" pitchFamily="18" charset="0"/>
-                  <a:cs typeface="Times New Roman" panose="02020603050405020304" pitchFamily="18" charset="0"/>
-                </a:rPr>
-                <a:t>p</a:t>
-              </a:r>
-              <a:r>
-                <a:rPr lang="en-VN" sz="1600" i="1" baseline="-25000">
-                  <a:latin typeface="Times New Roman" panose="02020603050405020304" pitchFamily="18" charset="0"/>
-                  <a:cs typeface="Times New Roman" panose="02020603050405020304" pitchFamily="18" charset="0"/>
-                </a:rPr>
-                <a:t>u</a:t>
-              </a:r>
-            </a:p>
-          </p:txBody>
-        </p:sp>
-      </p:grpSp>
       <mc:AlternateContent xmlns:mc="http://schemas.openxmlformats.org/markup-compatibility/2006" xmlns:a14="http://schemas.microsoft.com/office/drawing/2010/main">
         <mc:Choice Requires="a14">
           <p:sp>
             <p:nvSpPr>
-              <p:cNvPr id="40" name="TextBox 39">
+              <p:cNvPr id="49" name="TextBox 48">
                 <a:extLst>
                   <a:ext uri="{FF2B5EF4-FFF2-40B4-BE49-F238E27FC236}">
-                    <a16:creationId xmlns:a16="http://schemas.microsoft.com/office/drawing/2014/main" id="{290C76F3-DB96-1641-8B2D-E32BD483BDF1}"/>
+                    <a16:creationId xmlns:a16="http://schemas.microsoft.com/office/drawing/2014/main" id="{0428F3D8-382C-85CD-81AA-B98DA6002B71}"/>
                   </a:ext>
                 </a:extLst>
               </p:cNvPr>
@@ -16103,8 +19167,8 @@
             </p:nvSpPr>
             <p:spPr>
               <a:xfrm>
-                <a:off x="8114345" y="3260560"/>
-                <a:ext cx="256480" cy="307777"/>
+                <a:off x="7239602" y="1419429"/>
+                <a:ext cx="685800" cy="325089"/>
               </a:xfrm>
               <a:prstGeom prst="rect">
                 <a:avLst/>
@@ -16112,7 +19176,7 @@
               <a:noFill/>
             </p:spPr>
             <p:txBody>
-              <a:bodyPr wrap="none" lIns="0" tIns="0" rIns="0" bIns="0" rtlCol="0">
+              <a:bodyPr wrap="square" rtlCol="0">
                 <a:spAutoFit/>
               </a:bodyPr>
               <a:lstStyle/>
@@ -16125,18 +19189,40 @@
                     </m:oMathParaPr>
                     <m:oMath xmlns:m="http://schemas.openxmlformats.org/officeDocument/2006/math">
                       <m:r>
-                        <a:rPr lang="en-US" sz="2000" b="0" i="1">
+                        <a:rPr lang="en-US" sz="1400" b="0" i="1" smtClean="0">
                           <a:latin typeface="Cambria Math" panose="02040503050406030204" pitchFamily="18" charset="0"/>
                         </a:rPr>
-                        <m:t>+</m:t>
+                        <m:t> </m:t>
                       </m:r>
+                      <m:sSub>
+                        <m:sSubPr>
+                          <m:ctrlPr>
+                            <a:rPr lang="en-US" sz="1400" b="0" i="1" smtClean="0">
+                              <a:latin typeface="Cambria Math" panose="02040503050406030204" pitchFamily="18" charset="0"/>
+                            </a:rPr>
+                          </m:ctrlPr>
+                        </m:sSubPr>
+                        <m:e>
+                          <m:r>
+                            <a:rPr lang="en-US" sz="1400" b="0" i="1" smtClean="0">
+                              <a:latin typeface="Cambria Math" panose="02040503050406030204" pitchFamily="18" charset="0"/>
+                            </a:rPr>
+                            <m:t>𝑝</m:t>
+                          </m:r>
+                        </m:e>
+                        <m:sub>
+                          <m:r>
+                            <a:rPr lang="en-US" sz="1400" b="0" i="1" smtClean="0">
+                              <a:latin typeface="Cambria Math" panose="02040503050406030204" pitchFamily="18" charset="0"/>
+                            </a:rPr>
+                            <m:t>𝑗</m:t>
+                          </m:r>
+                        </m:sub>
+                      </m:sSub>
                     </m:oMath>
                   </m:oMathPara>
                 </a14:m>
-                <a:endParaRPr lang="en-US" sz="2000" b="0">
-                  <a:latin typeface="Times New Roman" panose="02020603050405020304" pitchFamily="18" charset="0"/>
-                  <a:cs typeface="Times New Roman" panose="02020603050405020304" pitchFamily="18" charset="0"/>
-                </a:endParaRPr>
+                <a:endParaRPr lang="en-US" sz="1400" dirty="0"/>
               </a:p>
             </p:txBody>
           </p:sp>
@@ -16144,10 +19230,10 @@
         <mc:Fallback xmlns="">
           <p:sp>
             <p:nvSpPr>
-              <p:cNvPr id="40" name="TextBox 39">
+              <p:cNvPr id="49" name="TextBox 48">
                 <a:extLst>
                   <a:ext uri="{FF2B5EF4-FFF2-40B4-BE49-F238E27FC236}">
-                    <a16:creationId xmlns:a16="http://schemas.microsoft.com/office/drawing/2014/main" id="{290C76F3-DB96-1641-8B2D-E32BD483BDF1}"/>
+                    <a16:creationId xmlns:a16="http://schemas.microsoft.com/office/drawing/2014/main" id="{0428F3D8-382C-85CD-81AA-B98DA6002B71}"/>
                   </a:ext>
                 </a:extLst>
               </p:cNvPr>
@@ -16158,8 +19244,8 @@
             </p:nvSpPr>
             <p:spPr>
               <a:xfrm>
-                <a:off x="8114345" y="3260560"/>
-                <a:ext cx="256480" cy="307777"/>
+                <a:off x="7239602" y="1419429"/>
+                <a:ext cx="685800" cy="325089"/>
               </a:xfrm>
               <a:prstGeom prst="rect">
                 <a:avLst/>
@@ -16167,7 +19253,7 @@
               <a:blipFill>
                 <a:blip r:embed="rId4"/>
                 <a:stretch>
-                  <a:fillRect l="-19048" r="-19048" b="-8000"/>
+                  <a:fillRect b="-3774"/>
                 </a:stretch>
               </a:blipFill>
             </p:spPr>
@@ -16176,7 +19262,7 @@
               <a:lstStyle/>
               <a:p>
                 <a:r>
-                  <a:rPr lang="en-VN">
+                  <a:rPr lang="en-US">
                     <a:noFill/>
                   </a:rPr>
                   <a:t> </a:t>
@@ -16186,520 +19272,286 @@
           </p:sp>
         </mc:Fallback>
       </mc:AlternateContent>
-      <p:grpSp>
-        <p:nvGrpSpPr>
-          <p:cNvPr id="41" name="Group 40">
-            <a:extLst>
-              <a:ext uri="{FF2B5EF4-FFF2-40B4-BE49-F238E27FC236}">
-                <a16:creationId xmlns:a16="http://schemas.microsoft.com/office/drawing/2014/main" id="{1DE8B069-B4B7-0949-AD00-F4A31ED4EBC9}"/>
-              </a:ext>
-            </a:extLst>
-          </p:cNvPr>
-          <p:cNvGrpSpPr/>
-          <p:nvPr/>
-        </p:nvGrpSpPr>
-        <p:grpSpPr>
-          <a:xfrm>
-            <a:off x="8733233" y="1716945"/>
-            <a:ext cx="2115460" cy="3228284"/>
-            <a:chOff x="2688116" y="1111155"/>
-            <a:chExt cx="2115460" cy="3228284"/>
-          </a:xfrm>
-        </p:grpSpPr>
-        <p:sp>
-          <p:nvSpPr>
-            <p:cNvPr id="42" name="Rectangle 41">
-              <a:extLst>
-                <a:ext uri="{FF2B5EF4-FFF2-40B4-BE49-F238E27FC236}">
-                  <a16:creationId xmlns:a16="http://schemas.microsoft.com/office/drawing/2014/main" id="{0725481F-483D-AE47-A1C2-92B2AF3395D4}"/>
-                </a:ext>
-              </a:extLst>
-            </p:cNvPr>
-            <p:cNvSpPr/>
-            <p:nvPr/>
-          </p:nvSpPr>
-          <p:spPr>
-            <a:xfrm>
-              <a:off x="2688116" y="1575413"/>
-              <a:ext cx="1806766" cy="2456761"/>
-            </a:xfrm>
-            <a:prstGeom prst="rect">
-              <a:avLst/>
-            </a:prstGeom>
-            <a:noFill/>
-            <a:ln w="19050">
-              <a:solidFill>
-                <a:schemeClr val="tx1">
-                  <a:lumMod val="75000"/>
-                  <a:lumOff val="25000"/>
-                </a:schemeClr>
-              </a:solidFill>
-            </a:ln>
-          </p:spPr>
-          <p:style>
-            <a:lnRef idx="2">
-              <a:schemeClr val="accent1">
-                <a:shade val="50000"/>
-              </a:schemeClr>
-            </a:lnRef>
-            <a:fillRef idx="1">
-              <a:schemeClr val="accent1"/>
-            </a:fillRef>
-            <a:effectRef idx="0">
-              <a:schemeClr val="accent1"/>
-            </a:effectRef>
-            <a:fontRef idx="minor">
-              <a:schemeClr val="lt1"/>
-            </a:fontRef>
-          </p:style>
-          <p:txBody>
-            <a:bodyPr rtlCol="0" anchor="ctr"/>
-            <a:lstStyle/>
-            <a:p>
-              <a:pPr algn="ctr"/>
-              <a:endParaRPr lang="en-VN">
-                <a:latin typeface="Times New Roman" panose="02020603050405020304" pitchFamily="18" charset="0"/>
-                <a:cs typeface="Times New Roman" panose="02020603050405020304" pitchFamily="18" charset="0"/>
-              </a:endParaRPr>
-            </a:p>
-          </p:txBody>
-        </p:sp>
-        <p:sp>
-          <p:nvSpPr>
-            <p:cNvPr id="43" name="TextBox 42">
-              <a:extLst>
-                <a:ext uri="{FF2B5EF4-FFF2-40B4-BE49-F238E27FC236}">
-                  <a16:creationId xmlns:a16="http://schemas.microsoft.com/office/drawing/2014/main" id="{C57B193D-A6F4-284C-B4E7-69FAF22ECB97}"/>
-                </a:ext>
-              </a:extLst>
-            </p:cNvPr>
-            <p:cNvSpPr txBox="1"/>
-            <p:nvPr/>
-          </p:nvSpPr>
-          <p:spPr>
-            <a:xfrm>
-              <a:off x="2688116" y="1575413"/>
-              <a:ext cx="429658" cy="338554"/>
-            </a:xfrm>
-            <a:prstGeom prst="rect">
-              <a:avLst/>
-            </a:prstGeom>
-            <a:noFill/>
-          </p:spPr>
-          <p:txBody>
-            <a:bodyPr wrap="square" rtlCol="0">
-              <a:spAutoFit/>
-            </a:bodyPr>
-            <a:lstStyle/>
-            <a:p>
-              <a:r>
-                <a:rPr lang="en-VN" sz="1600" b="1">
-                  <a:latin typeface="Times New Roman" panose="02020603050405020304" pitchFamily="18" charset="0"/>
-                  <a:cs typeface="Times New Roman" panose="02020603050405020304" pitchFamily="18" charset="0"/>
-                </a:rPr>
-                <a:t>B</a:t>
-              </a:r>
-            </a:p>
-          </p:txBody>
-        </p:sp>
-        <p:cxnSp>
-          <p:nvCxnSpPr>
-            <p:cNvPr id="44" name="Straight Arrow Connector 43">
-              <a:extLst>
-                <a:ext uri="{FF2B5EF4-FFF2-40B4-BE49-F238E27FC236}">
-                  <a16:creationId xmlns:a16="http://schemas.microsoft.com/office/drawing/2014/main" id="{952C83AF-8959-CB4D-95BA-6FD40A0C4479}"/>
-                </a:ext>
-              </a:extLst>
-            </p:cNvPr>
-            <p:cNvCxnSpPr>
-              <a:cxnSpLocks/>
-            </p:cNvCxnSpPr>
-            <p:nvPr/>
-          </p:nvCxnSpPr>
-          <p:spPr>
-            <a:xfrm>
-              <a:off x="2688116" y="1377109"/>
-              <a:ext cx="1806766" cy="0"/>
-            </a:xfrm>
-            <a:prstGeom prst="straightConnector1">
-              <a:avLst/>
-            </a:prstGeom>
-            <a:ln w="6350">
-              <a:solidFill>
-                <a:schemeClr val="tx1">
-                  <a:lumMod val="75000"/>
-                  <a:lumOff val="25000"/>
-                </a:schemeClr>
-              </a:solidFill>
-              <a:headEnd type="stealth"/>
-              <a:tailEnd type="stealth"/>
-            </a:ln>
-          </p:spPr>
-          <p:style>
-            <a:lnRef idx="1">
-              <a:schemeClr val="accent1"/>
-            </a:lnRef>
-            <a:fillRef idx="0">
-              <a:schemeClr val="accent1"/>
-            </a:fillRef>
-            <a:effectRef idx="0">
-              <a:schemeClr val="accent1"/>
-            </a:effectRef>
-            <a:fontRef idx="minor">
-              <a:schemeClr val="tx1"/>
-            </a:fontRef>
-          </p:style>
-        </p:cxnSp>
-        <p:sp>
-          <p:nvSpPr>
-            <p:cNvPr id="45" name="TextBox 44">
-              <a:extLst>
-                <a:ext uri="{FF2B5EF4-FFF2-40B4-BE49-F238E27FC236}">
-                  <a16:creationId xmlns:a16="http://schemas.microsoft.com/office/drawing/2014/main" id="{95F3A49F-E7A8-264F-8985-0319F530E5A2}"/>
-                </a:ext>
-              </a:extLst>
-            </p:cNvPr>
-            <p:cNvSpPr txBox="1"/>
-            <p:nvPr/>
-          </p:nvSpPr>
-          <p:spPr>
-            <a:xfrm>
-              <a:off x="3376670" y="1111155"/>
-              <a:ext cx="429658" cy="307777"/>
-            </a:xfrm>
-            <a:prstGeom prst="rect">
-              <a:avLst/>
-            </a:prstGeom>
-            <a:noFill/>
-          </p:spPr>
-          <p:txBody>
-            <a:bodyPr wrap="square" rtlCol="0">
-              <a:spAutoFit/>
-            </a:bodyPr>
-            <a:lstStyle/>
-            <a:p>
-              <a:pPr algn="ctr"/>
-              <a:r>
-                <a:rPr lang="en-VN" sz="1400" i="1">
-                  <a:latin typeface="Times New Roman" panose="02020603050405020304" pitchFamily="18" charset="0"/>
-                  <a:cs typeface="Times New Roman" panose="02020603050405020304" pitchFamily="18" charset="0"/>
-                </a:rPr>
-                <a:t>I</a:t>
-              </a:r>
-            </a:p>
-          </p:txBody>
-        </p:sp>
-        <p:sp>
-          <p:nvSpPr>
-            <p:cNvPr id="52" name="Rectangle 51">
-              <a:extLst>
-                <a:ext uri="{FF2B5EF4-FFF2-40B4-BE49-F238E27FC236}">
-                  <a16:creationId xmlns:a16="http://schemas.microsoft.com/office/drawing/2014/main" id="{D022EEEE-9BC8-4440-A52A-CD9A3D3D6A31}"/>
-                </a:ext>
-              </a:extLst>
-            </p:cNvPr>
-            <p:cNvSpPr/>
-            <p:nvPr/>
-          </p:nvSpPr>
-          <p:spPr>
-            <a:xfrm>
-              <a:off x="2688116" y="3317358"/>
-              <a:ext cx="1806766" cy="233916"/>
-            </a:xfrm>
-            <a:prstGeom prst="rect">
-              <a:avLst/>
-            </a:prstGeom>
-            <a:noFill/>
-            <a:ln>
-              <a:solidFill>
-                <a:schemeClr val="tx1"/>
-              </a:solidFill>
-              <a:prstDash val="dash"/>
-            </a:ln>
-          </p:spPr>
-          <p:style>
-            <a:lnRef idx="2">
-              <a:schemeClr val="accent1">
-                <a:shade val="50000"/>
-              </a:schemeClr>
-            </a:lnRef>
-            <a:fillRef idx="1">
-              <a:schemeClr val="accent1"/>
-            </a:fillRef>
-            <a:effectRef idx="0">
-              <a:schemeClr val="accent1"/>
-            </a:effectRef>
-            <a:fontRef idx="minor">
-              <a:schemeClr val="lt1"/>
-            </a:fontRef>
-          </p:style>
-          <p:txBody>
-            <a:bodyPr rtlCol="0" anchor="ctr"/>
-            <a:lstStyle/>
-            <a:p>
-              <a:pPr algn="ctr"/>
-              <a:endParaRPr lang="en-VN">
-                <a:latin typeface="Times New Roman" panose="02020603050405020304" pitchFamily="18" charset="0"/>
-                <a:cs typeface="Times New Roman" panose="02020603050405020304" pitchFamily="18" charset="0"/>
-              </a:endParaRPr>
-            </a:p>
-          </p:txBody>
-        </p:sp>
-        <p:sp>
-          <p:nvSpPr>
-            <p:cNvPr id="54" name="Rectangle 53">
-              <a:extLst>
-                <a:ext uri="{FF2B5EF4-FFF2-40B4-BE49-F238E27FC236}">
-                  <a16:creationId xmlns:a16="http://schemas.microsoft.com/office/drawing/2014/main" id="{74A6E59C-C244-A340-A6DF-D87D66CE2678}"/>
-                </a:ext>
-              </a:extLst>
-            </p:cNvPr>
-            <p:cNvSpPr/>
-            <p:nvPr/>
-          </p:nvSpPr>
-          <p:spPr>
-            <a:xfrm rot="5400000">
-              <a:off x="2529650" y="2686323"/>
-              <a:ext cx="2456761" cy="233916"/>
-            </a:xfrm>
-            <a:prstGeom prst="rect">
-              <a:avLst/>
-            </a:prstGeom>
-            <a:noFill/>
-            <a:ln>
-              <a:solidFill>
-                <a:schemeClr val="tx1"/>
-              </a:solidFill>
-              <a:prstDash val="dash"/>
-            </a:ln>
-          </p:spPr>
-          <p:style>
-            <a:lnRef idx="2">
-              <a:schemeClr val="accent1">
-                <a:shade val="50000"/>
-              </a:schemeClr>
-            </a:lnRef>
-            <a:fillRef idx="1">
-              <a:schemeClr val="accent1"/>
-            </a:fillRef>
-            <a:effectRef idx="0">
-              <a:schemeClr val="accent1"/>
-            </a:effectRef>
-            <a:fontRef idx="minor">
-              <a:schemeClr val="lt1"/>
-            </a:fontRef>
-          </p:style>
-          <p:txBody>
-            <a:bodyPr rtlCol="0" anchor="ctr"/>
-            <a:lstStyle/>
-            <a:p>
-              <a:pPr algn="ctr"/>
-              <a:endParaRPr lang="en-VN">
-                <a:latin typeface="Times New Roman" panose="02020603050405020304" pitchFamily="18" charset="0"/>
-                <a:cs typeface="Times New Roman" panose="02020603050405020304" pitchFamily="18" charset="0"/>
-              </a:endParaRPr>
-            </a:p>
-          </p:txBody>
-        </p:sp>
-        <p:sp>
-          <p:nvSpPr>
-            <p:cNvPr id="55" name="TextBox 54">
-              <a:extLst>
-                <a:ext uri="{FF2B5EF4-FFF2-40B4-BE49-F238E27FC236}">
-                  <a16:creationId xmlns:a16="http://schemas.microsoft.com/office/drawing/2014/main" id="{B522BA9B-2FFC-EA45-B877-0A3F29CDD007}"/>
-                </a:ext>
-              </a:extLst>
-            </p:cNvPr>
-            <p:cNvSpPr txBox="1"/>
-            <p:nvPr/>
-          </p:nvSpPr>
-          <p:spPr>
-            <a:xfrm>
-              <a:off x="4494882" y="3292302"/>
-              <a:ext cx="308694" cy="307777"/>
-            </a:xfrm>
-            <a:prstGeom prst="rect">
-              <a:avLst/>
-            </a:prstGeom>
-            <a:noFill/>
-          </p:spPr>
-          <p:txBody>
-            <a:bodyPr wrap="square" rtlCol="0">
-              <a:spAutoFit/>
-            </a:bodyPr>
-            <a:lstStyle/>
-            <a:p>
-              <a:r>
-                <a:rPr lang="en-VN" sz="1400" i="1">
-                  <a:latin typeface="Times New Roman" panose="02020603050405020304" pitchFamily="18" charset="0"/>
-                  <a:cs typeface="Times New Roman" panose="02020603050405020304" pitchFamily="18" charset="0"/>
-                </a:rPr>
-                <a:t>u</a:t>
-              </a:r>
-            </a:p>
-          </p:txBody>
-        </p:sp>
-        <p:sp>
-          <p:nvSpPr>
-            <p:cNvPr id="56" name="TextBox 55">
-              <a:extLst>
-                <a:ext uri="{FF2B5EF4-FFF2-40B4-BE49-F238E27FC236}">
-                  <a16:creationId xmlns:a16="http://schemas.microsoft.com/office/drawing/2014/main" id="{B3A014BD-3D94-7941-A494-8AEA01CC1804}"/>
-                </a:ext>
-              </a:extLst>
-            </p:cNvPr>
-            <p:cNvSpPr txBox="1"/>
-            <p:nvPr/>
-          </p:nvSpPr>
-          <p:spPr>
-            <a:xfrm>
-              <a:off x="3543201" y="4031662"/>
-              <a:ext cx="429658" cy="307777"/>
-            </a:xfrm>
-            <a:prstGeom prst="rect">
-              <a:avLst/>
-            </a:prstGeom>
-            <a:noFill/>
-          </p:spPr>
-          <p:txBody>
-            <a:bodyPr wrap="square" rtlCol="0">
-              <a:spAutoFit/>
-            </a:bodyPr>
-            <a:lstStyle/>
-            <a:p>
-              <a:pPr algn="ctr"/>
-              <a:r>
-                <a:rPr lang="en-VN" sz="1400" i="1">
-                  <a:latin typeface="Times New Roman" panose="02020603050405020304" pitchFamily="18" charset="0"/>
-                  <a:cs typeface="Times New Roman" panose="02020603050405020304" pitchFamily="18" charset="0"/>
-                </a:rPr>
-                <a:t>i</a:t>
-              </a:r>
-            </a:p>
-          </p:txBody>
-        </p:sp>
-        <p:sp>
-          <p:nvSpPr>
-            <p:cNvPr id="57" name="Rectangle 56">
-              <a:extLst>
-                <a:ext uri="{FF2B5EF4-FFF2-40B4-BE49-F238E27FC236}">
-                  <a16:creationId xmlns:a16="http://schemas.microsoft.com/office/drawing/2014/main" id="{1F17C0D4-B38F-E742-A4F1-5B3ABE6A3D25}"/>
-                </a:ext>
-              </a:extLst>
-            </p:cNvPr>
-            <p:cNvSpPr/>
-            <p:nvPr/>
-          </p:nvSpPr>
-          <p:spPr>
-            <a:xfrm>
-              <a:off x="3641072" y="3316845"/>
-              <a:ext cx="233917" cy="233916"/>
-            </a:xfrm>
-            <a:prstGeom prst="rect">
-              <a:avLst/>
-            </a:prstGeom>
-            <a:solidFill>
-              <a:srgbClr val="0070C0">
-                <a:alpha val="40000"/>
-              </a:srgbClr>
-            </a:solidFill>
-            <a:ln>
+      <mc:AlternateContent xmlns:mc="http://schemas.openxmlformats.org/markup-compatibility/2006" xmlns:a14="http://schemas.microsoft.com/office/drawing/2010/main">
+        <mc:Choice Requires="a14">
+          <p:sp>
+            <p:nvSpPr>
+              <p:cNvPr id="50" name="TextBox 49">
+                <a:extLst>
+                  <a:ext uri="{FF2B5EF4-FFF2-40B4-BE49-F238E27FC236}">
+                    <a16:creationId xmlns:a16="http://schemas.microsoft.com/office/drawing/2014/main" id="{AE220249-72BE-2127-D0A8-D9BB67763BCA}"/>
+                  </a:ext>
+                </a:extLst>
+              </p:cNvPr>
+              <p:cNvSpPr txBox="1"/>
+              <p:nvPr/>
+            </p:nvSpPr>
+            <p:spPr>
+              <a:xfrm>
+                <a:off x="4677723" y="1539675"/>
+                <a:ext cx="685800" cy="325089"/>
+              </a:xfrm>
+              <a:prstGeom prst="rect">
+                <a:avLst/>
+              </a:prstGeom>
               <a:noFill/>
-            </a:ln>
-          </p:spPr>
-          <p:style>
-            <a:lnRef idx="2">
-              <a:schemeClr val="accent1">
-                <a:shade val="50000"/>
-              </a:schemeClr>
-            </a:lnRef>
-            <a:fillRef idx="1">
-              <a:schemeClr val="accent1"/>
-            </a:fillRef>
-            <a:effectRef idx="0">
-              <a:schemeClr val="accent1"/>
-            </a:effectRef>
-            <a:fontRef idx="minor">
-              <a:schemeClr val="lt1"/>
-            </a:fontRef>
-          </p:style>
-          <p:txBody>
-            <a:bodyPr rtlCol="0" anchor="ctr"/>
-            <a:lstStyle/>
-            <a:p>
-              <a:pPr algn="ctr"/>
-              <a:endParaRPr lang="en-VN">
-                <a:latin typeface="Times New Roman" panose="02020603050405020304" pitchFamily="18" charset="0"/>
-                <a:cs typeface="Times New Roman" panose="02020603050405020304" pitchFamily="18" charset="0"/>
-              </a:endParaRPr>
-            </a:p>
-          </p:txBody>
-        </p:sp>
-        <p:sp>
-          <p:nvSpPr>
-            <p:cNvPr id="62" name="TextBox 61">
-              <a:extLst>
-                <a:ext uri="{FF2B5EF4-FFF2-40B4-BE49-F238E27FC236}">
-                  <a16:creationId xmlns:a16="http://schemas.microsoft.com/office/drawing/2014/main" id="{31623053-CD37-1B47-98A9-EE988C847488}"/>
-                </a:ext>
-              </a:extLst>
-            </p:cNvPr>
-            <p:cNvSpPr txBox="1"/>
-            <p:nvPr/>
-          </p:nvSpPr>
-          <p:spPr>
-            <a:xfrm>
-              <a:off x="2743128" y="2974230"/>
-              <a:ext cx="897945" cy="338554"/>
-            </a:xfrm>
-            <a:prstGeom prst="rect">
-              <a:avLst/>
-            </a:prstGeom>
-            <a:noFill/>
-          </p:spPr>
-          <p:txBody>
-            <a:bodyPr wrap="square" rtlCol="0">
-              <a:spAutoFit/>
-            </a:bodyPr>
-            <a:lstStyle/>
-            <a:p>
-              <a:pPr algn="r"/>
-              <a:r>
-                <a:rPr lang="en-VN" sz="1600" i="1">
-                  <a:latin typeface="Times New Roman" panose="02020603050405020304" pitchFamily="18" charset="0"/>
-                  <a:cs typeface="Times New Roman" panose="02020603050405020304" pitchFamily="18" charset="0"/>
-                </a:rPr>
-                <a:t>b</a:t>
-              </a:r>
-              <a:r>
-                <a:rPr lang="en-VN" sz="1600" i="1" baseline="-25000">
-                  <a:latin typeface="Times New Roman" panose="02020603050405020304" pitchFamily="18" charset="0"/>
-                  <a:cs typeface="Times New Roman" panose="02020603050405020304" pitchFamily="18" charset="0"/>
-                </a:rPr>
-                <a:t>u</a:t>
-              </a:r>
-              <a:r>
-                <a:rPr lang="en-VN" sz="1600" i="1">
-                  <a:latin typeface="Times New Roman" panose="02020603050405020304" pitchFamily="18" charset="0"/>
-                  <a:cs typeface="Times New Roman" panose="02020603050405020304" pitchFamily="18" charset="0"/>
-                </a:rPr>
-                <a:t> + b</a:t>
-              </a:r>
-              <a:r>
-                <a:rPr lang="en-VN" sz="1600" i="1" baseline="-25000">
-                  <a:latin typeface="Times New Roman" panose="02020603050405020304" pitchFamily="18" charset="0"/>
-                  <a:cs typeface="Times New Roman" panose="02020603050405020304" pitchFamily="18" charset="0"/>
-                </a:rPr>
-                <a:t>i</a:t>
-              </a:r>
-            </a:p>
-          </p:txBody>
-        </p:sp>
-      </p:grpSp>
+            </p:spPr>
+            <p:txBody>
+              <a:bodyPr wrap="square" rtlCol="0">
+                <a:spAutoFit/>
+              </a:bodyPr>
+              <a:lstStyle/>
+              <a:p>
+                <a:pPr/>
+                <a14:m>
+                  <m:oMathPara xmlns:m="http://schemas.openxmlformats.org/officeDocument/2006/math">
+                    <m:oMathParaPr>
+                      <m:jc m:val="centerGroup"/>
+                    </m:oMathParaPr>
+                    <m:oMath xmlns:m="http://schemas.openxmlformats.org/officeDocument/2006/math">
+                      <m:r>
+                        <a:rPr lang="en-US" sz="1400" b="0" i="1" smtClean="0">
+                          <a:latin typeface="Cambria Math" panose="02040503050406030204" pitchFamily="18" charset="0"/>
+                        </a:rPr>
+                        <m:t> </m:t>
+                      </m:r>
+                      <m:sSub>
+                        <m:sSubPr>
+                          <m:ctrlPr>
+                            <a:rPr lang="en-US" sz="1400" b="0" i="1" smtClean="0">
+                              <a:latin typeface="Cambria Math" panose="02040503050406030204" pitchFamily="18" charset="0"/>
+                            </a:rPr>
+                          </m:ctrlPr>
+                        </m:sSubPr>
+                        <m:e>
+                          <m:r>
+                            <a:rPr lang="en-US" sz="1400" b="0" i="1" smtClean="0">
+                              <a:latin typeface="Cambria Math" panose="02040503050406030204" pitchFamily="18" charset="0"/>
+                            </a:rPr>
+                            <m:t>𝑝</m:t>
+                          </m:r>
+                        </m:e>
+                        <m:sub>
+                          <m:r>
+                            <a:rPr lang="en-US" sz="1400" b="0" i="1" smtClean="0">
+                              <a:latin typeface="Cambria Math" panose="02040503050406030204" pitchFamily="18" charset="0"/>
+                            </a:rPr>
+                            <m:t>𝑗</m:t>
+                          </m:r>
+                        </m:sub>
+                      </m:sSub>
+                    </m:oMath>
+                  </m:oMathPara>
+                </a14:m>
+                <a:endParaRPr lang="en-US" sz="1400" dirty="0"/>
+              </a:p>
+            </p:txBody>
+          </p:sp>
+        </mc:Choice>
+        <mc:Fallback xmlns="">
+          <p:sp>
+            <p:nvSpPr>
+              <p:cNvPr id="50" name="TextBox 49">
+                <a:extLst>
+                  <a:ext uri="{FF2B5EF4-FFF2-40B4-BE49-F238E27FC236}">
+                    <a16:creationId xmlns:a16="http://schemas.microsoft.com/office/drawing/2014/main" id="{AE220249-72BE-2127-D0A8-D9BB67763BCA}"/>
+                  </a:ext>
+                </a:extLst>
+              </p:cNvPr>
+              <p:cNvSpPr txBox="1">
+                <a:spLocks noRot="1" noChangeAspect="1" noMove="1" noResize="1" noEditPoints="1" noAdjustHandles="1" noChangeArrowheads="1" noChangeShapeType="1" noTextEdit="1"/>
+              </p:cNvSpPr>
+              <p:nvPr/>
+            </p:nvSpPr>
+            <p:spPr>
+              <a:xfrm>
+                <a:off x="4677723" y="1539675"/>
+                <a:ext cx="685800" cy="325089"/>
+              </a:xfrm>
+              <a:prstGeom prst="rect">
+                <a:avLst/>
+              </a:prstGeom>
+              <a:blipFill>
+                <a:blip r:embed="rId5"/>
+                <a:stretch>
+                  <a:fillRect b="-3774"/>
+                </a:stretch>
+              </a:blipFill>
+            </p:spPr>
+            <p:txBody>
+              <a:bodyPr/>
+              <a:lstStyle/>
+              <a:p>
+                <a:r>
+                  <a:rPr lang="en-US">
+                    <a:noFill/>
+                  </a:rPr>
+                  <a:t> </a:t>
+                </a:r>
+              </a:p>
+            </p:txBody>
+          </p:sp>
+        </mc:Fallback>
+      </mc:AlternateContent>
+      <mc:AlternateContent xmlns:mc="http://schemas.openxmlformats.org/markup-compatibility/2006" xmlns:a14="http://schemas.microsoft.com/office/drawing/2010/main">
+        <mc:Choice Requires="a14">
+          <p:sp>
+            <p:nvSpPr>
+              <p:cNvPr id="51" name="TextBox 50">
+                <a:extLst>
+                  <a:ext uri="{FF2B5EF4-FFF2-40B4-BE49-F238E27FC236}">
+                    <a16:creationId xmlns:a16="http://schemas.microsoft.com/office/drawing/2014/main" id="{8688C9EE-437D-85B9-056B-98564773D476}"/>
+                  </a:ext>
+                </a:extLst>
+              </p:cNvPr>
+              <p:cNvSpPr txBox="1"/>
+              <p:nvPr/>
+            </p:nvSpPr>
+            <p:spPr>
+              <a:xfrm rot="18545252">
+                <a:off x="6000702" y="2386156"/>
+                <a:ext cx="964705" cy="325089"/>
+              </a:xfrm>
+              <a:prstGeom prst="rect">
+                <a:avLst/>
+              </a:prstGeom>
+              <a:noFill/>
+            </p:spPr>
+            <p:txBody>
+              <a:bodyPr wrap="square" rtlCol="0">
+                <a:spAutoFit/>
+              </a:bodyPr>
+              <a:lstStyle/>
+              <a:p>
+                <a14:m>
+                  <m:oMath xmlns:m="http://schemas.openxmlformats.org/officeDocument/2006/math">
+                    <m:r>
+                      <a:rPr lang="en-US" sz="1400" b="0" i="1" smtClean="0">
+                        <a:latin typeface="Cambria Math" panose="02040503050406030204" pitchFamily="18" charset="0"/>
+                      </a:rPr>
+                      <m:t>𝑑</m:t>
+                    </m:r>
+                    <m:r>
+                      <a:rPr lang="en-US" sz="1400" b="0" i="1" smtClean="0">
+                        <a:latin typeface="Cambria Math" panose="02040503050406030204" pitchFamily="18" charset="0"/>
+                      </a:rPr>
+                      <m:t>(</m:t>
+                    </m:r>
+                    <m:sSub>
+                      <m:sSubPr>
+                        <m:ctrlPr>
+                          <a:rPr lang="en-US" sz="1400" b="0" i="1" smtClean="0">
+                            <a:latin typeface="Cambria Math" panose="02040503050406030204" pitchFamily="18" charset="0"/>
+                          </a:rPr>
+                        </m:ctrlPr>
+                      </m:sSubPr>
+                      <m:e>
+                        <m:r>
+                          <a:rPr lang="en-US" sz="1400" b="0" i="1" smtClean="0">
+                            <a:latin typeface="Cambria Math" panose="02040503050406030204" pitchFamily="18" charset="0"/>
+                          </a:rPr>
+                          <m:t>𝑝</m:t>
+                        </m:r>
+                      </m:e>
+                      <m:sub>
+                        <m:r>
+                          <a:rPr lang="en-US" sz="1400" b="0" i="1" smtClean="0">
+                            <a:latin typeface="Cambria Math" panose="02040503050406030204" pitchFamily="18" charset="0"/>
+                          </a:rPr>
+                          <m:t>𝑖</m:t>
+                        </m:r>
+                      </m:sub>
+                    </m:sSub>
+                    <m:r>
+                      <a:rPr lang="en-US" sz="1400" b="0" i="1" smtClean="0">
+                        <a:latin typeface="Cambria Math" panose="02040503050406030204" pitchFamily="18" charset="0"/>
+                      </a:rPr>
+                      <m:t>,</m:t>
+                    </m:r>
+                    <m:sSub>
+                      <m:sSubPr>
+                        <m:ctrlPr>
+                          <a:rPr lang="en-US" sz="1400" b="0" i="1" smtClean="0">
+                            <a:latin typeface="Cambria Math" panose="02040503050406030204" pitchFamily="18" charset="0"/>
+                          </a:rPr>
+                        </m:ctrlPr>
+                      </m:sSubPr>
+                      <m:e>
+                        <m:r>
+                          <a:rPr lang="en-US" sz="1400" b="0" i="1" smtClean="0">
+                            <a:latin typeface="Cambria Math" panose="02040503050406030204" pitchFamily="18" charset="0"/>
+                          </a:rPr>
+                          <m:t>𝑝</m:t>
+                        </m:r>
+                      </m:e>
+                      <m:sub>
+                        <m:r>
+                          <a:rPr lang="en-US" sz="1400" b="0" i="1" smtClean="0">
+                            <a:latin typeface="Cambria Math" panose="02040503050406030204" pitchFamily="18" charset="0"/>
+                          </a:rPr>
+                          <m:t>𝑗</m:t>
+                        </m:r>
+                      </m:sub>
+                    </m:sSub>
+                  </m:oMath>
+                </a14:m>
+                <a:r>
+                  <a:rPr lang="en-US" sz="1400" dirty="0"/>
+                  <a:t>)</a:t>
+                </a:r>
+              </a:p>
+            </p:txBody>
+          </p:sp>
+        </mc:Choice>
+        <mc:Fallback xmlns="">
+          <p:sp>
+            <p:nvSpPr>
+              <p:cNvPr id="51" name="TextBox 50">
+                <a:extLst>
+                  <a:ext uri="{FF2B5EF4-FFF2-40B4-BE49-F238E27FC236}">
+                    <a16:creationId xmlns:a16="http://schemas.microsoft.com/office/drawing/2014/main" id="{8688C9EE-437D-85B9-056B-98564773D476}"/>
+                  </a:ext>
+                </a:extLst>
+              </p:cNvPr>
+              <p:cNvSpPr txBox="1">
+                <a:spLocks noRot="1" noChangeAspect="1" noMove="1" noResize="1" noEditPoints="1" noAdjustHandles="1" noChangeArrowheads="1" noChangeShapeType="1" noTextEdit="1"/>
+              </p:cNvSpPr>
+              <p:nvPr/>
+            </p:nvSpPr>
+            <p:spPr>
+              <a:xfrm rot="18545252">
+                <a:off x="6000702" y="2386156"/>
+                <a:ext cx="964705" cy="325089"/>
+              </a:xfrm>
+              <a:prstGeom prst="rect">
+                <a:avLst/>
+              </a:prstGeom>
+              <a:blipFill>
+                <a:blip r:embed="rId6"/>
+                <a:stretch>
+                  <a:fillRect/>
+                </a:stretch>
+              </a:blipFill>
+            </p:spPr>
+            <p:txBody>
+              <a:bodyPr/>
+              <a:lstStyle/>
+              <a:p>
+                <a:r>
+                  <a:rPr lang="en-US">
+                    <a:noFill/>
+                  </a:rPr>
+                  <a:t> </a:t>
+                </a:r>
+              </a:p>
+            </p:txBody>
+          </p:sp>
+        </mc:Fallback>
+      </mc:AlternateContent>
     </p:spTree>
     <p:extLst>
       <p:ext uri="{BB962C8B-B14F-4D97-AF65-F5344CB8AC3E}">
-        <p14:creationId xmlns:p14="http://schemas.microsoft.com/office/powerpoint/2010/main" val="3617940449"/>
+        <p14:creationId xmlns:p14="http://schemas.microsoft.com/office/powerpoint/2010/main" val="2200623199"/>
       </p:ext>
     </p:extLst>
   </p:cSld>
